--- a/public/js/tasks/ncair/media/Ncair_Remote_Instructions.pptx
+++ b/public/js/tasks/ncair/media/Ncair_Remote_Instructions.pptx
@@ -5,32 +5,34 @@
     <p:sldMasterId id="2147483660" r:id="rId1"/>
   </p:sldMasterIdLst>
   <p:notesMasterIdLst>
-    <p:notesMasterId r:id="rId25"/>
+    <p:notesMasterId r:id="rId27"/>
   </p:notesMasterIdLst>
   <p:sldIdLst>
     <p:sldId id="498" r:id="rId2"/>
-    <p:sldId id="559" r:id="rId3"/>
-    <p:sldId id="538" r:id="rId4"/>
-    <p:sldId id="564" r:id="rId5"/>
-    <p:sldId id="550" r:id="rId6"/>
-    <p:sldId id="565" r:id="rId7"/>
-    <p:sldId id="551" r:id="rId8"/>
-    <p:sldId id="552" r:id="rId9"/>
-    <p:sldId id="579" r:id="rId10"/>
-    <p:sldId id="555" r:id="rId11"/>
-    <p:sldId id="566" r:id="rId12"/>
-    <p:sldId id="556" r:id="rId13"/>
-    <p:sldId id="576" r:id="rId14"/>
-    <p:sldId id="557" r:id="rId15"/>
-    <p:sldId id="558" r:id="rId16"/>
-    <p:sldId id="578" r:id="rId17"/>
-    <p:sldId id="560" r:id="rId18"/>
-    <p:sldId id="580" r:id="rId19"/>
-    <p:sldId id="561" r:id="rId20"/>
-    <p:sldId id="581" r:id="rId21"/>
-    <p:sldId id="562" r:id="rId22"/>
-    <p:sldId id="563" r:id="rId23"/>
-    <p:sldId id="582" r:id="rId24"/>
+    <p:sldId id="583" r:id="rId3"/>
+    <p:sldId id="584" r:id="rId4"/>
+    <p:sldId id="559" r:id="rId5"/>
+    <p:sldId id="538" r:id="rId6"/>
+    <p:sldId id="564" r:id="rId7"/>
+    <p:sldId id="550" r:id="rId8"/>
+    <p:sldId id="565" r:id="rId9"/>
+    <p:sldId id="551" r:id="rId10"/>
+    <p:sldId id="552" r:id="rId11"/>
+    <p:sldId id="579" r:id="rId12"/>
+    <p:sldId id="555" r:id="rId13"/>
+    <p:sldId id="566" r:id="rId14"/>
+    <p:sldId id="556" r:id="rId15"/>
+    <p:sldId id="576" r:id="rId16"/>
+    <p:sldId id="557" r:id="rId17"/>
+    <p:sldId id="558" r:id="rId18"/>
+    <p:sldId id="578" r:id="rId19"/>
+    <p:sldId id="560" r:id="rId20"/>
+    <p:sldId id="580" r:id="rId21"/>
+    <p:sldId id="561" r:id="rId22"/>
+    <p:sldId id="581" r:id="rId23"/>
+    <p:sldId id="562" r:id="rId24"/>
+    <p:sldId id="563" r:id="rId25"/>
+    <p:sldId id="582" r:id="rId26"/>
   </p:sldIdLst>
   <p:sldSz cx="9144000" cy="6858000" type="screen4x3"/>
   <p:notesSz cx="6858000" cy="9144000"/>
@@ -230,7 +232,7 @@
           <a:p>
             <a:fld id="{5ACDFB13-8C7E-2148-B293-047F9641DD71}" type="datetimeFigureOut">
               <a:rPr lang="en-US" smtClean="0"/>
-              <a:t>3/10/21</a:t>
+              <a:t>3/17/21</a:t>
             </a:fld>
             <a:endParaRPr lang="en-US" dirty="0"/>
           </a:p>
@@ -671,7 +673,7 @@
     </p:spTree>
     <p:extLst>
       <p:ext uri="{BB962C8B-B14F-4D97-AF65-F5344CB8AC3E}">
-        <p14:creationId xmlns:p14="http://schemas.microsoft.com/office/powerpoint/2010/main" val="365048788"/>
+        <p14:creationId xmlns:p14="http://schemas.microsoft.com/office/powerpoint/2010/main" val="2348583058"/>
       </p:ext>
     </p:extLst>
   </p:cSld>
@@ -727,13 +729,8 @@
           <a:p>
             <a:r>
               <a:rPr lang="en-US" dirty="0"/>
-              <a:t>Add screenshots of an X and an O</a:t>
-            </a:r>
-            <a:r>
-              <a:rPr lang="en-US" baseline="0" dirty="0"/>
-              <a:t> screen – like a timeline of screenshots.</a:t>
-            </a:r>
-            <a:endParaRPr lang="en-US" dirty="0"/>
+              <a:t>Audi Run</a:t>
+            </a:r>
           </a:p>
         </p:txBody>
       </p:sp>
@@ -763,7 +760,7 @@
     </p:spTree>
     <p:extLst>
       <p:ext uri="{BB962C8B-B14F-4D97-AF65-F5344CB8AC3E}">
-        <p14:creationId xmlns:p14="http://schemas.microsoft.com/office/powerpoint/2010/main" val="844929755"/>
+        <p14:creationId xmlns:p14="http://schemas.microsoft.com/office/powerpoint/2010/main" val="3991063789"/>
       </p:ext>
     </p:extLst>
   </p:cSld>
@@ -855,7 +852,7 @@
     </p:spTree>
     <p:extLst>
       <p:ext uri="{BB962C8B-B14F-4D97-AF65-F5344CB8AC3E}">
-        <p14:creationId xmlns:p14="http://schemas.microsoft.com/office/powerpoint/2010/main" val="611899141"/>
+        <p14:creationId xmlns:p14="http://schemas.microsoft.com/office/powerpoint/2010/main" val="365048788"/>
       </p:ext>
     </p:extLst>
   </p:cSld>
@@ -947,7 +944,7 @@
     </p:spTree>
     <p:extLst>
       <p:ext uri="{BB962C8B-B14F-4D97-AF65-F5344CB8AC3E}">
-        <p14:creationId xmlns:p14="http://schemas.microsoft.com/office/powerpoint/2010/main" val="3934021912"/>
+        <p14:creationId xmlns:p14="http://schemas.microsoft.com/office/powerpoint/2010/main" val="844929755"/>
       </p:ext>
     </p:extLst>
   </p:cSld>
@@ -1039,7 +1036,7 @@
     </p:spTree>
     <p:extLst>
       <p:ext uri="{BB962C8B-B14F-4D97-AF65-F5344CB8AC3E}">
-        <p14:creationId xmlns:p14="http://schemas.microsoft.com/office/powerpoint/2010/main" val="759791530"/>
+        <p14:creationId xmlns:p14="http://schemas.microsoft.com/office/powerpoint/2010/main" val="611899141"/>
       </p:ext>
     </p:extLst>
   </p:cSld>
@@ -1131,7 +1128,7 @@
     </p:spTree>
     <p:extLst>
       <p:ext uri="{BB962C8B-B14F-4D97-AF65-F5344CB8AC3E}">
-        <p14:creationId xmlns:p14="http://schemas.microsoft.com/office/powerpoint/2010/main" val="792465981"/>
+        <p14:creationId xmlns:p14="http://schemas.microsoft.com/office/powerpoint/2010/main" val="3934021912"/>
       </p:ext>
     </p:extLst>
   </p:cSld>
@@ -1223,7 +1220,7 @@
     </p:spTree>
     <p:extLst>
       <p:ext uri="{BB962C8B-B14F-4D97-AF65-F5344CB8AC3E}">
-        <p14:creationId xmlns:p14="http://schemas.microsoft.com/office/powerpoint/2010/main" val="3498156207"/>
+        <p14:creationId xmlns:p14="http://schemas.microsoft.com/office/powerpoint/2010/main" val="759791530"/>
       </p:ext>
     </p:extLst>
   </p:cSld>
@@ -1315,7 +1312,7 @@
     </p:spTree>
     <p:extLst>
       <p:ext uri="{BB962C8B-B14F-4D97-AF65-F5344CB8AC3E}">
-        <p14:creationId xmlns:p14="http://schemas.microsoft.com/office/powerpoint/2010/main" val="3271346721"/>
+        <p14:creationId xmlns:p14="http://schemas.microsoft.com/office/powerpoint/2010/main" val="792465981"/>
       </p:ext>
     </p:extLst>
   </p:cSld>
@@ -1407,7 +1404,7 @@
     </p:spTree>
     <p:extLst>
       <p:ext uri="{BB962C8B-B14F-4D97-AF65-F5344CB8AC3E}">
-        <p14:creationId xmlns:p14="http://schemas.microsoft.com/office/powerpoint/2010/main" val="3191026078"/>
+        <p14:creationId xmlns:p14="http://schemas.microsoft.com/office/powerpoint/2010/main" val="3498156207"/>
       </p:ext>
     </p:extLst>
   </p:cSld>
@@ -1499,7 +1496,7 @@
     </p:spTree>
     <p:extLst>
       <p:ext uri="{BB962C8B-B14F-4D97-AF65-F5344CB8AC3E}">
-        <p14:creationId xmlns:p14="http://schemas.microsoft.com/office/powerpoint/2010/main" val="953407085"/>
+        <p14:creationId xmlns:p14="http://schemas.microsoft.com/office/powerpoint/2010/main" val="3271346721"/>
       </p:ext>
     </p:extLst>
   </p:cSld>
@@ -1555,11 +1552,11 @@
           <a:p>
             <a:r>
               <a:rPr lang="en-US" dirty="0"/>
-              <a:t>Add screenshots of an X and an O</a:t>
+              <a:t>Outside</a:t>
             </a:r>
             <a:r>
               <a:rPr lang="en-US" baseline="0" dirty="0"/>
-              <a:t> screen – like a timeline of screenshots.</a:t>
+              <a:t> the scanner</a:t>
             </a:r>
             <a:endParaRPr lang="en-US" dirty="0"/>
           </a:p>
@@ -1591,7 +1588,7 @@
     </p:spTree>
     <p:extLst>
       <p:ext uri="{BB962C8B-B14F-4D97-AF65-F5344CB8AC3E}">
-        <p14:creationId xmlns:p14="http://schemas.microsoft.com/office/powerpoint/2010/main" val="1995518998"/>
+        <p14:creationId xmlns:p14="http://schemas.microsoft.com/office/powerpoint/2010/main" val="2519080488"/>
       </p:ext>
     </p:extLst>
   </p:cSld>
@@ -1683,7 +1680,7 @@
     </p:spTree>
     <p:extLst>
       <p:ext uri="{BB962C8B-B14F-4D97-AF65-F5344CB8AC3E}">
-        <p14:creationId xmlns:p14="http://schemas.microsoft.com/office/powerpoint/2010/main" val="253404909"/>
+        <p14:creationId xmlns:p14="http://schemas.microsoft.com/office/powerpoint/2010/main" val="3191026078"/>
       </p:ext>
     </p:extLst>
   </p:cSld>
@@ -1775,7 +1772,7 @@
     </p:spTree>
     <p:extLst>
       <p:ext uri="{BB962C8B-B14F-4D97-AF65-F5344CB8AC3E}">
-        <p14:creationId xmlns:p14="http://schemas.microsoft.com/office/powerpoint/2010/main" val="22306044"/>
+        <p14:creationId xmlns:p14="http://schemas.microsoft.com/office/powerpoint/2010/main" val="953407085"/>
       </p:ext>
     </p:extLst>
   </p:cSld>
@@ -1867,7 +1864,7 @@
     </p:spTree>
     <p:extLst>
       <p:ext uri="{BB962C8B-B14F-4D97-AF65-F5344CB8AC3E}">
-        <p14:creationId xmlns:p14="http://schemas.microsoft.com/office/powerpoint/2010/main" val="1787507068"/>
+        <p14:creationId xmlns:p14="http://schemas.microsoft.com/office/powerpoint/2010/main" val="253404909"/>
       </p:ext>
     </p:extLst>
   </p:cSld>
@@ -1921,6 +1918,190 @@
           <a:bodyPr/>
           <a:lstStyle/>
           <a:p>
+            <a:r>
+              <a:rPr lang="en-US" dirty="0"/>
+              <a:t>Add screenshots of an X and an O</a:t>
+            </a:r>
+            <a:r>
+              <a:rPr lang="en-US" baseline="0" dirty="0"/>
+              <a:t> screen – like a timeline of screenshots.</a:t>
+            </a:r>
+            <a:endParaRPr lang="en-US" dirty="0"/>
+          </a:p>
+        </p:txBody>
+      </p:sp>
+      <p:sp>
+        <p:nvSpPr>
+          <p:cNvPr id="4" name="Slide Number Placeholder 3"/>
+          <p:cNvSpPr>
+            <a:spLocks noGrp="1"/>
+          </p:cNvSpPr>
+          <p:nvPr>
+            <p:ph type="sldNum" sz="quarter" idx="10"/>
+          </p:nvPr>
+        </p:nvSpPr>
+        <p:spPr/>
+        <p:txBody>
+          <a:bodyPr/>
+          <a:lstStyle/>
+          <a:p>
+            <a:fld id="{BCAE12D7-AE97-9243-8341-9A20FCA5A307}" type="slidenum">
+              <a:rPr lang="en-US" smtClean="0"/>
+              <a:t>23</a:t>
+            </a:fld>
+            <a:endParaRPr lang="en-US"/>
+          </a:p>
+        </p:txBody>
+      </p:sp>
+    </p:spTree>
+    <p:extLst>
+      <p:ext uri="{BB962C8B-B14F-4D97-AF65-F5344CB8AC3E}">
+        <p14:creationId xmlns:p14="http://schemas.microsoft.com/office/powerpoint/2010/main" val="22306044"/>
+      </p:ext>
+    </p:extLst>
+  </p:cSld>
+  <p:clrMapOvr>
+    <a:masterClrMapping/>
+  </p:clrMapOvr>
+</p:notes>
+</file>
+
+<file path=ppt/notesSlides/notesSlide24.xml><?xml version="1.0" encoding="utf-8"?>
+<p:notes xmlns:a="http://schemas.openxmlformats.org/drawingml/2006/main" xmlns:r="http://schemas.openxmlformats.org/officeDocument/2006/relationships" xmlns:p="http://schemas.openxmlformats.org/presentationml/2006/main">
+  <p:cSld>
+    <p:spTree>
+      <p:nvGrpSpPr>
+        <p:cNvPr id="1" name=""/>
+        <p:cNvGrpSpPr/>
+        <p:nvPr/>
+      </p:nvGrpSpPr>
+      <p:grpSpPr>
+        <a:xfrm>
+          <a:off x="0" y="0"/>
+          <a:ext cx="0" cy="0"/>
+          <a:chOff x="0" y="0"/>
+          <a:chExt cx="0" cy="0"/>
+        </a:xfrm>
+      </p:grpSpPr>
+      <p:sp>
+        <p:nvSpPr>
+          <p:cNvPr id="2" name="Slide Image Placeholder 1"/>
+          <p:cNvSpPr>
+            <a:spLocks noGrp="1" noRot="1" noChangeAspect="1"/>
+          </p:cNvSpPr>
+          <p:nvPr>
+            <p:ph type="sldImg"/>
+          </p:nvPr>
+        </p:nvSpPr>
+        <p:spPr/>
+      </p:sp>
+      <p:sp>
+        <p:nvSpPr>
+          <p:cNvPr id="3" name="Notes Placeholder 2"/>
+          <p:cNvSpPr>
+            <a:spLocks noGrp="1"/>
+          </p:cNvSpPr>
+          <p:nvPr>
+            <p:ph type="body" idx="1"/>
+          </p:nvPr>
+        </p:nvSpPr>
+        <p:spPr/>
+        <p:txBody>
+          <a:bodyPr/>
+          <a:lstStyle/>
+          <a:p>
+            <a:r>
+              <a:rPr lang="en-US" dirty="0"/>
+              <a:t>Add screenshots of an X and an O</a:t>
+            </a:r>
+            <a:r>
+              <a:rPr lang="en-US" baseline="0" dirty="0"/>
+              <a:t> screen – like a timeline of screenshots.</a:t>
+            </a:r>
+            <a:endParaRPr lang="en-US" dirty="0"/>
+          </a:p>
+        </p:txBody>
+      </p:sp>
+      <p:sp>
+        <p:nvSpPr>
+          <p:cNvPr id="4" name="Slide Number Placeholder 3"/>
+          <p:cNvSpPr>
+            <a:spLocks noGrp="1"/>
+          </p:cNvSpPr>
+          <p:nvPr>
+            <p:ph type="sldNum" sz="quarter" idx="10"/>
+          </p:nvPr>
+        </p:nvSpPr>
+        <p:spPr/>
+        <p:txBody>
+          <a:bodyPr/>
+          <a:lstStyle/>
+          <a:p>
+            <a:fld id="{BCAE12D7-AE97-9243-8341-9A20FCA5A307}" type="slidenum">
+              <a:rPr lang="en-US" smtClean="0"/>
+              <a:t>24</a:t>
+            </a:fld>
+            <a:endParaRPr lang="en-US"/>
+          </a:p>
+        </p:txBody>
+      </p:sp>
+    </p:spTree>
+    <p:extLst>
+      <p:ext uri="{BB962C8B-B14F-4D97-AF65-F5344CB8AC3E}">
+        <p14:creationId xmlns:p14="http://schemas.microsoft.com/office/powerpoint/2010/main" val="1787507068"/>
+      </p:ext>
+    </p:extLst>
+  </p:cSld>
+  <p:clrMapOvr>
+    <a:masterClrMapping/>
+  </p:clrMapOvr>
+</p:notes>
+</file>
+
+<file path=ppt/notesSlides/notesSlide25.xml><?xml version="1.0" encoding="utf-8"?>
+<p:notes xmlns:a="http://schemas.openxmlformats.org/drawingml/2006/main" xmlns:r="http://schemas.openxmlformats.org/officeDocument/2006/relationships" xmlns:p="http://schemas.openxmlformats.org/presentationml/2006/main">
+  <p:cSld>
+    <p:spTree>
+      <p:nvGrpSpPr>
+        <p:cNvPr id="1" name=""/>
+        <p:cNvGrpSpPr/>
+        <p:nvPr/>
+      </p:nvGrpSpPr>
+      <p:grpSpPr>
+        <a:xfrm>
+          <a:off x="0" y="0"/>
+          <a:ext cx="0" cy="0"/>
+          <a:chOff x="0" y="0"/>
+          <a:chExt cx="0" cy="0"/>
+        </a:xfrm>
+      </p:grpSpPr>
+      <p:sp>
+        <p:nvSpPr>
+          <p:cNvPr id="2" name="Slide Image Placeholder 1"/>
+          <p:cNvSpPr>
+            <a:spLocks noGrp="1" noRot="1" noChangeAspect="1"/>
+          </p:cNvSpPr>
+          <p:nvPr>
+            <p:ph type="sldImg"/>
+          </p:nvPr>
+        </p:nvSpPr>
+        <p:spPr/>
+      </p:sp>
+      <p:sp>
+        <p:nvSpPr>
+          <p:cNvPr id="3" name="Notes Placeholder 2"/>
+          <p:cNvSpPr>
+            <a:spLocks noGrp="1"/>
+          </p:cNvSpPr>
+          <p:nvPr>
+            <p:ph type="body" idx="1"/>
+          </p:nvPr>
+        </p:nvSpPr>
+        <p:spPr/>
+        <p:txBody>
+          <a:bodyPr/>
+          <a:lstStyle/>
+          <a:p>
             <a:pPr algn="ctr"/>
             <a:r>
               <a:rPr lang="en-US" sz="1200" dirty="0">
@@ -1957,7 +2138,7 @@
           <a:p>
             <a:fld id="{BCAE12D7-AE97-9243-8341-9A20FCA5A307}" type="slidenum">
               <a:rPr lang="en-US" smtClean="0"/>
-              <a:t>23</a:t>
+              <a:t>25</a:t>
             </a:fld>
             <a:endParaRPr lang="en-US"/>
           </a:p>
@@ -2022,11 +2203,11 @@
           <a:p>
             <a:r>
               <a:rPr lang="en-US" dirty="0"/>
-              <a:t>Add screenshots of an X and an O</a:t>
+              <a:t>Outside</a:t>
             </a:r>
             <a:r>
               <a:rPr lang="en-US" baseline="0" dirty="0"/>
-              <a:t> screen – like a timeline of screenshots.</a:t>
+              <a:t> the scanner</a:t>
             </a:r>
             <a:endParaRPr lang="en-US" dirty="0"/>
           </a:p>
@@ -2058,7 +2239,7 @@
     </p:spTree>
     <p:extLst>
       <p:ext uri="{BB962C8B-B14F-4D97-AF65-F5344CB8AC3E}">
-        <p14:creationId xmlns:p14="http://schemas.microsoft.com/office/powerpoint/2010/main" val="365048788"/>
+        <p14:creationId xmlns:p14="http://schemas.microsoft.com/office/powerpoint/2010/main" val="504319213"/>
       </p:ext>
     </p:extLst>
   </p:cSld>
@@ -2150,7 +2331,7 @@
     </p:spTree>
     <p:extLst>
       <p:ext uri="{BB962C8B-B14F-4D97-AF65-F5344CB8AC3E}">
-        <p14:creationId xmlns:p14="http://schemas.microsoft.com/office/powerpoint/2010/main" val="3080627685"/>
+        <p14:creationId xmlns:p14="http://schemas.microsoft.com/office/powerpoint/2010/main" val="1995518998"/>
       </p:ext>
     </p:extLst>
   </p:cSld>
@@ -2242,7 +2423,7 @@
     </p:spTree>
     <p:extLst>
       <p:ext uri="{BB962C8B-B14F-4D97-AF65-F5344CB8AC3E}">
-        <p14:creationId xmlns:p14="http://schemas.microsoft.com/office/powerpoint/2010/main" val="105590217"/>
+        <p14:creationId xmlns:p14="http://schemas.microsoft.com/office/powerpoint/2010/main" val="365048788"/>
       </p:ext>
     </p:extLst>
   </p:cSld>
@@ -2334,7 +2515,7 @@
     </p:spTree>
     <p:extLst>
       <p:ext uri="{BB962C8B-B14F-4D97-AF65-F5344CB8AC3E}">
-        <p14:creationId xmlns:p14="http://schemas.microsoft.com/office/powerpoint/2010/main" val="1272162501"/>
+        <p14:creationId xmlns:p14="http://schemas.microsoft.com/office/powerpoint/2010/main" val="3080627685"/>
       </p:ext>
     </p:extLst>
   </p:cSld>
@@ -2426,7 +2607,7 @@
     </p:spTree>
     <p:extLst>
       <p:ext uri="{BB962C8B-B14F-4D97-AF65-F5344CB8AC3E}">
-        <p14:creationId xmlns:p14="http://schemas.microsoft.com/office/powerpoint/2010/main" val="2444329472"/>
+        <p14:creationId xmlns:p14="http://schemas.microsoft.com/office/powerpoint/2010/main" val="105590217"/>
       </p:ext>
     </p:extLst>
   </p:cSld>
@@ -2518,7 +2699,7 @@
     </p:spTree>
     <p:extLst>
       <p:ext uri="{BB962C8B-B14F-4D97-AF65-F5344CB8AC3E}">
-        <p14:creationId xmlns:p14="http://schemas.microsoft.com/office/powerpoint/2010/main" val="2348583058"/>
+        <p14:creationId xmlns:p14="http://schemas.microsoft.com/office/powerpoint/2010/main" val="1272162501"/>
       </p:ext>
     </p:extLst>
   </p:cSld>
@@ -2574,8 +2755,13 @@
           <a:p>
             <a:r>
               <a:rPr lang="en-US" dirty="0"/>
-              <a:t>Audi Run</a:t>
-            </a:r>
+              <a:t>Add screenshots of an X and an O</a:t>
+            </a:r>
+            <a:r>
+              <a:rPr lang="en-US" baseline="0" dirty="0"/>
+              <a:t> screen – like a timeline of screenshots.</a:t>
+            </a:r>
+            <a:endParaRPr lang="en-US" dirty="0"/>
           </a:p>
         </p:txBody>
       </p:sp>
@@ -2605,7 +2791,7 @@
     </p:spTree>
     <p:extLst>
       <p:ext uri="{BB962C8B-B14F-4D97-AF65-F5344CB8AC3E}">
-        <p14:creationId xmlns:p14="http://schemas.microsoft.com/office/powerpoint/2010/main" val="3991063789"/>
+        <p14:creationId xmlns:p14="http://schemas.microsoft.com/office/powerpoint/2010/main" val="2444329472"/>
       </p:ext>
     </p:extLst>
   </p:cSld>
@@ -2794,7 +2980,7 @@
           <a:p>
             <a:fld id="{E69A4D3A-6EF8-7448-AC6F-AD52FEDAA6A8}" type="datetimeFigureOut">
               <a:rPr lang="en-US" smtClean="0"/>
-              <a:t>3/10/21</a:t>
+              <a:t>3/17/21</a:t>
             </a:fld>
             <a:endParaRPr lang="en-US" dirty="0"/>
           </a:p>
@@ -2962,7 +3148,7 @@
           <a:p>
             <a:fld id="{E69A4D3A-6EF8-7448-AC6F-AD52FEDAA6A8}" type="datetimeFigureOut">
               <a:rPr lang="en-US" smtClean="0"/>
-              <a:t>3/10/21</a:t>
+              <a:t>3/17/21</a:t>
             </a:fld>
             <a:endParaRPr lang="en-US" dirty="0"/>
           </a:p>
@@ -3140,7 +3326,7 @@
           <a:p>
             <a:fld id="{E69A4D3A-6EF8-7448-AC6F-AD52FEDAA6A8}" type="datetimeFigureOut">
               <a:rPr lang="en-US" smtClean="0"/>
-              <a:t>3/10/21</a:t>
+              <a:t>3/17/21</a:t>
             </a:fld>
             <a:endParaRPr lang="en-US" dirty="0"/>
           </a:p>
@@ -3308,7 +3494,7 @@
           <a:p>
             <a:fld id="{E69A4D3A-6EF8-7448-AC6F-AD52FEDAA6A8}" type="datetimeFigureOut">
               <a:rPr lang="en-US" smtClean="0"/>
-              <a:t>3/10/21</a:t>
+              <a:t>3/17/21</a:t>
             </a:fld>
             <a:endParaRPr lang="en-US" dirty="0"/>
           </a:p>
@@ -3553,7 +3739,7 @@
           <a:p>
             <a:fld id="{E69A4D3A-6EF8-7448-AC6F-AD52FEDAA6A8}" type="datetimeFigureOut">
               <a:rPr lang="en-US" smtClean="0"/>
-              <a:t>3/10/21</a:t>
+              <a:t>3/17/21</a:t>
             </a:fld>
             <a:endParaRPr lang="en-US" dirty="0"/>
           </a:p>
@@ -3838,7 +4024,7 @@
           <a:p>
             <a:fld id="{E69A4D3A-6EF8-7448-AC6F-AD52FEDAA6A8}" type="datetimeFigureOut">
               <a:rPr lang="en-US" smtClean="0"/>
-              <a:t>3/10/21</a:t>
+              <a:t>3/17/21</a:t>
             </a:fld>
             <a:endParaRPr lang="en-US" dirty="0"/>
           </a:p>
@@ -4257,7 +4443,7 @@
           <a:p>
             <a:fld id="{E69A4D3A-6EF8-7448-AC6F-AD52FEDAA6A8}" type="datetimeFigureOut">
               <a:rPr lang="en-US" smtClean="0"/>
-              <a:t>3/10/21</a:t>
+              <a:t>3/17/21</a:t>
             </a:fld>
             <a:endParaRPr lang="en-US" dirty="0"/>
           </a:p>
@@ -4374,7 +4560,7 @@
           <a:p>
             <a:fld id="{E69A4D3A-6EF8-7448-AC6F-AD52FEDAA6A8}" type="datetimeFigureOut">
               <a:rPr lang="en-US" smtClean="0"/>
-              <a:t>3/10/21</a:t>
+              <a:t>3/17/21</a:t>
             </a:fld>
             <a:endParaRPr lang="en-US" dirty="0"/>
           </a:p>
@@ -4469,7 +4655,7 @@
           <a:p>
             <a:fld id="{E69A4D3A-6EF8-7448-AC6F-AD52FEDAA6A8}" type="datetimeFigureOut">
               <a:rPr lang="en-US" smtClean="0"/>
-              <a:t>3/10/21</a:t>
+              <a:t>3/17/21</a:t>
             </a:fld>
             <a:endParaRPr lang="en-US" dirty="0"/>
           </a:p>
@@ -4744,7 +4930,7 @@
           <a:p>
             <a:fld id="{E69A4D3A-6EF8-7448-AC6F-AD52FEDAA6A8}" type="datetimeFigureOut">
               <a:rPr lang="en-US" smtClean="0"/>
-              <a:t>3/10/21</a:t>
+              <a:t>3/17/21</a:t>
             </a:fld>
             <a:endParaRPr lang="en-US" dirty="0"/>
           </a:p>
@@ -4999,7 +5185,7 @@
           <a:p>
             <a:fld id="{E69A4D3A-6EF8-7448-AC6F-AD52FEDAA6A8}" type="datetimeFigureOut">
               <a:rPr lang="en-US" smtClean="0"/>
-              <a:t>3/10/21</a:t>
+              <a:t>3/17/21</a:t>
             </a:fld>
             <a:endParaRPr lang="en-US" dirty="0"/>
           </a:p>
@@ -5213,7 +5399,7 @@
           <a:p>
             <a:fld id="{E69A4D3A-6EF8-7448-AC6F-AD52FEDAA6A8}" type="datetimeFigureOut">
               <a:rPr lang="en-US" smtClean="0"/>
-              <a:t>3/10/21</a:t>
+              <a:t>3/17/21</a:t>
             </a:fld>
             <a:endParaRPr lang="en-US" dirty="0"/>
           </a:p>
@@ -5698,7 +5884,7 @@
                 </a:solidFill>
                 <a:cs typeface="Calibri"/>
               </a:rPr>
-              <a:t>CLICK THE RIGHT BUTTON TO CONTINUE</a:t>
+              <a:t>CLICK THE RIGHT KEY TO CONTINUE</a:t>
             </a:r>
           </a:p>
         </p:txBody>
@@ -5750,6 +5936,42 @@
           <a:p>
             <a:pPr algn="ctr"/>
             <a:endParaRPr lang="en-US"/>
+          </a:p>
+        </p:txBody>
+      </p:sp>
+      <p:sp>
+        <p:nvSpPr>
+          <p:cNvPr id="5" name="TextBox 4">
+            <a:extLst>
+              <a:ext uri="{FF2B5EF4-FFF2-40B4-BE49-F238E27FC236}">
+                <a16:creationId xmlns:a16="http://schemas.microsoft.com/office/drawing/2014/main" id="{FA8803B1-4B33-004F-B3D2-AD86FEDA44F7}"/>
+              </a:ext>
+            </a:extLst>
+          </p:cNvPr>
+          <p:cNvSpPr txBox="1"/>
+          <p:nvPr/>
+        </p:nvSpPr>
+        <p:spPr>
+          <a:xfrm>
+            <a:off x="3339790" y="5631366"/>
+            <a:ext cx="2464420" cy="461665"/>
+          </a:xfrm>
+          <a:prstGeom prst="rect">
+            <a:avLst/>
+          </a:prstGeom>
+          <a:noFill/>
+        </p:spPr>
+        <p:txBody>
+          <a:bodyPr wrap="square" rtlCol="0">
+            <a:spAutoFit/>
+          </a:bodyPr>
+          <a:lstStyle/>
+          <a:p>
+            <a:pPr algn="ctr"/>
+            <a:r>
+              <a:rPr lang="en-US" sz="2400" dirty="0"/>
+              <a:t>Run 1</a:t>
+            </a:r>
           </a:p>
         </p:txBody>
       </p:sp>
@@ -5791,41 +6013,98 @@
         </p:nvSpPr>
         <p:spPr>
           <a:xfrm>
-            <a:off x="0" y="2659455"/>
-            <a:ext cx="9143999" cy="1323439"/>
+            <a:off x="0" y="2041160"/>
+            <a:ext cx="9143999" cy="2431435"/>
           </a:xfrm>
           <a:prstGeom prst="rect">
             <a:avLst/>
           </a:prstGeom>
         </p:spPr>
         <p:txBody>
-          <a:bodyPr wrap="square" lIns="91440" tIns="45720" rIns="91440" bIns="45720" anchor="t">
+          <a:bodyPr wrap="square" lIns="91440" tIns="45720" rIns="91440" bIns="45720" anchor="ctr">
             <a:spAutoFit/>
           </a:bodyPr>
           <a:lstStyle/>
           <a:p>
             <a:pPr algn="ctr"/>
             <a:r>
-              <a:rPr lang="en-US" sz="4000" dirty="0"/>
-              <a:t>When you are ready,</a:t>
-            </a:r>
-          </a:p>
-          <a:p>
-            <a:pPr algn="ctr"/>
-            <a:r>
-              <a:rPr lang="en-US" sz="4000" dirty="0"/>
-              <a:t>Keep clicking the mouse to continue.</a:t>
+              <a:rPr lang="en-US" sz="3600" b="1" dirty="0">
+                <a:cs typeface="Calibri"/>
+              </a:rPr>
+              <a:t>Arousal: </a:t>
+            </a:r>
+            <a:r>
+              <a:rPr lang="en-US" sz="3600" dirty="0">
+                <a:cs typeface="Calibri"/>
+              </a:rPr>
+              <a:t>Rate your arousal in response to this video.</a:t>
             </a:r>
             <a:endParaRPr lang="en-US" sz="4000" dirty="0">
               <a:cs typeface="Calibri"/>
             </a:endParaRPr>
           </a:p>
+          <a:p>
+            <a:pPr algn="ctr"/>
+            <a:endParaRPr lang="en-US" sz="4000" dirty="0">
+              <a:cs typeface="Calibri"/>
+            </a:endParaRPr>
+          </a:p>
+          <a:p>
+            <a:pPr algn="ctr"/>
+            <a:endParaRPr lang="en-US" sz="4000" dirty="0">
+              <a:cs typeface="Calibri"/>
+            </a:endParaRPr>
+          </a:p>
+        </p:txBody>
+      </p:sp>
+      <p:sp>
+        <p:nvSpPr>
+          <p:cNvPr id="2" name="TextBox 1">
+            <a:extLst>
+              <a:ext uri="{FF2B5EF4-FFF2-40B4-BE49-F238E27FC236}">
+                <a16:creationId xmlns:a16="http://schemas.microsoft.com/office/drawing/2014/main" id="{8103C802-5703-104E-B339-9CAB3C745E87}"/>
+              </a:ext>
+            </a:extLst>
+          </p:cNvPr>
+          <p:cNvSpPr txBox="1"/>
+          <p:nvPr/>
+        </p:nvSpPr>
+        <p:spPr>
+          <a:xfrm>
+            <a:off x="1506071" y="3515061"/>
+            <a:ext cx="6745045" cy="646331"/>
+          </a:xfrm>
+          <a:prstGeom prst="rect">
+            <a:avLst/>
+          </a:prstGeom>
+          <a:noFill/>
+        </p:spPr>
+        <p:txBody>
+          <a:bodyPr wrap="square" rtlCol="0">
+            <a:spAutoFit/>
+          </a:bodyPr>
+          <a:lstStyle/>
+          <a:p>
+            <a:pPr algn="ctr"/>
+            <a:r>
+              <a:rPr lang="en-US" dirty="0"/>
+              <a:t>[insert </a:t>
+            </a:r>
+            <a:r>
+              <a:rPr lang="en-US" dirty="0" err="1"/>
+              <a:t>likert</a:t>
+            </a:r>
+            <a:r>
+              <a:rPr lang="en-US" dirty="0"/>
+              <a:t> scale 1-9 with anchors 1=calm 5= middle 9=excited controlled by mouse click]</a:t>
+            </a:r>
+          </a:p>
         </p:txBody>
       </p:sp>
     </p:spTree>
     <p:extLst>
       <p:ext uri="{BB962C8B-B14F-4D97-AF65-F5344CB8AC3E}">
-        <p14:creationId xmlns:p14="http://schemas.microsoft.com/office/powerpoint/2010/main" val="1293921749"/>
+        <p14:creationId xmlns:p14="http://schemas.microsoft.com/office/powerpoint/2010/main" val="3563157627"/>
       </p:ext>
     </p:extLst>
   </p:cSld>
@@ -5854,636 +6133,6 @@
       </p:grpSpPr>
       <p:sp>
         <p:nvSpPr>
-          <p:cNvPr id="4" name="Rectangle 3"/>
-          <p:cNvSpPr/>
-          <p:nvPr/>
-        </p:nvSpPr>
-        <p:spPr>
-          <a:xfrm>
-            <a:off x="0" y="2041160"/>
-            <a:ext cx="9143999" cy="2431435"/>
-          </a:xfrm>
-          <a:prstGeom prst="rect">
-            <a:avLst/>
-          </a:prstGeom>
-        </p:spPr>
-        <p:txBody>
-          <a:bodyPr wrap="square" lIns="91440" tIns="45720" rIns="91440" bIns="45720" anchor="ctr">
-            <a:spAutoFit/>
-          </a:bodyPr>
-          <a:lstStyle/>
-          <a:p>
-            <a:pPr algn="ctr"/>
-            <a:r>
-              <a:rPr lang="en-US" sz="3600" b="1" dirty="0">
-                <a:cs typeface="Calibri"/>
-              </a:rPr>
-              <a:t>Relatedness: </a:t>
-            </a:r>
-            <a:r>
-              <a:rPr lang="en-US" sz="3600" dirty="0">
-                <a:cs typeface="Calibri"/>
-              </a:rPr>
-              <a:t>Is this clip related to your identity as a native person?</a:t>
-            </a:r>
-            <a:endParaRPr lang="en-US" sz="4000" dirty="0">
-              <a:cs typeface="Calibri"/>
-            </a:endParaRPr>
-          </a:p>
-          <a:p>
-            <a:pPr algn="ctr"/>
-            <a:endParaRPr lang="en-US" sz="4000" dirty="0">
-              <a:cs typeface="Calibri"/>
-            </a:endParaRPr>
-          </a:p>
-          <a:p>
-            <a:pPr algn="ctr"/>
-            <a:endParaRPr lang="en-US" sz="4000" dirty="0">
-              <a:cs typeface="Calibri"/>
-            </a:endParaRPr>
-          </a:p>
-        </p:txBody>
-      </p:sp>
-      <p:sp>
-        <p:nvSpPr>
-          <p:cNvPr id="2" name="TextBox 1">
-            <a:extLst>
-              <a:ext uri="{FF2B5EF4-FFF2-40B4-BE49-F238E27FC236}">
-                <a16:creationId xmlns:a16="http://schemas.microsoft.com/office/drawing/2014/main" id="{8103C802-5703-104E-B339-9CAB3C745E87}"/>
-              </a:ext>
-            </a:extLst>
-          </p:cNvPr>
-          <p:cNvSpPr txBox="1"/>
-          <p:nvPr/>
-        </p:nvSpPr>
-        <p:spPr>
-          <a:xfrm>
-            <a:off x="1506071" y="3515061"/>
-            <a:ext cx="6745045" cy="369332"/>
-          </a:xfrm>
-          <a:prstGeom prst="rect">
-            <a:avLst/>
-          </a:prstGeom>
-          <a:noFill/>
-        </p:spPr>
-        <p:txBody>
-          <a:bodyPr wrap="square" rtlCol="0">
-            <a:spAutoFit/>
-          </a:bodyPr>
-          <a:lstStyle/>
-          <a:p>
-            <a:pPr algn="ctr"/>
-            <a:r>
-              <a:rPr lang="en-US" dirty="0"/>
-              <a:t>[Yes/No options controlled by mouse click]</a:t>
-            </a:r>
-          </a:p>
-        </p:txBody>
-      </p:sp>
-    </p:spTree>
-    <p:extLst>
-      <p:ext uri="{BB962C8B-B14F-4D97-AF65-F5344CB8AC3E}">
-        <p14:creationId xmlns:p14="http://schemas.microsoft.com/office/powerpoint/2010/main" val="4282962377"/>
-      </p:ext>
-    </p:extLst>
-  </p:cSld>
-  <p:clrMapOvr>
-    <a:masterClrMapping/>
-  </p:clrMapOvr>
-</p:sld>
-</file>
-
-<file path=ppt/slides/slide12.xml><?xml version="1.0" encoding="utf-8"?>
-<p:sld xmlns:a="http://schemas.openxmlformats.org/drawingml/2006/main" xmlns:r="http://schemas.openxmlformats.org/officeDocument/2006/relationships" xmlns:p="http://schemas.openxmlformats.org/presentationml/2006/main">
-  <p:cSld>
-    <p:spTree>
-      <p:nvGrpSpPr>
-        <p:cNvPr id="1" name=""/>
-        <p:cNvGrpSpPr/>
-        <p:nvPr/>
-      </p:nvGrpSpPr>
-      <p:grpSpPr>
-        <a:xfrm>
-          <a:off x="0" y="0"/>
-          <a:ext cx="0" cy="0"/>
-          <a:chOff x="0" y="0"/>
-          <a:chExt cx="0" cy="0"/>
-        </a:xfrm>
-      </p:grpSpPr>
-      <p:sp>
-        <p:nvSpPr>
-          <p:cNvPr id="4" name="Rectangle 3"/>
-          <p:cNvSpPr/>
-          <p:nvPr/>
-        </p:nvSpPr>
-        <p:spPr>
-          <a:xfrm>
-            <a:off x="0" y="1425607"/>
-            <a:ext cx="9143999" cy="3662541"/>
-          </a:xfrm>
-          <a:prstGeom prst="rect">
-            <a:avLst/>
-          </a:prstGeom>
-        </p:spPr>
-        <p:txBody>
-          <a:bodyPr wrap="square" lIns="91440" tIns="45720" rIns="91440" bIns="45720" anchor="ctr">
-            <a:spAutoFit/>
-          </a:bodyPr>
-          <a:lstStyle/>
-          <a:p>
-            <a:pPr algn="ctr"/>
-            <a:r>
-              <a:rPr lang="en-US" sz="3600" b="1" dirty="0">
-                <a:cs typeface="Calibri"/>
-              </a:rPr>
-              <a:t>Identity: </a:t>
-            </a:r>
-            <a:r>
-              <a:rPr lang="en-US" sz="3600" dirty="0">
-                <a:cs typeface="Calibri"/>
-              </a:rPr>
-              <a:t>How much did this clip relate to your identity as a native person? (0-100)</a:t>
-            </a:r>
-          </a:p>
-          <a:p>
-            <a:pPr algn="ctr"/>
-            <a:endParaRPr lang="en-US" sz="4000" dirty="0">
-              <a:cs typeface="Calibri"/>
-            </a:endParaRPr>
-          </a:p>
-          <a:p>
-            <a:pPr algn="ctr"/>
-            <a:endParaRPr lang="en-US" sz="4000" dirty="0">
-              <a:cs typeface="Calibri"/>
-            </a:endParaRPr>
-          </a:p>
-          <a:p>
-            <a:pPr algn="ctr"/>
-            <a:endParaRPr lang="en-US" sz="4000" dirty="0">
-              <a:cs typeface="Calibri"/>
-            </a:endParaRPr>
-          </a:p>
-          <a:p>
-            <a:pPr algn="ctr"/>
-            <a:endParaRPr lang="en-US" sz="4000" dirty="0">
-              <a:cs typeface="Calibri"/>
-            </a:endParaRPr>
-          </a:p>
-        </p:txBody>
-      </p:sp>
-      <p:sp>
-        <p:nvSpPr>
-          <p:cNvPr id="2" name="TextBox 1">
-            <a:extLst>
-              <a:ext uri="{FF2B5EF4-FFF2-40B4-BE49-F238E27FC236}">
-                <a16:creationId xmlns:a16="http://schemas.microsoft.com/office/drawing/2014/main" id="{8103C802-5703-104E-B339-9CAB3C745E87}"/>
-              </a:ext>
-            </a:extLst>
-          </p:cNvPr>
-          <p:cNvSpPr txBox="1"/>
-          <p:nvPr/>
-        </p:nvSpPr>
-        <p:spPr>
-          <a:xfrm>
-            <a:off x="2043953" y="3256877"/>
-            <a:ext cx="5131398" cy="369332"/>
-          </a:xfrm>
-          <a:prstGeom prst="rect">
-            <a:avLst/>
-          </a:prstGeom>
-          <a:noFill/>
-        </p:spPr>
-        <p:txBody>
-          <a:bodyPr wrap="square" rtlCol="0">
-            <a:spAutoFit/>
-          </a:bodyPr>
-          <a:lstStyle/>
-          <a:p>
-            <a:pPr algn="ctr"/>
-            <a:r>
-              <a:rPr lang="en-US" dirty="0"/>
-              <a:t>[insert number line 0-100controlled by dial]</a:t>
-            </a:r>
-          </a:p>
-        </p:txBody>
-      </p:sp>
-    </p:spTree>
-    <p:extLst>
-      <p:ext uri="{BB962C8B-B14F-4D97-AF65-F5344CB8AC3E}">
-        <p14:creationId xmlns:p14="http://schemas.microsoft.com/office/powerpoint/2010/main" val="1785467731"/>
-      </p:ext>
-    </p:extLst>
-  </p:cSld>
-  <p:clrMapOvr>
-    <a:masterClrMapping/>
-  </p:clrMapOvr>
-</p:sld>
-</file>
-
-<file path=ppt/slides/slide13.xml><?xml version="1.0" encoding="utf-8"?>
-<p:sld xmlns:a="http://schemas.openxmlformats.org/drawingml/2006/main" xmlns:r="http://schemas.openxmlformats.org/officeDocument/2006/relationships" xmlns:p="http://schemas.openxmlformats.org/presentationml/2006/main">
-  <p:cSld>
-    <p:spTree>
-      <p:nvGrpSpPr>
-        <p:cNvPr id="1" name=""/>
-        <p:cNvGrpSpPr/>
-        <p:nvPr/>
-      </p:nvGrpSpPr>
-      <p:grpSpPr>
-        <a:xfrm>
-          <a:off x="0" y="0"/>
-          <a:ext cx="0" cy="0"/>
-          <a:chOff x="0" y="0"/>
-          <a:chExt cx="0" cy="0"/>
-        </a:xfrm>
-      </p:grpSpPr>
-      <p:sp>
-        <p:nvSpPr>
-          <p:cNvPr id="4" name="Rectangle 3"/>
-          <p:cNvSpPr/>
-          <p:nvPr/>
-        </p:nvSpPr>
-        <p:spPr>
-          <a:xfrm>
-            <a:off x="0" y="1425607"/>
-            <a:ext cx="9143999" cy="3662541"/>
-          </a:xfrm>
-          <a:prstGeom prst="rect">
-            <a:avLst/>
-          </a:prstGeom>
-        </p:spPr>
-        <p:txBody>
-          <a:bodyPr wrap="square" lIns="91440" tIns="45720" rIns="91440" bIns="45720" anchor="ctr">
-            <a:spAutoFit/>
-          </a:bodyPr>
-          <a:lstStyle/>
-          <a:p>
-            <a:pPr algn="ctr"/>
-            <a:r>
-              <a:rPr lang="en-US" sz="3600" b="1" dirty="0">
-                <a:cs typeface="Calibri"/>
-              </a:rPr>
-              <a:t>Typicality: </a:t>
-            </a:r>
-            <a:r>
-              <a:rPr lang="en-US" sz="3600" dirty="0">
-                <a:cs typeface="Calibri"/>
-              </a:rPr>
-              <a:t>How likely is it for a native person to hear/experience sounds like this? (0-100)</a:t>
-            </a:r>
-          </a:p>
-          <a:p>
-            <a:pPr algn="ctr"/>
-            <a:endParaRPr lang="en-US" sz="4000" dirty="0">
-              <a:cs typeface="Calibri"/>
-            </a:endParaRPr>
-          </a:p>
-          <a:p>
-            <a:pPr algn="ctr"/>
-            <a:endParaRPr lang="en-US" sz="4000" dirty="0">
-              <a:cs typeface="Calibri"/>
-            </a:endParaRPr>
-          </a:p>
-          <a:p>
-            <a:pPr algn="ctr"/>
-            <a:endParaRPr lang="en-US" sz="4000" dirty="0">
-              <a:cs typeface="Calibri"/>
-            </a:endParaRPr>
-          </a:p>
-          <a:p>
-            <a:pPr algn="ctr"/>
-            <a:endParaRPr lang="en-US" sz="4000" dirty="0">
-              <a:cs typeface="Calibri"/>
-            </a:endParaRPr>
-          </a:p>
-        </p:txBody>
-      </p:sp>
-      <p:sp>
-        <p:nvSpPr>
-          <p:cNvPr id="2" name="TextBox 1">
-            <a:extLst>
-              <a:ext uri="{FF2B5EF4-FFF2-40B4-BE49-F238E27FC236}">
-                <a16:creationId xmlns:a16="http://schemas.microsoft.com/office/drawing/2014/main" id="{8103C802-5703-104E-B339-9CAB3C745E87}"/>
-              </a:ext>
-            </a:extLst>
-          </p:cNvPr>
-          <p:cNvSpPr txBox="1"/>
-          <p:nvPr/>
-        </p:nvSpPr>
-        <p:spPr>
-          <a:xfrm>
-            <a:off x="2043953" y="3256877"/>
-            <a:ext cx="5131398" cy="646331"/>
-          </a:xfrm>
-          <a:prstGeom prst="rect">
-            <a:avLst/>
-          </a:prstGeom>
-          <a:noFill/>
-        </p:spPr>
-        <p:txBody>
-          <a:bodyPr wrap="square" rtlCol="0">
-            <a:spAutoFit/>
-          </a:bodyPr>
-          <a:lstStyle/>
-          <a:p>
-            <a:pPr algn="ctr"/>
-            <a:r>
-              <a:rPr lang="en-US" dirty="0"/>
-              <a:t>[insert number line 0-100 use a slider controlled by mouse]</a:t>
-            </a:r>
-          </a:p>
-        </p:txBody>
-      </p:sp>
-    </p:spTree>
-    <p:extLst>
-      <p:ext uri="{BB962C8B-B14F-4D97-AF65-F5344CB8AC3E}">
-        <p14:creationId xmlns:p14="http://schemas.microsoft.com/office/powerpoint/2010/main" val="1542420943"/>
-      </p:ext>
-    </p:extLst>
-  </p:cSld>
-  <p:clrMapOvr>
-    <a:masterClrMapping/>
-  </p:clrMapOvr>
-</p:sld>
-</file>
-
-<file path=ppt/slides/slide14.xml><?xml version="1.0" encoding="utf-8"?>
-<p:sld xmlns:a="http://schemas.openxmlformats.org/drawingml/2006/main" xmlns:r="http://schemas.openxmlformats.org/officeDocument/2006/relationships" xmlns:p="http://schemas.openxmlformats.org/presentationml/2006/main">
-  <p:cSld>
-    <p:spTree>
-      <p:nvGrpSpPr>
-        <p:cNvPr id="1" name=""/>
-        <p:cNvGrpSpPr/>
-        <p:nvPr/>
-      </p:nvGrpSpPr>
-      <p:grpSpPr>
-        <a:xfrm>
-          <a:off x="0" y="0"/>
-          <a:ext cx="0" cy="0"/>
-          <a:chOff x="0" y="0"/>
-          <a:chExt cx="0" cy="0"/>
-        </a:xfrm>
-      </p:grpSpPr>
-      <p:sp>
-        <p:nvSpPr>
-          <p:cNvPr id="4" name="Rectangle 3"/>
-          <p:cNvSpPr/>
-          <p:nvPr/>
-        </p:nvSpPr>
-        <p:spPr>
-          <a:xfrm>
-            <a:off x="0" y="1733384"/>
-            <a:ext cx="9143999" cy="3046988"/>
-          </a:xfrm>
-          <a:prstGeom prst="rect">
-            <a:avLst/>
-          </a:prstGeom>
-        </p:spPr>
-        <p:txBody>
-          <a:bodyPr wrap="square" lIns="91440" tIns="45720" rIns="91440" bIns="45720" anchor="ctr">
-            <a:spAutoFit/>
-          </a:bodyPr>
-          <a:lstStyle/>
-          <a:p>
-            <a:pPr algn="ctr"/>
-            <a:r>
-              <a:rPr lang="en-US" sz="3600" b="1" dirty="0">
-                <a:cs typeface="Calibri"/>
-              </a:rPr>
-              <a:t>Valence: </a:t>
-            </a:r>
-            <a:r>
-              <a:rPr lang="en-US" sz="3600" dirty="0">
-                <a:cs typeface="Calibri"/>
-              </a:rPr>
-              <a:t>Rate your mood in response to this clip. </a:t>
-            </a:r>
-            <a:endParaRPr lang="en-US" sz="4000" dirty="0">
-              <a:cs typeface="Calibri"/>
-            </a:endParaRPr>
-          </a:p>
-          <a:p>
-            <a:pPr algn="ctr"/>
-            <a:endParaRPr lang="en-US" sz="4000" dirty="0">
-              <a:cs typeface="Calibri"/>
-            </a:endParaRPr>
-          </a:p>
-          <a:p>
-            <a:pPr algn="ctr"/>
-            <a:endParaRPr lang="en-US" sz="4000" dirty="0">
-              <a:cs typeface="Calibri"/>
-            </a:endParaRPr>
-          </a:p>
-          <a:p>
-            <a:pPr algn="ctr"/>
-            <a:endParaRPr lang="en-US" sz="4000" dirty="0">
-              <a:cs typeface="Calibri"/>
-            </a:endParaRPr>
-          </a:p>
-        </p:txBody>
-      </p:sp>
-      <p:sp>
-        <p:nvSpPr>
-          <p:cNvPr id="2" name="TextBox 1">
-            <a:extLst>
-              <a:ext uri="{FF2B5EF4-FFF2-40B4-BE49-F238E27FC236}">
-                <a16:creationId xmlns:a16="http://schemas.microsoft.com/office/drawing/2014/main" id="{8103C802-5703-104E-B339-9CAB3C745E87}"/>
-              </a:ext>
-            </a:extLst>
-          </p:cNvPr>
-          <p:cNvSpPr txBox="1"/>
-          <p:nvPr/>
-        </p:nvSpPr>
-        <p:spPr>
-          <a:xfrm>
-            <a:off x="1506071" y="3515061"/>
-            <a:ext cx="6745045" cy="369332"/>
-          </a:xfrm>
-          <a:prstGeom prst="rect">
-            <a:avLst/>
-          </a:prstGeom>
-          <a:noFill/>
-        </p:spPr>
-        <p:txBody>
-          <a:bodyPr wrap="square" rtlCol="0">
-            <a:spAutoFit/>
-          </a:bodyPr>
-          <a:lstStyle/>
-          <a:p>
-            <a:pPr algn="ctr"/>
-            <a:r>
-              <a:rPr lang="en-US" dirty="0"/>
-              <a:t>[insert </a:t>
-            </a:r>
-            <a:r>
-              <a:rPr lang="en-US" dirty="0" err="1"/>
-              <a:t>likert</a:t>
-            </a:r>
-            <a:r>
-              <a:rPr lang="en-US" dirty="0"/>
-              <a:t> scale 1-9 with anchors 1=negative 5= neutral 9= positive]</a:t>
-            </a:r>
-          </a:p>
-        </p:txBody>
-      </p:sp>
-    </p:spTree>
-    <p:extLst>
-      <p:ext uri="{BB962C8B-B14F-4D97-AF65-F5344CB8AC3E}">
-        <p14:creationId xmlns:p14="http://schemas.microsoft.com/office/powerpoint/2010/main" val="1865332930"/>
-      </p:ext>
-    </p:extLst>
-  </p:cSld>
-  <p:clrMapOvr>
-    <a:masterClrMapping/>
-  </p:clrMapOvr>
-</p:sld>
-</file>
-
-<file path=ppt/slides/slide15.xml><?xml version="1.0" encoding="utf-8"?>
-<p:sld xmlns:a="http://schemas.openxmlformats.org/drawingml/2006/main" xmlns:r="http://schemas.openxmlformats.org/officeDocument/2006/relationships" xmlns:p="http://schemas.openxmlformats.org/presentationml/2006/main">
-  <p:cSld>
-    <p:spTree>
-      <p:nvGrpSpPr>
-        <p:cNvPr id="1" name=""/>
-        <p:cNvGrpSpPr/>
-        <p:nvPr/>
-      </p:nvGrpSpPr>
-      <p:grpSpPr>
-        <a:xfrm>
-          <a:off x="0" y="0"/>
-          <a:ext cx="0" cy="0"/>
-          <a:chOff x="0" y="0"/>
-          <a:chExt cx="0" cy="0"/>
-        </a:xfrm>
-      </p:grpSpPr>
-      <p:sp>
-        <p:nvSpPr>
-          <p:cNvPr id="4" name="Rectangle 3"/>
-          <p:cNvSpPr/>
-          <p:nvPr/>
-        </p:nvSpPr>
-        <p:spPr>
-          <a:xfrm>
-            <a:off x="0" y="2041160"/>
-            <a:ext cx="9143999" cy="2431435"/>
-          </a:xfrm>
-          <a:prstGeom prst="rect">
-            <a:avLst/>
-          </a:prstGeom>
-        </p:spPr>
-        <p:txBody>
-          <a:bodyPr wrap="square" lIns="91440" tIns="45720" rIns="91440" bIns="45720" anchor="ctr">
-            <a:spAutoFit/>
-          </a:bodyPr>
-          <a:lstStyle/>
-          <a:p>
-            <a:pPr algn="ctr"/>
-            <a:r>
-              <a:rPr lang="en-US" sz="3600" b="1" dirty="0">
-                <a:cs typeface="Calibri"/>
-              </a:rPr>
-              <a:t>Arousal: </a:t>
-            </a:r>
-            <a:r>
-              <a:rPr lang="en-US" sz="3600" dirty="0">
-                <a:cs typeface="Calibri"/>
-              </a:rPr>
-              <a:t>Rate your arousal in response to this clip.</a:t>
-            </a:r>
-            <a:endParaRPr lang="en-US" sz="4000" dirty="0">
-              <a:cs typeface="Calibri"/>
-            </a:endParaRPr>
-          </a:p>
-          <a:p>
-            <a:pPr algn="ctr"/>
-            <a:endParaRPr lang="en-US" sz="4000" dirty="0">
-              <a:cs typeface="Calibri"/>
-            </a:endParaRPr>
-          </a:p>
-          <a:p>
-            <a:pPr algn="ctr"/>
-            <a:endParaRPr lang="en-US" sz="4000" dirty="0">
-              <a:cs typeface="Calibri"/>
-            </a:endParaRPr>
-          </a:p>
-        </p:txBody>
-      </p:sp>
-      <p:sp>
-        <p:nvSpPr>
-          <p:cNvPr id="2" name="TextBox 1">
-            <a:extLst>
-              <a:ext uri="{FF2B5EF4-FFF2-40B4-BE49-F238E27FC236}">
-                <a16:creationId xmlns:a16="http://schemas.microsoft.com/office/drawing/2014/main" id="{8103C802-5703-104E-B339-9CAB3C745E87}"/>
-              </a:ext>
-            </a:extLst>
-          </p:cNvPr>
-          <p:cNvSpPr txBox="1"/>
-          <p:nvPr/>
-        </p:nvSpPr>
-        <p:spPr>
-          <a:xfrm>
-            <a:off x="1506071" y="3515061"/>
-            <a:ext cx="6745045" cy="369332"/>
-          </a:xfrm>
-          <a:prstGeom prst="rect">
-            <a:avLst/>
-          </a:prstGeom>
-          <a:noFill/>
-        </p:spPr>
-        <p:txBody>
-          <a:bodyPr wrap="square" rtlCol="0">
-            <a:spAutoFit/>
-          </a:bodyPr>
-          <a:lstStyle/>
-          <a:p>
-            <a:pPr algn="ctr"/>
-            <a:r>
-              <a:rPr lang="en-US" dirty="0"/>
-              <a:t>[insert </a:t>
-            </a:r>
-            <a:r>
-              <a:rPr lang="en-US" dirty="0" err="1"/>
-              <a:t>likert</a:t>
-            </a:r>
-            <a:r>
-              <a:rPr lang="en-US" dirty="0"/>
-              <a:t> scale 1-9 with anchors 1=calm 5= middle 9= excited]</a:t>
-            </a:r>
-          </a:p>
-        </p:txBody>
-      </p:sp>
-    </p:spTree>
-    <p:extLst>
-      <p:ext uri="{BB962C8B-B14F-4D97-AF65-F5344CB8AC3E}">
-        <p14:creationId xmlns:p14="http://schemas.microsoft.com/office/powerpoint/2010/main" val="1792324612"/>
-      </p:ext>
-    </p:extLst>
-  </p:cSld>
-  <p:clrMapOvr>
-    <a:masterClrMapping/>
-  </p:clrMapOvr>
-</p:sld>
-</file>
-
-<file path=ppt/slides/slide16.xml><?xml version="1.0" encoding="utf-8"?>
-<p:sld xmlns:a="http://schemas.openxmlformats.org/drawingml/2006/main" xmlns:r="http://schemas.openxmlformats.org/officeDocument/2006/relationships" xmlns:p="http://schemas.openxmlformats.org/presentationml/2006/main">
-  <p:cSld>
-    <p:spTree>
-      <p:nvGrpSpPr>
-        <p:cNvPr id="1" name=""/>
-        <p:cNvGrpSpPr/>
-        <p:nvPr/>
-      </p:nvGrpSpPr>
-      <p:grpSpPr>
-        <a:xfrm>
-          <a:off x="0" y="0"/>
-          <a:ext cx="0" cy="0"/>
-          <a:chOff x="0" y="0"/>
-          <a:chExt cx="0" cy="0"/>
-        </a:xfrm>
-      </p:grpSpPr>
-      <p:sp>
-        <p:nvSpPr>
           <p:cNvPr id="3" name="Content Placeholder 2"/>
           <p:cNvSpPr>
             <a:spLocks noGrp="1"/>
@@ -6506,13 +6155,13 @@
           <a:p>
             <a:pPr marL="0" indent="0">
               <a:spcAft>
-                <a:spcPts val="1200"/>
+                <a:spcPts val="2400"/>
               </a:spcAft>
               <a:buNone/>
             </a:pPr>
             <a:r>
               <a:rPr lang="en-US" dirty="0"/>
-              <a:t>In this task, you will see a series of pictures in sets of four. After each set of images, you will be asked to respond to five questions:</a:t>
+              <a:t>In this task, you will listen to music clips. After each clip, you will be asked to respond to five questions:</a:t>
             </a:r>
           </a:p>
           <a:p>
@@ -6533,7 +6182,7 @@
               <a:rPr lang="en-US" sz="2400" dirty="0">
                 <a:cs typeface="Calibri"/>
               </a:rPr>
-              <a:t>Are these pictures related to your identity as a native person? (Y/N)</a:t>
+              <a:t>Is this clip related to your identity as a native person? (Y/N)</a:t>
             </a:r>
           </a:p>
           <a:p>
@@ -6554,7 +6203,7 @@
               <a:rPr lang="en-US" sz="2400" dirty="0">
                 <a:cs typeface="Calibri"/>
               </a:rPr>
-              <a:t>How much did these pictures relate to your identity as a native person? (0-100)</a:t>
+              <a:t>How much did this clip relate to your identity as a native person? (0-100)</a:t>
             </a:r>
           </a:p>
           <a:p>
@@ -6575,7 +6224,7 @@
               <a:rPr lang="en-US" sz="2400" dirty="0">
                 <a:cs typeface="Calibri"/>
               </a:rPr>
-              <a:t>How likely is it for a native person to see/experience scenes like this? (0-100)</a:t>
+              <a:t>How likely is it for a native person to hear/experience sounds like this? (0-100)</a:t>
             </a:r>
           </a:p>
           <a:p>
@@ -6596,7 +6245,7 @@
               <a:rPr lang="en-US" sz="2400" dirty="0">
                 <a:cs typeface="Calibri"/>
               </a:rPr>
-              <a:t>Rate your mood in response to these pictures.             	               </a:t>
+              <a:t>Rate your mood in response to this clip.             	                 	               </a:t>
             </a:r>
             <a:r>
               <a:rPr lang="en-US" sz="2000" dirty="0">
@@ -6623,7 +6272,7 @@
               <a:rPr lang="en-US" sz="2400" dirty="0">
                 <a:cs typeface="Calibri"/>
               </a:rPr>
-              <a:t>Rate your arousal in response to these pictures.         	               </a:t>
+              <a:t>Rate your arousal in response to this clip.         	               	               </a:t>
             </a:r>
             <a:r>
               <a:rPr lang="en-US" sz="2000" dirty="0">
@@ -6642,7 +6291,7 @@
           <p:cNvPr id="5" name="Title 3">
             <a:extLst>
               <a:ext uri="{FF2B5EF4-FFF2-40B4-BE49-F238E27FC236}">
-                <a16:creationId xmlns:a16="http://schemas.microsoft.com/office/drawing/2014/main" id="{53AD9BDC-D1D6-D34B-9246-0B7EC252ED38}"/>
+                <a16:creationId xmlns:a16="http://schemas.microsoft.com/office/drawing/2014/main" id="{4A40E84C-8146-EC44-B63C-4B296B345500}"/>
               </a:ext>
             </a:extLst>
           </p:cNvPr>
@@ -6688,7 +6337,7 @@
                 </a:solidFill>
                 <a:cs typeface="Calibri"/>
               </a:rPr>
-              <a:t>CLICK THE RIGHT BUTTON TO CONTINUE</a:t>
+              <a:t>CLICK THE RIGHT KEY TO CONTINUE</a:t>
             </a:r>
           </a:p>
         </p:txBody>
@@ -6698,7 +6347,7 @@
           <p:cNvPr id="6" name="Right Arrow 12">
             <a:extLst>
               <a:ext uri="{FF2B5EF4-FFF2-40B4-BE49-F238E27FC236}">
-                <a16:creationId xmlns:a16="http://schemas.microsoft.com/office/drawing/2014/main" id="{178576FF-4B5E-3A44-980F-89AE5AF4D6D7}"/>
+                <a16:creationId xmlns:a16="http://schemas.microsoft.com/office/drawing/2014/main" id="{9652E570-CAA2-6D4A-BC9E-66B32493DAA6}"/>
               </a:ext>
             </a:extLst>
           </p:cNvPr>
@@ -6746,7 +6395,580 @@
     </p:spTree>
     <p:extLst>
       <p:ext uri="{BB962C8B-B14F-4D97-AF65-F5344CB8AC3E}">
-        <p14:creationId xmlns:p14="http://schemas.microsoft.com/office/powerpoint/2010/main" val="470756330"/>
+        <p14:creationId xmlns:p14="http://schemas.microsoft.com/office/powerpoint/2010/main" val="2842823560"/>
+      </p:ext>
+    </p:extLst>
+  </p:cSld>
+  <p:clrMapOvr>
+    <a:masterClrMapping/>
+  </p:clrMapOvr>
+</p:sld>
+</file>
+
+<file path=ppt/slides/slide12.xml><?xml version="1.0" encoding="utf-8"?>
+<p:sld xmlns:a="http://schemas.openxmlformats.org/drawingml/2006/main" xmlns:r="http://schemas.openxmlformats.org/officeDocument/2006/relationships" xmlns:p="http://schemas.openxmlformats.org/presentationml/2006/main">
+  <p:cSld>
+    <p:spTree>
+      <p:nvGrpSpPr>
+        <p:cNvPr id="1" name=""/>
+        <p:cNvGrpSpPr/>
+        <p:nvPr/>
+      </p:nvGrpSpPr>
+      <p:grpSpPr>
+        <a:xfrm>
+          <a:off x="0" y="0"/>
+          <a:ext cx="0" cy="0"/>
+          <a:chOff x="0" y="0"/>
+          <a:chExt cx="0" cy="0"/>
+        </a:xfrm>
+      </p:grpSpPr>
+      <p:sp>
+        <p:nvSpPr>
+          <p:cNvPr id="4" name="Rectangle 3"/>
+          <p:cNvSpPr/>
+          <p:nvPr/>
+        </p:nvSpPr>
+        <p:spPr>
+          <a:xfrm>
+            <a:off x="0" y="2659455"/>
+            <a:ext cx="9143999" cy="1323439"/>
+          </a:xfrm>
+          <a:prstGeom prst="rect">
+            <a:avLst/>
+          </a:prstGeom>
+        </p:spPr>
+        <p:txBody>
+          <a:bodyPr wrap="square" lIns="91440" tIns="45720" rIns="91440" bIns="45720" anchor="t">
+            <a:spAutoFit/>
+          </a:bodyPr>
+          <a:lstStyle/>
+          <a:p>
+            <a:pPr algn="ctr"/>
+            <a:r>
+              <a:rPr lang="en-US" sz="4000" dirty="0"/>
+              <a:t>When you are ready,</a:t>
+            </a:r>
+          </a:p>
+          <a:p>
+            <a:pPr algn="ctr"/>
+            <a:r>
+              <a:rPr lang="en-US" sz="4000" dirty="0"/>
+              <a:t>Keep clicking the mouse to continue.</a:t>
+            </a:r>
+            <a:endParaRPr lang="en-US" sz="4000" dirty="0">
+              <a:cs typeface="Calibri"/>
+            </a:endParaRPr>
+          </a:p>
+        </p:txBody>
+      </p:sp>
+    </p:spTree>
+    <p:extLst>
+      <p:ext uri="{BB962C8B-B14F-4D97-AF65-F5344CB8AC3E}">
+        <p14:creationId xmlns:p14="http://schemas.microsoft.com/office/powerpoint/2010/main" val="1293921749"/>
+      </p:ext>
+    </p:extLst>
+  </p:cSld>
+  <p:clrMapOvr>
+    <a:masterClrMapping/>
+  </p:clrMapOvr>
+</p:sld>
+</file>
+
+<file path=ppt/slides/slide13.xml><?xml version="1.0" encoding="utf-8"?>
+<p:sld xmlns:a="http://schemas.openxmlformats.org/drawingml/2006/main" xmlns:r="http://schemas.openxmlformats.org/officeDocument/2006/relationships" xmlns:p="http://schemas.openxmlformats.org/presentationml/2006/main">
+  <p:cSld>
+    <p:spTree>
+      <p:nvGrpSpPr>
+        <p:cNvPr id="1" name=""/>
+        <p:cNvGrpSpPr/>
+        <p:nvPr/>
+      </p:nvGrpSpPr>
+      <p:grpSpPr>
+        <a:xfrm>
+          <a:off x="0" y="0"/>
+          <a:ext cx="0" cy="0"/>
+          <a:chOff x="0" y="0"/>
+          <a:chExt cx="0" cy="0"/>
+        </a:xfrm>
+      </p:grpSpPr>
+      <p:sp>
+        <p:nvSpPr>
+          <p:cNvPr id="4" name="Rectangle 3"/>
+          <p:cNvSpPr/>
+          <p:nvPr/>
+        </p:nvSpPr>
+        <p:spPr>
+          <a:xfrm>
+            <a:off x="0" y="2041160"/>
+            <a:ext cx="9143999" cy="2431435"/>
+          </a:xfrm>
+          <a:prstGeom prst="rect">
+            <a:avLst/>
+          </a:prstGeom>
+        </p:spPr>
+        <p:txBody>
+          <a:bodyPr wrap="square" lIns="91440" tIns="45720" rIns="91440" bIns="45720" anchor="ctr">
+            <a:spAutoFit/>
+          </a:bodyPr>
+          <a:lstStyle/>
+          <a:p>
+            <a:pPr algn="ctr"/>
+            <a:r>
+              <a:rPr lang="en-US" sz="3600" b="1" dirty="0">
+                <a:cs typeface="Calibri"/>
+              </a:rPr>
+              <a:t>Relatedness: </a:t>
+            </a:r>
+            <a:r>
+              <a:rPr lang="en-US" sz="3600" dirty="0">
+                <a:cs typeface="Calibri"/>
+              </a:rPr>
+              <a:t>Is this clip related to your identity as a native person?</a:t>
+            </a:r>
+            <a:endParaRPr lang="en-US" sz="4000" dirty="0">
+              <a:cs typeface="Calibri"/>
+            </a:endParaRPr>
+          </a:p>
+          <a:p>
+            <a:pPr algn="ctr"/>
+            <a:endParaRPr lang="en-US" sz="4000" dirty="0">
+              <a:cs typeface="Calibri"/>
+            </a:endParaRPr>
+          </a:p>
+          <a:p>
+            <a:pPr algn="ctr"/>
+            <a:endParaRPr lang="en-US" sz="4000" dirty="0">
+              <a:cs typeface="Calibri"/>
+            </a:endParaRPr>
+          </a:p>
+        </p:txBody>
+      </p:sp>
+      <p:sp>
+        <p:nvSpPr>
+          <p:cNvPr id="2" name="TextBox 1">
+            <a:extLst>
+              <a:ext uri="{FF2B5EF4-FFF2-40B4-BE49-F238E27FC236}">
+                <a16:creationId xmlns:a16="http://schemas.microsoft.com/office/drawing/2014/main" id="{8103C802-5703-104E-B339-9CAB3C745E87}"/>
+              </a:ext>
+            </a:extLst>
+          </p:cNvPr>
+          <p:cNvSpPr txBox="1"/>
+          <p:nvPr/>
+        </p:nvSpPr>
+        <p:spPr>
+          <a:xfrm>
+            <a:off x="1506071" y="3515061"/>
+            <a:ext cx="6745045" cy="369332"/>
+          </a:xfrm>
+          <a:prstGeom prst="rect">
+            <a:avLst/>
+          </a:prstGeom>
+          <a:noFill/>
+        </p:spPr>
+        <p:txBody>
+          <a:bodyPr wrap="square" rtlCol="0">
+            <a:spAutoFit/>
+          </a:bodyPr>
+          <a:lstStyle/>
+          <a:p>
+            <a:pPr algn="ctr"/>
+            <a:r>
+              <a:rPr lang="en-US" dirty="0"/>
+              <a:t>[Yes/No options controlled by mouse click]</a:t>
+            </a:r>
+          </a:p>
+        </p:txBody>
+      </p:sp>
+    </p:spTree>
+    <p:extLst>
+      <p:ext uri="{BB962C8B-B14F-4D97-AF65-F5344CB8AC3E}">
+        <p14:creationId xmlns:p14="http://schemas.microsoft.com/office/powerpoint/2010/main" val="4282962377"/>
+      </p:ext>
+    </p:extLst>
+  </p:cSld>
+  <p:clrMapOvr>
+    <a:masterClrMapping/>
+  </p:clrMapOvr>
+</p:sld>
+</file>
+
+<file path=ppt/slides/slide14.xml><?xml version="1.0" encoding="utf-8"?>
+<p:sld xmlns:a="http://schemas.openxmlformats.org/drawingml/2006/main" xmlns:r="http://schemas.openxmlformats.org/officeDocument/2006/relationships" xmlns:p="http://schemas.openxmlformats.org/presentationml/2006/main">
+  <p:cSld>
+    <p:spTree>
+      <p:nvGrpSpPr>
+        <p:cNvPr id="1" name=""/>
+        <p:cNvGrpSpPr/>
+        <p:nvPr/>
+      </p:nvGrpSpPr>
+      <p:grpSpPr>
+        <a:xfrm>
+          <a:off x="0" y="0"/>
+          <a:ext cx="0" cy="0"/>
+          <a:chOff x="0" y="0"/>
+          <a:chExt cx="0" cy="0"/>
+        </a:xfrm>
+      </p:grpSpPr>
+      <p:sp>
+        <p:nvSpPr>
+          <p:cNvPr id="4" name="Rectangle 3"/>
+          <p:cNvSpPr/>
+          <p:nvPr/>
+        </p:nvSpPr>
+        <p:spPr>
+          <a:xfrm>
+            <a:off x="0" y="1425607"/>
+            <a:ext cx="9143999" cy="3662541"/>
+          </a:xfrm>
+          <a:prstGeom prst="rect">
+            <a:avLst/>
+          </a:prstGeom>
+        </p:spPr>
+        <p:txBody>
+          <a:bodyPr wrap="square" lIns="91440" tIns="45720" rIns="91440" bIns="45720" anchor="ctr">
+            <a:spAutoFit/>
+          </a:bodyPr>
+          <a:lstStyle/>
+          <a:p>
+            <a:pPr algn="ctr"/>
+            <a:r>
+              <a:rPr lang="en-US" sz="3600" b="1" dirty="0">
+                <a:cs typeface="Calibri"/>
+              </a:rPr>
+              <a:t>Identity: </a:t>
+            </a:r>
+            <a:r>
+              <a:rPr lang="en-US" sz="3600" dirty="0">
+                <a:cs typeface="Calibri"/>
+              </a:rPr>
+              <a:t>How much did this clip relate to your identity as a native person? (0-100)</a:t>
+            </a:r>
+          </a:p>
+          <a:p>
+            <a:pPr algn="ctr"/>
+            <a:endParaRPr lang="en-US" sz="4000" dirty="0">
+              <a:cs typeface="Calibri"/>
+            </a:endParaRPr>
+          </a:p>
+          <a:p>
+            <a:pPr algn="ctr"/>
+            <a:endParaRPr lang="en-US" sz="4000" dirty="0">
+              <a:cs typeface="Calibri"/>
+            </a:endParaRPr>
+          </a:p>
+          <a:p>
+            <a:pPr algn="ctr"/>
+            <a:endParaRPr lang="en-US" sz="4000" dirty="0">
+              <a:cs typeface="Calibri"/>
+            </a:endParaRPr>
+          </a:p>
+          <a:p>
+            <a:pPr algn="ctr"/>
+            <a:endParaRPr lang="en-US" sz="4000" dirty="0">
+              <a:cs typeface="Calibri"/>
+            </a:endParaRPr>
+          </a:p>
+        </p:txBody>
+      </p:sp>
+      <p:sp>
+        <p:nvSpPr>
+          <p:cNvPr id="2" name="TextBox 1">
+            <a:extLst>
+              <a:ext uri="{FF2B5EF4-FFF2-40B4-BE49-F238E27FC236}">
+                <a16:creationId xmlns:a16="http://schemas.microsoft.com/office/drawing/2014/main" id="{8103C802-5703-104E-B339-9CAB3C745E87}"/>
+              </a:ext>
+            </a:extLst>
+          </p:cNvPr>
+          <p:cNvSpPr txBox="1"/>
+          <p:nvPr/>
+        </p:nvSpPr>
+        <p:spPr>
+          <a:xfrm>
+            <a:off x="2043953" y="3256877"/>
+            <a:ext cx="5131398" cy="369332"/>
+          </a:xfrm>
+          <a:prstGeom prst="rect">
+            <a:avLst/>
+          </a:prstGeom>
+          <a:noFill/>
+        </p:spPr>
+        <p:txBody>
+          <a:bodyPr wrap="square" rtlCol="0">
+            <a:spAutoFit/>
+          </a:bodyPr>
+          <a:lstStyle/>
+          <a:p>
+            <a:pPr algn="ctr"/>
+            <a:r>
+              <a:rPr lang="en-US" dirty="0"/>
+              <a:t>[insert number line 0-100controlled by dial]</a:t>
+            </a:r>
+          </a:p>
+        </p:txBody>
+      </p:sp>
+    </p:spTree>
+    <p:extLst>
+      <p:ext uri="{BB962C8B-B14F-4D97-AF65-F5344CB8AC3E}">
+        <p14:creationId xmlns:p14="http://schemas.microsoft.com/office/powerpoint/2010/main" val="1785467731"/>
+      </p:ext>
+    </p:extLst>
+  </p:cSld>
+  <p:clrMapOvr>
+    <a:masterClrMapping/>
+  </p:clrMapOvr>
+</p:sld>
+</file>
+
+<file path=ppt/slides/slide15.xml><?xml version="1.0" encoding="utf-8"?>
+<p:sld xmlns:a="http://schemas.openxmlformats.org/drawingml/2006/main" xmlns:r="http://schemas.openxmlformats.org/officeDocument/2006/relationships" xmlns:p="http://schemas.openxmlformats.org/presentationml/2006/main">
+  <p:cSld>
+    <p:spTree>
+      <p:nvGrpSpPr>
+        <p:cNvPr id="1" name=""/>
+        <p:cNvGrpSpPr/>
+        <p:nvPr/>
+      </p:nvGrpSpPr>
+      <p:grpSpPr>
+        <a:xfrm>
+          <a:off x="0" y="0"/>
+          <a:ext cx="0" cy="0"/>
+          <a:chOff x="0" y="0"/>
+          <a:chExt cx="0" cy="0"/>
+        </a:xfrm>
+      </p:grpSpPr>
+      <p:sp>
+        <p:nvSpPr>
+          <p:cNvPr id="4" name="Rectangle 3"/>
+          <p:cNvSpPr/>
+          <p:nvPr/>
+        </p:nvSpPr>
+        <p:spPr>
+          <a:xfrm>
+            <a:off x="0" y="1425607"/>
+            <a:ext cx="9143999" cy="3662541"/>
+          </a:xfrm>
+          <a:prstGeom prst="rect">
+            <a:avLst/>
+          </a:prstGeom>
+        </p:spPr>
+        <p:txBody>
+          <a:bodyPr wrap="square" lIns="91440" tIns="45720" rIns="91440" bIns="45720" anchor="ctr">
+            <a:spAutoFit/>
+          </a:bodyPr>
+          <a:lstStyle/>
+          <a:p>
+            <a:pPr algn="ctr"/>
+            <a:r>
+              <a:rPr lang="en-US" sz="3600" b="1" dirty="0">
+                <a:cs typeface="Calibri"/>
+              </a:rPr>
+              <a:t>Typicality: </a:t>
+            </a:r>
+            <a:r>
+              <a:rPr lang="en-US" sz="3600" dirty="0">
+                <a:cs typeface="Calibri"/>
+              </a:rPr>
+              <a:t>How likely is it for a native person to hear/experience sounds like this? (0-100)</a:t>
+            </a:r>
+          </a:p>
+          <a:p>
+            <a:pPr algn="ctr"/>
+            <a:endParaRPr lang="en-US" sz="4000" dirty="0">
+              <a:cs typeface="Calibri"/>
+            </a:endParaRPr>
+          </a:p>
+          <a:p>
+            <a:pPr algn="ctr"/>
+            <a:endParaRPr lang="en-US" sz="4000" dirty="0">
+              <a:cs typeface="Calibri"/>
+            </a:endParaRPr>
+          </a:p>
+          <a:p>
+            <a:pPr algn="ctr"/>
+            <a:endParaRPr lang="en-US" sz="4000" dirty="0">
+              <a:cs typeface="Calibri"/>
+            </a:endParaRPr>
+          </a:p>
+          <a:p>
+            <a:pPr algn="ctr"/>
+            <a:endParaRPr lang="en-US" sz="4000" dirty="0">
+              <a:cs typeface="Calibri"/>
+            </a:endParaRPr>
+          </a:p>
+        </p:txBody>
+      </p:sp>
+      <p:sp>
+        <p:nvSpPr>
+          <p:cNvPr id="2" name="TextBox 1">
+            <a:extLst>
+              <a:ext uri="{FF2B5EF4-FFF2-40B4-BE49-F238E27FC236}">
+                <a16:creationId xmlns:a16="http://schemas.microsoft.com/office/drawing/2014/main" id="{8103C802-5703-104E-B339-9CAB3C745E87}"/>
+              </a:ext>
+            </a:extLst>
+          </p:cNvPr>
+          <p:cNvSpPr txBox="1"/>
+          <p:nvPr/>
+        </p:nvSpPr>
+        <p:spPr>
+          <a:xfrm>
+            <a:off x="2043953" y="3256877"/>
+            <a:ext cx="5131398" cy="646331"/>
+          </a:xfrm>
+          <a:prstGeom prst="rect">
+            <a:avLst/>
+          </a:prstGeom>
+          <a:noFill/>
+        </p:spPr>
+        <p:txBody>
+          <a:bodyPr wrap="square" rtlCol="0">
+            <a:spAutoFit/>
+          </a:bodyPr>
+          <a:lstStyle/>
+          <a:p>
+            <a:pPr algn="ctr"/>
+            <a:r>
+              <a:rPr lang="en-US" dirty="0"/>
+              <a:t>[insert number line 0-100 use a slider controlled by mouse]</a:t>
+            </a:r>
+          </a:p>
+        </p:txBody>
+      </p:sp>
+    </p:spTree>
+    <p:extLst>
+      <p:ext uri="{BB962C8B-B14F-4D97-AF65-F5344CB8AC3E}">
+        <p14:creationId xmlns:p14="http://schemas.microsoft.com/office/powerpoint/2010/main" val="1542420943"/>
+      </p:ext>
+    </p:extLst>
+  </p:cSld>
+  <p:clrMapOvr>
+    <a:masterClrMapping/>
+  </p:clrMapOvr>
+</p:sld>
+</file>
+
+<file path=ppt/slides/slide16.xml><?xml version="1.0" encoding="utf-8"?>
+<p:sld xmlns:a="http://schemas.openxmlformats.org/drawingml/2006/main" xmlns:r="http://schemas.openxmlformats.org/officeDocument/2006/relationships" xmlns:p="http://schemas.openxmlformats.org/presentationml/2006/main">
+  <p:cSld>
+    <p:spTree>
+      <p:nvGrpSpPr>
+        <p:cNvPr id="1" name=""/>
+        <p:cNvGrpSpPr/>
+        <p:nvPr/>
+      </p:nvGrpSpPr>
+      <p:grpSpPr>
+        <a:xfrm>
+          <a:off x="0" y="0"/>
+          <a:ext cx="0" cy="0"/>
+          <a:chOff x="0" y="0"/>
+          <a:chExt cx="0" cy="0"/>
+        </a:xfrm>
+      </p:grpSpPr>
+      <p:sp>
+        <p:nvSpPr>
+          <p:cNvPr id="4" name="Rectangle 3"/>
+          <p:cNvSpPr/>
+          <p:nvPr/>
+        </p:nvSpPr>
+        <p:spPr>
+          <a:xfrm>
+            <a:off x="0" y="1733384"/>
+            <a:ext cx="9143999" cy="3046988"/>
+          </a:xfrm>
+          <a:prstGeom prst="rect">
+            <a:avLst/>
+          </a:prstGeom>
+        </p:spPr>
+        <p:txBody>
+          <a:bodyPr wrap="square" lIns="91440" tIns="45720" rIns="91440" bIns="45720" anchor="ctr">
+            <a:spAutoFit/>
+          </a:bodyPr>
+          <a:lstStyle/>
+          <a:p>
+            <a:pPr algn="ctr"/>
+            <a:r>
+              <a:rPr lang="en-US" sz="3600" b="1" dirty="0">
+                <a:cs typeface="Calibri"/>
+              </a:rPr>
+              <a:t>Valence: </a:t>
+            </a:r>
+            <a:r>
+              <a:rPr lang="en-US" sz="3600" dirty="0">
+                <a:cs typeface="Calibri"/>
+              </a:rPr>
+              <a:t>Rate your mood in response to this clip. </a:t>
+            </a:r>
+            <a:endParaRPr lang="en-US" sz="4000" dirty="0">
+              <a:cs typeface="Calibri"/>
+            </a:endParaRPr>
+          </a:p>
+          <a:p>
+            <a:pPr algn="ctr"/>
+            <a:endParaRPr lang="en-US" sz="4000" dirty="0">
+              <a:cs typeface="Calibri"/>
+            </a:endParaRPr>
+          </a:p>
+          <a:p>
+            <a:pPr algn="ctr"/>
+            <a:endParaRPr lang="en-US" sz="4000" dirty="0">
+              <a:cs typeface="Calibri"/>
+            </a:endParaRPr>
+          </a:p>
+          <a:p>
+            <a:pPr algn="ctr"/>
+            <a:endParaRPr lang="en-US" sz="4000" dirty="0">
+              <a:cs typeface="Calibri"/>
+            </a:endParaRPr>
+          </a:p>
+        </p:txBody>
+      </p:sp>
+      <p:sp>
+        <p:nvSpPr>
+          <p:cNvPr id="2" name="TextBox 1">
+            <a:extLst>
+              <a:ext uri="{FF2B5EF4-FFF2-40B4-BE49-F238E27FC236}">
+                <a16:creationId xmlns:a16="http://schemas.microsoft.com/office/drawing/2014/main" id="{8103C802-5703-104E-B339-9CAB3C745E87}"/>
+              </a:ext>
+            </a:extLst>
+          </p:cNvPr>
+          <p:cNvSpPr txBox="1"/>
+          <p:nvPr/>
+        </p:nvSpPr>
+        <p:spPr>
+          <a:xfrm>
+            <a:off x="1506071" y="3515061"/>
+            <a:ext cx="6745045" cy="369332"/>
+          </a:xfrm>
+          <a:prstGeom prst="rect">
+            <a:avLst/>
+          </a:prstGeom>
+          <a:noFill/>
+        </p:spPr>
+        <p:txBody>
+          <a:bodyPr wrap="square" rtlCol="0">
+            <a:spAutoFit/>
+          </a:bodyPr>
+          <a:lstStyle/>
+          <a:p>
+            <a:pPr algn="ctr"/>
+            <a:r>
+              <a:rPr lang="en-US" dirty="0"/>
+              <a:t>[insert </a:t>
+            </a:r>
+            <a:r>
+              <a:rPr lang="en-US" dirty="0" err="1"/>
+              <a:t>likert</a:t>
+            </a:r>
+            <a:r>
+              <a:rPr lang="en-US" dirty="0"/>
+              <a:t> scale 1-9 with anchors 1=negative 5= neutral 9= positive]</a:t>
+            </a:r>
+          </a:p>
+        </p:txBody>
+      </p:sp>
+    </p:spTree>
+    <p:extLst>
+      <p:ext uri="{BB962C8B-B14F-4D97-AF65-F5344CB8AC3E}">
+        <p14:creationId xmlns:p14="http://schemas.microsoft.com/office/powerpoint/2010/main" val="1865332930"/>
       </p:ext>
     </p:extLst>
   </p:cSld>
@@ -6781,41 +7003,98 @@
         </p:nvSpPr>
         <p:spPr>
           <a:xfrm>
-            <a:off x="0" y="2659455"/>
-            <a:ext cx="9143999" cy="1323439"/>
+            <a:off x="0" y="2041160"/>
+            <a:ext cx="9143999" cy="2431435"/>
           </a:xfrm>
           <a:prstGeom prst="rect">
             <a:avLst/>
           </a:prstGeom>
         </p:spPr>
         <p:txBody>
-          <a:bodyPr wrap="square" lIns="91440" tIns="45720" rIns="91440" bIns="45720" anchor="t">
+          <a:bodyPr wrap="square" lIns="91440" tIns="45720" rIns="91440" bIns="45720" anchor="ctr">
             <a:spAutoFit/>
           </a:bodyPr>
           <a:lstStyle/>
           <a:p>
             <a:pPr algn="ctr"/>
             <a:r>
-              <a:rPr lang="en-US" sz="4000" dirty="0"/>
-              <a:t>When you are ready,</a:t>
-            </a:r>
-          </a:p>
-          <a:p>
-            <a:pPr algn="ctr"/>
-            <a:r>
-              <a:rPr lang="en-US" sz="4000" dirty="0"/>
-              <a:t>Keep clicking the mouse to continue.</a:t>
+              <a:rPr lang="en-US" sz="3600" b="1" dirty="0">
+                <a:cs typeface="Calibri"/>
+              </a:rPr>
+              <a:t>Arousal: </a:t>
+            </a:r>
+            <a:r>
+              <a:rPr lang="en-US" sz="3600" dirty="0">
+                <a:cs typeface="Calibri"/>
+              </a:rPr>
+              <a:t>Rate your arousal in response to this clip.</a:t>
             </a:r>
             <a:endParaRPr lang="en-US" sz="4000" dirty="0">
               <a:cs typeface="Calibri"/>
             </a:endParaRPr>
           </a:p>
+          <a:p>
+            <a:pPr algn="ctr"/>
+            <a:endParaRPr lang="en-US" sz="4000" dirty="0">
+              <a:cs typeface="Calibri"/>
+            </a:endParaRPr>
+          </a:p>
+          <a:p>
+            <a:pPr algn="ctr"/>
+            <a:endParaRPr lang="en-US" sz="4000" dirty="0">
+              <a:cs typeface="Calibri"/>
+            </a:endParaRPr>
+          </a:p>
+        </p:txBody>
+      </p:sp>
+      <p:sp>
+        <p:nvSpPr>
+          <p:cNvPr id="2" name="TextBox 1">
+            <a:extLst>
+              <a:ext uri="{FF2B5EF4-FFF2-40B4-BE49-F238E27FC236}">
+                <a16:creationId xmlns:a16="http://schemas.microsoft.com/office/drawing/2014/main" id="{8103C802-5703-104E-B339-9CAB3C745E87}"/>
+              </a:ext>
+            </a:extLst>
+          </p:cNvPr>
+          <p:cNvSpPr txBox="1"/>
+          <p:nvPr/>
+        </p:nvSpPr>
+        <p:spPr>
+          <a:xfrm>
+            <a:off x="1506071" y="3515061"/>
+            <a:ext cx="6745045" cy="369332"/>
+          </a:xfrm>
+          <a:prstGeom prst="rect">
+            <a:avLst/>
+          </a:prstGeom>
+          <a:noFill/>
+        </p:spPr>
+        <p:txBody>
+          <a:bodyPr wrap="square" rtlCol="0">
+            <a:spAutoFit/>
+          </a:bodyPr>
+          <a:lstStyle/>
+          <a:p>
+            <a:pPr algn="ctr"/>
+            <a:r>
+              <a:rPr lang="en-US" dirty="0"/>
+              <a:t>[insert </a:t>
+            </a:r>
+            <a:r>
+              <a:rPr lang="en-US" dirty="0" err="1"/>
+              <a:t>likert</a:t>
+            </a:r>
+            <a:r>
+              <a:rPr lang="en-US" dirty="0"/>
+              <a:t> scale 1-9 with anchors 1=calm 5= middle 9= excited]</a:t>
+            </a:r>
+          </a:p>
         </p:txBody>
       </p:sp>
     </p:spTree>
     <p:extLst>
       <p:ext uri="{BB962C8B-B14F-4D97-AF65-F5344CB8AC3E}">
-        <p14:creationId xmlns:p14="http://schemas.microsoft.com/office/powerpoint/2010/main" val="545709490"/>
+        <p14:creationId xmlns:p14="http://schemas.microsoft.com/office/powerpoint/2010/main" val="1792324612"/>
       </p:ext>
     </p:extLst>
   </p:cSld>
@@ -6844,251 +7123,6 @@
       </p:grpSpPr>
       <p:sp>
         <p:nvSpPr>
-          <p:cNvPr id="4" name="Rectangle 3"/>
-          <p:cNvSpPr/>
-          <p:nvPr/>
-        </p:nvSpPr>
-        <p:spPr>
-          <a:xfrm>
-            <a:off x="0" y="2041160"/>
-            <a:ext cx="9143999" cy="2431435"/>
-          </a:xfrm>
-          <a:prstGeom prst="rect">
-            <a:avLst/>
-          </a:prstGeom>
-        </p:spPr>
-        <p:txBody>
-          <a:bodyPr wrap="square" lIns="91440" tIns="45720" rIns="91440" bIns="45720" anchor="ctr">
-            <a:spAutoFit/>
-          </a:bodyPr>
-          <a:lstStyle/>
-          <a:p>
-            <a:pPr algn="ctr"/>
-            <a:r>
-              <a:rPr lang="en-US" sz="3600" b="1" dirty="0">
-                <a:cs typeface="Calibri"/>
-              </a:rPr>
-              <a:t>Relatedness: </a:t>
-            </a:r>
-            <a:r>
-              <a:rPr lang="en-US" sz="3600" dirty="0">
-                <a:cs typeface="Calibri"/>
-              </a:rPr>
-              <a:t>Are these pictures related to your identity as a native person?</a:t>
-            </a:r>
-            <a:endParaRPr lang="en-US" sz="4000" dirty="0">
-              <a:cs typeface="Calibri"/>
-            </a:endParaRPr>
-          </a:p>
-          <a:p>
-            <a:pPr algn="ctr"/>
-            <a:endParaRPr lang="en-US" sz="4000" dirty="0">
-              <a:cs typeface="Calibri"/>
-            </a:endParaRPr>
-          </a:p>
-          <a:p>
-            <a:pPr algn="ctr"/>
-            <a:endParaRPr lang="en-US" sz="4000" dirty="0">
-              <a:cs typeface="Calibri"/>
-            </a:endParaRPr>
-          </a:p>
-        </p:txBody>
-      </p:sp>
-      <p:sp>
-        <p:nvSpPr>
-          <p:cNvPr id="2" name="TextBox 1">
-            <a:extLst>
-              <a:ext uri="{FF2B5EF4-FFF2-40B4-BE49-F238E27FC236}">
-                <a16:creationId xmlns:a16="http://schemas.microsoft.com/office/drawing/2014/main" id="{8103C802-5703-104E-B339-9CAB3C745E87}"/>
-              </a:ext>
-            </a:extLst>
-          </p:cNvPr>
-          <p:cNvSpPr txBox="1"/>
-          <p:nvPr/>
-        </p:nvSpPr>
-        <p:spPr>
-          <a:xfrm>
-            <a:off x="1506071" y="3515061"/>
-            <a:ext cx="6745045" cy="369332"/>
-          </a:xfrm>
-          <a:prstGeom prst="rect">
-            <a:avLst/>
-          </a:prstGeom>
-          <a:noFill/>
-        </p:spPr>
-        <p:txBody>
-          <a:bodyPr wrap="square" rtlCol="0">
-            <a:spAutoFit/>
-          </a:bodyPr>
-          <a:lstStyle/>
-          <a:p>
-            <a:pPr algn="ctr"/>
-            <a:r>
-              <a:rPr lang="en-US" dirty="0"/>
-              <a:t>[Yes/No options controlled by mouse click]</a:t>
-            </a:r>
-          </a:p>
-        </p:txBody>
-      </p:sp>
-    </p:spTree>
-    <p:extLst>
-      <p:ext uri="{BB962C8B-B14F-4D97-AF65-F5344CB8AC3E}">
-        <p14:creationId xmlns:p14="http://schemas.microsoft.com/office/powerpoint/2010/main" val="2608330240"/>
-      </p:ext>
-    </p:extLst>
-  </p:cSld>
-  <p:clrMapOvr>
-    <a:masterClrMapping/>
-  </p:clrMapOvr>
-</p:sld>
-</file>
-
-<file path=ppt/slides/slide19.xml><?xml version="1.0" encoding="utf-8"?>
-<p:sld xmlns:a="http://schemas.openxmlformats.org/drawingml/2006/main" xmlns:r="http://schemas.openxmlformats.org/officeDocument/2006/relationships" xmlns:p="http://schemas.openxmlformats.org/presentationml/2006/main">
-  <p:cSld>
-    <p:spTree>
-      <p:nvGrpSpPr>
-        <p:cNvPr id="1" name=""/>
-        <p:cNvGrpSpPr/>
-        <p:nvPr/>
-      </p:nvGrpSpPr>
-      <p:grpSpPr>
-        <a:xfrm>
-          <a:off x="0" y="0"/>
-          <a:ext cx="0" cy="0"/>
-          <a:chOff x="0" y="0"/>
-          <a:chExt cx="0" cy="0"/>
-        </a:xfrm>
-      </p:grpSpPr>
-      <p:sp>
-        <p:nvSpPr>
-          <p:cNvPr id="4" name="Rectangle 3"/>
-          <p:cNvSpPr/>
-          <p:nvPr/>
-        </p:nvSpPr>
-        <p:spPr>
-          <a:xfrm>
-            <a:off x="0" y="1425607"/>
-            <a:ext cx="9143999" cy="3662541"/>
-          </a:xfrm>
-          <a:prstGeom prst="rect">
-            <a:avLst/>
-          </a:prstGeom>
-        </p:spPr>
-        <p:txBody>
-          <a:bodyPr wrap="square" lIns="91440" tIns="45720" rIns="91440" bIns="45720" anchor="ctr">
-            <a:spAutoFit/>
-          </a:bodyPr>
-          <a:lstStyle/>
-          <a:p>
-            <a:pPr algn="ctr"/>
-            <a:r>
-              <a:rPr lang="en-US" sz="3600" b="1" dirty="0">
-                <a:cs typeface="Calibri"/>
-              </a:rPr>
-              <a:t>Identity: </a:t>
-            </a:r>
-            <a:r>
-              <a:rPr lang="en-US" sz="3600" dirty="0">
-                <a:cs typeface="Calibri"/>
-              </a:rPr>
-              <a:t>How much did these pictures relate to your identity as a native person? (0-100)</a:t>
-            </a:r>
-          </a:p>
-          <a:p>
-            <a:pPr algn="ctr"/>
-            <a:endParaRPr lang="en-US" sz="4000" dirty="0">
-              <a:cs typeface="Calibri"/>
-            </a:endParaRPr>
-          </a:p>
-          <a:p>
-            <a:pPr algn="ctr"/>
-            <a:endParaRPr lang="en-US" sz="4000" dirty="0">
-              <a:cs typeface="Calibri"/>
-            </a:endParaRPr>
-          </a:p>
-          <a:p>
-            <a:pPr algn="ctr"/>
-            <a:endParaRPr lang="en-US" sz="4000" dirty="0">
-              <a:cs typeface="Calibri"/>
-            </a:endParaRPr>
-          </a:p>
-          <a:p>
-            <a:pPr algn="ctr"/>
-            <a:endParaRPr lang="en-US" sz="4000" dirty="0">
-              <a:cs typeface="Calibri"/>
-            </a:endParaRPr>
-          </a:p>
-        </p:txBody>
-      </p:sp>
-      <p:sp>
-        <p:nvSpPr>
-          <p:cNvPr id="2" name="TextBox 1">
-            <a:extLst>
-              <a:ext uri="{FF2B5EF4-FFF2-40B4-BE49-F238E27FC236}">
-                <a16:creationId xmlns:a16="http://schemas.microsoft.com/office/drawing/2014/main" id="{8103C802-5703-104E-B339-9CAB3C745E87}"/>
-              </a:ext>
-            </a:extLst>
-          </p:cNvPr>
-          <p:cNvSpPr txBox="1"/>
-          <p:nvPr/>
-        </p:nvSpPr>
-        <p:spPr>
-          <a:xfrm>
-            <a:off x="2043953" y="3256877"/>
-            <a:ext cx="5131398" cy="369332"/>
-          </a:xfrm>
-          <a:prstGeom prst="rect">
-            <a:avLst/>
-          </a:prstGeom>
-          <a:noFill/>
-        </p:spPr>
-        <p:txBody>
-          <a:bodyPr wrap="square" rtlCol="0">
-            <a:spAutoFit/>
-          </a:bodyPr>
-          <a:lstStyle/>
-          <a:p>
-            <a:pPr algn="ctr"/>
-            <a:r>
-              <a:rPr lang="en-US" dirty="0"/>
-              <a:t>[insert number line 0-100 controlled by buttons]</a:t>
-            </a:r>
-          </a:p>
-        </p:txBody>
-      </p:sp>
-    </p:spTree>
-    <p:extLst>
-      <p:ext uri="{BB962C8B-B14F-4D97-AF65-F5344CB8AC3E}">
-        <p14:creationId xmlns:p14="http://schemas.microsoft.com/office/powerpoint/2010/main" val="164945349"/>
-      </p:ext>
-    </p:extLst>
-  </p:cSld>
-  <p:clrMapOvr>
-    <a:masterClrMapping/>
-  </p:clrMapOvr>
-</p:sld>
-</file>
-
-<file path=ppt/slides/slide2.xml><?xml version="1.0" encoding="utf-8"?>
-<p:sld xmlns:a="http://schemas.openxmlformats.org/drawingml/2006/main" xmlns:r="http://schemas.openxmlformats.org/officeDocument/2006/relationships" xmlns:p="http://schemas.openxmlformats.org/presentationml/2006/main">
-  <p:cSld>
-    <p:spTree>
-      <p:nvGrpSpPr>
-        <p:cNvPr id="1" name=""/>
-        <p:cNvGrpSpPr/>
-        <p:nvPr/>
-      </p:nvGrpSpPr>
-      <p:grpSpPr>
-        <a:xfrm>
-          <a:off x="0" y="0"/>
-          <a:ext cx="0" cy="0"/>
-          <a:chOff x="0" y="0"/>
-          <a:chExt cx="0" cy="0"/>
-        </a:xfrm>
-      </p:grpSpPr>
-      <p:sp>
-        <p:nvSpPr>
           <p:cNvPr id="3" name="Content Placeholder 2"/>
           <p:cNvSpPr>
             <a:spLocks noGrp="1"/>
@@ -7100,7 +7134,7 @@
         <p:spPr>
           <a:xfrm>
             <a:off x="202799" y="176410"/>
-            <a:ext cx="8738402" cy="6024883"/>
+            <a:ext cx="8738402" cy="6111267"/>
           </a:xfrm>
         </p:spPr>
         <p:txBody>
@@ -7111,13 +7145,13 @@
           <a:p>
             <a:pPr marL="0" indent="0">
               <a:spcAft>
-                <a:spcPts val="800"/>
+                <a:spcPts val="1200"/>
               </a:spcAft>
               <a:buNone/>
             </a:pPr>
             <a:r>
               <a:rPr lang="en-US" dirty="0"/>
-              <a:t>In this task, you will watch a series of videos. After each video, you will be asked to respond to five questions:</a:t>
+              <a:t>In this task, you will see a series of pictures in sets of four. After each set of images, you will be asked to respond to five questions:</a:t>
             </a:r>
           </a:p>
           <a:p>
@@ -7138,7 +7172,7 @@
               <a:rPr lang="en-US" sz="2400" dirty="0">
                 <a:cs typeface="Calibri"/>
               </a:rPr>
-              <a:t>Is this video related to your identity as a native person? (Y/N)</a:t>
+              <a:t>Are these pictures related to your identity as a native person? (Y/N)</a:t>
             </a:r>
           </a:p>
           <a:p>
@@ -7159,7 +7193,7 @@
               <a:rPr lang="en-US" sz="2400" dirty="0">
                 <a:cs typeface="Calibri"/>
               </a:rPr>
-              <a:t>How much did this video relate to your identity as a native person? (0-100)</a:t>
+              <a:t>How much did these pictures relate to your identity as a native person? (0-100)</a:t>
             </a:r>
           </a:p>
           <a:p>
@@ -7201,7 +7235,7 @@
               <a:rPr lang="en-US" sz="2400" dirty="0">
                 <a:cs typeface="Calibri"/>
               </a:rPr>
-              <a:t>Rate your mood in response to this video.                        		 </a:t>
+              <a:t>Rate your mood in response to these pictures.             	               </a:t>
             </a:r>
             <a:r>
               <a:rPr lang="en-US" sz="2000" dirty="0">
@@ -7228,7 +7262,7 @@
               <a:rPr lang="en-US" sz="2400" dirty="0">
                 <a:cs typeface="Calibri"/>
               </a:rPr>
-              <a:t>Rate your arousal in response to this video.                   		 </a:t>
+              <a:t>Rate your arousal in response to these pictures.         	               </a:t>
             </a:r>
             <a:r>
               <a:rPr lang="en-US" sz="2000" dirty="0">
@@ -7247,7 +7281,7 @@
           <p:cNvPr id="5" name="Title 3">
             <a:extLst>
               <a:ext uri="{FF2B5EF4-FFF2-40B4-BE49-F238E27FC236}">
-                <a16:creationId xmlns:a16="http://schemas.microsoft.com/office/drawing/2014/main" id="{D8F702E0-3A26-8344-80D9-9F567B25E475}"/>
+                <a16:creationId xmlns:a16="http://schemas.microsoft.com/office/drawing/2014/main" id="{53AD9BDC-D1D6-D34B-9246-0B7EC252ED38}"/>
               </a:ext>
             </a:extLst>
           </p:cNvPr>
@@ -7293,7 +7327,7 @@
                 </a:solidFill>
                 <a:cs typeface="Calibri"/>
               </a:rPr>
-              <a:t>CLICK THE RIGHT BUTTON TO CONTINUE</a:t>
+              <a:t>CLICK THE RIGHT KEY TO CONTINUE</a:t>
             </a:r>
           </a:p>
         </p:txBody>
@@ -7303,7 +7337,7 @@
           <p:cNvPr id="6" name="Right Arrow 12">
             <a:extLst>
               <a:ext uri="{FF2B5EF4-FFF2-40B4-BE49-F238E27FC236}">
-                <a16:creationId xmlns:a16="http://schemas.microsoft.com/office/drawing/2014/main" id="{61AD207B-49C0-5D4C-8F58-875D2B1B3D00}"/>
+                <a16:creationId xmlns:a16="http://schemas.microsoft.com/office/drawing/2014/main" id="{178576FF-4B5E-3A44-980F-89AE5AF4D6D7}"/>
               </a:ext>
             </a:extLst>
           </p:cNvPr>
@@ -7351,7 +7385,307 @@
     </p:spTree>
     <p:extLst>
       <p:ext uri="{BB962C8B-B14F-4D97-AF65-F5344CB8AC3E}">
-        <p14:creationId xmlns:p14="http://schemas.microsoft.com/office/powerpoint/2010/main" val="1135926029"/>
+        <p14:creationId xmlns:p14="http://schemas.microsoft.com/office/powerpoint/2010/main" val="470756330"/>
+      </p:ext>
+    </p:extLst>
+  </p:cSld>
+  <p:clrMapOvr>
+    <a:masterClrMapping/>
+  </p:clrMapOvr>
+</p:sld>
+</file>
+
+<file path=ppt/slides/slide19.xml><?xml version="1.0" encoding="utf-8"?>
+<p:sld xmlns:a="http://schemas.openxmlformats.org/drawingml/2006/main" xmlns:r="http://schemas.openxmlformats.org/officeDocument/2006/relationships" xmlns:p="http://schemas.openxmlformats.org/presentationml/2006/main">
+  <p:cSld>
+    <p:spTree>
+      <p:nvGrpSpPr>
+        <p:cNvPr id="1" name=""/>
+        <p:cNvGrpSpPr/>
+        <p:nvPr/>
+      </p:nvGrpSpPr>
+      <p:grpSpPr>
+        <a:xfrm>
+          <a:off x="0" y="0"/>
+          <a:ext cx="0" cy="0"/>
+          <a:chOff x="0" y="0"/>
+          <a:chExt cx="0" cy="0"/>
+        </a:xfrm>
+      </p:grpSpPr>
+      <p:sp>
+        <p:nvSpPr>
+          <p:cNvPr id="4" name="Rectangle 3"/>
+          <p:cNvSpPr/>
+          <p:nvPr/>
+        </p:nvSpPr>
+        <p:spPr>
+          <a:xfrm>
+            <a:off x="0" y="2659455"/>
+            <a:ext cx="9143999" cy="1323439"/>
+          </a:xfrm>
+          <a:prstGeom prst="rect">
+            <a:avLst/>
+          </a:prstGeom>
+        </p:spPr>
+        <p:txBody>
+          <a:bodyPr wrap="square" lIns="91440" tIns="45720" rIns="91440" bIns="45720" anchor="t">
+            <a:spAutoFit/>
+          </a:bodyPr>
+          <a:lstStyle/>
+          <a:p>
+            <a:pPr algn="ctr"/>
+            <a:r>
+              <a:rPr lang="en-US" sz="4000" dirty="0"/>
+              <a:t>When you are ready,</a:t>
+            </a:r>
+          </a:p>
+          <a:p>
+            <a:pPr algn="ctr"/>
+            <a:r>
+              <a:rPr lang="en-US" sz="4000" dirty="0"/>
+              <a:t>Keep clicking the mouse to continue.</a:t>
+            </a:r>
+            <a:endParaRPr lang="en-US" sz="4000" dirty="0">
+              <a:cs typeface="Calibri"/>
+            </a:endParaRPr>
+          </a:p>
+        </p:txBody>
+      </p:sp>
+    </p:spTree>
+    <p:extLst>
+      <p:ext uri="{BB962C8B-B14F-4D97-AF65-F5344CB8AC3E}">
+        <p14:creationId xmlns:p14="http://schemas.microsoft.com/office/powerpoint/2010/main" val="545709490"/>
+      </p:ext>
+    </p:extLst>
+  </p:cSld>
+  <p:clrMapOvr>
+    <a:masterClrMapping/>
+  </p:clrMapOvr>
+</p:sld>
+</file>
+
+<file path=ppt/slides/slide2.xml><?xml version="1.0" encoding="utf-8"?>
+<p:sld xmlns:a="http://schemas.openxmlformats.org/drawingml/2006/main" xmlns:r="http://schemas.openxmlformats.org/officeDocument/2006/relationships" xmlns:p="http://schemas.openxmlformats.org/presentationml/2006/main">
+  <p:cSld>
+    <p:spTree>
+      <p:nvGrpSpPr>
+        <p:cNvPr id="1" name=""/>
+        <p:cNvGrpSpPr/>
+        <p:nvPr/>
+      </p:nvGrpSpPr>
+      <p:grpSpPr>
+        <a:xfrm>
+          <a:off x="0" y="0"/>
+          <a:ext cx="0" cy="0"/>
+          <a:chOff x="0" y="0"/>
+          <a:chExt cx="0" cy="0"/>
+        </a:xfrm>
+      </p:grpSpPr>
+      <p:sp>
+        <p:nvSpPr>
+          <p:cNvPr id="4" name="Title 3"/>
+          <p:cNvSpPr>
+            <a:spLocks noGrp="1"/>
+          </p:cNvSpPr>
+          <p:nvPr>
+            <p:ph type="ctrTitle"/>
+          </p:nvPr>
+        </p:nvSpPr>
+        <p:spPr>
+          <a:xfrm>
+            <a:off x="364343" y="2130425"/>
+            <a:ext cx="8458200" cy="1470025"/>
+          </a:xfrm>
+        </p:spPr>
+        <p:txBody>
+          <a:bodyPr>
+            <a:normAutofit/>
+          </a:bodyPr>
+          <a:lstStyle/>
+          <a:p>
+            <a:r>
+              <a:rPr lang="en-US" dirty="0"/>
+              <a:t>NCAIR Remote Stimulus Task</a:t>
+            </a:r>
+          </a:p>
+        </p:txBody>
+      </p:sp>
+      <p:pic>
+        <p:nvPicPr>
+          <p:cNvPr id="9" name="Picture 8"/>
+          <p:cNvPicPr>
+            <a:picLocks noChangeAspect="1"/>
+          </p:cNvPicPr>
+          <p:nvPr/>
+        </p:nvPicPr>
+        <p:blipFill>
+          <a:blip r:embed="rId3">
+            <a:extLst>
+              <a:ext uri="{28A0092B-C50C-407E-A947-70E740481C1C}">
+                <a14:useLocalDpi xmlns:a14="http://schemas.microsoft.com/office/drawing/2010/main" val="0"/>
+              </a:ext>
+            </a:extLst>
+          </a:blip>
+          <a:stretch>
+            <a:fillRect/>
+          </a:stretch>
+        </p:blipFill>
+        <p:spPr>
+          <a:xfrm>
+            <a:off x="7061982" y="236743"/>
+            <a:ext cx="1760561" cy="333863"/>
+          </a:xfrm>
+          <a:prstGeom prst="rect">
+            <a:avLst/>
+          </a:prstGeom>
+        </p:spPr>
+      </p:pic>
+      <p:sp>
+        <p:nvSpPr>
+          <p:cNvPr id="2" name="Title 3">
+            <a:extLst>
+              <a:ext uri="{FF2B5EF4-FFF2-40B4-BE49-F238E27FC236}">
+                <a16:creationId xmlns:a16="http://schemas.microsoft.com/office/drawing/2014/main" id="{A9CEA40B-5234-42D7-930C-3D1F04A17646}"/>
+              </a:ext>
+            </a:extLst>
+          </p:cNvPr>
+          <p:cNvSpPr txBox="1">
+            <a:spLocks/>
+          </p:cNvSpPr>
+          <p:nvPr/>
+        </p:nvSpPr>
+        <p:spPr>
+          <a:xfrm>
+            <a:off x="18856" y="6208354"/>
+            <a:ext cx="9149174" cy="656705"/>
+          </a:xfrm>
+          <a:prstGeom prst="rect">
+            <a:avLst/>
+          </a:prstGeom>
+        </p:spPr>
+        <p:txBody>
+          <a:bodyPr vert="horz" lIns="91440" tIns="45720" rIns="91440" bIns="45720" rtlCol="0" anchor="ctr">
+            <a:normAutofit/>
+          </a:bodyPr>
+          <a:lstStyle>
+            <a:lvl1pPr algn="ctr" defTabSz="914400" rtl="0" eaLnBrk="1" latinLnBrk="0" hangingPunct="1">
+              <a:spcBef>
+                <a:spcPct val="0"/>
+              </a:spcBef>
+              <a:buNone/>
+              <a:defRPr sz="4400" kern="1200">
+                <a:solidFill>
+                  <a:schemeClr val="tx1"/>
+                </a:solidFill>
+                <a:latin typeface="+mj-lt"/>
+                <a:ea typeface="+mj-ea"/>
+                <a:cs typeface="+mj-cs"/>
+              </a:defRPr>
+            </a:lvl1pPr>
+          </a:lstStyle>
+          <a:p>
+            <a:r>
+              <a:rPr lang="en-US" sz="3000" dirty="0">
+                <a:solidFill>
+                  <a:srgbClr val="FF0000"/>
+                </a:solidFill>
+                <a:cs typeface="Calibri"/>
+              </a:rPr>
+              <a:t>CLICK THE RIGHT KEY TO CONTINUE</a:t>
+            </a:r>
+          </a:p>
+        </p:txBody>
+      </p:sp>
+      <p:sp>
+        <p:nvSpPr>
+          <p:cNvPr id="3" name="Right Arrow 12">
+            <a:extLst>
+              <a:ext uri="{FF2B5EF4-FFF2-40B4-BE49-F238E27FC236}">
+                <a16:creationId xmlns:a16="http://schemas.microsoft.com/office/drawing/2014/main" id="{B670D590-D386-4EBA-B0BF-F4CDB2DF6933}"/>
+              </a:ext>
+            </a:extLst>
+          </p:cNvPr>
+          <p:cNvSpPr/>
+          <p:nvPr/>
+        </p:nvSpPr>
+        <p:spPr>
+          <a:xfrm>
+            <a:off x="8113318" y="6391826"/>
+            <a:ext cx="640200" cy="289763"/>
+          </a:xfrm>
+          <a:prstGeom prst="rightArrow">
+            <a:avLst/>
+          </a:prstGeom>
+          <a:solidFill>
+            <a:schemeClr val="tx1"/>
+          </a:solidFill>
+          <a:ln>
+            <a:noFill/>
+          </a:ln>
+        </p:spPr>
+        <p:style>
+          <a:lnRef idx="1">
+            <a:schemeClr val="accent1"/>
+          </a:lnRef>
+          <a:fillRef idx="3">
+            <a:schemeClr val="accent1"/>
+          </a:fillRef>
+          <a:effectRef idx="2">
+            <a:schemeClr val="accent1"/>
+          </a:effectRef>
+          <a:fontRef idx="minor">
+            <a:schemeClr val="lt1"/>
+          </a:fontRef>
+        </p:style>
+        <p:txBody>
+          <a:bodyPr rtlCol="0" anchor="ctr"/>
+          <a:lstStyle/>
+          <a:p>
+            <a:pPr algn="ctr"/>
+            <a:endParaRPr lang="en-US"/>
+          </a:p>
+        </p:txBody>
+      </p:sp>
+      <p:sp>
+        <p:nvSpPr>
+          <p:cNvPr id="5" name="TextBox 4">
+            <a:extLst>
+              <a:ext uri="{FF2B5EF4-FFF2-40B4-BE49-F238E27FC236}">
+                <a16:creationId xmlns:a16="http://schemas.microsoft.com/office/drawing/2014/main" id="{FA8803B1-4B33-004F-B3D2-AD86FEDA44F7}"/>
+              </a:ext>
+            </a:extLst>
+          </p:cNvPr>
+          <p:cNvSpPr txBox="1"/>
+          <p:nvPr/>
+        </p:nvSpPr>
+        <p:spPr>
+          <a:xfrm>
+            <a:off x="3339790" y="5631366"/>
+            <a:ext cx="2464420" cy="461665"/>
+          </a:xfrm>
+          <a:prstGeom prst="rect">
+            <a:avLst/>
+          </a:prstGeom>
+          <a:noFill/>
+        </p:spPr>
+        <p:txBody>
+          <a:bodyPr wrap="square" rtlCol="0">
+            <a:spAutoFit/>
+          </a:bodyPr>
+          <a:lstStyle/>
+          <a:p>
+            <a:pPr algn="ctr"/>
+            <a:r>
+              <a:rPr lang="en-US" sz="2400" dirty="0"/>
+              <a:t>Run 2</a:t>
+            </a:r>
+          </a:p>
+        </p:txBody>
+      </p:sp>
+    </p:spTree>
+    <p:extLst>
+      <p:ext uri="{BB962C8B-B14F-4D97-AF65-F5344CB8AC3E}">
+        <p14:creationId xmlns:p14="http://schemas.microsoft.com/office/powerpoint/2010/main" val="3747310740"/>
       </p:ext>
     </p:extLst>
   </p:cSld>
@@ -7386,8 +7720,8 @@
         </p:nvSpPr>
         <p:spPr>
           <a:xfrm>
-            <a:off x="0" y="1425607"/>
-            <a:ext cx="9143999" cy="3662541"/>
+            <a:off x="0" y="2041160"/>
+            <a:ext cx="9143999" cy="2431435"/>
           </a:xfrm>
           <a:prstGeom prst="rect">
             <a:avLst/>
@@ -7404,23 +7738,14 @@
               <a:rPr lang="en-US" sz="3600" b="1" dirty="0">
                 <a:cs typeface="Calibri"/>
               </a:rPr>
-              <a:t>Typicality: </a:t>
+              <a:t>Relatedness: </a:t>
             </a:r>
             <a:r>
               <a:rPr lang="en-US" sz="3600" dirty="0">
                 <a:cs typeface="Calibri"/>
               </a:rPr>
-              <a:t>How likely is it for a native person to see/experience scenes like this? (0-100)</a:t>
-            </a:r>
-          </a:p>
-          <a:p>
-            <a:pPr algn="ctr"/>
-            <a:endParaRPr lang="en-US" sz="4000" dirty="0">
-              <a:cs typeface="Calibri"/>
-            </a:endParaRPr>
-          </a:p>
-          <a:p>
-            <a:pPr algn="ctr"/>
+              <a:t>Are these pictures related to your identity as a native person?</a:t>
+            </a:r>
             <a:endParaRPr lang="en-US" sz="4000" dirty="0">
               <a:cs typeface="Calibri"/>
             </a:endParaRPr>
@@ -7453,8 +7778,8 @@
         </p:nvSpPr>
         <p:spPr>
           <a:xfrm>
-            <a:off x="2043953" y="3256877"/>
-            <a:ext cx="5131398" cy="646331"/>
+            <a:off x="1506071" y="3515061"/>
+            <a:ext cx="6745045" cy="369332"/>
           </a:xfrm>
           <a:prstGeom prst="rect">
             <a:avLst/>
@@ -7470,7 +7795,7 @@
             <a:pPr algn="ctr"/>
             <a:r>
               <a:rPr lang="en-US" dirty="0"/>
-              <a:t>[insert number line 0-100 use a slider controlled by mouse]</a:t>
+              <a:t>[Yes/No options controlled by mouse click]</a:t>
             </a:r>
           </a:p>
         </p:txBody>
@@ -7478,7 +7803,7 @@
     </p:spTree>
     <p:extLst>
       <p:ext uri="{BB962C8B-B14F-4D97-AF65-F5344CB8AC3E}">
-        <p14:creationId xmlns:p14="http://schemas.microsoft.com/office/powerpoint/2010/main" val="184848489"/>
+        <p14:creationId xmlns:p14="http://schemas.microsoft.com/office/powerpoint/2010/main" val="2608330240"/>
       </p:ext>
     </p:extLst>
   </p:cSld>
@@ -7513,8 +7838,8 @@
         </p:nvSpPr>
         <p:spPr>
           <a:xfrm>
-            <a:off x="0" y="1733384"/>
-            <a:ext cx="9143999" cy="3046988"/>
+            <a:off x="0" y="1425607"/>
+            <a:ext cx="9143999" cy="3662541"/>
           </a:xfrm>
           <a:prstGeom prst="rect">
             <a:avLst/>
@@ -7531,14 +7856,17 @@
               <a:rPr lang="en-US" sz="3600" b="1" dirty="0">
                 <a:cs typeface="Calibri"/>
               </a:rPr>
-              <a:t>Valence: </a:t>
+              <a:t>Identity: </a:t>
             </a:r>
             <a:r>
               <a:rPr lang="en-US" sz="3600" dirty="0">
                 <a:cs typeface="Calibri"/>
               </a:rPr>
-              <a:t>Rate your mood in response to these pictures. </a:t>
-            </a:r>
+              <a:t>How much did these pictures relate to your identity as a native person? (0-100)</a:t>
+            </a:r>
+          </a:p>
+          <a:p>
+            <a:pPr algn="ctr"/>
             <a:endParaRPr lang="en-US" sz="4000" dirty="0">
               <a:cs typeface="Calibri"/>
             </a:endParaRPr>
@@ -7577,8 +7905,8 @@
         </p:nvSpPr>
         <p:spPr>
           <a:xfrm>
-            <a:off x="1506071" y="3515061"/>
-            <a:ext cx="6745045" cy="369332"/>
+            <a:off x="2043953" y="3256877"/>
+            <a:ext cx="5131398" cy="369332"/>
           </a:xfrm>
           <a:prstGeom prst="rect">
             <a:avLst/>
@@ -7594,15 +7922,7 @@
             <a:pPr algn="ctr"/>
             <a:r>
               <a:rPr lang="en-US" dirty="0"/>
-              <a:t>[insert </a:t>
-            </a:r>
-            <a:r>
-              <a:rPr lang="en-US" dirty="0" err="1"/>
-              <a:t>likert</a:t>
-            </a:r>
-            <a:r>
-              <a:rPr lang="en-US" dirty="0"/>
-              <a:t> scale 1-9 with anchors 1=negative 5= neutral 9= positive]</a:t>
+              <a:t>[insert number line 0-100 controlled by buttons]</a:t>
             </a:r>
           </a:p>
         </p:txBody>
@@ -7610,7 +7930,7 @@
     </p:spTree>
     <p:extLst>
       <p:ext uri="{BB962C8B-B14F-4D97-AF65-F5344CB8AC3E}">
-        <p14:creationId xmlns:p14="http://schemas.microsoft.com/office/powerpoint/2010/main" val="3408860111"/>
+        <p14:creationId xmlns:p14="http://schemas.microsoft.com/office/powerpoint/2010/main" val="164945349"/>
       </p:ext>
     </p:extLst>
   </p:cSld>
@@ -7645,6 +7965,265 @@
         </p:nvSpPr>
         <p:spPr>
           <a:xfrm>
+            <a:off x="0" y="1425607"/>
+            <a:ext cx="9143999" cy="3662541"/>
+          </a:xfrm>
+          <a:prstGeom prst="rect">
+            <a:avLst/>
+          </a:prstGeom>
+        </p:spPr>
+        <p:txBody>
+          <a:bodyPr wrap="square" lIns="91440" tIns="45720" rIns="91440" bIns="45720" anchor="ctr">
+            <a:spAutoFit/>
+          </a:bodyPr>
+          <a:lstStyle/>
+          <a:p>
+            <a:pPr algn="ctr"/>
+            <a:r>
+              <a:rPr lang="en-US" sz="3600" b="1" dirty="0">
+                <a:cs typeface="Calibri"/>
+              </a:rPr>
+              <a:t>Typicality: </a:t>
+            </a:r>
+            <a:r>
+              <a:rPr lang="en-US" sz="3600" dirty="0">
+                <a:cs typeface="Calibri"/>
+              </a:rPr>
+              <a:t>How likely is it for a native person to see/experience scenes like this? (0-100)</a:t>
+            </a:r>
+          </a:p>
+          <a:p>
+            <a:pPr algn="ctr"/>
+            <a:endParaRPr lang="en-US" sz="4000" dirty="0">
+              <a:cs typeface="Calibri"/>
+            </a:endParaRPr>
+          </a:p>
+          <a:p>
+            <a:pPr algn="ctr"/>
+            <a:endParaRPr lang="en-US" sz="4000" dirty="0">
+              <a:cs typeface="Calibri"/>
+            </a:endParaRPr>
+          </a:p>
+          <a:p>
+            <a:pPr algn="ctr"/>
+            <a:endParaRPr lang="en-US" sz="4000" dirty="0">
+              <a:cs typeface="Calibri"/>
+            </a:endParaRPr>
+          </a:p>
+          <a:p>
+            <a:pPr algn="ctr"/>
+            <a:endParaRPr lang="en-US" sz="4000" dirty="0">
+              <a:cs typeface="Calibri"/>
+            </a:endParaRPr>
+          </a:p>
+        </p:txBody>
+      </p:sp>
+      <p:sp>
+        <p:nvSpPr>
+          <p:cNvPr id="2" name="TextBox 1">
+            <a:extLst>
+              <a:ext uri="{FF2B5EF4-FFF2-40B4-BE49-F238E27FC236}">
+                <a16:creationId xmlns:a16="http://schemas.microsoft.com/office/drawing/2014/main" id="{8103C802-5703-104E-B339-9CAB3C745E87}"/>
+              </a:ext>
+            </a:extLst>
+          </p:cNvPr>
+          <p:cNvSpPr txBox="1"/>
+          <p:nvPr/>
+        </p:nvSpPr>
+        <p:spPr>
+          <a:xfrm>
+            <a:off x="2043953" y="3256877"/>
+            <a:ext cx="5131398" cy="646331"/>
+          </a:xfrm>
+          <a:prstGeom prst="rect">
+            <a:avLst/>
+          </a:prstGeom>
+          <a:noFill/>
+        </p:spPr>
+        <p:txBody>
+          <a:bodyPr wrap="square" rtlCol="0">
+            <a:spAutoFit/>
+          </a:bodyPr>
+          <a:lstStyle/>
+          <a:p>
+            <a:pPr algn="ctr"/>
+            <a:r>
+              <a:rPr lang="en-US" dirty="0"/>
+              <a:t>[insert number line 0-100 use a slider controlled by mouse]</a:t>
+            </a:r>
+          </a:p>
+        </p:txBody>
+      </p:sp>
+    </p:spTree>
+    <p:extLst>
+      <p:ext uri="{BB962C8B-B14F-4D97-AF65-F5344CB8AC3E}">
+        <p14:creationId xmlns:p14="http://schemas.microsoft.com/office/powerpoint/2010/main" val="184848489"/>
+      </p:ext>
+    </p:extLst>
+  </p:cSld>
+  <p:clrMapOvr>
+    <a:masterClrMapping/>
+  </p:clrMapOvr>
+</p:sld>
+</file>
+
+<file path=ppt/slides/slide23.xml><?xml version="1.0" encoding="utf-8"?>
+<p:sld xmlns:a="http://schemas.openxmlformats.org/drawingml/2006/main" xmlns:r="http://schemas.openxmlformats.org/officeDocument/2006/relationships" xmlns:p="http://schemas.openxmlformats.org/presentationml/2006/main">
+  <p:cSld>
+    <p:spTree>
+      <p:nvGrpSpPr>
+        <p:cNvPr id="1" name=""/>
+        <p:cNvGrpSpPr/>
+        <p:nvPr/>
+      </p:nvGrpSpPr>
+      <p:grpSpPr>
+        <a:xfrm>
+          <a:off x="0" y="0"/>
+          <a:ext cx="0" cy="0"/>
+          <a:chOff x="0" y="0"/>
+          <a:chExt cx="0" cy="0"/>
+        </a:xfrm>
+      </p:grpSpPr>
+      <p:sp>
+        <p:nvSpPr>
+          <p:cNvPr id="4" name="Rectangle 3"/>
+          <p:cNvSpPr/>
+          <p:nvPr/>
+        </p:nvSpPr>
+        <p:spPr>
+          <a:xfrm>
+            <a:off x="0" y="1733384"/>
+            <a:ext cx="9143999" cy="3046988"/>
+          </a:xfrm>
+          <a:prstGeom prst="rect">
+            <a:avLst/>
+          </a:prstGeom>
+        </p:spPr>
+        <p:txBody>
+          <a:bodyPr wrap="square" lIns="91440" tIns="45720" rIns="91440" bIns="45720" anchor="ctr">
+            <a:spAutoFit/>
+          </a:bodyPr>
+          <a:lstStyle/>
+          <a:p>
+            <a:pPr algn="ctr"/>
+            <a:r>
+              <a:rPr lang="en-US" sz="3600" b="1" dirty="0">
+                <a:cs typeface="Calibri"/>
+              </a:rPr>
+              <a:t>Valence: </a:t>
+            </a:r>
+            <a:r>
+              <a:rPr lang="en-US" sz="3600" dirty="0">
+                <a:cs typeface="Calibri"/>
+              </a:rPr>
+              <a:t>Rate your mood in response to these pictures. </a:t>
+            </a:r>
+            <a:endParaRPr lang="en-US" sz="4000" dirty="0">
+              <a:cs typeface="Calibri"/>
+            </a:endParaRPr>
+          </a:p>
+          <a:p>
+            <a:pPr algn="ctr"/>
+            <a:endParaRPr lang="en-US" sz="4000" dirty="0">
+              <a:cs typeface="Calibri"/>
+            </a:endParaRPr>
+          </a:p>
+          <a:p>
+            <a:pPr algn="ctr"/>
+            <a:endParaRPr lang="en-US" sz="4000" dirty="0">
+              <a:cs typeface="Calibri"/>
+            </a:endParaRPr>
+          </a:p>
+          <a:p>
+            <a:pPr algn="ctr"/>
+            <a:endParaRPr lang="en-US" sz="4000" dirty="0">
+              <a:cs typeface="Calibri"/>
+            </a:endParaRPr>
+          </a:p>
+        </p:txBody>
+      </p:sp>
+      <p:sp>
+        <p:nvSpPr>
+          <p:cNvPr id="2" name="TextBox 1">
+            <a:extLst>
+              <a:ext uri="{FF2B5EF4-FFF2-40B4-BE49-F238E27FC236}">
+                <a16:creationId xmlns:a16="http://schemas.microsoft.com/office/drawing/2014/main" id="{8103C802-5703-104E-B339-9CAB3C745E87}"/>
+              </a:ext>
+            </a:extLst>
+          </p:cNvPr>
+          <p:cNvSpPr txBox="1"/>
+          <p:nvPr/>
+        </p:nvSpPr>
+        <p:spPr>
+          <a:xfrm>
+            <a:off x="1506071" y="3515061"/>
+            <a:ext cx="6745045" cy="369332"/>
+          </a:xfrm>
+          <a:prstGeom prst="rect">
+            <a:avLst/>
+          </a:prstGeom>
+          <a:noFill/>
+        </p:spPr>
+        <p:txBody>
+          <a:bodyPr wrap="square" rtlCol="0">
+            <a:spAutoFit/>
+          </a:bodyPr>
+          <a:lstStyle/>
+          <a:p>
+            <a:pPr algn="ctr"/>
+            <a:r>
+              <a:rPr lang="en-US" dirty="0"/>
+              <a:t>[insert </a:t>
+            </a:r>
+            <a:r>
+              <a:rPr lang="en-US" dirty="0" err="1"/>
+              <a:t>likert</a:t>
+            </a:r>
+            <a:r>
+              <a:rPr lang="en-US" dirty="0"/>
+              <a:t> scale 1-9 with anchors 1=negative 5= neutral 9= positive]</a:t>
+            </a:r>
+          </a:p>
+        </p:txBody>
+      </p:sp>
+    </p:spTree>
+    <p:extLst>
+      <p:ext uri="{BB962C8B-B14F-4D97-AF65-F5344CB8AC3E}">
+        <p14:creationId xmlns:p14="http://schemas.microsoft.com/office/powerpoint/2010/main" val="3408860111"/>
+      </p:ext>
+    </p:extLst>
+  </p:cSld>
+  <p:clrMapOvr>
+    <a:masterClrMapping/>
+  </p:clrMapOvr>
+</p:sld>
+</file>
+
+<file path=ppt/slides/slide24.xml><?xml version="1.0" encoding="utf-8"?>
+<p:sld xmlns:a="http://schemas.openxmlformats.org/drawingml/2006/main" xmlns:r="http://schemas.openxmlformats.org/officeDocument/2006/relationships" xmlns:p="http://schemas.openxmlformats.org/presentationml/2006/main">
+  <p:cSld>
+    <p:spTree>
+      <p:nvGrpSpPr>
+        <p:cNvPr id="1" name=""/>
+        <p:cNvGrpSpPr/>
+        <p:nvPr/>
+      </p:nvGrpSpPr>
+      <p:grpSpPr>
+        <a:xfrm>
+          <a:off x="0" y="0"/>
+          <a:ext cx="0" cy="0"/>
+          <a:chOff x="0" y="0"/>
+          <a:chExt cx="0" cy="0"/>
+        </a:xfrm>
+      </p:grpSpPr>
+      <p:sp>
+        <p:nvSpPr>
+          <p:cNvPr id="4" name="Rectangle 3"/>
+          <p:cNvSpPr/>
+          <p:nvPr/>
+        </p:nvSpPr>
+        <p:spPr>
+          <a:xfrm>
             <a:off x="0" y="2041160"/>
             <a:ext cx="9143999" cy="2431435"/>
           </a:xfrm>
@@ -7746,7 +8325,7 @@
 </p:sld>
 </file>
 
-<file path=ppt/slides/slide23.xml><?xml version="1.0" encoding="utf-8"?>
+<file path=ppt/slides/slide25.xml><?xml version="1.0" encoding="utf-8"?>
 <p:sld xmlns:a="http://schemas.openxmlformats.org/drawingml/2006/main" xmlns:r="http://schemas.openxmlformats.org/officeDocument/2006/relationships" xmlns:p="http://schemas.openxmlformats.org/presentationml/2006/main">
   <p:cSld>
     <p:spTree>
@@ -7908,861 +8487,69 @@
       </p:grpSpPr>
       <p:sp>
         <p:nvSpPr>
-          <p:cNvPr id="4" name="Rectangle 3"/>
-          <p:cNvSpPr/>
-          <p:nvPr/>
+          <p:cNvPr id="4" name="Title 3"/>
+          <p:cNvSpPr>
+            <a:spLocks noGrp="1"/>
+          </p:cNvSpPr>
+          <p:nvPr>
+            <p:ph type="ctrTitle"/>
+          </p:nvPr>
         </p:nvSpPr>
         <p:spPr>
           <a:xfrm>
-            <a:off x="0" y="2659455"/>
-            <a:ext cx="9143999" cy="1323439"/>
+            <a:off x="364343" y="2130425"/>
+            <a:ext cx="8458200" cy="1470025"/>
+          </a:xfrm>
+        </p:spPr>
+        <p:txBody>
+          <a:bodyPr>
+            <a:normAutofit/>
+          </a:bodyPr>
+          <a:lstStyle/>
+          <a:p>
+            <a:r>
+              <a:rPr lang="en-US" dirty="0"/>
+              <a:t>NCAIR Remote Stimulus Task</a:t>
+            </a:r>
+          </a:p>
+        </p:txBody>
+      </p:sp>
+      <p:pic>
+        <p:nvPicPr>
+          <p:cNvPr id="9" name="Picture 8"/>
+          <p:cNvPicPr>
+            <a:picLocks noChangeAspect="1"/>
+          </p:cNvPicPr>
+          <p:nvPr/>
+        </p:nvPicPr>
+        <p:blipFill>
+          <a:blip r:embed="rId3">
+            <a:extLst>
+              <a:ext uri="{28A0092B-C50C-407E-A947-70E740481C1C}">
+                <a14:useLocalDpi xmlns:a14="http://schemas.microsoft.com/office/drawing/2010/main" val="0"/>
+              </a:ext>
+            </a:extLst>
+          </a:blip>
+          <a:stretch>
+            <a:fillRect/>
+          </a:stretch>
+        </p:blipFill>
+        <p:spPr>
+          <a:xfrm>
+            <a:off x="7061982" y="236743"/>
+            <a:ext cx="1760561" cy="333863"/>
           </a:xfrm>
           <a:prstGeom prst="rect">
             <a:avLst/>
           </a:prstGeom>
         </p:spPr>
-        <p:txBody>
-          <a:bodyPr wrap="square" lIns="91440" tIns="45720" rIns="91440" bIns="45720" anchor="t">
-            <a:spAutoFit/>
-          </a:bodyPr>
-          <a:lstStyle/>
-          <a:p>
-            <a:pPr algn="ctr"/>
-            <a:r>
-              <a:rPr lang="en-US" sz="4000" dirty="0"/>
-              <a:t>When you are ready,</a:t>
-            </a:r>
-          </a:p>
-          <a:p>
-            <a:pPr algn="ctr"/>
-            <a:r>
-              <a:rPr lang="en-US" sz="4000" dirty="0"/>
-              <a:t>Press the RIGHT Button to continue</a:t>
-            </a:r>
-          </a:p>
-        </p:txBody>
-      </p:sp>
-    </p:spTree>
-    <p:extLst>
-      <p:ext uri="{BB962C8B-B14F-4D97-AF65-F5344CB8AC3E}">
-        <p14:creationId xmlns:p14="http://schemas.microsoft.com/office/powerpoint/2010/main" val="122476294"/>
-      </p:ext>
-    </p:extLst>
-  </p:cSld>
-  <p:clrMapOvr>
-    <a:masterClrMapping/>
-  </p:clrMapOvr>
-</p:sld>
-</file>
-
-<file path=ppt/slides/slide4.xml><?xml version="1.0" encoding="utf-8"?>
-<p:sld xmlns:a="http://schemas.openxmlformats.org/drawingml/2006/main" xmlns:r="http://schemas.openxmlformats.org/officeDocument/2006/relationships" xmlns:p="http://schemas.openxmlformats.org/presentationml/2006/main">
-  <p:cSld>
-    <p:spTree>
-      <p:nvGrpSpPr>
-        <p:cNvPr id="1" name=""/>
-        <p:cNvGrpSpPr/>
-        <p:nvPr/>
-      </p:nvGrpSpPr>
-      <p:grpSpPr>
-        <a:xfrm>
-          <a:off x="0" y="0"/>
-          <a:ext cx="0" cy="0"/>
-          <a:chOff x="0" y="0"/>
-          <a:chExt cx="0" cy="0"/>
-        </a:xfrm>
-      </p:grpSpPr>
-      <p:sp>
-        <p:nvSpPr>
-          <p:cNvPr id="4" name="Rectangle 3"/>
-          <p:cNvSpPr/>
-          <p:nvPr/>
-        </p:nvSpPr>
-        <p:spPr>
-          <a:xfrm>
-            <a:off x="0" y="2041160"/>
-            <a:ext cx="9143999" cy="2431435"/>
-          </a:xfrm>
-          <a:prstGeom prst="rect">
-            <a:avLst/>
-          </a:prstGeom>
-        </p:spPr>
-        <p:txBody>
-          <a:bodyPr wrap="square" lIns="91440" tIns="45720" rIns="91440" bIns="45720" anchor="ctr">
-            <a:spAutoFit/>
-          </a:bodyPr>
-          <a:lstStyle/>
-          <a:p>
-            <a:pPr algn="ctr"/>
-            <a:r>
-              <a:rPr lang="en-US" sz="3600" b="1" dirty="0">
-                <a:cs typeface="Calibri"/>
-              </a:rPr>
-              <a:t>Relatedness: </a:t>
-            </a:r>
-            <a:r>
-              <a:rPr lang="en-US" sz="3600" dirty="0">
-                <a:cs typeface="Calibri"/>
-              </a:rPr>
-              <a:t>Is this video related to your identity as a native person?</a:t>
-            </a:r>
-            <a:endParaRPr lang="en-US" sz="4000" dirty="0">
-              <a:cs typeface="Calibri"/>
-            </a:endParaRPr>
-          </a:p>
-          <a:p>
-            <a:pPr algn="ctr"/>
-            <a:endParaRPr lang="en-US" sz="4000" dirty="0">
-              <a:cs typeface="Calibri"/>
-            </a:endParaRPr>
-          </a:p>
-          <a:p>
-            <a:pPr algn="ctr"/>
-            <a:endParaRPr lang="en-US" sz="4000" dirty="0">
-              <a:cs typeface="Calibri"/>
-            </a:endParaRPr>
-          </a:p>
-        </p:txBody>
-      </p:sp>
-      <p:sp>
-        <p:nvSpPr>
-          <p:cNvPr id="2" name="TextBox 1">
+      </p:pic>
+      <p:sp>
+        <p:nvSpPr>
+          <p:cNvPr id="2" name="Title 3">
             <a:extLst>
               <a:ext uri="{FF2B5EF4-FFF2-40B4-BE49-F238E27FC236}">
-                <a16:creationId xmlns:a16="http://schemas.microsoft.com/office/drawing/2014/main" id="{8103C802-5703-104E-B339-9CAB3C745E87}"/>
-              </a:ext>
-            </a:extLst>
-          </p:cNvPr>
-          <p:cNvSpPr txBox="1"/>
-          <p:nvPr/>
-        </p:nvSpPr>
-        <p:spPr>
-          <a:xfrm>
-            <a:off x="1506071" y="3515061"/>
-            <a:ext cx="6745045" cy="369332"/>
-          </a:xfrm>
-          <a:prstGeom prst="rect">
-            <a:avLst/>
-          </a:prstGeom>
-          <a:noFill/>
-        </p:spPr>
-        <p:txBody>
-          <a:bodyPr wrap="square" rtlCol="0">
-            <a:spAutoFit/>
-          </a:bodyPr>
-          <a:lstStyle/>
-          <a:p>
-            <a:pPr algn="ctr"/>
-            <a:r>
-              <a:rPr lang="en-US" dirty="0"/>
-              <a:t>[Yes/No options controlled by mouse click]</a:t>
-            </a:r>
-          </a:p>
-        </p:txBody>
-      </p:sp>
-    </p:spTree>
-    <p:extLst>
-      <p:ext uri="{BB962C8B-B14F-4D97-AF65-F5344CB8AC3E}">
-        <p14:creationId xmlns:p14="http://schemas.microsoft.com/office/powerpoint/2010/main" val="4176457779"/>
-      </p:ext>
-    </p:extLst>
-  </p:cSld>
-  <p:clrMapOvr>
-    <a:masterClrMapping/>
-  </p:clrMapOvr>
-</p:sld>
-</file>
-
-<file path=ppt/slides/slide5.xml><?xml version="1.0" encoding="utf-8"?>
-<p:sld xmlns:a="http://schemas.openxmlformats.org/drawingml/2006/main" xmlns:r="http://schemas.openxmlformats.org/officeDocument/2006/relationships" xmlns:p="http://schemas.openxmlformats.org/presentationml/2006/main">
-  <p:cSld>
-    <p:spTree>
-      <p:nvGrpSpPr>
-        <p:cNvPr id="1" name=""/>
-        <p:cNvGrpSpPr/>
-        <p:nvPr/>
-      </p:nvGrpSpPr>
-      <p:grpSpPr>
-        <a:xfrm>
-          <a:off x="0" y="0"/>
-          <a:ext cx="0" cy="0"/>
-          <a:chOff x="0" y="0"/>
-          <a:chExt cx="0" cy="0"/>
-        </a:xfrm>
-      </p:grpSpPr>
-      <p:sp>
-        <p:nvSpPr>
-          <p:cNvPr id="4" name="Rectangle 3"/>
-          <p:cNvSpPr/>
-          <p:nvPr/>
-        </p:nvSpPr>
-        <p:spPr>
-          <a:xfrm>
-            <a:off x="0" y="1425607"/>
-            <a:ext cx="9143999" cy="3662541"/>
-          </a:xfrm>
-          <a:prstGeom prst="rect">
-            <a:avLst/>
-          </a:prstGeom>
-        </p:spPr>
-        <p:txBody>
-          <a:bodyPr wrap="square" lIns="91440" tIns="45720" rIns="91440" bIns="45720" anchor="ctr">
-            <a:spAutoFit/>
-          </a:bodyPr>
-          <a:lstStyle/>
-          <a:p>
-            <a:pPr algn="ctr"/>
-            <a:r>
-              <a:rPr lang="en-US" sz="3600" b="1" dirty="0">
-                <a:cs typeface="Calibri"/>
-              </a:rPr>
-              <a:t>Identity: </a:t>
-            </a:r>
-            <a:r>
-              <a:rPr lang="en-US" sz="3600" dirty="0">
-                <a:cs typeface="Calibri"/>
-              </a:rPr>
-              <a:t>How much did this video relate to your identity as a native person? (0-100)</a:t>
-            </a:r>
-          </a:p>
-          <a:p>
-            <a:pPr algn="ctr"/>
-            <a:endParaRPr lang="en-US" sz="4000" dirty="0">
-              <a:cs typeface="Calibri"/>
-            </a:endParaRPr>
-          </a:p>
-          <a:p>
-            <a:pPr algn="ctr"/>
-            <a:endParaRPr lang="en-US" sz="4000" dirty="0">
-              <a:cs typeface="Calibri"/>
-            </a:endParaRPr>
-          </a:p>
-          <a:p>
-            <a:pPr algn="ctr"/>
-            <a:endParaRPr lang="en-US" sz="4000" dirty="0">
-              <a:cs typeface="Calibri"/>
-            </a:endParaRPr>
-          </a:p>
-          <a:p>
-            <a:pPr algn="ctr"/>
-            <a:endParaRPr lang="en-US" sz="4000" dirty="0">
-              <a:cs typeface="Calibri"/>
-            </a:endParaRPr>
-          </a:p>
-        </p:txBody>
-      </p:sp>
-      <p:sp>
-        <p:nvSpPr>
-          <p:cNvPr id="2" name="TextBox 1">
-            <a:extLst>
-              <a:ext uri="{FF2B5EF4-FFF2-40B4-BE49-F238E27FC236}">
-                <a16:creationId xmlns:a16="http://schemas.microsoft.com/office/drawing/2014/main" id="{8103C802-5703-104E-B339-9CAB3C745E87}"/>
-              </a:ext>
-            </a:extLst>
-          </p:cNvPr>
-          <p:cNvSpPr txBox="1"/>
-          <p:nvPr/>
-        </p:nvSpPr>
-        <p:spPr>
-          <a:xfrm>
-            <a:off x="2043953" y="3256877"/>
-            <a:ext cx="5131398" cy="646331"/>
-          </a:xfrm>
-          <a:prstGeom prst="rect">
-            <a:avLst/>
-          </a:prstGeom>
-          <a:noFill/>
-        </p:spPr>
-        <p:txBody>
-          <a:bodyPr wrap="square" rtlCol="0">
-            <a:spAutoFit/>
-          </a:bodyPr>
-          <a:lstStyle/>
-          <a:p>
-            <a:pPr algn="ctr"/>
-            <a:r>
-              <a:rPr lang="en-US" dirty="0"/>
-              <a:t>[insert number line 0-100 use a slider controlled by mouse]</a:t>
-            </a:r>
-          </a:p>
-        </p:txBody>
-      </p:sp>
-    </p:spTree>
-    <p:extLst>
-      <p:ext uri="{BB962C8B-B14F-4D97-AF65-F5344CB8AC3E}">
-        <p14:creationId xmlns:p14="http://schemas.microsoft.com/office/powerpoint/2010/main" val="946032924"/>
-      </p:ext>
-    </p:extLst>
-  </p:cSld>
-  <p:clrMapOvr>
-    <a:masterClrMapping/>
-  </p:clrMapOvr>
-</p:sld>
-</file>
-
-<file path=ppt/slides/slide6.xml><?xml version="1.0" encoding="utf-8"?>
-<p:sld xmlns:a="http://schemas.openxmlformats.org/drawingml/2006/main" xmlns:r="http://schemas.openxmlformats.org/officeDocument/2006/relationships" xmlns:p="http://schemas.openxmlformats.org/presentationml/2006/main">
-  <p:cSld>
-    <p:spTree>
-      <p:nvGrpSpPr>
-        <p:cNvPr id="1" name=""/>
-        <p:cNvGrpSpPr/>
-        <p:nvPr/>
-      </p:nvGrpSpPr>
-      <p:grpSpPr>
-        <a:xfrm>
-          <a:off x="0" y="0"/>
-          <a:ext cx="0" cy="0"/>
-          <a:chOff x="0" y="0"/>
-          <a:chExt cx="0" cy="0"/>
-        </a:xfrm>
-      </p:grpSpPr>
-      <p:sp>
-        <p:nvSpPr>
-          <p:cNvPr id="4" name="Rectangle 3"/>
-          <p:cNvSpPr/>
-          <p:nvPr/>
-        </p:nvSpPr>
-        <p:spPr>
-          <a:xfrm>
-            <a:off x="0" y="1425607"/>
-            <a:ext cx="9143999" cy="3662541"/>
-          </a:xfrm>
-          <a:prstGeom prst="rect">
-            <a:avLst/>
-          </a:prstGeom>
-        </p:spPr>
-        <p:txBody>
-          <a:bodyPr wrap="square" lIns="91440" tIns="45720" rIns="91440" bIns="45720" anchor="ctr">
-            <a:spAutoFit/>
-          </a:bodyPr>
-          <a:lstStyle/>
-          <a:p>
-            <a:pPr algn="ctr"/>
-            <a:r>
-              <a:rPr lang="en-US" sz="3600" b="1" dirty="0">
-                <a:cs typeface="Calibri"/>
-              </a:rPr>
-              <a:t>Typicality: </a:t>
-            </a:r>
-            <a:r>
-              <a:rPr lang="en-US" sz="3600" dirty="0">
-                <a:cs typeface="Calibri"/>
-              </a:rPr>
-              <a:t>How likely is it for a native person to see/experience scenes like this? (0-100)</a:t>
-            </a:r>
-          </a:p>
-          <a:p>
-            <a:pPr algn="ctr"/>
-            <a:endParaRPr lang="en-US" sz="4000" dirty="0">
-              <a:cs typeface="Calibri"/>
-            </a:endParaRPr>
-          </a:p>
-          <a:p>
-            <a:pPr algn="ctr"/>
-            <a:endParaRPr lang="en-US" sz="4000" dirty="0">
-              <a:cs typeface="Calibri"/>
-            </a:endParaRPr>
-          </a:p>
-          <a:p>
-            <a:pPr algn="ctr"/>
-            <a:endParaRPr lang="en-US" sz="4000" dirty="0">
-              <a:cs typeface="Calibri"/>
-            </a:endParaRPr>
-          </a:p>
-          <a:p>
-            <a:pPr algn="ctr"/>
-            <a:endParaRPr lang="en-US" sz="4000" dirty="0">
-              <a:cs typeface="Calibri"/>
-            </a:endParaRPr>
-          </a:p>
-        </p:txBody>
-      </p:sp>
-      <p:sp>
-        <p:nvSpPr>
-          <p:cNvPr id="2" name="TextBox 1">
-            <a:extLst>
-              <a:ext uri="{FF2B5EF4-FFF2-40B4-BE49-F238E27FC236}">
-                <a16:creationId xmlns:a16="http://schemas.microsoft.com/office/drawing/2014/main" id="{8103C802-5703-104E-B339-9CAB3C745E87}"/>
-              </a:ext>
-            </a:extLst>
-          </p:cNvPr>
-          <p:cNvSpPr txBox="1"/>
-          <p:nvPr/>
-        </p:nvSpPr>
-        <p:spPr>
-          <a:xfrm>
-            <a:off x="2043953" y="3256877"/>
-            <a:ext cx="5131398" cy="646331"/>
-          </a:xfrm>
-          <a:prstGeom prst="rect">
-            <a:avLst/>
-          </a:prstGeom>
-          <a:noFill/>
-        </p:spPr>
-        <p:txBody>
-          <a:bodyPr wrap="square" rtlCol="0">
-            <a:spAutoFit/>
-          </a:bodyPr>
-          <a:lstStyle/>
-          <a:p>
-            <a:pPr algn="ctr"/>
-            <a:r>
-              <a:rPr lang="en-US" dirty="0"/>
-              <a:t>[insert number line 0-100 use a slider controlled by mouse]</a:t>
-            </a:r>
-          </a:p>
-        </p:txBody>
-      </p:sp>
-    </p:spTree>
-    <p:extLst>
-      <p:ext uri="{BB962C8B-B14F-4D97-AF65-F5344CB8AC3E}">
-        <p14:creationId xmlns:p14="http://schemas.microsoft.com/office/powerpoint/2010/main" val="628954323"/>
-      </p:ext>
-    </p:extLst>
-  </p:cSld>
-  <p:clrMapOvr>
-    <a:masterClrMapping/>
-  </p:clrMapOvr>
-</p:sld>
-</file>
-
-<file path=ppt/slides/slide7.xml><?xml version="1.0" encoding="utf-8"?>
-<p:sld xmlns:a="http://schemas.openxmlformats.org/drawingml/2006/main" xmlns:r="http://schemas.openxmlformats.org/officeDocument/2006/relationships" xmlns:p="http://schemas.openxmlformats.org/presentationml/2006/main">
-  <p:cSld>
-    <p:spTree>
-      <p:nvGrpSpPr>
-        <p:cNvPr id="1" name=""/>
-        <p:cNvGrpSpPr/>
-        <p:nvPr/>
-      </p:nvGrpSpPr>
-      <p:grpSpPr>
-        <a:xfrm>
-          <a:off x="0" y="0"/>
-          <a:ext cx="0" cy="0"/>
-          <a:chOff x="0" y="0"/>
-          <a:chExt cx="0" cy="0"/>
-        </a:xfrm>
-      </p:grpSpPr>
-      <p:sp>
-        <p:nvSpPr>
-          <p:cNvPr id="4" name="Rectangle 3"/>
-          <p:cNvSpPr/>
-          <p:nvPr/>
-        </p:nvSpPr>
-        <p:spPr>
-          <a:xfrm>
-            <a:off x="0" y="1733384"/>
-            <a:ext cx="9143999" cy="3046988"/>
-          </a:xfrm>
-          <a:prstGeom prst="rect">
-            <a:avLst/>
-          </a:prstGeom>
-        </p:spPr>
-        <p:txBody>
-          <a:bodyPr wrap="square" lIns="91440" tIns="45720" rIns="91440" bIns="45720" anchor="ctr">
-            <a:spAutoFit/>
-          </a:bodyPr>
-          <a:lstStyle/>
-          <a:p>
-            <a:pPr algn="ctr"/>
-            <a:r>
-              <a:rPr lang="en-US" sz="3600" b="1" dirty="0">
-                <a:cs typeface="Calibri"/>
-              </a:rPr>
-              <a:t>Valence: </a:t>
-            </a:r>
-            <a:r>
-              <a:rPr lang="en-US" sz="3600" dirty="0">
-                <a:cs typeface="Calibri"/>
-              </a:rPr>
-              <a:t>Rate your mood in response to this video. </a:t>
-            </a:r>
-            <a:endParaRPr lang="en-US" sz="4000" dirty="0">
-              <a:cs typeface="Calibri"/>
-            </a:endParaRPr>
-          </a:p>
-          <a:p>
-            <a:pPr algn="ctr"/>
-            <a:endParaRPr lang="en-US" sz="4000" dirty="0">
-              <a:cs typeface="Calibri"/>
-            </a:endParaRPr>
-          </a:p>
-          <a:p>
-            <a:pPr algn="ctr"/>
-            <a:endParaRPr lang="en-US" sz="4000" dirty="0">
-              <a:cs typeface="Calibri"/>
-            </a:endParaRPr>
-          </a:p>
-          <a:p>
-            <a:pPr algn="ctr"/>
-            <a:endParaRPr lang="en-US" sz="4000" dirty="0">
-              <a:cs typeface="Calibri"/>
-            </a:endParaRPr>
-          </a:p>
-        </p:txBody>
-      </p:sp>
-      <p:sp>
-        <p:nvSpPr>
-          <p:cNvPr id="2" name="TextBox 1">
-            <a:extLst>
-              <a:ext uri="{FF2B5EF4-FFF2-40B4-BE49-F238E27FC236}">
-                <a16:creationId xmlns:a16="http://schemas.microsoft.com/office/drawing/2014/main" id="{8103C802-5703-104E-B339-9CAB3C745E87}"/>
-              </a:ext>
-            </a:extLst>
-          </p:cNvPr>
-          <p:cNvSpPr txBox="1"/>
-          <p:nvPr/>
-        </p:nvSpPr>
-        <p:spPr>
-          <a:xfrm>
-            <a:off x="1506071" y="3515061"/>
-            <a:ext cx="6745045" cy="646331"/>
-          </a:xfrm>
-          <a:prstGeom prst="rect">
-            <a:avLst/>
-          </a:prstGeom>
-          <a:noFill/>
-        </p:spPr>
-        <p:txBody>
-          <a:bodyPr wrap="square" rtlCol="0">
-            <a:spAutoFit/>
-          </a:bodyPr>
-          <a:lstStyle/>
-          <a:p>
-            <a:pPr algn="ctr"/>
-            <a:r>
-              <a:rPr lang="en-US" dirty="0"/>
-              <a:t>[insert </a:t>
-            </a:r>
-            <a:r>
-              <a:rPr lang="en-US" dirty="0" err="1"/>
-              <a:t>likert</a:t>
-            </a:r>
-            <a:r>
-              <a:rPr lang="en-US" dirty="0"/>
-              <a:t> scale 1-9 with anchors 1=negative 5= neutral 9= positive controlled by mouse click]</a:t>
-            </a:r>
-          </a:p>
-        </p:txBody>
-      </p:sp>
-    </p:spTree>
-    <p:extLst>
-      <p:ext uri="{BB962C8B-B14F-4D97-AF65-F5344CB8AC3E}">
-        <p14:creationId xmlns:p14="http://schemas.microsoft.com/office/powerpoint/2010/main" val="2931273767"/>
-      </p:ext>
-    </p:extLst>
-  </p:cSld>
-  <p:clrMapOvr>
-    <a:masterClrMapping/>
-  </p:clrMapOvr>
-</p:sld>
-</file>
-
-<file path=ppt/slides/slide8.xml><?xml version="1.0" encoding="utf-8"?>
-<p:sld xmlns:a="http://schemas.openxmlformats.org/drawingml/2006/main" xmlns:r="http://schemas.openxmlformats.org/officeDocument/2006/relationships" xmlns:p="http://schemas.openxmlformats.org/presentationml/2006/main">
-  <p:cSld>
-    <p:spTree>
-      <p:nvGrpSpPr>
-        <p:cNvPr id="1" name=""/>
-        <p:cNvGrpSpPr/>
-        <p:nvPr/>
-      </p:nvGrpSpPr>
-      <p:grpSpPr>
-        <a:xfrm>
-          <a:off x="0" y="0"/>
-          <a:ext cx="0" cy="0"/>
-          <a:chOff x="0" y="0"/>
-          <a:chExt cx="0" cy="0"/>
-        </a:xfrm>
-      </p:grpSpPr>
-      <p:sp>
-        <p:nvSpPr>
-          <p:cNvPr id="4" name="Rectangle 3"/>
-          <p:cNvSpPr/>
-          <p:nvPr/>
-        </p:nvSpPr>
-        <p:spPr>
-          <a:xfrm>
-            <a:off x="0" y="2041160"/>
-            <a:ext cx="9143999" cy="2431435"/>
-          </a:xfrm>
-          <a:prstGeom prst="rect">
-            <a:avLst/>
-          </a:prstGeom>
-        </p:spPr>
-        <p:txBody>
-          <a:bodyPr wrap="square" lIns="91440" tIns="45720" rIns="91440" bIns="45720" anchor="ctr">
-            <a:spAutoFit/>
-          </a:bodyPr>
-          <a:lstStyle/>
-          <a:p>
-            <a:pPr algn="ctr"/>
-            <a:r>
-              <a:rPr lang="en-US" sz="3600" b="1" dirty="0">
-                <a:cs typeface="Calibri"/>
-              </a:rPr>
-              <a:t>Arousal: </a:t>
-            </a:r>
-            <a:r>
-              <a:rPr lang="en-US" sz="3600" dirty="0">
-                <a:cs typeface="Calibri"/>
-              </a:rPr>
-              <a:t>Rate your arousal in response to this video.</a:t>
-            </a:r>
-            <a:endParaRPr lang="en-US" sz="4000" dirty="0">
-              <a:cs typeface="Calibri"/>
-            </a:endParaRPr>
-          </a:p>
-          <a:p>
-            <a:pPr algn="ctr"/>
-            <a:endParaRPr lang="en-US" sz="4000" dirty="0">
-              <a:cs typeface="Calibri"/>
-            </a:endParaRPr>
-          </a:p>
-          <a:p>
-            <a:pPr algn="ctr"/>
-            <a:endParaRPr lang="en-US" sz="4000" dirty="0">
-              <a:cs typeface="Calibri"/>
-            </a:endParaRPr>
-          </a:p>
-        </p:txBody>
-      </p:sp>
-      <p:sp>
-        <p:nvSpPr>
-          <p:cNvPr id="2" name="TextBox 1">
-            <a:extLst>
-              <a:ext uri="{FF2B5EF4-FFF2-40B4-BE49-F238E27FC236}">
-                <a16:creationId xmlns:a16="http://schemas.microsoft.com/office/drawing/2014/main" id="{8103C802-5703-104E-B339-9CAB3C745E87}"/>
-              </a:ext>
-            </a:extLst>
-          </p:cNvPr>
-          <p:cNvSpPr txBox="1"/>
-          <p:nvPr/>
-        </p:nvSpPr>
-        <p:spPr>
-          <a:xfrm>
-            <a:off x="1506071" y="3515061"/>
-            <a:ext cx="6745045" cy="646331"/>
-          </a:xfrm>
-          <a:prstGeom prst="rect">
-            <a:avLst/>
-          </a:prstGeom>
-          <a:noFill/>
-        </p:spPr>
-        <p:txBody>
-          <a:bodyPr wrap="square" rtlCol="0">
-            <a:spAutoFit/>
-          </a:bodyPr>
-          <a:lstStyle/>
-          <a:p>
-            <a:pPr algn="ctr"/>
-            <a:r>
-              <a:rPr lang="en-US" dirty="0"/>
-              <a:t>[insert </a:t>
-            </a:r>
-            <a:r>
-              <a:rPr lang="en-US" dirty="0" err="1"/>
-              <a:t>likert</a:t>
-            </a:r>
-            <a:r>
-              <a:rPr lang="en-US" dirty="0"/>
-              <a:t> scale 1-9 with anchors 1=calm 5= middle 9=excited controlled by mouse click]</a:t>
-            </a:r>
-          </a:p>
-        </p:txBody>
-      </p:sp>
-    </p:spTree>
-    <p:extLst>
-      <p:ext uri="{BB962C8B-B14F-4D97-AF65-F5344CB8AC3E}">
-        <p14:creationId xmlns:p14="http://schemas.microsoft.com/office/powerpoint/2010/main" val="3563157627"/>
-      </p:ext>
-    </p:extLst>
-  </p:cSld>
-  <p:clrMapOvr>
-    <a:masterClrMapping/>
-  </p:clrMapOvr>
-</p:sld>
-</file>
-
-<file path=ppt/slides/slide9.xml><?xml version="1.0" encoding="utf-8"?>
-<p:sld xmlns:a="http://schemas.openxmlformats.org/drawingml/2006/main" xmlns:r="http://schemas.openxmlformats.org/officeDocument/2006/relationships" xmlns:p="http://schemas.openxmlformats.org/presentationml/2006/main">
-  <p:cSld>
-    <p:spTree>
-      <p:nvGrpSpPr>
-        <p:cNvPr id="1" name=""/>
-        <p:cNvGrpSpPr/>
-        <p:nvPr/>
-      </p:nvGrpSpPr>
-      <p:grpSpPr>
-        <a:xfrm>
-          <a:off x="0" y="0"/>
-          <a:ext cx="0" cy="0"/>
-          <a:chOff x="0" y="0"/>
-          <a:chExt cx="0" cy="0"/>
-        </a:xfrm>
-      </p:grpSpPr>
-      <p:sp>
-        <p:nvSpPr>
-          <p:cNvPr id="3" name="Content Placeholder 2"/>
-          <p:cNvSpPr>
-            <a:spLocks noGrp="1"/>
-          </p:cNvSpPr>
-          <p:nvPr>
-            <p:ph idx="1"/>
-          </p:nvPr>
-        </p:nvSpPr>
-        <p:spPr>
-          <a:xfrm>
-            <a:off x="202799" y="176410"/>
-            <a:ext cx="8738402" cy="6111267"/>
-          </a:xfrm>
-        </p:spPr>
-        <p:txBody>
-          <a:bodyPr vert="horz" lIns="91440" tIns="45720" rIns="91440" bIns="45720" rtlCol="0" anchor="t">
-            <a:noAutofit/>
-          </a:bodyPr>
-          <a:lstStyle/>
-          <a:p>
-            <a:pPr marL="0" indent="0">
-              <a:spcAft>
-                <a:spcPts val="2400"/>
-              </a:spcAft>
-              <a:buNone/>
-            </a:pPr>
-            <a:r>
-              <a:rPr lang="en-US" dirty="0"/>
-              <a:t>In this task, you will listen to music clips. After each clip, you will be asked to respond to five questions:</a:t>
-            </a:r>
-          </a:p>
-          <a:p>
-            <a:pPr marL="742950" indent="-742950">
-              <a:spcAft>
-                <a:spcPts val="600"/>
-              </a:spcAft>
-              <a:buFont typeface="+mj-lt"/>
-              <a:buAutoNum type="arabicPeriod"/>
-            </a:pPr>
-            <a:r>
-              <a:rPr lang="en-US" sz="2400" b="1" dirty="0">
-                <a:cs typeface="Calibri"/>
-              </a:rPr>
-              <a:t>Relatedness: </a:t>
-            </a:r>
-            <a:r>
-              <a:rPr lang="en-US" sz="2400" dirty="0">
-                <a:cs typeface="Calibri"/>
-              </a:rPr>
-              <a:t>Is this clip related to your identity as a native person? (Y/N)</a:t>
-            </a:r>
-          </a:p>
-          <a:p>
-            <a:pPr marL="742950" indent="-742950">
-              <a:spcAft>
-                <a:spcPts val="600"/>
-              </a:spcAft>
-              <a:buFont typeface="+mj-lt"/>
-              <a:buAutoNum type="arabicPeriod"/>
-            </a:pPr>
-            <a:r>
-              <a:rPr lang="en-US" sz="2400" b="1" dirty="0">
-                <a:cs typeface="Calibri"/>
-              </a:rPr>
-              <a:t>Identity: </a:t>
-            </a:r>
-            <a:r>
-              <a:rPr lang="en-US" sz="2400" dirty="0">
-                <a:cs typeface="Calibri"/>
-              </a:rPr>
-              <a:t>How much did this clip relate to your identity as a native person? (0-100)</a:t>
-            </a:r>
-          </a:p>
-          <a:p>
-            <a:pPr marL="742950" indent="-742950">
-              <a:spcAft>
-                <a:spcPts val="600"/>
-              </a:spcAft>
-              <a:buFont typeface="+mj-lt"/>
-              <a:buAutoNum type="arabicPeriod"/>
-            </a:pPr>
-            <a:r>
-              <a:rPr lang="en-US" sz="2400" b="1" dirty="0">
-                <a:cs typeface="Calibri"/>
-              </a:rPr>
-              <a:t>Typicality: </a:t>
-            </a:r>
-            <a:r>
-              <a:rPr lang="en-US" sz="2400" dirty="0">
-                <a:cs typeface="Calibri"/>
-              </a:rPr>
-              <a:t>How likely is it for a native person to hear/experience sounds like this? (0-100)</a:t>
-            </a:r>
-          </a:p>
-          <a:p>
-            <a:pPr marL="742950" indent="-742950">
-              <a:spcAft>
-                <a:spcPts val="600"/>
-              </a:spcAft>
-              <a:buFont typeface="+mj-lt"/>
-              <a:buAutoNum type="arabicPeriod"/>
-            </a:pPr>
-            <a:r>
-              <a:rPr lang="en-US" sz="2400" b="1" dirty="0">
-                <a:cs typeface="Calibri"/>
-              </a:rPr>
-              <a:t>Valence: </a:t>
-            </a:r>
-            <a:r>
-              <a:rPr lang="en-US" sz="2400" dirty="0">
-                <a:cs typeface="Calibri"/>
-              </a:rPr>
-              <a:t>Rate your mood in response to this clip.             	                 	               </a:t>
-            </a:r>
-            <a:r>
-              <a:rPr lang="en-US" sz="2000" dirty="0">
-                <a:cs typeface="Calibri"/>
-              </a:rPr>
-              <a:t>(1-9) 1 = negative  5 = neutral  9 = positive</a:t>
-            </a:r>
-          </a:p>
-          <a:p>
-            <a:pPr marL="742950" indent="-742950">
-              <a:spcAft>
-                <a:spcPts val="600"/>
-              </a:spcAft>
-              <a:buFont typeface="+mj-lt"/>
-              <a:buAutoNum type="arabicPeriod"/>
-            </a:pPr>
-            <a:r>
-              <a:rPr lang="en-US" sz="2400" b="1" dirty="0">
-                <a:cs typeface="Calibri"/>
-              </a:rPr>
-              <a:t>Arousal: </a:t>
-            </a:r>
-            <a:r>
-              <a:rPr lang="en-US" sz="2400" dirty="0">
-                <a:cs typeface="Calibri"/>
-              </a:rPr>
-              <a:t>Rate your arousal in response to this clip.         	               	               </a:t>
-            </a:r>
-            <a:r>
-              <a:rPr lang="en-US" sz="2000" dirty="0">
-                <a:cs typeface="Calibri"/>
-              </a:rPr>
-              <a:t>(1-9) 1 = calm  5 = middle  9 = excited</a:t>
-            </a:r>
-            <a:endParaRPr lang="en-US" sz="2400" dirty="0">
-              <a:cs typeface="Calibri"/>
-            </a:endParaRPr>
-          </a:p>
-        </p:txBody>
-      </p:sp>
-      <p:sp>
-        <p:nvSpPr>
-          <p:cNvPr id="5" name="Title 3">
-            <a:extLst>
-              <a:ext uri="{FF2B5EF4-FFF2-40B4-BE49-F238E27FC236}">
-                <a16:creationId xmlns:a16="http://schemas.microsoft.com/office/drawing/2014/main" id="{4A40E84C-8146-EC44-B63C-4B296B345500}"/>
+                <a16:creationId xmlns:a16="http://schemas.microsoft.com/office/drawing/2014/main" id="{A9CEA40B-5234-42D7-930C-3D1F04A17646}"/>
               </a:ext>
             </a:extLst>
           </p:cNvPr>
@@ -8808,17 +8595,17 @@
                 </a:solidFill>
                 <a:cs typeface="Calibri"/>
               </a:rPr>
-              <a:t>CLICK THE RIGHT BUTTON TO CONTINUE</a:t>
-            </a:r>
-          </a:p>
-        </p:txBody>
-      </p:sp>
-      <p:sp>
-        <p:nvSpPr>
-          <p:cNvPr id="6" name="Right Arrow 12">
+              <a:t>CLICK THE RIGHT KEY TO CONTINUE</a:t>
+            </a:r>
+          </a:p>
+        </p:txBody>
+      </p:sp>
+      <p:sp>
+        <p:nvSpPr>
+          <p:cNvPr id="3" name="Right Arrow 12">
             <a:extLst>
               <a:ext uri="{FF2B5EF4-FFF2-40B4-BE49-F238E27FC236}">
-                <a16:creationId xmlns:a16="http://schemas.microsoft.com/office/drawing/2014/main" id="{9652E570-CAA2-6D4A-BC9E-66B32493DAA6}"/>
+                <a16:creationId xmlns:a16="http://schemas.microsoft.com/office/drawing/2014/main" id="{B670D590-D386-4EBA-B0BF-F4CDB2DF6933}"/>
               </a:ext>
             </a:extLst>
           </p:cNvPr>
@@ -8863,10 +8650,907 @@
           </a:p>
         </p:txBody>
       </p:sp>
+      <p:sp>
+        <p:nvSpPr>
+          <p:cNvPr id="5" name="TextBox 4">
+            <a:extLst>
+              <a:ext uri="{FF2B5EF4-FFF2-40B4-BE49-F238E27FC236}">
+                <a16:creationId xmlns:a16="http://schemas.microsoft.com/office/drawing/2014/main" id="{FA8803B1-4B33-004F-B3D2-AD86FEDA44F7}"/>
+              </a:ext>
+            </a:extLst>
+          </p:cNvPr>
+          <p:cNvSpPr txBox="1"/>
+          <p:nvPr/>
+        </p:nvSpPr>
+        <p:spPr>
+          <a:xfrm>
+            <a:off x="3339790" y="5631366"/>
+            <a:ext cx="2464420" cy="461665"/>
+          </a:xfrm>
+          <a:prstGeom prst="rect">
+            <a:avLst/>
+          </a:prstGeom>
+          <a:noFill/>
+        </p:spPr>
+        <p:txBody>
+          <a:bodyPr wrap="square" rtlCol="0">
+            <a:spAutoFit/>
+          </a:bodyPr>
+          <a:lstStyle/>
+          <a:p>
+            <a:pPr algn="ctr"/>
+            <a:r>
+              <a:rPr lang="en-US" sz="2400" dirty="0"/>
+              <a:t>Run 3</a:t>
+            </a:r>
+          </a:p>
+        </p:txBody>
+      </p:sp>
     </p:spTree>
     <p:extLst>
       <p:ext uri="{BB962C8B-B14F-4D97-AF65-F5344CB8AC3E}">
-        <p14:creationId xmlns:p14="http://schemas.microsoft.com/office/powerpoint/2010/main" val="2842823560"/>
+        <p14:creationId xmlns:p14="http://schemas.microsoft.com/office/powerpoint/2010/main" val="4079018348"/>
+      </p:ext>
+    </p:extLst>
+  </p:cSld>
+  <p:clrMapOvr>
+    <a:masterClrMapping/>
+  </p:clrMapOvr>
+</p:sld>
+</file>
+
+<file path=ppt/slides/slide4.xml><?xml version="1.0" encoding="utf-8"?>
+<p:sld xmlns:a="http://schemas.openxmlformats.org/drawingml/2006/main" xmlns:r="http://schemas.openxmlformats.org/officeDocument/2006/relationships" xmlns:p="http://schemas.openxmlformats.org/presentationml/2006/main">
+  <p:cSld>
+    <p:spTree>
+      <p:nvGrpSpPr>
+        <p:cNvPr id="1" name=""/>
+        <p:cNvGrpSpPr/>
+        <p:nvPr/>
+      </p:nvGrpSpPr>
+      <p:grpSpPr>
+        <a:xfrm>
+          <a:off x="0" y="0"/>
+          <a:ext cx="0" cy="0"/>
+          <a:chOff x="0" y="0"/>
+          <a:chExt cx="0" cy="0"/>
+        </a:xfrm>
+      </p:grpSpPr>
+      <p:sp>
+        <p:nvSpPr>
+          <p:cNvPr id="3" name="Content Placeholder 2"/>
+          <p:cNvSpPr>
+            <a:spLocks noGrp="1"/>
+          </p:cNvSpPr>
+          <p:nvPr>
+            <p:ph idx="1"/>
+          </p:nvPr>
+        </p:nvSpPr>
+        <p:spPr>
+          <a:xfrm>
+            <a:off x="202799" y="176410"/>
+            <a:ext cx="8738402" cy="6024883"/>
+          </a:xfrm>
+        </p:spPr>
+        <p:txBody>
+          <a:bodyPr vert="horz" lIns="91440" tIns="45720" rIns="91440" bIns="45720" rtlCol="0" anchor="t">
+            <a:noAutofit/>
+          </a:bodyPr>
+          <a:lstStyle/>
+          <a:p>
+            <a:pPr marL="0" indent="0">
+              <a:spcAft>
+                <a:spcPts val="800"/>
+              </a:spcAft>
+              <a:buNone/>
+            </a:pPr>
+            <a:r>
+              <a:rPr lang="en-US" dirty="0"/>
+              <a:t>In this task, you will watch a series of videos. After each video, you will be asked to respond to five questions:</a:t>
+            </a:r>
+          </a:p>
+          <a:p>
+            <a:pPr marL="742950" indent="-742950">
+              <a:spcAft>
+                <a:spcPts val="600"/>
+              </a:spcAft>
+              <a:buFont typeface="+mj-lt"/>
+              <a:buAutoNum type="arabicPeriod"/>
+            </a:pPr>
+            <a:r>
+              <a:rPr lang="en-US" sz="2400" b="1" dirty="0">
+                <a:cs typeface="Calibri"/>
+              </a:rPr>
+              <a:t>Relatedness: </a:t>
+            </a:r>
+            <a:r>
+              <a:rPr lang="en-US" sz="2400" dirty="0">
+                <a:cs typeface="Calibri"/>
+              </a:rPr>
+              <a:t>Is this video related to your identity as a native person? (Y/N)</a:t>
+            </a:r>
+          </a:p>
+          <a:p>
+            <a:pPr marL="742950" indent="-742950">
+              <a:spcAft>
+                <a:spcPts val="600"/>
+              </a:spcAft>
+              <a:buFont typeface="+mj-lt"/>
+              <a:buAutoNum type="arabicPeriod"/>
+            </a:pPr>
+            <a:r>
+              <a:rPr lang="en-US" sz="2400" b="1" dirty="0">
+                <a:cs typeface="Calibri"/>
+              </a:rPr>
+              <a:t>Identity: </a:t>
+            </a:r>
+            <a:r>
+              <a:rPr lang="en-US" sz="2400" dirty="0">
+                <a:cs typeface="Calibri"/>
+              </a:rPr>
+              <a:t>How much did this video relate to your identity as a native person? (0-100)</a:t>
+            </a:r>
+          </a:p>
+          <a:p>
+            <a:pPr marL="742950" indent="-742950">
+              <a:spcAft>
+                <a:spcPts val="600"/>
+              </a:spcAft>
+              <a:buFont typeface="+mj-lt"/>
+              <a:buAutoNum type="arabicPeriod"/>
+            </a:pPr>
+            <a:r>
+              <a:rPr lang="en-US" sz="2400" b="1" dirty="0">
+                <a:cs typeface="Calibri"/>
+              </a:rPr>
+              <a:t>Typicality: </a:t>
+            </a:r>
+            <a:r>
+              <a:rPr lang="en-US" sz="2400" dirty="0">
+                <a:cs typeface="Calibri"/>
+              </a:rPr>
+              <a:t>How likely is it for a native person to see/experience scenes like this? (0-100)</a:t>
+            </a:r>
+          </a:p>
+          <a:p>
+            <a:pPr marL="742950" indent="-742950">
+              <a:spcAft>
+                <a:spcPts val="600"/>
+              </a:spcAft>
+              <a:buFont typeface="+mj-lt"/>
+              <a:buAutoNum type="arabicPeriod"/>
+            </a:pPr>
+            <a:r>
+              <a:rPr lang="en-US" sz="2400" b="1" dirty="0">
+                <a:cs typeface="Calibri"/>
+              </a:rPr>
+              <a:t>Valence: </a:t>
+            </a:r>
+            <a:r>
+              <a:rPr lang="en-US" sz="2400" dirty="0">
+                <a:cs typeface="Calibri"/>
+              </a:rPr>
+              <a:t>Rate your mood in response to this video.                        		 </a:t>
+            </a:r>
+            <a:r>
+              <a:rPr lang="en-US" sz="2000" dirty="0">
+                <a:cs typeface="Calibri"/>
+              </a:rPr>
+              <a:t>(1-9) 1 = negative  5 = neutral  9 = positive</a:t>
+            </a:r>
+          </a:p>
+          <a:p>
+            <a:pPr marL="742950" indent="-742950">
+              <a:spcAft>
+                <a:spcPts val="600"/>
+              </a:spcAft>
+              <a:buFont typeface="+mj-lt"/>
+              <a:buAutoNum type="arabicPeriod"/>
+            </a:pPr>
+            <a:r>
+              <a:rPr lang="en-US" sz="2400" b="1" dirty="0">
+                <a:cs typeface="Calibri"/>
+              </a:rPr>
+              <a:t>Arousal: </a:t>
+            </a:r>
+            <a:r>
+              <a:rPr lang="en-US" sz="2400" dirty="0">
+                <a:cs typeface="Calibri"/>
+              </a:rPr>
+              <a:t>Rate your arousal in response to this video.                   		 </a:t>
+            </a:r>
+            <a:r>
+              <a:rPr lang="en-US" sz="2000" dirty="0">
+                <a:cs typeface="Calibri"/>
+              </a:rPr>
+              <a:t>(1-9) 1 = calm  5 = middle  9 = excited</a:t>
+            </a:r>
+            <a:endParaRPr lang="en-US" sz="2400" dirty="0">
+              <a:cs typeface="Calibri"/>
+            </a:endParaRPr>
+          </a:p>
+        </p:txBody>
+      </p:sp>
+      <p:sp>
+        <p:nvSpPr>
+          <p:cNvPr id="6" name="Right Arrow 12">
+            <a:extLst>
+              <a:ext uri="{FF2B5EF4-FFF2-40B4-BE49-F238E27FC236}">
+                <a16:creationId xmlns:a16="http://schemas.microsoft.com/office/drawing/2014/main" id="{61AD207B-49C0-5D4C-8F58-875D2B1B3D00}"/>
+              </a:ext>
+            </a:extLst>
+          </p:cNvPr>
+          <p:cNvSpPr/>
+          <p:nvPr/>
+        </p:nvSpPr>
+        <p:spPr>
+          <a:xfrm>
+            <a:off x="8113318" y="6391826"/>
+            <a:ext cx="640200" cy="289763"/>
+          </a:xfrm>
+          <a:prstGeom prst="rightArrow">
+            <a:avLst/>
+          </a:prstGeom>
+          <a:solidFill>
+            <a:schemeClr val="tx1"/>
+          </a:solidFill>
+          <a:ln>
+            <a:noFill/>
+          </a:ln>
+        </p:spPr>
+        <p:style>
+          <a:lnRef idx="1">
+            <a:schemeClr val="accent1"/>
+          </a:lnRef>
+          <a:fillRef idx="3">
+            <a:schemeClr val="accent1"/>
+          </a:fillRef>
+          <a:effectRef idx="2">
+            <a:schemeClr val="accent1"/>
+          </a:effectRef>
+          <a:fontRef idx="minor">
+            <a:schemeClr val="lt1"/>
+          </a:fontRef>
+        </p:style>
+        <p:txBody>
+          <a:bodyPr rtlCol="0" anchor="ctr"/>
+          <a:lstStyle/>
+          <a:p>
+            <a:pPr algn="ctr"/>
+            <a:endParaRPr lang="en-US"/>
+          </a:p>
+        </p:txBody>
+      </p:sp>
+      <p:sp>
+        <p:nvSpPr>
+          <p:cNvPr id="7" name="Title 3">
+            <a:extLst>
+              <a:ext uri="{FF2B5EF4-FFF2-40B4-BE49-F238E27FC236}">
+                <a16:creationId xmlns:a16="http://schemas.microsoft.com/office/drawing/2014/main" id="{DD13525A-E8DC-B54B-BDDC-476469EBEBF2}"/>
+              </a:ext>
+            </a:extLst>
+          </p:cNvPr>
+          <p:cNvSpPr txBox="1">
+            <a:spLocks/>
+          </p:cNvSpPr>
+          <p:nvPr/>
+        </p:nvSpPr>
+        <p:spPr>
+          <a:xfrm>
+            <a:off x="18856" y="6208354"/>
+            <a:ext cx="9149174" cy="656705"/>
+          </a:xfrm>
+          <a:prstGeom prst="rect">
+            <a:avLst/>
+          </a:prstGeom>
+        </p:spPr>
+        <p:txBody>
+          <a:bodyPr vert="horz" lIns="91440" tIns="45720" rIns="91440" bIns="45720" rtlCol="0" anchor="ctr">
+            <a:normAutofit/>
+          </a:bodyPr>
+          <a:lstStyle>
+            <a:lvl1pPr algn="ctr" defTabSz="914400" rtl="0" eaLnBrk="1" latinLnBrk="0" hangingPunct="1">
+              <a:spcBef>
+                <a:spcPct val="0"/>
+              </a:spcBef>
+              <a:buNone/>
+              <a:defRPr sz="4400" kern="1200">
+                <a:solidFill>
+                  <a:schemeClr val="tx1"/>
+                </a:solidFill>
+                <a:latin typeface="+mj-lt"/>
+                <a:ea typeface="+mj-ea"/>
+                <a:cs typeface="+mj-cs"/>
+              </a:defRPr>
+            </a:lvl1pPr>
+          </a:lstStyle>
+          <a:p>
+            <a:r>
+              <a:rPr lang="en-US" sz="3000" dirty="0">
+                <a:solidFill>
+                  <a:srgbClr val="FF0000"/>
+                </a:solidFill>
+                <a:cs typeface="Calibri"/>
+              </a:rPr>
+              <a:t>CLICK THE RIGHT KEY TO CONTINUE</a:t>
+            </a:r>
+          </a:p>
+        </p:txBody>
+      </p:sp>
+    </p:spTree>
+    <p:extLst>
+      <p:ext uri="{BB962C8B-B14F-4D97-AF65-F5344CB8AC3E}">
+        <p14:creationId xmlns:p14="http://schemas.microsoft.com/office/powerpoint/2010/main" val="1135926029"/>
+      </p:ext>
+    </p:extLst>
+  </p:cSld>
+  <p:clrMapOvr>
+    <a:masterClrMapping/>
+  </p:clrMapOvr>
+</p:sld>
+</file>
+
+<file path=ppt/slides/slide5.xml><?xml version="1.0" encoding="utf-8"?>
+<p:sld xmlns:a="http://schemas.openxmlformats.org/drawingml/2006/main" xmlns:r="http://schemas.openxmlformats.org/officeDocument/2006/relationships" xmlns:p="http://schemas.openxmlformats.org/presentationml/2006/main">
+  <p:cSld>
+    <p:spTree>
+      <p:nvGrpSpPr>
+        <p:cNvPr id="1" name=""/>
+        <p:cNvGrpSpPr/>
+        <p:nvPr/>
+      </p:nvGrpSpPr>
+      <p:grpSpPr>
+        <a:xfrm>
+          <a:off x="0" y="0"/>
+          <a:ext cx="0" cy="0"/>
+          <a:chOff x="0" y="0"/>
+          <a:chExt cx="0" cy="0"/>
+        </a:xfrm>
+      </p:grpSpPr>
+      <p:sp>
+        <p:nvSpPr>
+          <p:cNvPr id="4" name="Rectangle 3"/>
+          <p:cNvSpPr/>
+          <p:nvPr/>
+        </p:nvSpPr>
+        <p:spPr>
+          <a:xfrm>
+            <a:off x="0" y="2659455"/>
+            <a:ext cx="9143999" cy="1323439"/>
+          </a:xfrm>
+          <a:prstGeom prst="rect">
+            <a:avLst/>
+          </a:prstGeom>
+        </p:spPr>
+        <p:txBody>
+          <a:bodyPr wrap="square" lIns="91440" tIns="45720" rIns="91440" bIns="45720" anchor="t">
+            <a:spAutoFit/>
+          </a:bodyPr>
+          <a:lstStyle/>
+          <a:p>
+            <a:pPr algn="ctr"/>
+            <a:r>
+              <a:rPr lang="en-US" sz="4000" dirty="0"/>
+              <a:t>When you are ready,</a:t>
+            </a:r>
+          </a:p>
+          <a:p>
+            <a:pPr algn="ctr"/>
+            <a:r>
+              <a:rPr lang="en-US" sz="4000" dirty="0"/>
+              <a:t>Press the RIGHT Key to continue</a:t>
+            </a:r>
+          </a:p>
+        </p:txBody>
+      </p:sp>
+    </p:spTree>
+    <p:extLst>
+      <p:ext uri="{BB962C8B-B14F-4D97-AF65-F5344CB8AC3E}">
+        <p14:creationId xmlns:p14="http://schemas.microsoft.com/office/powerpoint/2010/main" val="122476294"/>
+      </p:ext>
+    </p:extLst>
+  </p:cSld>
+  <p:clrMapOvr>
+    <a:masterClrMapping/>
+  </p:clrMapOvr>
+</p:sld>
+</file>
+
+<file path=ppt/slides/slide6.xml><?xml version="1.0" encoding="utf-8"?>
+<p:sld xmlns:a="http://schemas.openxmlformats.org/drawingml/2006/main" xmlns:r="http://schemas.openxmlformats.org/officeDocument/2006/relationships" xmlns:p="http://schemas.openxmlformats.org/presentationml/2006/main">
+  <p:cSld>
+    <p:spTree>
+      <p:nvGrpSpPr>
+        <p:cNvPr id="1" name=""/>
+        <p:cNvGrpSpPr/>
+        <p:nvPr/>
+      </p:nvGrpSpPr>
+      <p:grpSpPr>
+        <a:xfrm>
+          <a:off x="0" y="0"/>
+          <a:ext cx="0" cy="0"/>
+          <a:chOff x="0" y="0"/>
+          <a:chExt cx="0" cy="0"/>
+        </a:xfrm>
+      </p:grpSpPr>
+      <p:sp>
+        <p:nvSpPr>
+          <p:cNvPr id="4" name="Rectangle 3"/>
+          <p:cNvSpPr/>
+          <p:nvPr/>
+        </p:nvSpPr>
+        <p:spPr>
+          <a:xfrm>
+            <a:off x="0" y="2041160"/>
+            <a:ext cx="9143999" cy="2431435"/>
+          </a:xfrm>
+          <a:prstGeom prst="rect">
+            <a:avLst/>
+          </a:prstGeom>
+        </p:spPr>
+        <p:txBody>
+          <a:bodyPr wrap="square" lIns="91440" tIns="45720" rIns="91440" bIns="45720" anchor="ctr">
+            <a:spAutoFit/>
+          </a:bodyPr>
+          <a:lstStyle/>
+          <a:p>
+            <a:pPr algn="ctr"/>
+            <a:r>
+              <a:rPr lang="en-US" sz="3600" b="1" dirty="0">
+                <a:cs typeface="Calibri"/>
+              </a:rPr>
+              <a:t>Relatedness: </a:t>
+            </a:r>
+            <a:r>
+              <a:rPr lang="en-US" sz="3600" dirty="0">
+                <a:cs typeface="Calibri"/>
+              </a:rPr>
+              <a:t>Is this video related to your identity as a native person?</a:t>
+            </a:r>
+            <a:endParaRPr lang="en-US" sz="4000" dirty="0">
+              <a:cs typeface="Calibri"/>
+            </a:endParaRPr>
+          </a:p>
+          <a:p>
+            <a:pPr algn="ctr"/>
+            <a:endParaRPr lang="en-US" sz="4000" dirty="0">
+              <a:cs typeface="Calibri"/>
+            </a:endParaRPr>
+          </a:p>
+          <a:p>
+            <a:pPr algn="ctr"/>
+            <a:endParaRPr lang="en-US" sz="4000" dirty="0">
+              <a:cs typeface="Calibri"/>
+            </a:endParaRPr>
+          </a:p>
+        </p:txBody>
+      </p:sp>
+      <p:sp>
+        <p:nvSpPr>
+          <p:cNvPr id="2" name="TextBox 1">
+            <a:extLst>
+              <a:ext uri="{FF2B5EF4-FFF2-40B4-BE49-F238E27FC236}">
+                <a16:creationId xmlns:a16="http://schemas.microsoft.com/office/drawing/2014/main" id="{8103C802-5703-104E-B339-9CAB3C745E87}"/>
+              </a:ext>
+            </a:extLst>
+          </p:cNvPr>
+          <p:cNvSpPr txBox="1"/>
+          <p:nvPr/>
+        </p:nvSpPr>
+        <p:spPr>
+          <a:xfrm>
+            <a:off x="1506071" y="3515061"/>
+            <a:ext cx="6745045" cy="369332"/>
+          </a:xfrm>
+          <a:prstGeom prst="rect">
+            <a:avLst/>
+          </a:prstGeom>
+          <a:noFill/>
+        </p:spPr>
+        <p:txBody>
+          <a:bodyPr wrap="square" rtlCol="0">
+            <a:spAutoFit/>
+          </a:bodyPr>
+          <a:lstStyle/>
+          <a:p>
+            <a:pPr algn="ctr"/>
+            <a:r>
+              <a:rPr lang="en-US" dirty="0"/>
+              <a:t>[Yes/No options controlled by mouse click]</a:t>
+            </a:r>
+          </a:p>
+        </p:txBody>
+      </p:sp>
+    </p:spTree>
+    <p:extLst>
+      <p:ext uri="{BB962C8B-B14F-4D97-AF65-F5344CB8AC3E}">
+        <p14:creationId xmlns:p14="http://schemas.microsoft.com/office/powerpoint/2010/main" val="4176457779"/>
+      </p:ext>
+    </p:extLst>
+  </p:cSld>
+  <p:clrMapOvr>
+    <a:masterClrMapping/>
+  </p:clrMapOvr>
+</p:sld>
+</file>
+
+<file path=ppt/slides/slide7.xml><?xml version="1.0" encoding="utf-8"?>
+<p:sld xmlns:a="http://schemas.openxmlformats.org/drawingml/2006/main" xmlns:r="http://schemas.openxmlformats.org/officeDocument/2006/relationships" xmlns:p="http://schemas.openxmlformats.org/presentationml/2006/main">
+  <p:cSld>
+    <p:spTree>
+      <p:nvGrpSpPr>
+        <p:cNvPr id="1" name=""/>
+        <p:cNvGrpSpPr/>
+        <p:nvPr/>
+      </p:nvGrpSpPr>
+      <p:grpSpPr>
+        <a:xfrm>
+          <a:off x="0" y="0"/>
+          <a:ext cx="0" cy="0"/>
+          <a:chOff x="0" y="0"/>
+          <a:chExt cx="0" cy="0"/>
+        </a:xfrm>
+      </p:grpSpPr>
+      <p:sp>
+        <p:nvSpPr>
+          <p:cNvPr id="4" name="Rectangle 3"/>
+          <p:cNvSpPr/>
+          <p:nvPr/>
+        </p:nvSpPr>
+        <p:spPr>
+          <a:xfrm>
+            <a:off x="0" y="1425607"/>
+            <a:ext cx="9143999" cy="3662541"/>
+          </a:xfrm>
+          <a:prstGeom prst="rect">
+            <a:avLst/>
+          </a:prstGeom>
+        </p:spPr>
+        <p:txBody>
+          <a:bodyPr wrap="square" lIns="91440" tIns="45720" rIns="91440" bIns="45720" anchor="ctr">
+            <a:spAutoFit/>
+          </a:bodyPr>
+          <a:lstStyle/>
+          <a:p>
+            <a:pPr algn="ctr"/>
+            <a:r>
+              <a:rPr lang="en-US" sz="3600" b="1" dirty="0">
+                <a:cs typeface="Calibri"/>
+              </a:rPr>
+              <a:t>Identity: </a:t>
+            </a:r>
+            <a:r>
+              <a:rPr lang="en-US" sz="3600" dirty="0">
+                <a:cs typeface="Calibri"/>
+              </a:rPr>
+              <a:t>How much did this video relate to your identity as a native person? (0-100)</a:t>
+            </a:r>
+          </a:p>
+          <a:p>
+            <a:pPr algn="ctr"/>
+            <a:endParaRPr lang="en-US" sz="4000" dirty="0">
+              <a:cs typeface="Calibri"/>
+            </a:endParaRPr>
+          </a:p>
+          <a:p>
+            <a:pPr algn="ctr"/>
+            <a:endParaRPr lang="en-US" sz="4000" dirty="0">
+              <a:cs typeface="Calibri"/>
+            </a:endParaRPr>
+          </a:p>
+          <a:p>
+            <a:pPr algn="ctr"/>
+            <a:endParaRPr lang="en-US" sz="4000" dirty="0">
+              <a:cs typeface="Calibri"/>
+            </a:endParaRPr>
+          </a:p>
+          <a:p>
+            <a:pPr algn="ctr"/>
+            <a:endParaRPr lang="en-US" sz="4000" dirty="0">
+              <a:cs typeface="Calibri"/>
+            </a:endParaRPr>
+          </a:p>
+        </p:txBody>
+      </p:sp>
+      <p:sp>
+        <p:nvSpPr>
+          <p:cNvPr id="2" name="TextBox 1">
+            <a:extLst>
+              <a:ext uri="{FF2B5EF4-FFF2-40B4-BE49-F238E27FC236}">
+                <a16:creationId xmlns:a16="http://schemas.microsoft.com/office/drawing/2014/main" id="{8103C802-5703-104E-B339-9CAB3C745E87}"/>
+              </a:ext>
+            </a:extLst>
+          </p:cNvPr>
+          <p:cNvSpPr txBox="1"/>
+          <p:nvPr/>
+        </p:nvSpPr>
+        <p:spPr>
+          <a:xfrm>
+            <a:off x="2043953" y="3256877"/>
+            <a:ext cx="5131398" cy="646331"/>
+          </a:xfrm>
+          <a:prstGeom prst="rect">
+            <a:avLst/>
+          </a:prstGeom>
+          <a:noFill/>
+        </p:spPr>
+        <p:txBody>
+          <a:bodyPr wrap="square" rtlCol="0">
+            <a:spAutoFit/>
+          </a:bodyPr>
+          <a:lstStyle/>
+          <a:p>
+            <a:pPr algn="ctr"/>
+            <a:r>
+              <a:rPr lang="en-US" dirty="0"/>
+              <a:t>[insert number line 0-100 use a slider controlled by mouse]</a:t>
+            </a:r>
+          </a:p>
+        </p:txBody>
+      </p:sp>
+    </p:spTree>
+    <p:extLst>
+      <p:ext uri="{BB962C8B-B14F-4D97-AF65-F5344CB8AC3E}">
+        <p14:creationId xmlns:p14="http://schemas.microsoft.com/office/powerpoint/2010/main" val="946032924"/>
+      </p:ext>
+    </p:extLst>
+  </p:cSld>
+  <p:clrMapOvr>
+    <a:masterClrMapping/>
+  </p:clrMapOvr>
+</p:sld>
+</file>
+
+<file path=ppt/slides/slide8.xml><?xml version="1.0" encoding="utf-8"?>
+<p:sld xmlns:a="http://schemas.openxmlformats.org/drawingml/2006/main" xmlns:r="http://schemas.openxmlformats.org/officeDocument/2006/relationships" xmlns:p="http://schemas.openxmlformats.org/presentationml/2006/main">
+  <p:cSld>
+    <p:spTree>
+      <p:nvGrpSpPr>
+        <p:cNvPr id="1" name=""/>
+        <p:cNvGrpSpPr/>
+        <p:nvPr/>
+      </p:nvGrpSpPr>
+      <p:grpSpPr>
+        <a:xfrm>
+          <a:off x="0" y="0"/>
+          <a:ext cx="0" cy="0"/>
+          <a:chOff x="0" y="0"/>
+          <a:chExt cx="0" cy="0"/>
+        </a:xfrm>
+      </p:grpSpPr>
+      <p:sp>
+        <p:nvSpPr>
+          <p:cNvPr id="4" name="Rectangle 3"/>
+          <p:cNvSpPr/>
+          <p:nvPr/>
+        </p:nvSpPr>
+        <p:spPr>
+          <a:xfrm>
+            <a:off x="0" y="1425607"/>
+            <a:ext cx="9143999" cy="3662541"/>
+          </a:xfrm>
+          <a:prstGeom prst="rect">
+            <a:avLst/>
+          </a:prstGeom>
+        </p:spPr>
+        <p:txBody>
+          <a:bodyPr wrap="square" lIns="91440" tIns="45720" rIns="91440" bIns="45720" anchor="ctr">
+            <a:spAutoFit/>
+          </a:bodyPr>
+          <a:lstStyle/>
+          <a:p>
+            <a:pPr algn="ctr"/>
+            <a:r>
+              <a:rPr lang="en-US" sz="3600" b="1" dirty="0">
+                <a:cs typeface="Calibri"/>
+              </a:rPr>
+              <a:t>Typicality: </a:t>
+            </a:r>
+            <a:r>
+              <a:rPr lang="en-US" sz="3600" dirty="0">
+                <a:cs typeface="Calibri"/>
+              </a:rPr>
+              <a:t>How likely is it for a native person to see/experience scenes like this? (0-100)</a:t>
+            </a:r>
+          </a:p>
+          <a:p>
+            <a:pPr algn="ctr"/>
+            <a:endParaRPr lang="en-US" sz="4000" dirty="0">
+              <a:cs typeface="Calibri"/>
+            </a:endParaRPr>
+          </a:p>
+          <a:p>
+            <a:pPr algn="ctr"/>
+            <a:endParaRPr lang="en-US" sz="4000" dirty="0">
+              <a:cs typeface="Calibri"/>
+            </a:endParaRPr>
+          </a:p>
+          <a:p>
+            <a:pPr algn="ctr"/>
+            <a:endParaRPr lang="en-US" sz="4000" dirty="0">
+              <a:cs typeface="Calibri"/>
+            </a:endParaRPr>
+          </a:p>
+          <a:p>
+            <a:pPr algn="ctr"/>
+            <a:endParaRPr lang="en-US" sz="4000" dirty="0">
+              <a:cs typeface="Calibri"/>
+            </a:endParaRPr>
+          </a:p>
+        </p:txBody>
+      </p:sp>
+      <p:sp>
+        <p:nvSpPr>
+          <p:cNvPr id="2" name="TextBox 1">
+            <a:extLst>
+              <a:ext uri="{FF2B5EF4-FFF2-40B4-BE49-F238E27FC236}">
+                <a16:creationId xmlns:a16="http://schemas.microsoft.com/office/drawing/2014/main" id="{8103C802-5703-104E-B339-9CAB3C745E87}"/>
+              </a:ext>
+            </a:extLst>
+          </p:cNvPr>
+          <p:cNvSpPr txBox="1"/>
+          <p:nvPr/>
+        </p:nvSpPr>
+        <p:spPr>
+          <a:xfrm>
+            <a:off x="2043953" y="3256877"/>
+            <a:ext cx="5131398" cy="646331"/>
+          </a:xfrm>
+          <a:prstGeom prst="rect">
+            <a:avLst/>
+          </a:prstGeom>
+          <a:noFill/>
+        </p:spPr>
+        <p:txBody>
+          <a:bodyPr wrap="square" rtlCol="0">
+            <a:spAutoFit/>
+          </a:bodyPr>
+          <a:lstStyle/>
+          <a:p>
+            <a:pPr algn="ctr"/>
+            <a:r>
+              <a:rPr lang="en-US" dirty="0"/>
+              <a:t>[insert number line 0-100 use a slider controlled by mouse]</a:t>
+            </a:r>
+          </a:p>
+        </p:txBody>
+      </p:sp>
+    </p:spTree>
+    <p:extLst>
+      <p:ext uri="{BB962C8B-B14F-4D97-AF65-F5344CB8AC3E}">
+        <p14:creationId xmlns:p14="http://schemas.microsoft.com/office/powerpoint/2010/main" val="628954323"/>
+      </p:ext>
+    </p:extLst>
+  </p:cSld>
+  <p:clrMapOvr>
+    <a:masterClrMapping/>
+  </p:clrMapOvr>
+</p:sld>
+</file>
+
+<file path=ppt/slides/slide9.xml><?xml version="1.0" encoding="utf-8"?>
+<p:sld xmlns:a="http://schemas.openxmlformats.org/drawingml/2006/main" xmlns:r="http://schemas.openxmlformats.org/officeDocument/2006/relationships" xmlns:p="http://schemas.openxmlformats.org/presentationml/2006/main">
+  <p:cSld>
+    <p:spTree>
+      <p:nvGrpSpPr>
+        <p:cNvPr id="1" name=""/>
+        <p:cNvGrpSpPr/>
+        <p:nvPr/>
+      </p:nvGrpSpPr>
+      <p:grpSpPr>
+        <a:xfrm>
+          <a:off x="0" y="0"/>
+          <a:ext cx="0" cy="0"/>
+          <a:chOff x="0" y="0"/>
+          <a:chExt cx="0" cy="0"/>
+        </a:xfrm>
+      </p:grpSpPr>
+      <p:sp>
+        <p:nvSpPr>
+          <p:cNvPr id="4" name="Rectangle 3"/>
+          <p:cNvSpPr/>
+          <p:nvPr/>
+        </p:nvSpPr>
+        <p:spPr>
+          <a:xfrm>
+            <a:off x="0" y="1733384"/>
+            <a:ext cx="9143999" cy="3046988"/>
+          </a:xfrm>
+          <a:prstGeom prst="rect">
+            <a:avLst/>
+          </a:prstGeom>
+        </p:spPr>
+        <p:txBody>
+          <a:bodyPr wrap="square" lIns="91440" tIns="45720" rIns="91440" bIns="45720" anchor="ctr">
+            <a:spAutoFit/>
+          </a:bodyPr>
+          <a:lstStyle/>
+          <a:p>
+            <a:pPr algn="ctr"/>
+            <a:r>
+              <a:rPr lang="en-US" sz="3600" b="1" dirty="0">
+                <a:cs typeface="Calibri"/>
+              </a:rPr>
+              <a:t>Valence: </a:t>
+            </a:r>
+            <a:r>
+              <a:rPr lang="en-US" sz="3600" dirty="0">
+                <a:cs typeface="Calibri"/>
+              </a:rPr>
+              <a:t>Rate your mood in response to this video. </a:t>
+            </a:r>
+            <a:endParaRPr lang="en-US" sz="4000" dirty="0">
+              <a:cs typeface="Calibri"/>
+            </a:endParaRPr>
+          </a:p>
+          <a:p>
+            <a:pPr algn="ctr"/>
+            <a:endParaRPr lang="en-US" sz="4000" dirty="0">
+              <a:cs typeface="Calibri"/>
+            </a:endParaRPr>
+          </a:p>
+          <a:p>
+            <a:pPr algn="ctr"/>
+            <a:endParaRPr lang="en-US" sz="4000" dirty="0">
+              <a:cs typeface="Calibri"/>
+            </a:endParaRPr>
+          </a:p>
+          <a:p>
+            <a:pPr algn="ctr"/>
+            <a:endParaRPr lang="en-US" sz="4000" dirty="0">
+              <a:cs typeface="Calibri"/>
+            </a:endParaRPr>
+          </a:p>
+        </p:txBody>
+      </p:sp>
+      <p:sp>
+        <p:nvSpPr>
+          <p:cNvPr id="2" name="TextBox 1">
+            <a:extLst>
+              <a:ext uri="{FF2B5EF4-FFF2-40B4-BE49-F238E27FC236}">
+                <a16:creationId xmlns:a16="http://schemas.microsoft.com/office/drawing/2014/main" id="{8103C802-5703-104E-B339-9CAB3C745E87}"/>
+              </a:ext>
+            </a:extLst>
+          </p:cNvPr>
+          <p:cNvSpPr txBox="1"/>
+          <p:nvPr/>
+        </p:nvSpPr>
+        <p:spPr>
+          <a:xfrm>
+            <a:off x="1506071" y="3515061"/>
+            <a:ext cx="6745045" cy="646331"/>
+          </a:xfrm>
+          <a:prstGeom prst="rect">
+            <a:avLst/>
+          </a:prstGeom>
+          <a:noFill/>
+        </p:spPr>
+        <p:txBody>
+          <a:bodyPr wrap="square" rtlCol="0">
+            <a:spAutoFit/>
+          </a:bodyPr>
+          <a:lstStyle/>
+          <a:p>
+            <a:pPr algn="ctr"/>
+            <a:r>
+              <a:rPr lang="en-US" dirty="0"/>
+              <a:t>[insert </a:t>
+            </a:r>
+            <a:r>
+              <a:rPr lang="en-US" dirty="0" err="1"/>
+              <a:t>likert</a:t>
+            </a:r>
+            <a:r>
+              <a:rPr lang="en-US" dirty="0"/>
+              <a:t> scale 1-9 with anchors 1=negative 5= neutral 9= positive controlled by mouse click]</a:t>
+            </a:r>
+          </a:p>
+        </p:txBody>
+      </p:sp>
+    </p:spTree>
+    <p:extLst>
+      <p:ext uri="{BB962C8B-B14F-4D97-AF65-F5344CB8AC3E}">
+        <p14:creationId xmlns:p14="http://schemas.microsoft.com/office/powerpoint/2010/main" val="2931273767"/>
       </p:ext>
     </p:extLst>
   </p:cSld>

--- a/public/js/tasks/ncair/media/Ncair_Remote_Instructions.pptx
+++ b/public/js/tasks/ncair/media/Ncair_Remote_Instructions.pptx
@@ -232,7 +232,7 @@
           <a:p>
             <a:fld id="{5ACDFB13-8C7E-2148-B293-047F9641DD71}" type="datetimeFigureOut">
               <a:rPr lang="en-US" smtClean="0"/>
-              <a:t>3/17/21</a:t>
+              <a:t>4/5/21</a:t>
             </a:fld>
             <a:endParaRPr lang="en-US" dirty="0"/>
           </a:p>
@@ -1366,14 +1366,6 @@
           <a:bodyPr/>
           <a:lstStyle/>
           <a:p>
-            <a:r>
-              <a:rPr lang="en-US" dirty="0"/>
-              <a:t>Add screenshots of an X and an O</a:t>
-            </a:r>
-            <a:r>
-              <a:rPr lang="en-US" baseline="0" dirty="0"/>
-              <a:t> screen – like a timeline of screenshots.</a:t>
-            </a:r>
             <a:endParaRPr lang="en-US" dirty="0"/>
           </a:p>
         </p:txBody>
@@ -2980,7 +2972,7 @@
           <a:p>
             <a:fld id="{E69A4D3A-6EF8-7448-AC6F-AD52FEDAA6A8}" type="datetimeFigureOut">
               <a:rPr lang="en-US" smtClean="0"/>
-              <a:t>3/17/21</a:t>
+              <a:t>4/5/21</a:t>
             </a:fld>
             <a:endParaRPr lang="en-US" dirty="0"/>
           </a:p>
@@ -3148,7 +3140,7 @@
           <a:p>
             <a:fld id="{E69A4D3A-6EF8-7448-AC6F-AD52FEDAA6A8}" type="datetimeFigureOut">
               <a:rPr lang="en-US" smtClean="0"/>
-              <a:t>3/17/21</a:t>
+              <a:t>4/5/21</a:t>
             </a:fld>
             <a:endParaRPr lang="en-US" dirty="0"/>
           </a:p>
@@ -3326,7 +3318,7 @@
           <a:p>
             <a:fld id="{E69A4D3A-6EF8-7448-AC6F-AD52FEDAA6A8}" type="datetimeFigureOut">
               <a:rPr lang="en-US" smtClean="0"/>
-              <a:t>3/17/21</a:t>
+              <a:t>4/5/21</a:t>
             </a:fld>
             <a:endParaRPr lang="en-US" dirty="0"/>
           </a:p>
@@ -3494,7 +3486,7 @@
           <a:p>
             <a:fld id="{E69A4D3A-6EF8-7448-AC6F-AD52FEDAA6A8}" type="datetimeFigureOut">
               <a:rPr lang="en-US" smtClean="0"/>
-              <a:t>3/17/21</a:t>
+              <a:t>4/5/21</a:t>
             </a:fld>
             <a:endParaRPr lang="en-US" dirty="0"/>
           </a:p>
@@ -3739,7 +3731,7 @@
           <a:p>
             <a:fld id="{E69A4D3A-6EF8-7448-AC6F-AD52FEDAA6A8}" type="datetimeFigureOut">
               <a:rPr lang="en-US" smtClean="0"/>
-              <a:t>3/17/21</a:t>
+              <a:t>4/5/21</a:t>
             </a:fld>
             <a:endParaRPr lang="en-US" dirty="0"/>
           </a:p>
@@ -4024,7 +4016,7 @@
           <a:p>
             <a:fld id="{E69A4D3A-6EF8-7448-AC6F-AD52FEDAA6A8}" type="datetimeFigureOut">
               <a:rPr lang="en-US" smtClean="0"/>
-              <a:t>3/17/21</a:t>
+              <a:t>4/5/21</a:t>
             </a:fld>
             <a:endParaRPr lang="en-US" dirty="0"/>
           </a:p>
@@ -4443,7 +4435,7 @@
           <a:p>
             <a:fld id="{E69A4D3A-6EF8-7448-AC6F-AD52FEDAA6A8}" type="datetimeFigureOut">
               <a:rPr lang="en-US" smtClean="0"/>
-              <a:t>3/17/21</a:t>
+              <a:t>4/5/21</a:t>
             </a:fld>
             <a:endParaRPr lang="en-US" dirty="0"/>
           </a:p>
@@ -4560,7 +4552,7 @@
           <a:p>
             <a:fld id="{E69A4D3A-6EF8-7448-AC6F-AD52FEDAA6A8}" type="datetimeFigureOut">
               <a:rPr lang="en-US" smtClean="0"/>
-              <a:t>3/17/21</a:t>
+              <a:t>4/5/21</a:t>
             </a:fld>
             <a:endParaRPr lang="en-US" dirty="0"/>
           </a:p>
@@ -4655,7 +4647,7 @@
           <a:p>
             <a:fld id="{E69A4D3A-6EF8-7448-AC6F-AD52FEDAA6A8}" type="datetimeFigureOut">
               <a:rPr lang="en-US" smtClean="0"/>
-              <a:t>3/17/21</a:t>
+              <a:t>4/5/21</a:t>
             </a:fld>
             <a:endParaRPr lang="en-US" dirty="0"/>
           </a:p>
@@ -4930,7 +4922,7 @@
           <a:p>
             <a:fld id="{E69A4D3A-6EF8-7448-AC6F-AD52FEDAA6A8}" type="datetimeFigureOut">
               <a:rPr lang="en-US" smtClean="0"/>
-              <a:t>3/17/21</a:t>
+              <a:t>4/5/21</a:t>
             </a:fld>
             <a:endParaRPr lang="en-US" dirty="0"/>
           </a:p>
@@ -5185,7 +5177,7 @@
           <a:p>
             <a:fld id="{E69A4D3A-6EF8-7448-AC6F-AD52FEDAA6A8}" type="datetimeFigureOut">
               <a:rPr lang="en-US" smtClean="0"/>
-              <a:t>3/17/21</a:t>
+              <a:t>4/5/21</a:t>
             </a:fld>
             <a:endParaRPr lang="en-US" dirty="0"/>
           </a:p>
@@ -5399,7 +5391,7 @@
           <a:p>
             <a:fld id="{E69A4D3A-6EF8-7448-AC6F-AD52FEDAA6A8}" type="datetimeFigureOut">
               <a:rPr lang="en-US" smtClean="0"/>
-              <a:t>3/17/21</a:t>
+              <a:t>4/5/21</a:t>
             </a:fld>
             <a:endParaRPr lang="en-US" dirty="0"/>
           </a:p>
@@ -7151,7 +7143,7 @@
             </a:pPr>
             <a:r>
               <a:rPr lang="en-US" dirty="0"/>
-              <a:t>In this task, you will see a series of pictures in sets of four. After each set of images, you will be asked to respond to five questions:</a:t>
+              <a:t>In this task, you will see a series of pictures. After each image, you will be asked to respond to five questions:</a:t>
             </a:r>
           </a:p>
           <a:p>
@@ -7172,7 +7164,7 @@
               <a:rPr lang="en-US" sz="2400" dirty="0">
                 <a:cs typeface="Calibri"/>
               </a:rPr>
-              <a:t>Are these pictures related to your identity as a native person? (Y/N)</a:t>
+              <a:t>Is this picture related to your identity as a native person? (Y/N)</a:t>
             </a:r>
           </a:p>
           <a:p>
@@ -7193,7 +7185,7 @@
               <a:rPr lang="en-US" sz="2400" dirty="0">
                 <a:cs typeface="Calibri"/>
               </a:rPr>
-              <a:t>How much did these pictures relate to your identity as a native person? (0-100)</a:t>
+              <a:t>How much did this picture relate to your identity as a native person? (0-100)</a:t>
             </a:r>
           </a:p>
           <a:p>
@@ -7235,7 +7227,7 @@
               <a:rPr lang="en-US" sz="2400" dirty="0">
                 <a:cs typeface="Calibri"/>
               </a:rPr>
-              <a:t>Rate your mood in response to these pictures.             	               </a:t>
+              <a:t>Rate your mood in response to this picture.             	               </a:t>
             </a:r>
             <a:r>
               <a:rPr lang="en-US" sz="2000" dirty="0">
@@ -7262,7 +7254,7 @@
               <a:rPr lang="en-US" sz="2400" dirty="0">
                 <a:cs typeface="Calibri"/>
               </a:rPr>
-              <a:t>Rate your arousal in response to these pictures.         	               </a:t>
+              <a:t>Rate your arousal in response to this picture.         	               </a:t>
             </a:r>
             <a:r>
               <a:rPr lang="en-US" sz="2000" dirty="0">

--- a/public/js/tasks/ncair/media/Ncair_Remote_Instructions.pptx
+++ b/public/js/tasks/ncair/media/Ncair_Remote_Instructions.pptx
@@ -5,7 +5,7 @@
     <p:sldMasterId id="2147483660" r:id="rId1"/>
   </p:sldMasterIdLst>
   <p:notesMasterIdLst>
-    <p:notesMasterId r:id="rId27"/>
+    <p:notesMasterId r:id="rId33"/>
   </p:notesMasterIdLst>
   <p:sldIdLst>
     <p:sldId id="498" r:id="rId2"/>
@@ -33,6 +33,12 @@
     <p:sldId id="562" r:id="rId24"/>
     <p:sldId id="563" r:id="rId25"/>
     <p:sldId id="582" r:id="rId26"/>
+    <p:sldId id="585" r:id="rId27"/>
+    <p:sldId id="586" r:id="rId28"/>
+    <p:sldId id="587" r:id="rId29"/>
+    <p:sldId id="588" r:id="rId30"/>
+    <p:sldId id="589" r:id="rId31"/>
+    <p:sldId id="590" r:id="rId32"/>
   </p:sldIdLst>
   <p:sldSz cx="9144000" cy="6858000" type="screen4x3"/>
   <p:notesSz cx="6858000" cy="9144000"/>
@@ -132,6 +138,49 @@
     </a:lvl9pPr>
   </p:defaultTextStyle>
   <p:extLst>
+    <p:ext uri="{521415D9-36F7-43E2-AB2F-B90AF26B5E84}">
+      <p14:sectionLst xmlns:p14="http://schemas.microsoft.com/office/powerpoint/2010/main">
+        <p14:section name="NCAIR" id="{63682A8E-9564-9D49-AB26-79337CEEC670}">
+          <p14:sldIdLst>
+            <p14:sldId id="498"/>
+            <p14:sldId id="583"/>
+            <p14:sldId id="584"/>
+            <p14:sldId id="559"/>
+            <p14:sldId id="538"/>
+            <p14:sldId id="564"/>
+            <p14:sldId id="550"/>
+            <p14:sldId id="565"/>
+            <p14:sldId id="551"/>
+            <p14:sldId id="552"/>
+            <p14:sldId id="579"/>
+            <p14:sldId id="555"/>
+            <p14:sldId id="566"/>
+            <p14:sldId id="556"/>
+            <p14:sldId id="576"/>
+            <p14:sldId id="557"/>
+            <p14:sldId id="558"/>
+            <p14:sldId id="578"/>
+            <p14:sldId id="560"/>
+            <p14:sldId id="580"/>
+            <p14:sldId id="561"/>
+            <p14:sldId id="581"/>
+            <p14:sldId id="562"/>
+            <p14:sldId id="563"/>
+            <p14:sldId id="582"/>
+          </p14:sldIdLst>
+        </p14:section>
+        <p14:section name="NCAIR-Arousal" id="{DF7AC69D-DE86-504A-9707-12453AE158C4}">
+          <p14:sldIdLst>
+            <p14:sldId id="585"/>
+            <p14:sldId id="586"/>
+            <p14:sldId id="587"/>
+            <p14:sldId id="588"/>
+            <p14:sldId id="589"/>
+            <p14:sldId id="590"/>
+          </p14:sldIdLst>
+        </p14:section>
+      </p14:sectionLst>
+    </p:ext>
     <p:ext uri="{EFAFB233-063F-42B5-8137-9DF3F51BA10A}">
       <p15:sldGuideLst xmlns:p15="http://schemas.microsoft.com/office/powerpoint/2012/main">
         <p15:guide id="1" orient="horz" pos="2160">
@@ -232,7 +281,7 @@
           <a:p>
             <a:fld id="{5ACDFB13-8C7E-2148-B293-047F9641DD71}" type="datetimeFigureOut">
               <a:rPr lang="en-US" smtClean="0"/>
-              <a:t>4/5/21</a:t>
+              <a:t>6/21/21</a:t>
             </a:fld>
             <a:endParaRPr lang="en-US" dirty="0"/>
           </a:p>
@@ -2149,6 +2198,374 @@
 </p:notes>
 </file>
 
+<file path=ppt/notesSlides/notesSlide26.xml><?xml version="1.0" encoding="utf-8"?>
+<p:notes xmlns:a="http://schemas.openxmlformats.org/drawingml/2006/main" xmlns:r="http://schemas.openxmlformats.org/officeDocument/2006/relationships" xmlns:p="http://schemas.openxmlformats.org/presentationml/2006/main">
+  <p:cSld>
+    <p:spTree>
+      <p:nvGrpSpPr>
+        <p:cNvPr id="1" name=""/>
+        <p:cNvGrpSpPr/>
+        <p:nvPr/>
+      </p:nvGrpSpPr>
+      <p:grpSpPr>
+        <a:xfrm>
+          <a:off x="0" y="0"/>
+          <a:ext cx="0" cy="0"/>
+          <a:chOff x="0" y="0"/>
+          <a:chExt cx="0" cy="0"/>
+        </a:xfrm>
+      </p:grpSpPr>
+      <p:sp>
+        <p:nvSpPr>
+          <p:cNvPr id="2" name="Slide Image Placeholder 1"/>
+          <p:cNvSpPr>
+            <a:spLocks noGrp="1" noRot="1" noChangeAspect="1"/>
+          </p:cNvSpPr>
+          <p:nvPr>
+            <p:ph type="sldImg"/>
+          </p:nvPr>
+        </p:nvSpPr>
+        <p:spPr/>
+      </p:sp>
+      <p:sp>
+        <p:nvSpPr>
+          <p:cNvPr id="3" name="Notes Placeholder 2"/>
+          <p:cNvSpPr>
+            <a:spLocks noGrp="1"/>
+          </p:cNvSpPr>
+          <p:nvPr>
+            <p:ph type="body" idx="1"/>
+          </p:nvPr>
+        </p:nvSpPr>
+        <p:spPr/>
+        <p:txBody>
+          <a:bodyPr/>
+          <a:lstStyle/>
+          <a:p>
+            <a:r>
+              <a:rPr lang="en-US" dirty="0"/>
+              <a:t>Outside</a:t>
+            </a:r>
+            <a:r>
+              <a:rPr lang="en-US" baseline="0" dirty="0"/>
+              <a:t> the scanner</a:t>
+            </a:r>
+            <a:endParaRPr lang="en-US" dirty="0"/>
+          </a:p>
+        </p:txBody>
+      </p:sp>
+      <p:sp>
+        <p:nvSpPr>
+          <p:cNvPr id="4" name="Slide Number Placeholder 3"/>
+          <p:cNvSpPr>
+            <a:spLocks noGrp="1"/>
+          </p:cNvSpPr>
+          <p:nvPr>
+            <p:ph type="sldNum" sz="quarter" idx="10"/>
+          </p:nvPr>
+        </p:nvSpPr>
+        <p:spPr/>
+        <p:txBody>
+          <a:bodyPr/>
+          <a:lstStyle/>
+          <a:p>
+            <a:fld id="{BCAE12D7-AE97-9243-8341-9A20FCA5A307}" type="slidenum">
+              <a:rPr lang="en-US" smtClean="0"/>
+              <a:t>26</a:t>
+            </a:fld>
+            <a:endParaRPr lang="en-US"/>
+          </a:p>
+        </p:txBody>
+      </p:sp>
+    </p:spTree>
+    <p:extLst>
+      <p:ext uri="{BB962C8B-B14F-4D97-AF65-F5344CB8AC3E}">
+        <p14:creationId xmlns:p14="http://schemas.microsoft.com/office/powerpoint/2010/main" val="1993544261"/>
+      </p:ext>
+    </p:extLst>
+  </p:cSld>
+  <p:clrMapOvr>
+    <a:masterClrMapping/>
+  </p:clrMapOvr>
+</p:notes>
+</file>
+
+<file path=ppt/notesSlides/notesSlide27.xml><?xml version="1.0" encoding="utf-8"?>
+<p:notes xmlns:a="http://schemas.openxmlformats.org/drawingml/2006/main" xmlns:r="http://schemas.openxmlformats.org/officeDocument/2006/relationships" xmlns:p="http://schemas.openxmlformats.org/presentationml/2006/main">
+  <p:cSld>
+    <p:spTree>
+      <p:nvGrpSpPr>
+        <p:cNvPr id="1" name=""/>
+        <p:cNvGrpSpPr/>
+        <p:nvPr/>
+      </p:nvGrpSpPr>
+      <p:grpSpPr>
+        <a:xfrm>
+          <a:off x="0" y="0"/>
+          <a:ext cx="0" cy="0"/>
+          <a:chOff x="0" y="0"/>
+          <a:chExt cx="0" cy="0"/>
+        </a:xfrm>
+      </p:grpSpPr>
+      <p:sp>
+        <p:nvSpPr>
+          <p:cNvPr id="2" name="Slide Image Placeholder 1"/>
+          <p:cNvSpPr>
+            <a:spLocks noGrp="1" noRot="1" noChangeAspect="1"/>
+          </p:cNvSpPr>
+          <p:nvPr>
+            <p:ph type="sldImg"/>
+          </p:nvPr>
+        </p:nvSpPr>
+        <p:spPr/>
+      </p:sp>
+      <p:sp>
+        <p:nvSpPr>
+          <p:cNvPr id="3" name="Notes Placeholder 2"/>
+          <p:cNvSpPr>
+            <a:spLocks noGrp="1"/>
+          </p:cNvSpPr>
+          <p:nvPr>
+            <p:ph type="body" idx="1"/>
+          </p:nvPr>
+        </p:nvSpPr>
+        <p:spPr/>
+        <p:txBody>
+          <a:bodyPr/>
+          <a:lstStyle/>
+          <a:p>
+            <a:r>
+              <a:rPr lang="en-US" dirty="0"/>
+              <a:t>Outside</a:t>
+            </a:r>
+            <a:r>
+              <a:rPr lang="en-US" baseline="0" dirty="0"/>
+              <a:t> the scanner</a:t>
+            </a:r>
+            <a:endParaRPr lang="en-US" dirty="0"/>
+          </a:p>
+        </p:txBody>
+      </p:sp>
+      <p:sp>
+        <p:nvSpPr>
+          <p:cNvPr id="4" name="Slide Number Placeholder 3"/>
+          <p:cNvSpPr>
+            <a:spLocks noGrp="1"/>
+          </p:cNvSpPr>
+          <p:nvPr>
+            <p:ph type="sldNum" sz="quarter" idx="10"/>
+          </p:nvPr>
+        </p:nvSpPr>
+        <p:spPr/>
+        <p:txBody>
+          <a:bodyPr/>
+          <a:lstStyle/>
+          <a:p>
+            <a:fld id="{BCAE12D7-AE97-9243-8341-9A20FCA5A307}" type="slidenum">
+              <a:rPr lang="en-US" smtClean="0"/>
+              <a:t>27</a:t>
+            </a:fld>
+            <a:endParaRPr lang="en-US"/>
+          </a:p>
+        </p:txBody>
+      </p:sp>
+    </p:spTree>
+    <p:extLst>
+      <p:ext uri="{BB962C8B-B14F-4D97-AF65-F5344CB8AC3E}">
+        <p14:creationId xmlns:p14="http://schemas.microsoft.com/office/powerpoint/2010/main" val="26743622"/>
+      </p:ext>
+    </p:extLst>
+  </p:cSld>
+  <p:clrMapOvr>
+    <a:masterClrMapping/>
+  </p:clrMapOvr>
+</p:notes>
+</file>
+
+<file path=ppt/notesSlides/notesSlide28.xml><?xml version="1.0" encoding="utf-8"?>
+<p:notes xmlns:a="http://schemas.openxmlformats.org/drawingml/2006/main" xmlns:r="http://schemas.openxmlformats.org/officeDocument/2006/relationships" xmlns:p="http://schemas.openxmlformats.org/presentationml/2006/main">
+  <p:cSld>
+    <p:spTree>
+      <p:nvGrpSpPr>
+        <p:cNvPr id="1" name=""/>
+        <p:cNvGrpSpPr/>
+        <p:nvPr/>
+      </p:nvGrpSpPr>
+      <p:grpSpPr>
+        <a:xfrm>
+          <a:off x="0" y="0"/>
+          <a:ext cx="0" cy="0"/>
+          <a:chOff x="0" y="0"/>
+          <a:chExt cx="0" cy="0"/>
+        </a:xfrm>
+      </p:grpSpPr>
+      <p:sp>
+        <p:nvSpPr>
+          <p:cNvPr id="2" name="Slide Image Placeholder 1"/>
+          <p:cNvSpPr>
+            <a:spLocks noGrp="1" noRot="1" noChangeAspect="1"/>
+          </p:cNvSpPr>
+          <p:nvPr>
+            <p:ph type="sldImg"/>
+          </p:nvPr>
+        </p:nvSpPr>
+        <p:spPr/>
+      </p:sp>
+      <p:sp>
+        <p:nvSpPr>
+          <p:cNvPr id="3" name="Notes Placeholder 2"/>
+          <p:cNvSpPr>
+            <a:spLocks noGrp="1"/>
+          </p:cNvSpPr>
+          <p:nvPr>
+            <p:ph type="body" idx="1"/>
+          </p:nvPr>
+        </p:nvSpPr>
+        <p:spPr/>
+        <p:txBody>
+          <a:bodyPr/>
+          <a:lstStyle/>
+          <a:p>
+            <a:r>
+              <a:rPr lang="en-US" dirty="0"/>
+              <a:t>Outside</a:t>
+            </a:r>
+            <a:r>
+              <a:rPr lang="en-US" baseline="0" dirty="0"/>
+              <a:t> the scanner</a:t>
+            </a:r>
+            <a:endParaRPr lang="en-US" dirty="0"/>
+          </a:p>
+        </p:txBody>
+      </p:sp>
+      <p:sp>
+        <p:nvSpPr>
+          <p:cNvPr id="4" name="Slide Number Placeholder 3"/>
+          <p:cNvSpPr>
+            <a:spLocks noGrp="1"/>
+          </p:cNvSpPr>
+          <p:nvPr>
+            <p:ph type="sldNum" sz="quarter" idx="10"/>
+          </p:nvPr>
+        </p:nvSpPr>
+        <p:spPr/>
+        <p:txBody>
+          <a:bodyPr/>
+          <a:lstStyle/>
+          <a:p>
+            <a:fld id="{BCAE12D7-AE97-9243-8341-9A20FCA5A307}" type="slidenum">
+              <a:rPr lang="en-US" smtClean="0"/>
+              <a:t>28</a:t>
+            </a:fld>
+            <a:endParaRPr lang="en-US"/>
+          </a:p>
+        </p:txBody>
+      </p:sp>
+    </p:spTree>
+    <p:extLst>
+      <p:ext uri="{BB962C8B-B14F-4D97-AF65-F5344CB8AC3E}">
+        <p14:creationId xmlns:p14="http://schemas.microsoft.com/office/powerpoint/2010/main" val="1302468741"/>
+      </p:ext>
+    </p:extLst>
+  </p:cSld>
+  <p:clrMapOvr>
+    <a:masterClrMapping/>
+  </p:clrMapOvr>
+</p:notes>
+</file>
+
+<file path=ppt/notesSlides/notesSlide29.xml><?xml version="1.0" encoding="utf-8"?>
+<p:notes xmlns:a="http://schemas.openxmlformats.org/drawingml/2006/main" xmlns:r="http://schemas.openxmlformats.org/officeDocument/2006/relationships" xmlns:p="http://schemas.openxmlformats.org/presentationml/2006/main">
+  <p:cSld>
+    <p:spTree>
+      <p:nvGrpSpPr>
+        <p:cNvPr id="1" name=""/>
+        <p:cNvGrpSpPr/>
+        <p:nvPr/>
+      </p:nvGrpSpPr>
+      <p:grpSpPr>
+        <a:xfrm>
+          <a:off x="0" y="0"/>
+          <a:ext cx="0" cy="0"/>
+          <a:chOff x="0" y="0"/>
+          <a:chExt cx="0" cy="0"/>
+        </a:xfrm>
+      </p:grpSpPr>
+      <p:sp>
+        <p:nvSpPr>
+          <p:cNvPr id="2" name="Slide Image Placeholder 1"/>
+          <p:cNvSpPr>
+            <a:spLocks noGrp="1" noRot="1" noChangeAspect="1"/>
+          </p:cNvSpPr>
+          <p:nvPr>
+            <p:ph type="sldImg"/>
+          </p:nvPr>
+        </p:nvSpPr>
+        <p:spPr/>
+      </p:sp>
+      <p:sp>
+        <p:nvSpPr>
+          <p:cNvPr id="3" name="Notes Placeholder 2"/>
+          <p:cNvSpPr>
+            <a:spLocks noGrp="1"/>
+          </p:cNvSpPr>
+          <p:nvPr>
+            <p:ph type="body" idx="1"/>
+          </p:nvPr>
+        </p:nvSpPr>
+        <p:spPr/>
+        <p:txBody>
+          <a:bodyPr/>
+          <a:lstStyle/>
+          <a:p>
+            <a:r>
+              <a:rPr lang="en-US" dirty="0"/>
+              <a:t>Add screenshots of an X and an O</a:t>
+            </a:r>
+            <a:r>
+              <a:rPr lang="en-US" baseline="0" dirty="0"/>
+              <a:t> screen – like a timeline of screenshots.</a:t>
+            </a:r>
+            <a:endParaRPr lang="en-US" dirty="0"/>
+          </a:p>
+        </p:txBody>
+      </p:sp>
+      <p:sp>
+        <p:nvSpPr>
+          <p:cNvPr id="4" name="Slide Number Placeholder 3"/>
+          <p:cNvSpPr>
+            <a:spLocks noGrp="1"/>
+          </p:cNvSpPr>
+          <p:nvPr>
+            <p:ph type="sldNum" sz="quarter" idx="10"/>
+          </p:nvPr>
+        </p:nvSpPr>
+        <p:spPr/>
+        <p:txBody>
+          <a:bodyPr/>
+          <a:lstStyle/>
+          <a:p>
+            <a:fld id="{BCAE12D7-AE97-9243-8341-9A20FCA5A307}" type="slidenum">
+              <a:rPr lang="en-US" smtClean="0"/>
+              <a:t>29</a:t>
+            </a:fld>
+            <a:endParaRPr lang="en-US"/>
+          </a:p>
+        </p:txBody>
+      </p:sp>
+    </p:spTree>
+    <p:extLst>
+      <p:ext uri="{BB962C8B-B14F-4D97-AF65-F5344CB8AC3E}">
+        <p14:creationId xmlns:p14="http://schemas.microsoft.com/office/powerpoint/2010/main" val="2213703683"/>
+      </p:ext>
+    </p:extLst>
+  </p:cSld>
+  <p:clrMapOvr>
+    <a:masterClrMapping/>
+  </p:clrMapOvr>
+</p:notes>
+</file>
+
 <file path=ppt/notesSlides/notesSlide3.xml><?xml version="1.0" encoding="utf-8"?>
 <p:notes xmlns:a="http://schemas.openxmlformats.org/drawingml/2006/main" xmlns:r="http://schemas.openxmlformats.org/officeDocument/2006/relationships" xmlns:p="http://schemas.openxmlformats.org/presentationml/2006/main">
   <p:cSld>
@@ -2232,6 +2649,177 @@
     <p:extLst>
       <p:ext uri="{BB962C8B-B14F-4D97-AF65-F5344CB8AC3E}">
         <p14:creationId xmlns:p14="http://schemas.microsoft.com/office/powerpoint/2010/main" val="504319213"/>
+      </p:ext>
+    </p:extLst>
+  </p:cSld>
+  <p:clrMapOvr>
+    <a:masterClrMapping/>
+  </p:clrMapOvr>
+</p:notes>
+</file>
+
+<file path=ppt/notesSlides/notesSlide30.xml><?xml version="1.0" encoding="utf-8"?>
+<p:notes xmlns:a="http://schemas.openxmlformats.org/drawingml/2006/main" xmlns:r="http://schemas.openxmlformats.org/officeDocument/2006/relationships" xmlns:p="http://schemas.openxmlformats.org/presentationml/2006/main">
+  <p:cSld>
+    <p:spTree>
+      <p:nvGrpSpPr>
+        <p:cNvPr id="1" name=""/>
+        <p:cNvGrpSpPr/>
+        <p:nvPr/>
+      </p:nvGrpSpPr>
+      <p:grpSpPr>
+        <a:xfrm>
+          <a:off x="0" y="0"/>
+          <a:ext cx="0" cy="0"/>
+          <a:chOff x="0" y="0"/>
+          <a:chExt cx="0" cy="0"/>
+        </a:xfrm>
+      </p:grpSpPr>
+      <p:sp>
+        <p:nvSpPr>
+          <p:cNvPr id="2" name="Slide Image Placeholder 1"/>
+          <p:cNvSpPr>
+            <a:spLocks noGrp="1" noRot="1" noChangeAspect="1"/>
+          </p:cNvSpPr>
+          <p:nvPr>
+            <p:ph type="sldImg"/>
+          </p:nvPr>
+        </p:nvSpPr>
+        <p:spPr/>
+      </p:sp>
+      <p:sp>
+        <p:nvSpPr>
+          <p:cNvPr id="3" name="Notes Placeholder 2"/>
+          <p:cNvSpPr>
+            <a:spLocks noGrp="1"/>
+          </p:cNvSpPr>
+          <p:nvPr>
+            <p:ph type="body" idx="1"/>
+          </p:nvPr>
+        </p:nvSpPr>
+        <p:spPr/>
+        <p:txBody>
+          <a:bodyPr/>
+          <a:lstStyle/>
+          <a:p>
+            <a:endParaRPr lang="en-US" dirty="0"/>
+          </a:p>
+        </p:txBody>
+      </p:sp>
+      <p:sp>
+        <p:nvSpPr>
+          <p:cNvPr id="4" name="Slide Number Placeholder 3"/>
+          <p:cNvSpPr>
+            <a:spLocks noGrp="1"/>
+          </p:cNvSpPr>
+          <p:nvPr>
+            <p:ph type="sldNum" sz="quarter" idx="10"/>
+          </p:nvPr>
+        </p:nvSpPr>
+        <p:spPr/>
+        <p:txBody>
+          <a:bodyPr/>
+          <a:lstStyle/>
+          <a:p>
+            <a:fld id="{BCAE12D7-AE97-9243-8341-9A20FCA5A307}" type="slidenum">
+              <a:rPr lang="en-US" smtClean="0"/>
+              <a:t>30</a:t>
+            </a:fld>
+            <a:endParaRPr lang="en-US"/>
+          </a:p>
+        </p:txBody>
+      </p:sp>
+    </p:spTree>
+    <p:extLst>
+      <p:ext uri="{BB962C8B-B14F-4D97-AF65-F5344CB8AC3E}">
+        <p14:creationId xmlns:p14="http://schemas.microsoft.com/office/powerpoint/2010/main" val="3323543944"/>
+      </p:ext>
+    </p:extLst>
+  </p:cSld>
+  <p:clrMapOvr>
+    <a:masterClrMapping/>
+  </p:clrMapOvr>
+</p:notes>
+</file>
+
+<file path=ppt/notesSlides/notesSlide31.xml><?xml version="1.0" encoding="utf-8"?>
+<p:notes xmlns:a="http://schemas.openxmlformats.org/drawingml/2006/main" xmlns:r="http://schemas.openxmlformats.org/officeDocument/2006/relationships" xmlns:p="http://schemas.openxmlformats.org/presentationml/2006/main">
+  <p:cSld>
+    <p:spTree>
+      <p:nvGrpSpPr>
+        <p:cNvPr id="1" name=""/>
+        <p:cNvGrpSpPr/>
+        <p:nvPr/>
+      </p:nvGrpSpPr>
+      <p:grpSpPr>
+        <a:xfrm>
+          <a:off x="0" y="0"/>
+          <a:ext cx="0" cy="0"/>
+          <a:chOff x="0" y="0"/>
+          <a:chExt cx="0" cy="0"/>
+        </a:xfrm>
+      </p:grpSpPr>
+      <p:sp>
+        <p:nvSpPr>
+          <p:cNvPr id="2" name="Slide Image Placeholder 1"/>
+          <p:cNvSpPr>
+            <a:spLocks noGrp="1" noRot="1" noChangeAspect="1"/>
+          </p:cNvSpPr>
+          <p:nvPr>
+            <p:ph type="sldImg"/>
+          </p:nvPr>
+        </p:nvSpPr>
+        <p:spPr/>
+      </p:sp>
+      <p:sp>
+        <p:nvSpPr>
+          <p:cNvPr id="3" name="Notes Placeholder 2"/>
+          <p:cNvSpPr>
+            <a:spLocks noGrp="1"/>
+          </p:cNvSpPr>
+          <p:nvPr>
+            <p:ph type="body" idx="1"/>
+          </p:nvPr>
+        </p:nvSpPr>
+        <p:spPr/>
+        <p:txBody>
+          <a:bodyPr/>
+          <a:lstStyle/>
+          <a:p>
+            <a:r>
+              <a:rPr lang="en-US" dirty="0"/>
+              <a:t>Audi Run</a:t>
+            </a:r>
+          </a:p>
+        </p:txBody>
+      </p:sp>
+      <p:sp>
+        <p:nvSpPr>
+          <p:cNvPr id="4" name="Slide Number Placeholder 3"/>
+          <p:cNvSpPr>
+            <a:spLocks noGrp="1"/>
+          </p:cNvSpPr>
+          <p:nvPr>
+            <p:ph type="sldNum" sz="quarter" idx="10"/>
+          </p:nvPr>
+        </p:nvSpPr>
+        <p:spPr/>
+        <p:txBody>
+          <a:bodyPr/>
+          <a:lstStyle/>
+          <a:p>
+            <a:fld id="{BCAE12D7-AE97-9243-8341-9A20FCA5A307}" type="slidenum">
+              <a:rPr lang="en-US" smtClean="0"/>
+              <a:t>31</a:t>
+            </a:fld>
+            <a:endParaRPr lang="en-US"/>
+          </a:p>
+        </p:txBody>
+      </p:sp>
+    </p:spTree>
+    <p:extLst>
+      <p:ext uri="{BB962C8B-B14F-4D97-AF65-F5344CB8AC3E}">
+        <p14:creationId xmlns:p14="http://schemas.microsoft.com/office/powerpoint/2010/main" val="1813674064"/>
       </p:ext>
     </p:extLst>
   </p:cSld>
@@ -2972,7 +3560,7 @@
           <a:p>
             <a:fld id="{E69A4D3A-6EF8-7448-AC6F-AD52FEDAA6A8}" type="datetimeFigureOut">
               <a:rPr lang="en-US" smtClean="0"/>
-              <a:t>4/5/21</a:t>
+              <a:t>6/21/21</a:t>
             </a:fld>
             <a:endParaRPr lang="en-US" dirty="0"/>
           </a:p>
@@ -3140,7 +3728,7 @@
           <a:p>
             <a:fld id="{E69A4D3A-6EF8-7448-AC6F-AD52FEDAA6A8}" type="datetimeFigureOut">
               <a:rPr lang="en-US" smtClean="0"/>
-              <a:t>4/5/21</a:t>
+              <a:t>6/21/21</a:t>
             </a:fld>
             <a:endParaRPr lang="en-US" dirty="0"/>
           </a:p>
@@ -3318,7 +3906,7 @@
           <a:p>
             <a:fld id="{E69A4D3A-6EF8-7448-AC6F-AD52FEDAA6A8}" type="datetimeFigureOut">
               <a:rPr lang="en-US" smtClean="0"/>
-              <a:t>4/5/21</a:t>
+              <a:t>6/21/21</a:t>
             </a:fld>
             <a:endParaRPr lang="en-US" dirty="0"/>
           </a:p>
@@ -3486,7 +4074,7 @@
           <a:p>
             <a:fld id="{E69A4D3A-6EF8-7448-AC6F-AD52FEDAA6A8}" type="datetimeFigureOut">
               <a:rPr lang="en-US" smtClean="0"/>
-              <a:t>4/5/21</a:t>
+              <a:t>6/21/21</a:t>
             </a:fld>
             <a:endParaRPr lang="en-US" dirty="0"/>
           </a:p>
@@ -3731,7 +4319,7 @@
           <a:p>
             <a:fld id="{E69A4D3A-6EF8-7448-AC6F-AD52FEDAA6A8}" type="datetimeFigureOut">
               <a:rPr lang="en-US" smtClean="0"/>
-              <a:t>4/5/21</a:t>
+              <a:t>6/21/21</a:t>
             </a:fld>
             <a:endParaRPr lang="en-US" dirty="0"/>
           </a:p>
@@ -4016,7 +4604,7 @@
           <a:p>
             <a:fld id="{E69A4D3A-6EF8-7448-AC6F-AD52FEDAA6A8}" type="datetimeFigureOut">
               <a:rPr lang="en-US" smtClean="0"/>
-              <a:t>4/5/21</a:t>
+              <a:t>6/21/21</a:t>
             </a:fld>
             <a:endParaRPr lang="en-US" dirty="0"/>
           </a:p>
@@ -4435,7 +5023,7 @@
           <a:p>
             <a:fld id="{E69A4D3A-6EF8-7448-AC6F-AD52FEDAA6A8}" type="datetimeFigureOut">
               <a:rPr lang="en-US" smtClean="0"/>
-              <a:t>4/5/21</a:t>
+              <a:t>6/21/21</a:t>
             </a:fld>
             <a:endParaRPr lang="en-US" dirty="0"/>
           </a:p>
@@ -4552,7 +5140,7 @@
           <a:p>
             <a:fld id="{E69A4D3A-6EF8-7448-AC6F-AD52FEDAA6A8}" type="datetimeFigureOut">
               <a:rPr lang="en-US" smtClean="0"/>
-              <a:t>4/5/21</a:t>
+              <a:t>6/21/21</a:t>
             </a:fld>
             <a:endParaRPr lang="en-US" dirty="0"/>
           </a:p>
@@ -4647,7 +5235,7 @@
           <a:p>
             <a:fld id="{E69A4D3A-6EF8-7448-AC6F-AD52FEDAA6A8}" type="datetimeFigureOut">
               <a:rPr lang="en-US" smtClean="0"/>
-              <a:t>4/5/21</a:t>
+              <a:t>6/21/21</a:t>
             </a:fld>
             <a:endParaRPr lang="en-US" dirty="0"/>
           </a:p>
@@ -4922,7 +5510,7 @@
           <a:p>
             <a:fld id="{E69A4D3A-6EF8-7448-AC6F-AD52FEDAA6A8}" type="datetimeFigureOut">
               <a:rPr lang="en-US" smtClean="0"/>
-              <a:t>4/5/21</a:t>
+              <a:t>6/21/21</a:t>
             </a:fld>
             <a:endParaRPr lang="en-US" dirty="0"/>
           </a:p>
@@ -5177,7 +5765,7 @@
           <a:p>
             <a:fld id="{E69A4D3A-6EF8-7448-AC6F-AD52FEDAA6A8}" type="datetimeFigureOut">
               <a:rPr lang="en-US" smtClean="0"/>
-              <a:t>4/5/21</a:t>
+              <a:t>6/21/21</a:t>
             </a:fld>
             <a:endParaRPr lang="en-US" dirty="0"/>
           </a:p>
@@ -5391,7 +5979,7 @@
           <a:p>
             <a:fld id="{E69A4D3A-6EF8-7448-AC6F-AD52FEDAA6A8}" type="datetimeFigureOut">
               <a:rPr lang="en-US" smtClean="0"/>
-              <a:t>4/5/21</a:t>
+              <a:t>6/21/21</a:t>
             </a:fld>
             <a:endParaRPr lang="en-US" dirty="0"/>
           </a:p>
@@ -7688,7 +8276,7 @@
 </file>
 
 <file path=ppt/slides/slide20.xml><?xml version="1.0" encoding="utf-8"?>
-<p:sld xmlns:a="http://schemas.openxmlformats.org/drawingml/2006/main" xmlns:r="http://schemas.openxmlformats.org/officeDocument/2006/relationships" xmlns:p="http://schemas.openxmlformats.org/presentationml/2006/main">
+<p:sld xmlns:a="http://schemas.openxmlformats.org/drawingml/2006/main" xmlns:r="http://schemas.openxmlformats.org/officeDocument/2006/relationships" xmlns:p="http://schemas.openxmlformats.org/presentationml/2006/main" show="0">
   <p:cSld>
     <p:spTree>
       <p:nvGrpSpPr>
@@ -7806,7 +8394,7 @@
 </file>
 
 <file path=ppt/slides/slide21.xml><?xml version="1.0" encoding="utf-8"?>
-<p:sld xmlns:a="http://schemas.openxmlformats.org/drawingml/2006/main" xmlns:r="http://schemas.openxmlformats.org/officeDocument/2006/relationships" xmlns:p="http://schemas.openxmlformats.org/presentationml/2006/main">
+<p:sld xmlns:a="http://schemas.openxmlformats.org/drawingml/2006/main" xmlns:r="http://schemas.openxmlformats.org/officeDocument/2006/relationships" xmlns:p="http://schemas.openxmlformats.org/presentationml/2006/main" show="0">
   <p:cSld>
     <p:spTree>
       <p:nvGrpSpPr>
@@ -7933,7 +8521,7 @@
 </file>
 
 <file path=ppt/slides/slide22.xml><?xml version="1.0" encoding="utf-8"?>
-<p:sld xmlns:a="http://schemas.openxmlformats.org/drawingml/2006/main" xmlns:r="http://schemas.openxmlformats.org/officeDocument/2006/relationships" xmlns:p="http://schemas.openxmlformats.org/presentationml/2006/main">
+<p:sld xmlns:a="http://schemas.openxmlformats.org/drawingml/2006/main" xmlns:r="http://schemas.openxmlformats.org/officeDocument/2006/relationships" xmlns:p="http://schemas.openxmlformats.org/presentationml/2006/main" show="0">
   <p:cSld>
     <p:spTree>
       <p:nvGrpSpPr>
@@ -8060,7 +8648,7 @@
 </file>
 
 <file path=ppt/slides/slide23.xml><?xml version="1.0" encoding="utf-8"?>
-<p:sld xmlns:a="http://schemas.openxmlformats.org/drawingml/2006/main" xmlns:r="http://schemas.openxmlformats.org/officeDocument/2006/relationships" xmlns:p="http://schemas.openxmlformats.org/presentationml/2006/main">
+<p:sld xmlns:a="http://schemas.openxmlformats.org/drawingml/2006/main" xmlns:r="http://schemas.openxmlformats.org/officeDocument/2006/relationships" xmlns:p="http://schemas.openxmlformats.org/presentationml/2006/main" show="0">
   <p:cSld>
     <p:spTree>
       <p:nvGrpSpPr>
@@ -8192,7 +8780,7 @@
 </file>
 
 <file path=ppt/slides/slide24.xml><?xml version="1.0" encoding="utf-8"?>
-<p:sld xmlns:a="http://schemas.openxmlformats.org/drawingml/2006/main" xmlns:r="http://schemas.openxmlformats.org/officeDocument/2006/relationships" xmlns:p="http://schemas.openxmlformats.org/presentationml/2006/main">
+<p:sld xmlns:a="http://schemas.openxmlformats.org/drawingml/2006/main" xmlns:r="http://schemas.openxmlformats.org/officeDocument/2006/relationships" xmlns:p="http://schemas.openxmlformats.org/presentationml/2006/main" show="0">
   <p:cSld>
     <p:spTree>
       <p:nvGrpSpPr>
@@ -8460,7 +9048,7 @@
 </p:sld>
 </file>
 
-<file path=ppt/slides/slide3.xml><?xml version="1.0" encoding="utf-8"?>
+<file path=ppt/slides/slide26.xml><?xml version="1.0" encoding="utf-8"?>
 <p:sld xmlns:a="http://schemas.openxmlformats.org/drawingml/2006/main" xmlns:r="http://schemas.openxmlformats.org/officeDocument/2006/relationships" xmlns:p="http://schemas.openxmlformats.org/presentationml/2006/main">
   <p:cSld>
     <p:spTree>
@@ -8656,6 +9244,956 @@
         </p:nvSpPr>
         <p:spPr>
           <a:xfrm>
+            <a:off x="3339790" y="5160269"/>
+            <a:ext cx="2464420" cy="830997"/>
+          </a:xfrm>
+          <a:prstGeom prst="rect">
+            <a:avLst/>
+          </a:prstGeom>
+          <a:noFill/>
+        </p:spPr>
+        <p:txBody>
+          <a:bodyPr wrap="square" rtlCol="0">
+            <a:spAutoFit/>
+          </a:bodyPr>
+          <a:lstStyle/>
+          <a:p>
+            <a:pPr algn="ctr"/>
+            <a:r>
+              <a:rPr lang="en-US" sz="2400" dirty="0"/>
+              <a:t>A</a:t>
+            </a:r>
+          </a:p>
+          <a:p>
+            <a:pPr algn="ctr"/>
+            <a:r>
+              <a:rPr lang="en-US" sz="2400" dirty="0"/>
+              <a:t>Run 1</a:t>
+            </a:r>
+          </a:p>
+        </p:txBody>
+      </p:sp>
+    </p:spTree>
+    <p:extLst>
+      <p:ext uri="{BB962C8B-B14F-4D97-AF65-F5344CB8AC3E}">
+        <p14:creationId xmlns:p14="http://schemas.microsoft.com/office/powerpoint/2010/main" val="2174647272"/>
+      </p:ext>
+    </p:extLst>
+  </p:cSld>
+  <p:clrMapOvr>
+    <a:masterClrMapping/>
+  </p:clrMapOvr>
+</p:sld>
+</file>
+
+<file path=ppt/slides/slide27.xml><?xml version="1.0" encoding="utf-8"?>
+<p:sld xmlns:a="http://schemas.openxmlformats.org/drawingml/2006/main" xmlns:r="http://schemas.openxmlformats.org/officeDocument/2006/relationships" xmlns:p="http://schemas.openxmlformats.org/presentationml/2006/main">
+  <p:cSld>
+    <p:spTree>
+      <p:nvGrpSpPr>
+        <p:cNvPr id="1" name=""/>
+        <p:cNvGrpSpPr/>
+        <p:nvPr/>
+      </p:nvGrpSpPr>
+      <p:grpSpPr>
+        <a:xfrm>
+          <a:off x="0" y="0"/>
+          <a:ext cx="0" cy="0"/>
+          <a:chOff x="0" y="0"/>
+          <a:chExt cx="0" cy="0"/>
+        </a:xfrm>
+      </p:grpSpPr>
+      <p:sp>
+        <p:nvSpPr>
+          <p:cNvPr id="4" name="Title 3"/>
+          <p:cNvSpPr>
+            <a:spLocks noGrp="1"/>
+          </p:cNvSpPr>
+          <p:nvPr>
+            <p:ph type="ctrTitle"/>
+          </p:nvPr>
+        </p:nvSpPr>
+        <p:spPr>
+          <a:xfrm>
+            <a:off x="364343" y="2130425"/>
+            <a:ext cx="8458200" cy="1470025"/>
+          </a:xfrm>
+        </p:spPr>
+        <p:txBody>
+          <a:bodyPr>
+            <a:normAutofit/>
+          </a:bodyPr>
+          <a:lstStyle/>
+          <a:p>
+            <a:r>
+              <a:rPr lang="en-US" dirty="0"/>
+              <a:t>NCAIR Remote Stimulus Task</a:t>
+            </a:r>
+          </a:p>
+        </p:txBody>
+      </p:sp>
+      <p:pic>
+        <p:nvPicPr>
+          <p:cNvPr id="9" name="Picture 8"/>
+          <p:cNvPicPr>
+            <a:picLocks noChangeAspect="1"/>
+          </p:cNvPicPr>
+          <p:nvPr/>
+        </p:nvPicPr>
+        <p:blipFill>
+          <a:blip r:embed="rId3">
+            <a:extLst>
+              <a:ext uri="{28A0092B-C50C-407E-A947-70E740481C1C}">
+                <a14:useLocalDpi xmlns:a14="http://schemas.microsoft.com/office/drawing/2010/main" val="0"/>
+              </a:ext>
+            </a:extLst>
+          </a:blip>
+          <a:stretch>
+            <a:fillRect/>
+          </a:stretch>
+        </p:blipFill>
+        <p:spPr>
+          <a:xfrm>
+            <a:off x="7061982" y="236743"/>
+            <a:ext cx="1760561" cy="333863"/>
+          </a:xfrm>
+          <a:prstGeom prst="rect">
+            <a:avLst/>
+          </a:prstGeom>
+        </p:spPr>
+      </p:pic>
+      <p:sp>
+        <p:nvSpPr>
+          <p:cNvPr id="2" name="Title 3">
+            <a:extLst>
+              <a:ext uri="{FF2B5EF4-FFF2-40B4-BE49-F238E27FC236}">
+                <a16:creationId xmlns:a16="http://schemas.microsoft.com/office/drawing/2014/main" id="{A9CEA40B-5234-42D7-930C-3D1F04A17646}"/>
+              </a:ext>
+            </a:extLst>
+          </p:cNvPr>
+          <p:cNvSpPr txBox="1">
+            <a:spLocks/>
+          </p:cNvSpPr>
+          <p:nvPr/>
+        </p:nvSpPr>
+        <p:spPr>
+          <a:xfrm>
+            <a:off x="18856" y="6208354"/>
+            <a:ext cx="9149174" cy="656705"/>
+          </a:xfrm>
+          <a:prstGeom prst="rect">
+            <a:avLst/>
+          </a:prstGeom>
+        </p:spPr>
+        <p:txBody>
+          <a:bodyPr vert="horz" lIns="91440" tIns="45720" rIns="91440" bIns="45720" rtlCol="0" anchor="ctr">
+            <a:normAutofit/>
+          </a:bodyPr>
+          <a:lstStyle>
+            <a:lvl1pPr algn="ctr" defTabSz="914400" rtl="0" eaLnBrk="1" latinLnBrk="0" hangingPunct="1">
+              <a:spcBef>
+                <a:spcPct val="0"/>
+              </a:spcBef>
+              <a:buNone/>
+              <a:defRPr sz="4400" kern="1200">
+                <a:solidFill>
+                  <a:schemeClr val="tx1"/>
+                </a:solidFill>
+                <a:latin typeface="+mj-lt"/>
+                <a:ea typeface="+mj-ea"/>
+                <a:cs typeface="+mj-cs"/>
+              </a:defRPr>
+            </a:lvl1pPr>
+          </a:lstStyle>
+          <a:p>
+            <a:r>
+              <a:rPr lang="en-US" sz="3000" dirty="0">
+                <a:solidFill>
+                  <a:srgbClr val="FF0000"/>
+                </a:solidFill>
+                <a:cs typeface="Calibri"/>
+              </a:rPr>
+              <a:t>CLICK THE RIGHT KEY TO CONTINUE</a:t>
+            </a:r>
+          </a:p>
+        </p:txBody>
+      </p:sp>
+      <p:sp>
+        <p:nvSpPr>
+          <p:cNvPr id="3" name="Right Arrow 12">
+            <a:extLst>
+              <a:ext uri="{FF2B5EF4-FFF2-40B4-BE49-F238E27FC236}">
+                <a16:creationId xmlns:a16="http://schemas.microsoft.com/office/drawing/2014/main" id="{B670D590-D386-4EBA-B0BF-F4CDB2DF6933}"/>
+              </a:ext>
+            </a:extLst>
+          </p:cNvPr>
+          <p:cNvSpPr/>
+          <p:nvPr/>
+        </p:nvSpPr>
+        <p:spPr>
+          <a:xfrm>
+            <a:off x="8113318" y="6391826"/>
+            <a:ext cx="640200" cy="289763"/>
+          </a:xfrm>
+          <a:prstGeom prst="rightArrow">
+            <a:avLst/>
+          </a:prstGeom>
+          <a:solidFill>
+            <a:schemeClr val="tx1"/>
+          </a:solidFill>
+          <a:ln>
+            <a:noFill/>
+          </a:ln>
+        </p:spPr>
+        <p:style>
+          <a:lnRef idx="1">
+            <a:schemeClr val="accent1"/>
+          </a:lnRef>
+          <a:fillRef idx="3">
+            <a:schemeClr val="accent1"/>
+          </a:fillRef>
+          <a:effectRef idx="2">
+            <a:schemeClr val="accent1"/>
+          </a:effectRef>
+          <a:fontRef idx="minor">
+            <a:schemeClr val="lt1"/>
+          </a:fontRef>
+        </p:style>
+        <p:txBody>
+          <a:bodyPr rtlCol="0" anchor="ctr"/>
+          <a:lstStyle/>
+          <a:p>
+            <a:pPr algn="ctr"/>
+            <a:endParaRPr lang="en-US"/>
+          </a:p>
+        </p:txBody>
+      </p:sp>
+      <p:sp>
+        <p:nvSpPr>
+          <p:cNvPr id="5" name="TextBox 4">
+            <a:extLst>
+              <a:ext uri="{FF2B5EF4-FFF2-40B4-BE49-F238E27FC236}">
+                <a16:creationId xmlns:a16="http://schemas.microsoft.com/office/drawing/2014/main" id="{FA8803B1-4B33-004F-B3D2-AD86FEDA44F7}"/>
+              </a:ext>
+            </a:extLst>
+          </p:cNvPr>
+          <p:cNvSpPr txBox="1"/>
+          <p:nvPr/>
+        </p:nvSpPr>
+        <p:spPr>
+          <a:xfrm>
+            <a:off x="3339790" y="5160269"/>
+            <a:ext cx="2464420" cy="830997"/>
+          </a:xfrm>
+          <a:prstGeom prst="rect">
+            <a:avLst/>
+          </a:prstGeom>
+          <a:noFill/>
+        </p:spPr>
+        <p:txBody>
+          <a:bodyPr wrap="square" rtlCol="0">
+            <a:spAutoFit/>
+          </a:bodyPr>
+          <a:lstStyle/>
+          <a:p>
+            <a:pPr algn="ctr"/>
+            <a:r>
+              <a:rPr lang="en-US" sz="2400" dirty="0"/>
+              <a:t>A</a:t>
+            </a:r>
+          </a:p>
+          <a:p>
+            <a:pPr algn="ctr"/>
+            <a:r>
+              <a:rPr lang="en-US" sz="2400" dirty="0"/>
+              <a:t>Run 2</a:t>
+            </a:r>
+          </a:p>
+        </p:txBody>
+      </p:sp>
+    </p:spTree>
+    <p:extLst>
+      <p:ext uri="{BB962C8B-B14F-4D97-AF65-F5344CB8AC3E}">
+        <p14:creationId xmlns:p14="http://schemas.microsoft.com/office/powerpoint/2010/main" val="1991996341"/>
+      </p:ext>
+    </p:extLst>
+  </p:cSld>
+  <p:clrMapOvr>
+    <a:masterClrMapping/>
+  </p:clrMapOvr>
+</p:sld>
+</file>
+
+<file path=ppt/slides/slide28.xml><?xml version="1.0" encoding="utf-8"?>
+<p:sld xmlns:a="http://schemas.openxmlformats.org/drawingml/2006/main" xmlns:r="http://schemas.openxmlformats.org/officeDocument/2006/relationships" xmlns:p="http://schemas.openxmlformats.org/presentationml/2006/main">
+  <p:cSld>
+    <p:spTree>
+      <p:nvGrpSpPr>
+        <p:cNvPr id="1" name=""/>
+        <p:cNvGrpSpPr/>
+        <p:nvPr/>
+      </p:nvGrpSpPr>
+      <p:grpSpPr>
+        <a:xfrm>
+          <a:off x="0" y="0"/>
+          <a:ext cx="0" cy="0"/>
+          <a:chOff x="0" y="0"/>
+          <a:chExt cx="0" cy="0"/>
+        </a:xfrm>
+      </p:grpSpPr>
+      <p:sp>
+        <p:nvSpPr>
+          <p:cNvPr id="4" name="Title 3"/>
+          <p:cNvSpPr>
+            <a:spLocks noGrp="1"/>
+          </p:cNvSpPr>
+          <p:nvPr>
+            <p:ph type="ctrTitle"/>
+          </p:nvPr>
+        </p:nvSpPr>
+        <p:spPr>
+          <a:xfrm>
+            <a:off x="364343" y="2130425"/>
+            <a:ext cx="8458200" cy="1470025"/>
+          </a:xfrm>
+        </p:spPr>
+        <p:txBody>
+          <a:bodyPr>
+            <a:normAutofit/>
+          </a:bodyPr>
+          <a:lstStyle/>
+          <a:p>
+            <a:r>
+              <a:rPr lang="en-US" dirty="0"/>
+              <a:t>NCAIR Remote Stimulus Task</a:t>
+            </a:r>
+          </a:p>
+        </p:txBody>
+      </p:sp>
+      <p:pic>
+        <p:nvPicPr>
+          <p:cNvPr id="9" name="Picture 8"/>
+          <p:cNvPicPr>
+            <a:picLocks noChangeAspect="1"/>
+          </p:cNvPicPr>
+          <p:nvPr/>
+        </p:nvPicPr>
+        <p:blipFill>
+          <a:blip r:embed="rId3">
+            <a:extLst>
+              <a:ext uri="{28A0092B-C50C-407E-A947-70E740481C1C}">
+                <a14:useLocalDpi xmlns:a14="http://schemas.microsoft.com/office/drawing/2010/main" val="0"/>
+              </a:ext>
+            </a:extLst>
+          </a:blip>
+          <a:stretch>
+            <a:fillRect/>
+          </a:stretch>
+        </p:blipFill>
+        <p:spPr>
+          <a:xfrm>
+            <a:off x="7061982" y="236743"/>
+            <a:ext cx="1760561" cy="333863"/>
+          </a:xfrm>
+          <a:prstGeom prst="rect">
+            <a:avLst/>
+          </a:prstGeom>
+        </p:spPr>
+      </p:pic>
+      <p:sp>
+        <p:nvSpPr>
+          <p:cNvPr id="2" name="Title 3">
+            <a:extLst>
+              <a:ext uri="{FF2B5EF4-FFF2-40B4-BE49-F238E27FC236}">
+                <a16:creationId xmlns:a16="http://schemas.microsoft.com/office/drawing/2014/main" id="{A9CEA40B-5234-42D7-930C-3D1F04A17646}"/>
+              </a:ext>
+            </a:extLst>
+          </p:cNvPr>
+          <p:cNvSpPr txBox="1">
+            <a:spLocks/>
+          </p:cNvSpPr>
+          <p:nvPr/>
+        </p:nvSpPr>
+        <p:spPr>
+          <a:xfrm>
+            <a:off x="18856" y="6208354"/>
+            <a:ext cx="9149174" cy="656705"/>
+          </a:xfrm>
+          <a:prstGeom prst="rect">
+            <a:avLst/>
+          </a:prstGeom>
+        </p:spPr>
+        <p:txBody>
+          <a:bodyPr vert="horz" lIns="91440" tIns="45720" rIns="91440" bIns="45720" rtlCol="0" anchor="ctr">
+            <a:normAutofit/>
+          </a:bodyPr>
+          <a:lstStyle>
+            <a:lvl1pPr algn="ctr" defTabSz="914400" rtl="0" eaLnBrk="1" latinLnBrk="0" hangingPunct="1">
+              <a:spcBef>
+                <a:spcPct val="0"/>
+              </a:spcBef>
+              <a:buNone/>
+              <a:defRPr sz="4400" kern="1200">
+                <a:solidFill>
+                  <a:schemeClr val="tx1"/>
+                </a:solidFill>
+                <a:latin typeface="+mj-lt"/>
+                <a:ea typeface="+mj-ea"/>
+                <a:cs typeface="+mj-cs"/>
+              </a:defRPr>
+            </a:lvl1pPr>
+          </a:lstStyle>
+          <a:p>
+            <a:r>
+              <a:rPr lang="en-US" sz="3000" dirty="0">
+                <a:solidFill>
+                  <a:srgbClr val="FF0000"/>
+                </a:solidFill>
+                <a:cs typeface="Calibri"/>
+              </a:rPr>
+              <a:t>CLICK THE RIGHT KEY TO CONTINUE</a:t>
+            </a:r>
+          </a:p>
+        </p:txBody>
+      </p:sp>
+      <p:sp>
+        <p:nvSpPr>
+          <p:cNvPr id="3" name="Right Arrow 12">
+            <a:extLst>
+              <a:ext uri="{FF2B5EF4-FFF2-40B4-BE49-F238E27FC236}">
+                <a16:creationId xmlns:a16="http://schemas.microsoft.com/office/drawing/2014/main" id="{B670D590-D386-4EBA-B0BF-F4CDB2DF6933}"/>
+              </a:ext>
+            </a:extLst>
+          </p:cNvPr>
+          <p:cNvSpPr/>
+          <p:nvPr/>
+        </p:nvSpPr>
+        <p:spPr>
+          <a:xfrm>
+            <a:off x="8113318" y="6391826"/>
+            <a:ext cx="640200" cy="289763"/>
+          </a:xfrm>
+          <a:prstGeom prst="rightArrow">
+            <a:avLst/>
+          </a:prstGeom>
+          <a:solidFill>
+            <a:schemeClr val="tx1"/>
+          </a:solidFill>
+          <a:ln>
+            <a:noFill/>
+          </a:ln>
+        </p:spPr>
+        <p:style>
+          <a:lnRef idx="1">
+            <a:schemeClr val="accent1"/>
+          </a:lnRef>
+          <a:fillRef idx="3">
+            <a:schemeClr val="accent1"/>
+          </a:fillRef>
+          <a:effectRef idx="2">
+            <a:schemeClr val="accent1"/>
+          </a:effectRef>
+          <a:fontRef idx="minor">
+            <a:schemeClr val="lt1"/>
+          </a:fontRef>
+        </p:style>
+        <p:txBody>
+          <a:bodyPr rtlCol="0" anchor="ctr"/>
+          <a:lstStyle/>
+          <a:p>
+            <a:pPr algn="ctr"/>
+            <a:endParaRPr lang="en-US"/>
+          </a:p>
+        </p:txBody>
+      </p:sp>
+      <p:sp>
+        <p:nvSpPr>
+          <p:cNvPr id="5" name="TextBox 4">
+            <a:extLst>
+              <a:ext uri="{FF2B5EF4-FFF2-40B4-BE49-F238E27FC236}">
+                <a16:creationId xmlns:a16="http://schemas.microsoft.com/office/drawing/2014/main" id="{FA8803B1-4B33-004F-B3D2-AD86FEDA44F7}"/>
+              </a:ext>
+            </a:extLst>
+          </p:cNvPr>
+          <p:cNvSpPr txBox="1"/>
+          <p:nvPr/>
+        </p:nvSpPr>
+        <p:spPr>
+          <a:xfrm>
+            <a:off x="3339790" y="5160269"/>
+            <a:ext cx="2464420" cy="830997"/>
+          </a:xfrm>
+          <a:prstGeom prst="rect">
+            <a:avLst/>
+          </a:prstGeom>
+          <a:noFill/>
+        </p:spPr>
+        <p:txBody>
+          <a:bodyPr wrap="square" rtlCol="0">
+            <a:spAutoFit/>
+          </a:bodyPr>
+          <a:lstStyle/>
+          <a:p>
+            <a:pPr algn="ctr"/>
+            <a:r>
+              <a:rPr lang="en-US" sz="2400" dirty="0"/>
+              <a:t>A</a:t>
+            </a:r>
+          </a:p>
+          <a:p>
+            <a:pPr algn="ctr"/>
+            <a:r>
+              <a:rPr lang="en-US" sz="2400" dirty="0"/>
+              <a:t>Run 3</a:t>
+            </a:r>
+          </a:p>
+        </p:txBody>
+      </p:sp>
+    </p:spTree>
+    <p:extLst>
+      <p:ext uri="{BB962C8B-B14F-4D97-AF65-F5344CB8AC3E}">
+        <p14:creationId xmlns:p14="http://schemas.microsoft.com/office/powerpoint/2010/main" val="1359930526"/>
+      </p:ext>
+    </p:extLst>
+  </p:cSld>
+  <p:clrMapOvr>
+    <a:masterClrMapping/>
+  </p:clrMapOvr>
+</p:sld>
+</file>
+
+<file path=ppt/slides/slide29.xml><?xml version="1.0" encoding="utf-8"?>
+<p:sld xmlns:a="http://schemas.openxmlformats.org/drawingml/2006/main" xmlns:r="http://schemas.openxmlformats.org/officeDocument/2006/relationships" xmlns:p="http://schemas.openxmlformats.org/presentationml/2006/main">
+  <p:cSld>
+    <p:spTree>
+      <p:nvGrpSpPr>
+        <p:cNvPr id="1" name=""/>
+        <p:cNvGrpSpPr/>
+        <p:nvPr/>
+      </p:nvGrpSpPr>
+      <p:grpSpPr>
+        <a:xfrm>
+          <a:off x="0" y="0"/>
+          <a:ext cx="0" cy="0"/>
+          <a:chOff x="0" y="0"/>
+          <a:chExt cx="0" cy="0"/>
+        </a:xfrm>
+      </p:grpSpPr>
+      <p:sp>
+        <p:nvSpPr>
+          <p:cNvPr id="3" name="Content Placeholder 2"/>
+          <p:cNvSpPr>
+            <a:spLocks noGrp="1"/>
+          </p:cNvSpPr>
+          <p:nvPr>
+            <p:ph idx="1"/>
+          </p:nvPr>
+        </p:nvSpPr>
+        <p:spPr>
+          <a:xfrm>
+            <a:off x="202799" y="176410"/>
+            <a:ext cx="8738402" cy="6024883"/>
+          </a:xfrm>
+        </p:spPr>
+        <p:txBody>
+          <a:bodyPr vert="horz" lIns="91440" tIns="45720" rIns="91440" bIns="45720" rtlCol="0" anchor="t">
+            <a:noAutofit/>
+          </a:bodyPr>
+          <a:lstStyle/>
+          <a:p>
+            <a:pPr marL="0" indent="0">
+              <a:spcAft>
+                <a:spcPts val="800"/>
+              </a:spcAft>
+              <a:buNone/>
+            </a:pPr>
+            <a:r>
+              <a:rPr lang="en-US" dirty="0"/>
+              <a:t>In this task, you will watch a series of videos. After each video, you will be asked to respond to this question:</a:t>
+            </a:r>
+          </a:p>
+          <a:p>
+            <a:pPr marL="0" indent="0">
+              <a:spcAft>
+                <a:spcPts val="600"/>
+              </a:spcAft>
+              <a:buNone/>
+            </a:pPr>
+            <a:endParaRPr lang="en-US" sz="2400" b="1" dirty="0">
+              <a:cs typeface="Calibri"/>
+            </a:endParaRPr>
+          </a:p>
+          <a:p>
+            <a:pPr marL="0" indent="0">
+              <a:spcAft>
+                <a:spcPts val="600"/>
+              </a:spcAft>
+              <a:buNone/>
+            </a:pPr>
+            <a:r>
+              <a:rPr lang="en-US" sz="2400" b="1" dirty="0">
+                <a:cs typeface="Calibri"/>
+              </a:rPr>
+              <a:t>	</a:t>
+            </a:r>
+          </a:p>
+          <a:p>
+            <a:pPr marL="0" indent="0">
+              <a:spcAft>
+                <a:spcPts val="600"/>
+              </a:spcAft>
+              <a:buNone/>
+            </a:pPr>
+            <a:endParaRPr lang="en-US" sz="2400" b="1" dirty="0">
+              <a:cs typeface="Calibri"/>
+            </a:endParaRPr>
+          </a:p>
+          <a:p>
+            <a:pPr marL="0" indent="0">
+              <a:spcAft>
+                <a:spcPts val="600"/>
+              </a:spcAft>
+              <a:buNone/>
+            </a:pPr>
+            <a:r>
+              <a:rPr lang="en-US" sz="2400" b="1" dirty="0">
+                <a:cs typeface="Calibri"/>
+              </a:rPr>
+              <a:t>	Arousal: </a:t>
+            </a:r>
+            <a:r>
+              <a:rPr lang="en-US" sz="2400" dirty="0">
+                <a:cs typeface="Calibri"/>
+              </a:rPr>
+              <a:t>Rate your arousal in response to this video.                   		 </a:t>
+            </a:r>
+            <a:r>
+              <a:rPr lang="en-US" sz="2000" dirty="0">
+                <a:cs typeface="Calibri"/>
+              </a:rPr>
+              <a:t>(1-9) 1 = calm  5 = middle  9 = excited</a:t>
+            </a:r>
+            <a:endParaRPr lang="en-US" sz="2400" dirty="0">
+              <a:cs typeface="Calibri"/>
+            </a:endParaRPr>
+          </a:p>
+        </p:txBody>
+      </p:sp>
+      <p:sp>
+        <p:nvSpPr>
+          <p:cNvPr id="6" name="Right Arrow 12">
+            <a:extLst>
+              <a:ext uri="{FF2B5EF4-FFF2-40B4-BE49-F238E27FC236}">
+                <a16:creationId xmlns:a16="http://schemas.microsoft.com/office/drawing/2014/main" id="{61AD207B-49C0-5D4C-8F58-875D2B1B3D00}"/>
+              </a:ext>
+            </a:extLst>
+          </p:cNvPr>
+          <p:cNvSpPr/>
+          <p:nvPr/>
+        </p:nvSpPr>
+        <p:spPr>
+          <a:xfrm>
+            <a:off x="8113318" y="6391826"/>
+            <a:ext cx="640200" cy="289763"/>
+          </a:xfrm>
+          <a:prstGeom prst="rightArrow">
+            <a:avLst/>
+          </a:prstGeom>
+          <a:solidFill>
+            <a:schemeClr val="tx1"/>
+          </a:solidFill>
+          <a:ln>
+            <a:noFill/>
+          </a:ln>
+        </p:spPr>
+        <p:style>
+          <a:lnRef idx="1">
+            <a:schemeClr val="accent1"/>
+          </a:lnRef>
+          <a:fillRef idx="3">
+            <a:schemeClr val="accent1"/>
+          </a:fillRef>
+          <a:effectRef idx="2">
+            <a:schemeClr val="accent1"/>
+          </a:effectRef>
+          <a:fontRef idx="minor">
+            <a:schemeClr val="lt1"/>
+          </a:fontRef>
+        </p:style>
+        <p:txBody>
+          <a:bodyPr rtlCol="0" anchor="ctr"/>
+          <a:lstStyle/>
+          <a:p>
+            <a:pPr algn="ctr"/>
+            <a:endParaRPr lang="en-US"/>
+          </a:p>
+        </p:txBody>
+      </p:sp>
+      <p:sp>
+        <p:nvSpPr>
+          <p:cNvPr id="7" name="Title 3">
+            <a:extLst>
+              <a:ext uri="{FF2B5EF4-FFF2-40B4-BE49-F238E27FC236}">
+                <a16:creationId xmlns:a16="http://schemas.microsoft.com/office/drawing/2014/main" id="{DD13525A-E8DC-B54B-BDDC-476469EBEBF2}"/>
+              </a:ext>
+            </a:extLst>
+          </p:cNvPr>
+          <p:cNvSpPr txBox="1">
+            <a:spLocks/>
+          </p:cNvSpPr>
+          <p:nvPr/>
+        </p:nvSpPr>
+        <p:spPr>
+          <a:xfrm>
+            <a:off x="18856" y="6208354"/>
+            <a:ext cx="9149174" cy="656705"/>
+          </a:xfrm>
+          <a:prstGeom prst="rect">
+            <a:avLst/>
+          </a:prstGeom>
+        </p:spPr>
+        <p:txBody>
+          <a:bodyPr vert="horz" lIns="91440" tIns="45720" rIns="91440" bIns="45720" rtlCol="0" anchor="ctr">
+            <a:normAutofit/>
+          </a:bodyPr>
+          <a:lstStyle>
+            <a:lvl1pPr algn="ctr" defTabSz="914400" rtl="0" eaLnBrk="1" latinLnBrk="0" hangingPunct="1">
+              <a:spcBef>
+                <a:spcPct val="0"/>
+              </a:spcBef>
+              <a:buNone/>
+              <a:defRPr sz="4400" kern="1200">
+                <a:solidFill>
+                  <a:schemeClr val="tx1"/>
+                </a:solidFill>
+                <a:latin typeface="+mj-lt"/>
+                <a:ea typeface="+mj-ea"/>
+                <a:cs typeface="+mj-cs"/>
+              </a:defRPr>
+            </a:lvl1pPr>
+          </a:lstStyle>
+          <a:p>
+            <a:r>
+              <a:rPr lang="en-US" sz="3000" dirty="0">
+                <a:solidFill>
+                  <a:srgbClr val="FF0000"/>
+                </a:solidFill>
+                <a:cs typeface="Calibri"/>
+              </a:rPr>
+              <a:t>CLICK THE RIGHT KEY TO CONTINUE</a:t>
+            </a:r>
+          </a:p>
+        </p:txBody>
+      </p:sp>
+    </p:spTree>
+    <p:extLst>
+      <p:ext uri="{BB962C8B-B14F-4D97-AF65-F5344CB8AC3E}">
+        <p14:creationId xmlns:p14="http://schemas.microsoft.com/office/powerpoint/2010/main" val="671214903"/>
+      </p:ext>
+    </p:extLst>
+  </p:cSld>
+  <p:clrMapOvr>
+    <a:masterClrMapping/>
+  </p:clrMapOvr>
+</p:sld>
+</file>
+
+<file path=ppt/slides/slide3.xml><?xml version="1.0" encoding="utf-8"?>
+<p:sld xmlns:a="http://schemas.openxmlformats.org/drawingml/2006/main" xmlns:r="http://schemas.openxmlformats.org/officeDocument/2006/relationships" xmlns:p="http://schemas.openxmlformats.org/presentationml/2006/main">
+  <p:cSld>
+    <p:spTree>
+      <p:nvGrpSpPr>
+        <p:cNvPr id="1" name=""/>
+        <p:cNvGrpSpPr/>
+        <p:nvPr/>
+      </p:nvGrpSpPr>
+      <p:grpSpPr>
+        <a:xfrm>
+          <a:off x="0" y="0"/>
+          <a:ext cx="0" cy="0"/>
+          <a:chOff x="0" y="0"/>
+          <a:chExt cx="0" cy="0"/>
+        </a:xfrm>
+      </p:grpSpPr>
+      <p:sp>
+        <p:nvSpPr>
+          <p:cNvPr id="4" name="Title 3"/>
+          <p:cNvSpPr>
+            <a:spLocks noGrp="1"/>
+          </p:cNvSpPr>
+          <p:nvPr>
+            <p:ph type="ctrTitle"/>
+          </p:nvPr>
+        </p:nvSpPr>
+        <p:spPr>
+          <a:xfrm>
+            <a:off x="364343" y="2130425"/>
+            <a:ext cx="8458200" cy="1470025"/>
+          </a:xfrm>
+        </p:spPr>
+        <p:txBody>
+          <a:bodyPr>
+            <a:normAutofit/>
+          </a:bodyPr>
+          <a:lstStyle/>
+          <a:p>
+            <a:r>
+              <a:rPr lang="en-US" dirty="0"/>
+              <a:t>NCAIR Remote Stimulus Task</a:t>
+            </a:r>
+          </a:p>
+        </p:txBody>
+      </p:sp>
+      <p:pic>
+        <p:nvPicPr>
+          <p:cNvPr id="9" name="Picture 8"/>
+          <p:cNvPicPr>
+            <a:picLocks noChangeAspect="1"/>
+          </p:cNvPicPr>
+          <p:nvPr/>
+        </p:nvPicPr>
+        <p:blipFill>
+          <a:blip r:embed="rId3">
+            <a:extLst>
+              <a:ext uri="{28A0092B-C50C-407E-A947-70E740481C1C}">
+                <a14:useLocalDpi xmlns:a14="http://schemas.microsoft.com/office/drawing/2010/main" val="0"/>
+              </a:ext>
+            </a:extLst>
+          </a:blip>
+          <a:stretch>
+            <a:fillRect/>
+          </a:stretch>
+        </p:blipFill>
+        <p:spPr>
+          <a:xfrm>
+            <a:off x="7061982" y="236743"/>
+            <a:ext cx="1760561" cy="333863"/>
+          </a:xfrm>
+          <a:prstGeom prst="rect">
+            <a:avLst/>
+          </a:prstGeom>
+        </p:spPr>
+      </p:pic>
+      <p:sp>
+        <p:nvSpPr>
+          <p:cNvPr id="2" name="Title 3">
+            <a:extLst>
+              <a:ext uri="{FF2B5EF4-FFF2-40B4-BE49-F238E27FC236}">
+                <a16:creationId xmlns:a16="http://schemas.microsoft.com/office/drawing/2014/main" id="{A9CEA40B-5234-42D7-930C-3D1F04A17646}"/>
+              </a:ext>
+            </a:extLst>
+          </p:cNvPr>
+          <p:cNvSpPr txBox="1">
+            <a:spLocks/>
+          </p:cNvSpPr>
+          <p:nvPr/>
+        </p:nvSpPr>
+        <p:spPr>
+          <a:xfrm>
+            <a:off x="18856" y="6208354"/>
+            <a:ext cx="9149174" cy="656705"/>
+          </a:xfrm>
+          <a:prstGeom prst="rect">
+            <a:avLst/>
+          </a:prstGeom>
+        </p:spPr>
+        <p:txBody>
+          <a:bodyPr vert="horz" lIns="91440" tIns="45720" rIns="91440" bIns="45720" rtlCol="0" anchor="ctr">
+            <a:normAutofit/>
+          </a:bodyPr>
+          <a:lstStyle>
+            <a:lvl1pPr algn="ctr" defTabSz="914400" rtl="0" eaLnBrk="1" latinLnBrk="0" hangingPunct="1">
+              <a:spcBef>
+                <a:spcPct val="0"/>
+              </a:spcBef>
+              <a:buNone/>
+              <a:defRPr sz="4400" kern="1200">
+                <a:solidFill>
+                  <a:schemeClr val="tx1"/>
+                </a:solidFill>
+                <a:latin typeface="+mj-lt"/>
+                <a:ea typeface="+mj-ea"/>
+                <a:cs typeface="+mj-cs"/>
+              </a:defRPr>
+            </a:lvl1pPr>
+          </a:lstStyle>
+          <a:p>
+            <a:r>
+              <a:rPr lang="en-US" sz="3000" dirty="0">
+                <a:solidFill>
+                  <a:srgbClr val="FF0000"/>
+                </a:solidFill>
+                <a:cs typeface="Calibri"/>
+              </a:rPr>
+              <a:t>CLICK THE RIGHT KEY TO CONTINUE</a:t>
+            </a:r>
+          </a:p>
+        </p:txBody>
+      </p:sp>
+      <p:sp>
+        <p:nvSpPr>
+          <p:cNvPr id="3" name="Right Arrow 12">
+            <a:extLst>
+              <a:ext uri="{FF2B5EF4-FFF2-40B4-BE49-F238E27FC236}">
+                <a16:creationId xmlns:a16="http://schemas.microsoft.com/office/drawing/2014/main" id="{B670D590-D386-4EBA-B0BF-F4CDB2DF6933}"/>
+              </a:ext>
+            </a:extLst>
+          </p:cNvPr>
+          <p:cNvSpPr/>
+          <p:nvPr/>
+        </p:nvSpPr>
+        <p:spPr>
+          <a:xfrm>
+            <a:off x="8113318" y="6391826"/>
+            <a:ext cx="640200" cy="289763"/>
+          </a:xfrm>
+          <a:prstGeom prst="rightArrow">
+            <a:avLst/>
+          </a:prstGeom>
+          <a:solidFill>
+            <a:schemeClr val="tx1"/>
+          </a:solidFill>
+          <a:ln>
+            <a:noFill/>
+          </a:ln>
+        </p:spPr>
+        <p:style>
+          <a:lnRef idx="1">
+            <a:schemeClr val="accent1"/>
+          </a:lnRef>
+          <a:fillRef idx="3">
+            <a:schemeClr val="accent1"/>
+          </a:fillRef>
+          <a:effectRef idx="2">
+            <a:schemeClr val="accent1"/>
+          </a:effectRef>
+          <a:fontRef idx="minor">
+            <a:schemeClr val="lt1"/>
+          </a:fontRef>
+        </p:style>
+        <p:txBody>
+          <a:bodyPr rtlCol="0" anchor="ctr"/>
+          <a:lstStyle/>
+          <a:p>
+            <a:pPr algn="ctr"/>
+            <a:endParaRPr lang="en-US"/>
+          </a:p>
+        </p:txBody>
+      </p:sp>
+      <p:sp>
+        <p:nvSpPr>
+          <p:cNvPr id="5" name="TextBox 4">
+            <a:extLst>
+              <a:ext uri="{FF2B5EF4-FFF2-40B4-BE49-F238E27FC236}">
+                <a16:creationId xmlns:a16="http://schemas.microsoft.com/office/drawing/2014/main" id="{FA8803B1-4B33-004F-B3D2-AD86FEDA44F7}"/>
+              </a:ext>
+            </a:extLst>
+          </p:cNvPr>
+          <p:cNvSpPr txBox="1"/>
+          <p:nvPr/>
+        </p:nvSpPr>
+        <p:spPr>
+          <a:xfrm>
             <a:off x="3339790" y="5631366"/>
             <a:ext cx="2464420" cy="461665"/>
           </a:xfrm>
@@ -8682,6 +10220,466 @@
     <p:extLst>
       <p:ext uri="{BB962C8B-B14F-4D97-AF65-F5344CB8AC3E}">
         <p14:creationId xmlns:p14="http://schemas.microsoft.com/office/powerpoint/2010/main" val="4079018348"/>
+      </p:ext>
+    </p:extLst>
+  </p:cSld>
+  <p:clrMapOvr>
+    <a:masterClrMapping/>
+  </p:clrMapOvr>
+</p:sld>
+</file>
+
+<file path=ppt/slides/slide30.xml><?xml version="1.0" encoding="utf-8"?>
+<p:sld xmlns:a="http://schemas.openxmlformats.org/drawingml/2006/main" xmlns:r="http://schemas.openxmlformats.org/officeDocument/2006/relationships" xmlns:p="http://schemas.openxmlformats.org/presentationml/2006/main">
+  <p:cSld>
+    <p:spTree>
+      <p:nvGrpSpPr>
+        <p:cNvPr id="1" name=""/>
+        <p:cNvGrpSpPr/>
+        <p:nvPr/>
+      </p:nvGrpSpPr>
+      <p:grpSpPr>
+        <a:xfrm>
+          <a:off x="0" y="0"/>
+          <a:ext cx="0" cy="0"/>
+          <a:chOff x="0" y="0"/>
+          <a:chExt cx="0" cy="0"/>
+        </a:xfrm>
+      </p:grpSpPr>
+      <p:sp>
+        <p:nvSpPr>
+          <p:cNvPr id="3" name="Content Placeholder 2"/>
+          <p:cNvSpPr>
+            <a:spLocks noGrp="1"/>
+          </p:cNvSpPr>
+          <p:nvPr>
+            <p:ph idx="1"/>
+          </p:nvPr>
+        </p:nvSpPr>
+        <p:spPr>
+          <a:xfrm>
+            <a:off x="202799" y="176410"/>
+            <a:ext cx="8738402" cy="6111267"/>
+          </a:xfrm>
+        </p:spPr>
+        <p:txBody>
+          <a:bodyPr vert="horz" lIns="91440" tIns="45720" rIns="91440" bIns="45720" rtlCol="0" anchor="t">
+            <a:noAutofit/>
+          </a:bodyPr>
+          <a:lstStyle/>
+          <a:p>
+            <a:pPr marL="0" indent="0">
+              <a:spcAft>
+                <a:spcPts val="1200"/>
+              </a:spcAft>
+              <a:buNone/>
+            </a:pPr>
+            <a:r>
+              <a:rPr lang="en-US" dirty="0"/>
+              <a:t>In this task, you will see a series of pictures. After each image, you will be asked to respond to this question:</a:t>
+            </a:r>
+          </a:p>
+          <a:p>
+            <a:pPr marL="0" indent="0">
+              <a:spcAft>
+                <a:spcPts val="600"/>
+              </a:spcAft>
+              <a:buNone/>
+            </a:pPr>
+            <a:endParaRPr lang="en-US" sz="2400" b="1" dirty="0">
+              <a:cs typeface="Calibri"/>
+            </a:endParaRPr>
+          </a:p>
+          <a:p>
+            <a:pPr marL="0" indent="0">
+              <a:spcAft>
+                <a:spcPts val="600"/>
+              </a:spcAft>
+              <a:buNone/>
+            </a:pPr>
+            <a:endParaRPr lang="en-US" sz="2400" b="1" dirty="0">
+              <a:cs typeface="Calibri"/>
+            </a:endParaRPr>
+          </a:p>
+          <a:p>
+            <a:pPr marL="0" indent="0" algn="ctr">
+              <a:spcAft>
+                <a:spcPts val="600"/>
+              </a:spcAft>
+              <a:buNone/>
+            </a:pPr>
+            <a:r>
+              <a:rPr lang="en-US" sz="2400" b="1" dirty="0">
+                <a:cs typeface="Calibri"/>
+              </a:rPr>
+              <a:t>Arousal: </a:t>
+            </a:r>
+            <a:r>
+              <a:rPr lang="en-US" sz="2400" dirty="0">
+                <a:cs typeface="Calibri"/>
+              </a:rPr>
+              <a:t>Rate your arousal in response to this picture.</a:t>
+            </a:r>
+          </a:p>
+          <a:p>
+            <a:pPr marL="0" indent="0" algn="ctr">
+              <a:spcAft>
+                <a:spcPts val="600"/>
+              </a:spcAft>
+              <a:buNone/>
+            </a:pPr>
+            <a:r>
+              <a:rPr lang="en-US" sz="2000" dirty="0">
+                <a:cs typeface="Calibri"/>
+              </a:rPr>
+              <a:t>(1-9) 1 = calm  5 = middle  9 = excited</a:t>
+            </a:r>
+            <a:endParaRPr lang="en-US" sz="2400" dirty="0">
+              <a:cs typeface="Calibri"/>
+            </a:endParaRPr>
+          </a:p>
+        </p:txBody>
+      </p:sp>
+      <p:sp>
+        <p:nvSpPr>
+          <p:cNvPr id="5" name="Title 3">
+            <a:extLst>
+              <a:ext uri="{FF2B5EF4-FFF2-40B4-BE49-F238E27FC236}">
+                <a16:creationId xmlns:a16="http://schemas.microsoft.com/office/drawing/2014/main" id="{53AD9BDC-D1D6-D34B-9246-0B7EC252ED38}"/>
+              </a:ext>
+            </a:extLst>
+          </p:cNvPr>
+          <p:cNvSpPr txBox="1">
+            <a:spLocks/>
+          </p:cNvSpPr>
+          <p:nvPr/>
+        </p:nvSpPr>
+        <p:spPr>
+          <a:xfrm>
+            <a:off x="18856" y="6208354"/>
+            <a:ext cx="9149174" cy="656705"/>
+          </a:xfrm>
+          <a:prstGeom prst="rect">
+            <a:avLst/>
+          </a:prstGeom>
+        </p:spPr>
+        <p:txBody>
+          <a:bodyPr vert="horz" lIns="91440" tIns="45720" rIns="91440" bIns="45720" rtlCol="0" anchor="ctr">
+            <a:normAutofit/>
+          </a:bodyPr>
+          <a:lstStyle>
+            <a:lvl1pPr algn="ctr" defTabSz="914400" rtl="0" eaLnBrk="1" latinLnBrk="0" hangingPunct="1">
+              <a:spcBef>
+                <a:spcPct val="0"/>
+              </a:spcBef>
+              <a:buNone/>
+              <a:defRPr sz="4400" kern="1200">
+                <a:solidFill>
+                  <a:schemeClr val="tx1"/>
+                </a:solidFill>
+                <a:latin typeface="+mj-lt"/>
+                <a:ea typeface="+mj-ea"/>
+                <a:cs typeface="+mj-cs"/>
+              </a:defRPr>
+            </a:lvl1pPr>
+          </a:lstStyle>
+          <a:p>
+            <a:r>
+              <a:rPr lang="en-US" sz="3000" dirty="0">
+                <a:solidFill>
+                  <a:srgbClr val="FF0000"/>
+                </a:solidFill>
+                <a:cs typeface="Calibri"/>
+              </a:rPr>
+              <a:t>CLICK THE RIGHT KEY TO CONTINUE</a:t>
+            </a:r>
+          </a:p>
+        </p:txBody>
+      </p:sp>
+      <p:sp>
+        <p:nvSpPr>
+          <p:cNvPr id="6" name="Right Arrow 12">
+            <a:extLst>
+              <a:ext uri="{FF2B5EF4-FFF2-40B4-BE49-F238E27FC236}">
+                <a16:creationId xmlns:a16="http://schemas.microsoft.com/office/drawing/2014/main" id="{178576FF-4B5E-3A44-980F-89AE5AF4D6D7}"/>
+              </a:ext>
+            </a:extLst>
+          </p:cNvPr>
+          <p:cNvSpPr/>
+          <p:nvPr/>
+        </p:nvSpPr>
+        <p:spPr>
+          <a:xfrm>
+            <a:off x="8113318" y="6391826"/>
+            <a:ext cx="640200" cy="289763"/>
+          </a:xfrm>
+          <a:prstGeom prst="rightArrow">
+            <a:avLst/>
+          </a:prstGeom>
+          <a:solidFill>
+            <a:schemeClr val="tx1"/>
+          </a:solidFill>
+          <a:ln>
+            <a:noFill/>
+          </a:ln>
+        </p:spPr>
+        <p:style>
+          <a:lnRef idx="1">
+            <a:schemeClr val="accent1"/>
+          </a:lnRef>
+          <a:fillRef idx="3">
+            <a:schemeClr val="accent1"/>
+          </a:fillRef>
+          <a:effectRef idx="2">
+            <a:schemeClr val="accent1"/>
+          </a:effectRef>
+          <a:fontRef idx="minor">
+            <a:schemeClr val="lt1"/>
+          </a:fontRef>
+        </p:style>
+        <p:txBody>
+          <a:bodyPr rtlCol="0" anchor="ctr"/>
+          <a:lstStyle/>
+          <a:p>
+            <a:pPr algn="ctr"/>
+            <a:endParaRPr lang="en-US"/>
+          </a:p>
+        </p:txBody>
+      </p:sp>
+    </p:spTree>
+    <p:extLst>
+      <p:ext uri="{BB962C8B-B14F-4D97-AF65-F5344CB8AC3E}">
+        <p14:creationId xmlns:p14="http://schemas.microsoft.com/office/powerpoint/2010/main" val="902043648"/>
+      </p:ext>
+    </p:extLst>
+  </p:cSld>
+  <p:clrMapOvr>
+    <a:masterClrMapping/>
+  </p:clrMapOvr>
+</p:sld>
+</file>
+
+<file path=ppt/slides/slide31.xml><?xml version="1.0" encoding="utf-8"?>
+<p:sld xmlns:a="http://schemas.openxmlformats.org/drawingml/2006/main" xmlns:r="http://schemas.openxmlformats.org/officeDocument/2006/relationships" xmlns:p="http://schemas.openxmlformats.org/presentationml/2006/main">
+  <p:cSld>
+    <p:spTree>
+      <p:nvGrpSpPr>
+        <p:cNvPr id="1" name=""/>
+        <p:cNvGrpSpPr/>
+        <p:nvPr/>
+      </p:nvGrpSpPr>
+      <p:grpSpPr>
+        <a:xfrm>
+          <a:off x="0" y="0"/>
+          <a:ext cx="0" cy="0"/>
+          <a:chOff x="0" y="0"/>
+          <a:chExt cx="0" cy="0"/>
+        </a:xfrm>
+      </p:grpSpPr>
+      <p:sp>
+        <p:nvSpPr>
+          <p:cNvPr id="3" name="Content Placeholder 2"/>
+          <p:cNvSpPr>
+            <a:spLocks noGrp="1"/>
+          </p:cNvSpPr>
+          <p:nvPr>
+            <p:ph idx="1"/>
+          </p:nvPr>
+        </p:nvSpPr>
+        <p:spPr>
+          <a:xfrm>
+            <a:off x="202799" y="176410"/>
+            <a:ext cx="8738402" cy="6111267"/>
+          </a:xfrm>
+        </p:spPr>
+        <p:txBody>
+          <a:bodyPr vert="horz" lIns="91440" tIns="45720" rIns="91440" bIns="45720" rtlCol="0" anchor="t">
+            <a:noAutofit/>
+          </a:bodyPr>
+          <a:lstStyle/>
+          <a:p>
+            <a:pPr marL="0" indent="0">
+              <a:spcAft>
+                <a:spcPts val="2400"/>
+              </a:spcAft>
+              <a:buNone/>
+            </a:pPr>
+            <a:r>
+              <a:rPr lang="en-US" dirty="0"/>
+              <a:t>In this task, you will listen to music clips. After each clip, you will be asked to respond to this question:</a:t>
+            </a:r>
+          </a:p>
+          <a:p>
+            <a:pPr marL="0" indent="0">
+              <a:spcAft>
+                <a:spcPts val="600"/>
+              </a:spcAft>
+              <a:buNone/>
+            </a:pPr>
+            <a:endParaRPr lang="en-US" sz="2400" b="1" dirty="0">
+              <a:cs typeface="Calibri"/>
+            </a:endParaRPr>
+          </a:p>
+          <a:p>
+            <a:pPr marL="0" indent="0">
+              <a:spcAft>
+                <a:spcPts val="600"/>
+              </a:spcAft>
+              <a:buNone/>
+            </a:pPr>
+            <a:endParaRPr lang="en-US" sz="2400" b="1" dirty="0">
+              <a:cs typeface="Calibri"/>
+            </a:endParaRPr>
+          </a:p>
+          <a:p>
+            <a:pPr marL="0" indent="0" algn="ctr">
+              <a:spcAft>
+                <a:spcPts val="600"/>
+              </a:spcAft>
+              <a:buNone/>
+            </a:pPr>
+            <a:r>
+              <a:rPr lang="en-US" sz="2400" b="1" dirty="0">
+                <a:cs typeface="Calibri"/>
+              </a:rPr>
+              <a:t>Arousal: </a:t>
+            </a:r>
+            <a:r>
+              <a:rPr lang="en-US" sz="2400" dirty="0">
+                <a:cs typeface="Calibri"/>
+              </a:rPr>
+              <a:t>Rate your arousal in response to this clip. </a:t>
+            </a:r>
+          </a:p>
+          <a:p>
+            <a:pPr marL="0" indent="0" algn="ctr">
+              <a:spcAft>
+                <a:spcPts val="600"/>
+              </a:spcAft>
+              <a:buNone/>
+            </a:pPr>
+            <a:r>
+              <a:rPr lang="en-US" sz="2000" dirty="0">
+                <a:cs typeface="Calibri"/>
+              </a:rPr>
+              <a:t>(1-9) 1 = calm  5 = middle  9 = excited</a:t>
+            </a:r>
+            <a:endParaRPr lang="en-US" sz="2400" dirty="0">
+              <a:cs typeface="Calibri"/>
+            </a:endParaRPr>
+          </a:p>
+        </p:txBody>
+      </p:sp>
+      <p:sp>
+        <p:nvSpPr>
+          <p:cNvPr id="5" name="Title 3">
+            <a:extLst>
+              <a:ext uri="{FF2B5EF4-FFF2-40B4-BE49-F238E27FC236}">
+                <a16:creationId xmlns:a16="http://schemas.microsoft.com/office/drawing/2014/main" id="{4A40E84C-8146-EC44-B63C-4B296B345500}"/>
+              </a:ext>
+            </a:extLst>
+          </p:cNvPr>
+          <p:cNvSpPr txBox="1">
+            <a:spLocks/>
+          </p:cNvSpPr>
+          <p:nvPr/>
+        </p:nvSpPr>
+        <p:spPr>
+          <a:xfrm>
+            <a:off x="18856" y="6208354"/>
+            <a:ext cx="9149174" cy="656705"/>
+          </a:xfrm>
+          <a:prstGeom prst="rect">
+            <a:avLst/>
+          </a:prstGeom>
+        </p:spPr>
+        <p:txBody>
+          <a:bodyPr vert="horz" lIns="91440" tIns="45720" rIns="91440" bIns="45720" rtlCol="0" anchor="ctr">
+            <a:normAutofit/>
+          </a:bodyPr>
+          <a:lstStyle>
+            <a:lvl1pPr algn="ctr" defTabSz="914400" rtl="0" eaLnBrk="1" latinLnBrk="0" hangingPunct="1">
+              <a:spcBef>
+                <a:spcPct val="0"/>
+              </a:spcBef>
+              <a:buNone/>
+              <a:defRPr sz="4400" kern="1200">
+                <a:solidFill>
+                  <a:schemeClr val="tx1"/>
+                </a:solidFill>
+                <a:latin typeface="+mj-lt"/>
+                <a:ea typeface="+mj-ea"/>
+                <a:cs typeface="+mj-cs"/>
+              </a:defRPr>
+            </a:lvl1pPr>
+          </a:lstStyle>
+          <a:p>
+            <a:r>
+              <a:rPr lang="en-US" sz="3000" dirty="0">
+                <a:solidFill>
+                  <a:srgbClr val="FF0000"/>
+                </a:solidFill>
+                <a:cs typeface="Calibri"/>
+              </a:rPr>
+              <a:t>CLICK THE RIGHT KEY TO CONTINUE</a:t>
+            </a:r>
+          </a:p>
+        </p:txBody>
+      </p:sp>
+      <p:sp>
+        <p:nvSpPr>
+          <p:cNvPr id="6" name="Right Arrow 12">
+            <a:extLst>
+              <a:ext uri="{FF2B5EF4-FFF2-40B4-BE49-F238E27FC236}">
+                <a16:creationId xmlns:a16="http://schemas.microsoft.com/office/drawing/2014/main" id="{9652E570-CAA2-6D4A-BC9E-66B32493DAA6}"/>
+              </a:ext>
+            </a:extLst>
+          </p:cNvPr>
+          <p:cNvSpPr/>
+          <p:nvPr/>
+        </p:nvSpPr>
+        <p:spPr>
+          <a:xfrm>
+            <a:off x="8113318" y="6391826"/>
+            <a:ext cx="640200" cy="289763"/>
+          </a:xfrm>
+          <a:prstGeom prst="rightArrow">
+            <a:avLst/>
+          </a:prstGeom>
+          <a:solidFill>
+            <a:schemeClr val="tx1"/>
+          </a:solidFill>
+          <a:ln>
+            <a:noFill/>
+          </a:ln>
+        </p:spPr>
+        <p:style>
+          <a:lnRef idx="1">
+            <a:schemeClr val="accent1"/>
+          </a:lnRef>
+          <a:fillRef idx="3">
+            <a:schemeClr val="accent1"/>
+          </a:fillRef>
+          <a:effectRef idx="2">
+            <a:schemeClr val="accent1"/>
+          </a:effectRef>
+          <a:fontRef idx="minor">
+            <a:schemeClr val="lt1"/>
+          </a:fontRef>
+        </p:style>
+        <p:txBody>
+          <a:bodyPr rtlCol="0" anchor="ctr"/>
+          <a:lstStyle/>
+          <a:p>
+            <a:pPr algn="ctr"/>
+            <a:endParaRPr lang="en-US"/>
+          </a:p>
+        </p:txBody>
+      </p:sp>
+    </p:spTree>
+    <p:extLst>
+      <p:ext uri="{BB962C8B-B14F-4D97-AF65-F5344CB8AC3E}">
+        <p14:creationId xmlns:p14="http://schemas.microsoft.com/office/powerpoint/2010/main" val="604483718"/>
       </p:ext>
     </p:extLst>
   </p:cSld>

--- a/public/js/tasks/ncair/media/Ncair_Remote_Instructions.pptx
+++ b/public/js/tasks/ncair/media/Ncair_Remote_Instructions.pptx
@@ -5,40 +5,41 @@
     <p:sldMasterId id="2147483660" r:id="rId1"/>
   </p:sldMasterIdLst>
   <p:notesMasterIdLst>
-    <p:notesMasterId r:id="rId33"/>
+    <p:notesMasterId r:id="rId34"/>
   </p:notesMasterIdLst>
   <p:sldIdLst>
     <p:sldId id="498" r:id="rId2"/>
     <p:sldId id="583" r:id="rId3"/>
     <p:sldId id="584" r:id="rId4"/>
-    <p:sldId id="559" r:id="rId5"/>
-    <p:sldId id="538" r:id="rId6"/>
-    <p:sldId id="564" r:id="rId7"/>
-    <p:sldId id="550" r:id="rId8"/>
-    <p:sldId id="565" r:id="rId9"/>
-    <p:sldId id="551" r:id="rId10"/>
-    <p:sldId id="552" r:id="rId11"/>
-    <p:sldId id="579" r:id="rId12"/>
-    <p:sldId id="555" r:id="rId13"/>
-    <p:sldId id="566" r:id="rId14"/>
-    <p:sldId id="556" r:id="rId15"/>
-    <p:sldId id="576" r:id="rId16"/>
-    <p:sldId id="557" r:id="rId17"/>
-    <p:sldId id="558" r:id="rId18"/>
-    <p:sldId id="578" r:id="rId19"/>
-    <p:sldId id="560" r:id="rId20"/>
-    <p:sldId id="580" r:id="rId21"/>
-    <p:sldId id="561" r:id="rId22"/>
-    <p:sldId id="581" r:id="rId23"/>
-    <p:sldId id="562" r:id="rId24"/>
-    <p:sldId id="563" r:id="rId25"/>
-    <p:sldId id="582" r:id="rId26"/>
-    <p:sldId id="585" r:id="rId27"/>
-    <p:sldId id="586" r:id="rId28"/>
-    <p:sldId id="587" r:id="rId29"/>
-    <p:sldId id="588" r:id="rId30"/>
-    <p:sldId id="589" r:id="rId31"/>
-    <p:sldId id="590" r:id="rId32"/>
+    <p:sldId id="591" r:id="rId5"/>
+    <p:sldId id="559" r:id="rId6"/>
+    <p:sldId id="538" r:id="rId7"/>
+    <p:sldId id="564" r:id="rId8"/>
+    <p:sldId id="550" r:id="rId9"/>
+    <p:sldId id="565" r:id="rId10"/>
+    <p:sldId id="551" r:id="rId11"/>
+    <p:sldId id="552" r:id="rId12"/>
+    <p:sldId id="579" r:id="rId13"/>
+    <p:sldId id="555" r:id="rId14"/>
+    <p:sldId id="566" r:id="rId15"/>
+    <p:sldId id="556" r:id="rId16"/>
+    <p:sldId id="576" r:id="rId17"/>
+    <p:sldId id="557" r:id="rId18"/>
+    <p:sldId id="558" r:id="rId19"/>
+    <p:sldId id="578" r:id="rId20"/>
+    <p:sldId id="560" r:id="rId21"/>
+    <p:sldId id="580" r:id="rId22"/>
+    <p:sldId id="561" r:id="rId23"/>
+    <p:sldId id="581" r:id="rId24"/>
+    <p:sldId id="562" r:id="rId25"/>
+    <p:sldId id="563" r:id="rId26"/>
+    <p:sldId id="582" r:id="rId27"/>
+    <p:sldId id="585" r:id="rId28"/>
+    <p:sldId id="586" r:id="rId29"/>
+    <p:sldId id="587" r:id="rId30"/>
+    <p:sldId id="588" r:id="rId31"/>
+    <p:sldId id="589" r:id="rId32"/>
+    <p:sldId id="590" r:id="rId33"/>
   </p:sldIdLst>
   <p:sldSz cx="9144000" cy="6858000" type="screen4x3"/>
   <p:notesSz cx="6858000" cy="9144000"/>
@@ -145,6 +146,7 @@
             <p14:sldId id="498"/>
             <p14:sldId id="583"/>
             <p14:sldId id="584"/>
+            <p14:sldId id="591"/>
             <p14:sldId id="559"/>
             <p14:sldId id="538"/>
             <p14:sldId id="564"/>
@@ -281,7 +283,7 @@
           <a:p>
             <a:fld id="{5ACDFB13-8C7E-2148-B293-047F9641DD71}" type="datetimeFigureOut">
               <a:rPr lang="en-US" smtClean="0"/>
-              <a:t>6/21/21</a:t>
+              <a:t>12/21/21</a:t>
             </a:fld>
             <a:endParaRPr lang="en-US" dirty="0"/>
           </a:p>
@@ -722,7 +724,7 @@
     </p:spTree>
     <p:extLst>
       <p:ext uri="{BB962C8B-B14F-4D97-AF65-F5344CB8AC3E}">
-        <p14:creationId xmlns:p14="http://schemas.microsoft.com/office/powerpoint/2010/main" val="2348583058"/>
+        <p14:creationId xmlns:p14="http://schemas.microsoft.com/office/powerpoint/2010/main" val="2444329472"/>
       </p:ext>
     </p:extLst>
   </p:cSld>
@@ -778,8 +780,13 @@
           <a:p>
             <a:r>
               <a:rPr lang="en-US" dirty="0"/>
-              <a:t>Audi Run</a:t>
-            </a:r>
+              <a:t>Add screenshots of an X and an O</a:t>
+            </a:r>
+            <a:r>
+              <a:rPr lang="en-US" baseline="0" dirty="0"/>
+              <a:t> screen – like a timeline of screenshots.</a:t>
+            </a:r>
+            <a:endParaRPr lang="en-US" dirty="0"/>
           </a:p>
         </p:txBody>
       </p:sp>
@@ -809,7 +816,7 @@
     </p:spTree>
     <p:extLst>
       <p:ext uri="{BB962C8B-B14F-4D97-AF65-F5344CB8AC3E}">
-        <p14:creationId xmlns:p14="http://schemas.microsoft.com/office/powerpoint/2010/main" val="3991063789"/>
+        <p14:creationId xmlns:p14="http://schemas.microsoft.com/office/powerpoint/2010/main" val="2348583058"/>
       </p:ext>
     </p:extLst>
   </p:cSld>
@@ -865,13 +872,8 @@
           <a:p>
             <a:r>
               <a:rPr lang="en-US" dirty="0"/>
-              <a:t>Add screenshots of an X and an O</a:t>
-            </a:r>
-            <a:r>
-              <a:rPr lang="en-US" baseline="0" dirty="0"/>
-              <a:t> screen – like a timeline of screenshots.</a:t>
-            </a:r>
-            <a:endParaRPr lang="en-US" dirty="0"/>
+              <a:t>Audi Run</a:t>
+            </a:r>
           </a:p>
         </p:txBody>
       </p:sp>
@@ -901,7 +903,7 @@
     </p:spTree>
     <p:extLst>
       <p:ext uri="{BB962C8B-B14F-4D97-AF65-F5344CB8AC3E}">
-        <p14:creationId xmlns:p14="http://schemas.microsoft.com/office/powerpoint/2010/main" val="365048788"/>
+        <p14:creationId xmlns:p14="http://schemas.microsoft.com/office/powerpoint/2010/main" val="3991063789"/>
       </p:ext>
     </p:extLst>
   </p:cSld>
@@ -993,7 +995,7 @@
     </p:spTree>
     <p:extLst>
       <p:ext uri="{BB962C8B-B14F-4D97-AF65-F5344CB8AC3E}">
-        <p14:creationId xmlns:p14="http://schemas.microsoft.com/office/powerpoint/2010/main" val="844929755"/>
+        <p14:creationId xmlns:p14="http://schemas.microsoft.com/office/powerpoint/2010/main" val="365048788"/>
       </p:ext>
     </p:extLst>
   </p:cSld>
@@ -1085,7 +1087,7 @@
     </p:spTree>
     <p:extLst>
       <p:ext uri="{BB962C8B-B14F-4D97-AF65-F5344CB8AC3E}">
-        <p14:creationId xmlns:p14="http://schemas.microsoft.com/office/powerpoint/2010/main" val="611899141"/>
+        <p14:creationId xmlns:p14="http://schemas.microsoft.com/office/powerpoint/2010/main" val="844929755"/>
       </p:ext>
     </p:extLst>
   </p:cSld>
@@ -1177,7 +1179,7 @@
     </p:spTree>
     <p:extLst>
       <p:ext uri="{BB962C8B-B14F-4D97-AF65-F5344CB8AC3E}">
-        <p14:creationId xmlns:p14="http://schemas.microsoft.com/office/powerpoint/2010/main" val="3934021912"/>
+        <p14:creationId xmlns:p14="http://schemas.microsoft.com/office/powerpoint/2010/main" val="611899141"/>
       </p:ext>
     </p:extLst>
   </p:cSld>
@@ -1269,7 +1271,7 @@
     </p:spTree>
     <p:extLst>
       <p:ext uri="{BB962C8B-B14F-4D97-AF65-F5344CB8AC3E}">
-        <p14:creationId xmlns:p14="http://schemas.microsoft.com/office/powerpoint/2010/main" val="759791530"/>
+        <p14:creationId xmlns:p14="http://schemas.microsoft.com/office/powerpoint/2010/main" val="3934021912"/>
       </p:ext>
     </p:extLst>
   </p:cSld>
@@ -1361,7 +1363,7 @@
     </p:spTree>
     <p:extLst>
       <p:ext uri="{BB962C8B-B14F-4D97-AF65-F5344CB8AC3E}">
-        <p14:creationId xmlns:p14="http://schemas.microsoft.com/office/powerpoint/2010/main" val="792465981"/>
+        <p14:creationId xmlns:p14="http://schemas.microsoft.com/office/powerpoint/2010/main" val="759791530"/>
       </p:ext>
     </p:extLst>
   </p:cSld>
@@ -1415,6 +1417,14 @@
           <a:bodyPr/>
           <a:lstStyle/>
           <a:p>
+            <a:r>
+              <a:rPr lang="en-US" dirty="0"/>
+              <a:t>Add screenshots of an X and an O</a:t>
+            </a:r>
+            <a:r>
+              <a:rPr lang="en-US" baseline="0" dirty="0"/>
+              <a:t> screen – like a timeline of screenshots.</a:t>
+            </a:r>
             <a:endParaRPr lang="en-US" dirty="0"/>
           </a:p>
         </p:txBody>
@@ -1445,7 +1455,7 @@
     </p:spTree>
     <p:extLst>
       <p:ext uri="{BB962C8B-B14F-4D97-AF65-F5344CB8AC3E}">
-        <p14:creationId xmlns:p14="http://schemas.microsoft.com/office/powerpoint/2010/main" val="3498156207"/>
+        <p14:creationId xmlns:p14="http://schemas.microsoft.com/office/powerpoint/2010/main" val="792465981"/>
       </p:ext>
     </p:extLst>
   </p:cSld>
@@ -1499,14 +1509,6 @@
           <a:bodyPr/>
           <a:lstStyle/>
           <a:p>
-            <a:r>
-              <a:rPr lang="en-US" dirty="0"/>
-              <a:t>Add screenshots of an X and an O</a:t>
-            </a:r>
-            <a:r>
-              <a:rPr lang="en-US" baseline="0" dirty="0"/>
-              <a:t> screen – like a timeline of screenshots.</a:t>
-            </a:r>
             <a:endParaRPr lang="en-US" dirty="0"/>
           </a:p>
         </p:txBody>
@@ -1537,7 +1539,7 @@
     </p:spTree>
     <p:extLst>
       <p:ext uri="{BB962C8B-B14F-4D97-AF65-F5344CB8AC3E}">
-        <p14:creationId xmlns:p14="http://schemas.microsoft.com/office/powerpoint/2010/main" val="3271346721"/>
+        <p14:creationId xmlns:p14="http://schemas.microsoft.com/office/powerpoint/2010/main" val="3498156207"/>
       </p:ext>
     </p:extLst>
   </p:cSld>
@@ -1721,7 +1723,7 @@
     </p:spTree>
     <p:extLst>
       <p:ext uri="{BB962C8B-B14F-4D97-AF65-F5344CB8AC3E}">
-        <p14:creationId xmlns:p14="http://schemas.microsoft.com/office/powerpoint/2010/main" val="3191026078"/>
+        <p14:creationId xmlns:p14="http://schemas.microsoft.com/office/powerpoint/2010/main" val="3271346721"/>
       </p:ext>
     </p:extLst>
   </p:cSld>
@@ -1813,7 +1815,7 @@
     </p:spTree>
     <p:extLst>
       <p:ext uri="{BB962C8B-B14F-4D97-AF65-F5344CB8AC3E}">
-        <p14:creationId xmlns:p14="http://schemas.microsoft.com/office/powerpoint/2010/main" val="953407085"/>
+        <p14:creationId xmlns:p14="http://schemas.microsoft.com/office/powerpoint/2010/main" val="3191026078"/>
       </p:ext>
     </p:extLst>
   </p:cSld>
@@ -1905,7 +1907,7 @@
     </p:spTree>
     <p:extLst>
       <p:ext uri="{BB962C8B-B14F-4D97-AF65-F5344CB8AC3E}">
-        <p14:creationId xmlns:p14="http://schemas.microsoft.com/office/powerpoint/2010/main" val="253404909"/>
+        <p14:creationId xmlns:p14="http://schemas.microsoft.com/office/powerpoint/2010/main" val="953407085"/>
       </p:ext>
     </p:extLst>
   </p:cSld>
@@ -1997,7 +1999,7 @@
     </p:spTree>
     <p:extLst>
       <p:ext uri="{BB962C8B-B14F-4D97-AF65-F5344CB8AC3E}">
-        <p14:creationId xmlns:p14="http://schemas.microsoft.com/office/powerpoint/2010/main" val="22306044"/>
+        <p14:creationId xmlns:p14="http://schemas.microsoft.com/office/powerpoint/2010/main" val="253404909"/>
       </p:ext>
     </p:extLst>
   </p:cSld>
@@ -2089,7 +2091,7 @@
     </p:spTree>
     <p:extLst>
       <p:ext uri="{BB962C8B-B14F-4D97-AF65-F5344CB8AC3E}">
-        <p14:creationId xmlns:p14="http://schemas.microsoft.com/office/powerpoint/2010/main" val="1787507068"/>
+        <p14:creationId xmlns:p14="http://schemas.microsoft.com/office/powerpoint/2010/main" val="22306044"/>
       </p:ext>
     </p:extLst>
   </p:cSld>
@@ -2143,22 +2145,15 @@
           <a:bodyPr/>
           <a:lstStyle/>
           <a:p>
-            <a:pPr algn="ctr"/>
-            <a:r>
-              <a:rPr lang="en-US" sz="1200" dirty="0">
-                <a:cs typeface="Calibri"/>
-              </a:rPr>
-              <a:t>Thank you for participating in our study. Please take a moment to provide and comments or feedback regarding the study and the cultural pictures, music, and videos</a:t>
-            </a:r>
-            <a:r>
-              <a:rPr lang="en-US" sz="1200" i="1" dirty="0">
-                <a:cs typeface="Calibri"/>
-              </a:rPr>
-              <a:t>.</a:t>
-            </a:r>
-            <a:endParaRPr lang="en-US" sz="1400" dirty="0">
-              <a:cs typeface="Calibri"/>
-            </a:endParaRPr>
+            <a:r>
+              <a:rPr lang="en-US" dirty="0"/>
+              <a:t>Add screenshots of an X and an O</a:t>
+            </a:r>
+            <a:r>
+              <a:rPr lang="en-US" baseline="0" dirty="0"/>
+              <a:t> screen – like a timeline of screenshots.</a:t>
+            </a:r>
+            <a:endParaRPr lang="en-US" dirty="0"/>
           </a:p>
         </p:txBody>
       </p:sp>
@@ -2188,7 +2183,7 @@
     </p:spTree>
     <p:extLst>
       <p:ext uri="{BB962C8B-B14F-4D97-AF65-F5344CB8AC3E}">
-        <p14:creationId xmlns:p14="http://schemas.microsoft.com/office/powerpoint/2010/main" val="3421228427"/>
+        <p14:creationId xmlns:p14="http://schemas.microsoft.com/office/powerpoint/2010/main" val="1787507068"/>
       </p:ext>
     </p:extLst>
   </p:cSld>
@@ -2242,15 +2237,22 @@
           <a:bodyPr/>
           <a:lstStyle/>
           <a:p>
-            <a:r>
-              <a:rPr lang="en-US" dirty="0"/>
-              <a:t>Outside</a:t>
-            </a:r>
-            <a:r>
-              <a:rPr lang="en-US" baseline="0" dirty="0"/>
-              <a:t> the scanner</a:t>
-            </a:r>
-            <a:endParaRPr lang="en-US" dirty="0"/>
+            <a:pPr algn="ctr"/>
+            <a:r>
+              <a:rPr lang="en-US" sz="1200" dirty="0">
+                <a:cs typeface="Calibri"/>
+              </a:rPr>
+              <a:t>Thank you for participating in our study. Please take a moment to provide and comments or feedback regarding the study and the cultural pictures, music, and videos</a:t>
+            </a:r>
+            <a:r>
+              <a:rPr lang="en-US" sz="1200" i="1" dirty="0">
+                <a:cs typeface="Calibri"/>
+              </a:rPr>
+              <a:t>.</a:t>
+            </a:r>
+            <a:endParaRPr lang="en-US" sz="1400" dirty="0">
+              <a:cs typeface="Calibri"/>
+            </a:endParaRPr>
           </a:p>
         </p:txBody>
       </p:sp>
@@ -2280,7 +2282,7 @@
     </p:spTree>
     <p:extLst>
       <p:ext uri="{BB962C8B-B14F-4D97-AF65-F5344CB8AC3E}">
-        <p14:creationId xmlns:p14="http://schemas.microsoft.com/office/powerpoint/2010/main" val="1993544261"/>
+        <p14:creationId xmlns:p14="http://schemas.microsoft.com/office/powerpoint/2010/main" val="3421228427"/>
       </p:ext>
     </p:extLst>
   </p:cSld>
@@ -2372,7 +2374,7 @@
     </p:spTree>
     <p:extLst>
       <p:ext uri="{BB962C8B-B14F-4D97-AF65-F5344CB8AC3E}">
-        <p14:creationId xmlns:p14="http://schemas.microsoft.com/office/powerpoint/2010/main" val="26743622"/>
+        <p14:creationId xmlns:p14="http://schemas.microsoft.com/office/powerpoint/2010/main" val="1993544261"/>
       </p:ext>
     </p:extLst>
   </p:cSld>
@@ -2464,7 +2466,7 @@
     </p:spTree>
     <p:extLst>
       <p:ext uri="{BB962C8B-B14F-4D97-AF65-F5344CB8AC3E}">
-        <p14:creationId xmlns:p14="http://schemas.microsoft.com/office/powerpoint/2010/main" val="1302468741"/>
+        <p14:creationId xmlns:p14="http://schemas.microsoft.com/office/powerpoint/2010/main" val="26743622"/>
       </p:ext>
     </p:extLst>
   </p:cSld>
@@ -2520,11 +2522,11 @@
           <a:p>
             <a:r>
               <a:rPr lang="en-US" dirty="0"/>
-              <a:t>Add screenshots of an X and an O</a:t>
+              <a:t>Outside</a:t>
             </a:r>
             <a:r>
               <a:rPr lang="en-US" baseline="0" dirty="0"/>
-              <a:t> screen – like a timeline of screenshots.</a:t>
+              <a:t> the scanner</a:t>
             </a:r>
             <a:endParaRPr lang="en-US" dirty="0"/>
           </a:p>
@@ -2556,7 +2558,7 @@
     </p:spTree>
     <p:extLst>
       <p:ext uri="{BB962C8B-B14F-4D97-AF65-F5344CB8AC3E}">
-        <p14:creationId xmlns:p14="http://schemas.microsoft.com/office/powerpoint/2010/main" val="2213703683"/>
+        <p14:creationId xmlns:p14="http://schemas.microsoft.com/office/powerpoint/2010/main" val="1302468741"/>
       </p:ext>
     </p:extLst>
   </p:cSld>
@@ -2702,6 +2704,14 @@
           <a:bodyPr/>
           <a:lstStyle/>
           <a:p>
+            <a:r>
+              <a:rPr lang="en-US" dirty="0"/>
+              <a:t>Add screenshots of an X and an O</a:t>
+            </a:r>
+            <a:r>
+              <a:rPr lang="en-US" baseline="0" dirty="0"/>
+              <a:t> screen – like a timeline of screenshots.</a:t>
+            </a:r>
             <a:endParaRPr lang="en-US" dirty="0"/>
           </a:p>
         </p:txBody>
@@ -2732,7 +2742,7 @@
     </p:spTree>
     <p:extLst>
       <p:ext uri="{BB962C8B-B14F-4D97-AF65-F5344CB8AC3E}">
-        <p14:creationId xmlns:p14="http://schemas.microsoft.com/office/powerpoint/2010/main" val="3323543944"/>
+        <p14:creationId xmlns:p14="http://schemas.microsoft.com/office/powerpoint/2010/main" val="2213703683"/>
       </p:ext>
     </p:extLst>
   </p:cSld>
@@ -2786,10 +2796,7 @@
           <a:bodyPr/>
           <a:lstStyle/>
           <a:p>
-            <a:r>
-              <a:rPr lang="en-US" dirty="0"/>
-              <a:t>Audi Run</a:t>
-            </a:r>
+            <a:endParaRPr lang="en-US" dirty="0"/>
           </a:p>
         </p:txBody>
       </p:sp>
@@ -2811,6 +2818,93 @@
             <a:fld id="{BCAE12D7-AE97-9243-8341-9A20FCA5A307}" type="slidenum">
               <a:rPr lang="en-US" smtClean="0"/>
               <a:t>31</a:t>
+            </a:fld>
+            <a:endParaRPr lang="en-US"/>
+          </a:p>
+        </p:txBody>
+      </p:sp>
+    </p:spTree>
+    <p:extLst>
+      <p:ext uri="{BB962C8B-B14F-4D97-AF65-F5344CB8AC3E}">
+        <p14:creationId xmlns:p14="http://schemas.microsoft.com/office/powerpoint/2010/main" val="3323543944"/>
+      </p:ext>
+    </p:extLst>
+  </p:cSld>
+  <p:clrMapOvr>
+    <a:masterClrMapping/>
+  </p:clrMapOvr>
+</p:notes>
+</file>
+
+<file path=ppt/notesSlides/notesSlide32.xml><?xml version="1.0" encoding="utf-8"?>
+<p:notes xmlns:a="http://schemas.openxmlformats.org/drawingml/2006/main" xmlns:r="http://schemas.openxmlformats.org/officeDocument/2006/relationships" xmlns:p="http://schemas.openxmlformats.org/presentationml/2006/main">
+  <p:cSld>
+    <p:spTree>
+      <p:nvGrpSpPr>
+        <p:cNvPr id="1" name=""/>
+        <p:cNvGrpSpPr/>
+        <p:nvPr/>
+      </p:nvGrpSpPr>
+      <p:grpSpPr>
+        <a:xfrm>
+          <a:off x="0" y="0"/>
+          <a:ext cx="0" cy="0"/>
+          <a:chOff x="0" y="0"/>
+          <a:chExt cx="0" cy="0"/>
+        </a:xfrm>
+      </p:grpSpPr>
+      <p:sp>
+        <p:nvSpPr>
+          <p:cNvPr id="2" name="Slide Image Placeholder 1"/>
+          <p:cNvSpPr>
+            <a:spLocks noGrp="1" noRot="1" noChangeAspect="1"/>
+          </p:cNvSpPr>
+          <p:nvPr>
+            <p:ph type="sldImg"/>
+          </p:nvPr>
+        </p:nvSpPr>
+        <p:spPr/>
+      </p:sp>
+      <p:sp>
+        <p:nvSpPr>
+          <p:cNvPr id="3" name="Notes Placeholder 2"/>
+          <p:cNvSpPr>
+            <a:spLocks noGrp="1"/>
+          </p:cNvSpPr>
+          <p:nvPr>
+            <p:ph type="body" idx="1"/>
+          </p:nvPr>
+        </p:nvSpPr>
+        <p:spPr/>
+        <p:txBody>
+          <a:bodyPr/>
+          <a:lstStyle/>
+          <a:p>
+            <a:r>
+              <a:rPr lang="en-US" dirty="0"/>
+              <a:t>Audi Run</a:t>
+            </a:r>
+          </a:p>
+        </p:txBody>
+      </p:sp>
+      <p:sp>
+        <p:nvSpPr>
+          <p:cNvPr id="4" name="Slide Number Placeholder 3"/>
+          <p:cNvSpPr>
+            <a:spLocks noGrp="1"/>
+          </p:cNvSpPr>
+          <p:nvPr>
+            <p:ph type="sldNum" sz="quarter" idx="10"/>
+          </p:nvPr>
+        </p:nvSpPr>
+        <p:spPr/>
+        <p:txBody>
+          <a:bodyPr/>
+          <a:lstStyle/>
+          <a:p>
+            <a:fld id="{BCAE12D7-AE97-9243-8341-9A20FCA5A307}" type="slidenum">
+              <a:rPr lang="en-US" smtClean="0"/>
+              <a:t>32</a:t>
             </a:fld>
             <a:endParaRPr lang="en-US"/>
           </a:p>
@@ -2875,11 +2969,11 @@
           <a:p>
             <a:r>
               <a:rPr lang="en-US" dirty="0"/>
-              <a:t>Add screenshots of an X and an O</a:t>
+              <a:t>Outside</a:t>
             </a:r>
             <a:r>
               <a:rPr lang="en-US" baseline="0" dirty="0"/>
-              <a:t> screen – like a timeline of screenshots.</a:t>
+              <a:t> the scanner</a:t>
             </a:r>
             <a:endParaRPr lang="en-US" dirty="0"/>
           </a:p>
@@ -2911,7 +3005,7 @@
     </p:spTree>
     <p:extLst>
       <p:ext uri="{BB962C8B-B14F-4D97-AF65-F5344CB8AC3E}">
-        <p14:creationId xmlns:p14="http://schemas.microsoft.com/office/powerpoint/2010/main" val="1995518998"/>
+        <p14:creationId xmlns:p14="http://schemas.microsoft.com/office/powerpoint/2010/main" val="2862543995"/>
       </p:ext>
     </p:extLst>
   </p:cSld>
@@ -3003,7 +3097,7 @@
     </p:spTree>
     <p:extLst>
       <p:ext uri="{BB962C8B-B14F-4D97-AF65-F5344CB8AC3E}">
-        <p14:creationId xmlns:p14="http://schemas.microsoft.com/office/powerpoint/2010/main" val="365048788"/>
+        <p14:creationId xmlns:p14="http://schemas.microsoft.com/office/powerpoint/2010/main" val="1995518998"/>
       </p:ext>
     </p:extLst>
   </p:cSld>
@@ -3095,7 +3189,7 @@
     </p:spTree>
     <p:extLst>
       <p:ext uri="{BB962C8B-B14F-4D97-AF65-F5344CB8AC3E}">
-        <p14:creationId xmlns:p14="http://schemas.microsoft.com/office/powerpoint/2010/main" val="3080627685"/>
+        <p14:creationId xmlns:p14="http://schemas.microsoft.com/office/powerpoint/2010/main" val="365048788"/>
       </p:ext>
     </p:extLst>
   </p:cSld>
@@ -3187,7 +3281,7 @@
     </p:spTree>
     <p:extLst>
       <p:ext uri="{BB962C8B-B14F-4D97-AF65-F5344CB8AC3E}">
-        <p14:creationId xmlns:p14="http://schemas.microsoft.com/office/powerpoint/2010/main" val="105590217"/>
+        <p14:creationId xmlns:p14="http://schemas.microsoft.com/office/powerpoint/2010/main" val="3080627685"/>
       </p:ext>
     </p:extLst>
   </p:cSld>
@@ -3279,7 +3373,7 @@
     </p:spTree>
     <p:extLst>
       <p:ext uri="{BB962C8B-B14F-4D97-AF65-F5344CB8AC3E}">
-        <p14:creationId xmlns:p14="http://schemas.microsoft.com/office/powerpoint/2010/main" val="1272162501"/>
+        <p14:creationId xmlns:p14="http://schemas.microsoft.com/office/powerpoint/2010/main" val="105590217"/>
       </p:ext>
     </p:extLst>
   </p:cSld>
@@ -3371,7 +3465,7 @@
     </p:spTree>
     <p:extLst>
       <p:ext uri="{BB962C8B-B14F-4D97-AF65-F5344CB8AC3E}">
-        <p14:creationId xmlns:p14="http://schemas.microsoft.com/office/powerpoint/2010/main" val="2444329472"/>
+        <p14:creationId xmlns:p14="http://schemas.microsoft.com/office/powerpoint/2010/main" val="1272162501"/>
       </p:ext>
     </p:extLst>
   </p:cSld>
@@ -3560,7 +3654,7 @@
           <a:p>
             <a:fld id="{E69A4D3A-6EF8-7448-AC6F-AD52FEDAA6A8}" type="datetimeFigureOut">
               <a:rPr lang="en-US" smtClean="0"/>
-              <a:t>6/21/21</a:t>
+              <a:t>12/21/21</a:t>
             </a:fld>
             <a:endParaRPr lang="en-US" dirty="0"/>
           </a:p>
@@ -3728,7 +3822,7 @@
           <a:p>
             <a:fld id="{E69A4D3A-6EF8-7448-AC6F-AD52FEDAA6A8}" type="datetimeFigureOut">
               <a:rPr lang="en-US" smtClean="0"/>
-              <a:t>6/21/21</a:t>
+              <a:t>12/21/21</a:t>
             </a:fld>
             <a:endParaRPr lang="en-US" dirty="0"/>
           </a:p>
@@ -3906,7 +4000,7 @@
           <a:p>
             <a:fld id="{E69A4D3A-6EF8-7448-AC6F-AD52FEDAA6A8}" type="datetimeFigureOut">
               <a:rPr lang="en-US" smtClean="0"/>
-              <a:t>6/21/21</a:t>
+              <a:t>12/21/21</a:t>
             </a:fld>
             <a:endParaRPr lang="en-US" dirty="0"/>
           </a:p>
@@ -4074,7 +4168,7 @@
           <a:p>
             <a:fld id="{E69A4D3A-6EF8-7448-AC6F-AD52FEDAA6A8}" type="datetimeFigureOut">
               <a:rPr lang="en-US" smtClean="0"/>
-              <a:t>6/21/21</a:t>
+              <a:t>12/21/21</a:t>
             </a:fld>
             <a:endParaRPr lang="en-US" dirty="0"/>
           </a:p>
@@ -4319,7 +4413,7 @@
           <a:p>
             <a:fld id="{E69A4D3A-6EF8-7448-AC6F-AD52FEDAA6A8}" type="datetimeFigureOut">
               <a:rPr lang="en-US" smtClean="0"/>
-              <a:t>6/21/21</a:t>
+              <a:t>12/21/21</a:t>
             </a:fld>
             <a:endParaRPr lang="en-US" dirty="0"/>
           </a:p>
@@ -4604,7 +4698,7 @@
           <a:p>
             <a:fld id="{E69A4D3A-6EF8-7448-AC6F-AD52FEDAA6A8}" type="datetimeFigureOut">
               <a:rPr lang="en-US" smtClean="0"/>
-              <a:t>6/21/21</a:t>
+              <a:t>12/21/21</a:t>
             </a:fld>
             <a:endParaRPr lang="en-US" dirty="0"/>
           </a:p>
@@ -5023,7 +5117,7 @@
           <a:p>
             <a:fld id="{E69A4D3A-6EF8-7448-AC6F-AD52FEDAA6A8}" type="datetimeFigureOut">
               <a:rPr lang="en-US" smtClean="0"/>
-              <a:t>6/21/21</a:t>
+              <a:t>12/21/21</a:t>
             </a:fld>
             <a:endParaRPr lang="en-US" dirty="0"/>
           </a:p>
@@ -5140,7 +5234,7 @@
           <a:p>
             <a:fld id="{E69A4D3A-6EF8-7448-AC6F-AD52FEDAA6A8}" type="datetimeFigureOut">
               <a:rPr lang="en-US" smtClean="0"/>
-              <a:t>6/21/21</a:t>
+              <a:t>12/21/21</a:t>
             </a:fld>
             <a:endParaRPr lang="en-US" dirty="0"/>
           </a:p>
@@ -5235,7 +5329,7 @@
           <a:p>
             <a:fld id="{E69A4D3A-6EF8-7448-AC6F-AD52FEDAA6A8}" type="datetimeFigureOut">
               <a:rPr lang="en-US" smtClean="0"/>
-              <a:t>6/21/21</a:t>
+              <a:t>12/21/21</a:t>
             </a:fld>
             <a:endParaRPr lang="en-US" dirty="0"/>
           </a:p>
@@ -5510,7 +5604,7 @@
           <a:p>
             <a:fld id="{E69A4D3A-6EF8-7448-AC6F-AD52FEDAA6A8}" type="datetimeFigureOut">
               <a:rPr lang="en-US" smtClean="0"/>
-              <a:t>6/21/21</a:t>
+              <a:t>12/21/21</a:t>
             </a:fld>
             <a:endParaRPr lang="en-US" dirty="0"/>
           </a:p>
@@ -5765,7 +5859,7 @@
           <a:p>
             <a:fld id="{E69A4D3A-6EF8-7448-AC6F-AD52FEDAA6A8}" type="datetimeFigureOut">
               <a:rPr lang="en-US" smtClean="0"/>
-              <a:t>6/21/21</a:t>
+              <a:t>12/21/21</a:t>
             </a:fld>
             <a:endParaRPr lang="en-US" dirty="0"/>
           </a:p>
@@ -5979,7 +6073,7 @@
           <a:p>
             <a:fld id="{E69A4D3A-6EF8-7448-AC6F-AD52FEDAA6A8}" type="datetimeFigureOut">
               <a:rPr lang="en-US" smtClean="0"/>
-              <a:t>6/21/21</a:t>
+              <a:t>12/21/21</a:t>
             </a:fld>
             <a:endParaRPr lang="en-US" dirty="0"/>
           </a:p>
@@ -6593,6 +6687,138 @@
         </p:nvSpPr>
         <p:spPr>
           <a:xfrm>
+            <a:off x="0" y="1733384"/>
+            <a:ext cx="9143999" cy="3046988"/>
+          </a:xfrm>
+          <a:prstGeom prst="rect">
+            <a:avLst/>
+          </a:prstGeom>
+        </p:spPr>
+        <p:txBody>
+          <a:bodyPr wrap="square" lIns="91440" tIns="45720" rIns="91440" bIns="45720" anchor="ctr">
+            <a:spAutoFit/>
+          </a:bodyPr>
+          <a:lstStyle/>
+          <a:p>
+            <a:pPr algn="ctr"/>
+            <a:r>
+              <a:rPr lang="en-US" sz="3600" b="1" dirty="0">
+                <a:cs typeface="Calibri"/>
+              </a:rPr>
+              <a:t>Valence: </a:t>
+            </a:r>
+            <a:r>
+              <a:rPr lang="en-US" sz="3600" dirty="0">
+                <a:cs typeface="Calibri"/>
+              </a:rPr>
+              <a:t>Rate your mood in response to this video. </a:t>
+            </a:r>
+            <a:endParaRPr lang="en-US" sz="4000" dirty="0">
+              <a:cs typeface="Calibri"/>
+            </a:endParaRPr>
+          </a:p>
+          <a:p>
+            <a:pPr algn="ctr"/>
+            <a:endParaRPr lang="en-US" sz="4000" dirty="0">
+              <a:cs typeface="Calibri"/>
+            </a:endParaRPr>
+          </a:p>
+          <a:p>
+            <a:pPr algn="ctr"/>
+            <a:endParaRPr lang="en-US" sz="4000" dirty="0">
+              <a:cs typeface="Calibri"/>
+            </a:endParaRPr>
+          </a:p>
+          <a:p>
+            <a:pPr algn="ctr"/>
+            <a:endParaRPr lang="en-US" sz="4000" dirty="0">
+              <a:cs typeface="Calibri"/>
+            </a:endParaRPr>
+          </a:p>
+        </p:txBody>
+      </p:sp>
+      <p:sp>
+        <p:nvSpPr>
+          <p:cNvPr id="2" name="TextBox 1">
+            <a:extLst>
+              <a:ext uri="{FF2B5EF4-FFF2-40B4-BE49-F238E27FC236}">
+                <a16:creationId xmlns:a16="http://schemas.microsoft.com/office/drawing/2014/main" id="{8103C802-5703-104E-B339-9CAB3C745E87}"/>
+              </a:ext>
+            </a:extLst>
+          </p:cNvPr>
+          <p:cNvSpPr txBox="1"/>
+          <p:nvPr/>
+        </p:nvSpPr>
+        <p:spPr>
+          <a:xfrm>
+            <a:off x="1506071" y="3515061"/>
+            <a:ext cx="6745045" cy="646331"/>
+          </a:xfrm>
+          <a:prstGeom prst="rect">
+            <a:avLst/>
+          </a:prstGeom>
+          <a:noFill/>
+        </p:spPr>
+        <p:txBody>
+          <a:bodyPr wrap="square" rtlCol="0">
+            <a:spAutoFit/>
+          </a:bodyPr>
+          <a:lstStyle/>
+          <a:p>
+            <a:pPr algn="ctr"/>
+            <a:r>
+              <a:rPr lang="en-US" dirty="0"/>
+              <a:t>[insert </a:t>
+            </a:r>
+            <a:r>
+              <a:rPr lang="en-US" dirty="0" err="1"/>
+              <a:t>likert</a:t>
+            </a:r>
+            <a:r>
+              <a:rPr lang="en-US" dirty="0"/>
+              <a:t> scale 1-9 with anchors 1=negative 5= neutral 9= positive controlled by mouse click]</a:t>
+            </a:r>
+          </a:p>
+        </p:txBody>
+      </p:sp>
+    </p:spTree>
+    <p:extLst>
+      <p:ext uri="{BB962C8B-B14F-4D97-AF65-F5344CB8AC3E}">
+        <p14:creationId xmlns:p14="http://schemas.microsoft.com/office/powerpoint/2010/main" val="2931273767"/>
+      </p:ext>
+    </p:extLst>
+  </p:cSld>
+  <p:clrMapOvr>
+    <a:masterClrMapping/>
+  </p:clrMapOvr>
+</p:sld>
+</file>
+
+<file path=ppt/slides/slide11.xml><?xml version="1.0" encoding="utf-8"?>
+<p:sld xmlns:a="http://schemas.openxmlformats.org/drawingml/2006/main" xmlns:r="http://schemas.openxmlformats.org/officeDocument/2006/relationships" xmlns:p="http://schemas.openxmlformats.org/presentationml/2006/main">
+  <p:cSld>
+    <p:spTree>
+      <p:nvGrpSpPr>
+        <p:cNvPr id="1" name=""/>
+        <p:cNvGrpSpPr/>
+        <p:nvPr/>
+      </p:nvGrpSpPr>
+      <p:grpSpPr>
+        <a:xfrm>
+          <a:off x="0" y="0"/>
+          <a:ext cx="0" cy="0"/>
+          <a:chOff x="0" y="0"/>
+          <a:chExt cx="0" cy="0"/>
+        </a:xfrm>
+      </p:grpSpPr>
+      <p:sp>
+        <p:nvSpPr>
+          <p:cNvPr id="4" name="Rectangle 3"/>
+          <p:cNvSpPr/>
+          <p:nvPr/>
+        </p:nvSpPr>
+        <p:spPr>
+          <a:xfrm>
             <a:off x="0" y="2041160"/>
             <a:ext cx="9143999" cy="2431435"/>
           </a:xfrm>
@@ -6694,7 +6920,7 @@
 </p:sld>
 </file>
 
-<file path=ppt/slides/slide11.xml><?xml version="1.0" encoding="utf-8"?>
+<file path=ppt/slides/slide12.xml><?xml version="1.0" encoding="utf-8"?>
 <p:sld xmlns:a="http://schemas.openxmlformats.org/drawingml/2006/main" xmlns:r="http://schemas.openxmlformats.org/officeDocument/2006/relationships" xmlns:p="http://schemas.openxmlformats.org/presentationml/2006/main">
   <p:cSld>
     <p:spTree>
@@ -6985,75 +7211,6 @@
 </p:sld>
 </file>
 
-<file path=ppt/slides/slide12.xml><?xml version="1.0" encoding="utf-8"?>
-<p:sld xmlns:a="http://schemas.openxmlformats.org/drawingml/2006/main" xmlns:r="http://schemas.openxmlformats.org/officeDocument/2006/relationships" xmlns:p="http://schemas.openxmlformats.org/presentationml/2006/main">
-  <p:cSld>
-    <p:spTree>
-      <p:nvGrpSpPr>
-        <p:cNvPr id="1" name=""/>
-        <p:cNvGrpSpPr/>
-        <p:nvPr/>
-      </p:nvGrpSpPr>
-      <p:grpSpPr>
-        <a:xfrm>
-          <a:off x="0" y="0"/>
-          <a:ext cx="0" cy="0"/>
-          <a:chOff x="0" y="0"/>
-          <a:chExt cx="0" cy="0"/>
-        </a:xfrm>
-      </p:grpSpPr>
-      <p:sp>
-        <p:nvSpPr>
-          <p:cNvPr id="4" name="Rectangle 3"/>
-          <p:cNvSpPr/>
-          <p:nvPr/>
-        </p:nvSpPr>
-        <p:spPr>
-          <a:xfrm>
-            <a:off x="0" y="2659455"/>
-            <a:ext cx="9143999" cy="1323439"/>
-          </a:xfrm>
-          <a:prstGeom prst="rect">
-            <a:avLst/>
-          </a:prstGeom>
-        </p:spPr>
-        <p:txBody>
-          <a:bodyPr wrap="square" lIns="91440" tIns="45720" rIns="91440" bIns="45720" anchor="t">
-            <a:spAutoFit/>
-          </a:bodyPr>
-          <a:lstStyle/>
-          <a:p>
-            <a:pPr algn="ctr"/>
-            <a:r>
-              <a:rPr lang="en-US" sz="4000" dirty="0"/>
-              <a:t>When you are ready,</a:t>
-            </a:r>
-          </a:p>
-          <a:p>
-            <a:pPr algn="ctr"/>
-            <a:r>
-              <a:rPr lang="en-US" sz="4000" dirty="0"/>
-              <a:t>Keep clicking the mouse to continue.</a:t>
-            </a:r>
-            <a:endParaRPr lang="en-US" sz="4000" dirty="0">
-              <a:cs typeface="Calibri"/>
-            </a:endParaRPr>
-          </a:p>
-        </p:txBody>
-      </p:sp>
-    </p:spTree>
-    <p:extLst>
-      <p:ext uri="{BB962C8B-B14F-4D97-AF65-F5344CB8AC3E}">
-        <p14:creationId xmlns:p14="http://schemas.microsoft.com/office/powerpoint/2010/main" val="1293921749"/>
-      </p:ext>
-    </p:extLst>
-  </p:cSld>
-  <p:clrMapOvr>
-    <a:masterClrMapping/>
-  </p:clrMapOvr>
-</p:sld>
-</file>
-
 <file path=ppt/slides/slide13.xml><?xml version="1.0" encoding="utf-8"?>
 <p:sld xmlns:a="http://schemas.openxmlformats.org/drawingml/2006/main" xmlns:r="http://schemas.openxmlformats.org/officeDocument/2006/relationships" xmlns:p="http://schemas.openxmlformats.org/presentationml/2006/main">
   <p:cSld>
@@ -7079,90 +7236,41 @@
         </p:nvSpPr>
         <p:spPr>
           <a:xfrm>
-            <a:off x="0" y="2041160"/>
-            <a:ext cx="9143999" cy="2431435"/>
+            <a:off x="0" y="2659455"/>
+            <a:ext cx="9143999" cy="1323439"/>
           </a:xfrm>
           <a:prstGeom prst="rect">
             <a:avLst/>
           </a:prstGeom>
         </p:spPr>
         <p:txBody>
-          <a:bodyPr wrap="square" lIns="91440" tIns="45720" rIns="91440" bIns="45720" anchor="ctr">
+          <a:bodyPr wrap="square" lIns="91440" tIns="45720" rIns="91440" bIns="45720" anchor="t">
             <a:spAutoFit/>
           </a:bodyPr>
           <a:lstStyle/>
           <a:p>
             <a:pPr algn="ctr"/>
             <a:r>
-              <a:rPr lang="en-US" sz="3600" b="1" dirty="0">
-                <a:cs typeface="Calibri"/>
-              </a:rPr>
-              <a:t>Relatedness: </a:t>
-            </a:r>
-            <a:r>
-              <a:rPr lang="en-US" sz="3600" dirty="0">
-                <a:cs typeface="Calibri"/>
-              </a:rPr>
-              <a:t>Is this clip related to your identity as a native person?</a:t>
+              <a:rPr lang="en-US" sz="4000" dirty="0"/>
+              <a:t>When you are ready,</a:t>
+            </a:r>
+          </a:p>
+          <a:p>
+            <a:pPr algn="ctr"/>
+            <a:r>
+              <a:rPr lang="en-US" sz="4000" dirty="0"/>
+              <a:t>Keep clicking the mouse to continue.</a:t>
             </a:r>
             <a:endParaRPr lang="en-US" sz="4000" dirty="0">
               <a:cs typeface="Calibri"/>
             </a:endParaRPr>
           </a:p>
-          <a:p>
-            <a:pPr algn="ctr"/>
-            <a:endParaRPr lang="en-US" sz="4000" dirty="0">
-              <a:cs typeface="Calibri"/>
-            </a:endParaRPr>
-          </a:p>
-          <a:p>
-            <a:pPr algn="ctr"/>
-            <a:endParaRPr lang="en-US" sz="4000" dirty="0">
-              <a:cs typeface="Calibri"/>
-            </a:endParaRPr>
-          </a:p>
-        </p:txBody>
-      </p:sp>
-      <p:sp>
-        <p:nvSpPr>
-          <p:cNvPr id="2" name="TextBox 1">
-            <a:extLst>
-              <a:ext uri="{FF2B5EF4-FFF2-40B4-BE49-F238E27FC236}">
-                <a16:creationId xmlns:a16="http://schemas.microsoft.com/office/drawing/2014/main" id="{8103C802-5703-104E-B339-9CAB3C745E87}"/>
-              </a:ext>
-            </a:extLst>
-          </p:cNvPr>
-          <p:cNvSpPr txBox="1"/>
-          <p:nvPr/>
-        </p:nvSpPr>
-        <p:spPr>
-          <a:xfrm>
-            <a:off x="1506071" y="3515061"/>
-            <a:ext cx="6745045" cy="369332"/>
-          </a:xfrm>
-          <a:prstGeom prst="rect">
-            <a:avLst/>
-          </a:prstGeom>
-          <a:noFill/>
-        </p:spPr>
-        <p:txBody>
-          <a:bodyPr wrap="square" rtlCol="0">
-            <a:spAutoFit/>
-          </a:bodyPr>
-          <a:lstStyle/>
-          <a:p>
-            <a:pPr algn="ctr"/>
-            <a:r>
-              <a:rPr lang="en-US" dirty="0"/>
-              <a:t>[Yes/No options controlled by mouse click]</a:t>
-            </a:r>
-          </a:p>
         </p:txBody>
       </p:sp>
     </p:spTree>
     <p:extLst>
       <p:ext uri="{BB962C8B-B14F-4D97-AF65-F5344CB8AC3E}">
-        <p14:creationId xmlns:p14="http://schemas.microsoft.com/office/powerpoint/2010/main" val="4282962377"/>
+        <p14:creationId xmlns:p14="http://schemas.microsoft.com/office/powerpoint/2010/main" val="1293921749"/>
       </p:ext>
     </p:extLst>
   </p:cSld>
@@ -7197,8 +7305,8 @@
         </p:nvSpPr>
         <p:spPr>
           <a:xfrm>
-            <a:off x="0" y="1425607"/>
-            <a:ext cx="9143999" cy="3662541"/>
+            <a:off x="0" y="2041160"/>
+            <a:ext cx="9143999" cy="2431435"/>
           </a:xfrm>
           <a:prstGeom prst="rect">
             <a:avLst/>
@@ -7215,23 +7323,14 @@
               <a:rPr lang="en-US" sz="3600" b="1" dirty="0">
                 <a:cs typeface="Calibri"/>
               </a:rPr>
-              <a:t>Identity: </a:t>
+              <a:t>Relatedness: </a:t>
             </a:r>
             <a:r>
               <a:rPr lang="en-US" sz="3600" dirty="0">
                 <a:cs typeface="Calibri"/>
               </a:rPr>
-              <a:t>How much did this clip relate to your identity as a native person? (0-100)</a:t>
-            </a:r>
-          </a:p>
-          <a:p>
-            <a:pPr algn="ctr"/>
-            <a:endParaRPr lang="en-US" sz="4000" dirty="0">
-              <a:cs typeface="Calibri"/>
-            </a:endParaRPr>
-          </a:p>
-          <a:p>
-            <a:pPr algn="ctr"/>
+              <a:t>Is this clip related to your identity as a native person?</a:t>
+            </a:r>
             <a:endParaRPr lang="en-US" sz="4000" dirty="0">
               <a:cs typeface="Calibri"/>
             </a:endParaRPr>
@@ -7264,8 +7363,8 @@
         </p:nvSpPr>
         <p:spPr>
           <a:xfrm>
-            <a:off x="2043953" y="3256877"/>
-            <a:ext cx="5131398" cy="369332"/>
+            <a:off x="1506071" y="3515061"/>
+            <a:ext cx="6745045" cy="369332"/>
           </a:xfrm>
           <a:prstGeom prst="rect">
             <a:avLst/>
@@ -7281,7 +7380,7 @@
             <a:pPr algn="ctr"/>
             <a:r>
               <a:rPr lang="en-US" dirty="0"/>
-              <a:t>[insert number line 0-100controlled by dial]</a:t>
+              <a:t>[Yes/No options controlled by mouse click]</a:t>
             </a:r>
           </a:p>
         </p:txBody>
@@ -7289,7 +7388,7 @@
     </p:spTree>
     <p:extLst>
       <p:ext uri="{BB962C8B-B14F-4D97-AF65-F5344CB8AC3E}">
-        <p14:creationId xmlns:p14="http://schemas.microsoft.com/office/powerpoint/2010/main" val="1785467731"/>
+        <p14:creationId xmlns:p14="http://schemas.microsoft.com/office/powerpoint/2010/main" val="4282962377"/>
       </p:ext>
     </p:extLst>
   </p:cSld>
@@ -7342,13 +7441,13 @@
               <a:rPr lang="en-US" sz="3600" b="1" dirty="0">
                 <a:cs typeface="Calibri"/>
               </a:rPr>
-              <a:t>Typicality: </a:t>
+              <a:t>Identity: </a:t>
             </a:r>
             <a:r>
               <a:rPr lang="en-US" sz="3600" dirty="0">
                 <a:cs typeface="Calibri"/>
               </a:rPr>
-              <a:t>How likely is it for a native person to hear/experience sounds like this? (0-100)</a:t>
+              <a:t>How much did this clip relate to your identity as a native person? (0-100)</a:t>
             </a:r>
           </a:p>
           <a:p>
@@ -7392,7 +7491,7 @@
         <p:spPr>
           <a:xfrm>
             <a:off x="2043953" y="3256877"/>
-            <a:ext cx="5131398" cy="646331"/>
+            <a:ext cx="5131398" cy="369332"/>
           </a:xfrm>
           <a:prstGeom prst="rect">
             <a:avLst/>
@@ -7408,7 +7507,7 @@
             <a:pPr algn="ctr"/>
             <a:r>
               <a:rPr lang="en-US" dirty="0"/>
-              <a:t>[insert number line 0-100 use a slider controlled by mouse]</a:t>
+              <a:t>[insert number line 0-100controlled by dial]</a:t>
             </a:r>
           </a:p>
         </p:txBody>
@@ -7416,7 +7515,7 @@
     </p:spTree>
     <p:extLst>
       <p:ext uri="{BB962C8B-B14F-4D97-AF65-F5344CB8AC3E}">
-        <p14:creationId xmlns:p14="http://schemas.microsoft.com/office/powerpoint/2010/main" val="1542420943"/>
+        <p14:creationId xmlns:p14="http://schemas.microsoft.com/office/powerpoint/2010/main" val="1785467731"/>
       </p:ext>
     </p:extLst>
   </p:cSld>
@@ -7451,8 +7550,8 @@
         </p:nvSpPr>
         <p:spPr>
           <a:xfrm>
-            <a:off x="0" y="1733384"/>
-            <a:ext cx="9143999" cy="3046988"/>
+            <a:off x="0" y="1425607"/>
+            <a:ext cx="9143999" cy="3662541"/>
           </a:xfrm>
           <a:prstGeom prst="rect">
             <a:avLst/>
@@ -7469,14 +7568,17 @@
               <a:rPr lang="en-US" sz="3600" b="1" dirty="0">
                 <a:cs typeface="Calibri"/>
               </a:rPr>
-              <a:t>Valence: </a:t>
+              <a:t>Typicality: </a:t>
             </a:r>
             <a:r>
               <a:rPr lang="en-US" sz="3600" dirty="0">
                 <a:cs typeface="Calibri"/>
               </a:rPr>
-              <a:t>Rate your mood in response to this clip. </a:t>
-            </a:r>
+              <a:t>How likely is it for a native person to hear/experience sounds like this? (0-100)</a:t>
+            </a:r>
+          </a:p>
+          <a:p>
+            <a:pPr algn="ctr"/>
             <a:endParaRPr lang="en-US" sz="4000" dirty="0">
               <a:cs typeface="Calibri"/>
             </a:endParaRPr>
@@ -7515,8 +7617,8 @@
         </p:nvSpPr>
         <p:spPr>
           <a:xfrm>
-            <a:off x="1506071" y="3515061"/>
-            <a:ext cx="6745045" cy="369332"/>
+            <a:off x="2043953" y="3256877"/>
+            <a:ext cx="5131398" cy="646331"/>
           </a:xfrm>
           <a:prstGeom prst="rect">
             <a:avLst/>
@@ -7532,15 +7634,7 @@
             <a:pPr algn="ctr"/>
             <a:r>
               <a:rPr lang="en-US" dirty="0"/>
-              <a:t>[insert </a:t>
-            </a:r>
-            <a:r>
-              <a:rPr lang="en-US" dirty="0" err="1"/>
-              <a:t>likert</a:t>
-            </a:r>
-            <a:r>
-              <a:rPr lang="en-US" dirty="0"/>
-              <a:t> scale 1-9 with anchors 1=negative 5= neutral 9= positive]</a:t>
+              <a:t>[insert number line 0-100 use a slider controlled by mouse]</a:t>
             </a:r>
           </a:p>
         </p:txBody>
@@ -7548,7 +7642,7 @@
     </p:spTree>
     <p:extLst>
       <p:ext uri="{BB962C8B-B14F-4D97-AF65-F5344CB8AC3E}">
-        <p14:creationId xmlns:p14="http://schemas.microsoft.com/office/powerpoint/2010/main" val="1865332930"/>
+        <p14:creationId xmlns:p14="http://schemas.microsoft.com/office/powerpoint/2010/main" val="1542420943"/>
       </p:ext>
     </p:extLst>
   </p:cSld>
@@ -7583,6 +7677,138 @@
         </p:nvSpPr>
         <p:spPr>
           <a:xfrm>
+            <a:off x="0" y="1733384"/>
+            <a:ext cx="9143999" cy="3046988"/>
+          </a:xfrm>
+          <a:prstGeom prst="rect">
+            <a:avLst/>
+          </a:prstGeom>
+        </p:spPr>
+        <p:txBody>
+          <a:bodyPr wrap="square" lIns="91440" tIns="45720" rIns="91440" bIns="45720" anchor="ctr">
+            <a:spAutoFit/>
+          </a:bodyPr>
+          <a:lstStyle/>
+          <a:p>
+            <a:pPr algn="ctr"/>
+            <a:r>
+              <a:rPr lang="en-US" sz="3600" b="1" dirty="0">
+                <a:cs typeface="Calibri"/>
+              </a:rPr>
+              <a:t>Valence: </a:t>
+            </a:r>
+            <a:r>
+              <a:rPr lang="en-US" sz="3600" dirty="0">
+                <a:cs typeface="Calibri"/>
+              </a:rPr>
+              <a:t>Rate your mood in response to this clip. </a:t>
+            </a:r>
+            <a:endParaRPr lang="en-US" sz="4000" dirty="0">
+              <a:cs typeface="Calibri"/>
+            </a:endParaRPr>
+          </a:p>
+          <a:p>
+            <a:pPr algn="ctr"/>
+            <a:endParaRPr lang="en-US" sz="4000" dirty="0">
+              <a:cs typeface="Calibri"/>
+            </a:endParaRPr>
+          </a:p>
+          <a:p>
+            <a:pPr algn="ctr"/>
+            <a:endParaRPr lang="en-US" sz="4000" dirty="0">
+              <a:cs typeface="Calibri"/>
+            </a:endParaRPr>
+          </a:p>
+          <a:p>
+            <a:pPr algn="ctr"/>
+            <a:endParaRPr lang="en-US" sz="4000" dirty="0">
+              <a:cs typeface="Calibri"/>
+            </a:endParaRPr>
+          </a:p>
+        </p:txBody>
+      </p:sp>
+      <p:sp>
+        <p:nvSpPr>
+          <p:cNvPr id="2" name="TextBox 1">
+            <a:extLst>
+              <a:ext uri="{FF2B5EF4-FFF2-40B4-BE49-F238E27FC236}">
+                <a16:creationId xmlns:a16="http://schemas.microsoft.com/office/drawing/2014/main" id="{8103C802-5703-104E-B339-9CAB3C745E87}"/>
+              </a:ext>
+            </a:extLst>
+          </p:cNvPr>
+          <p:cNvSpPr txBox="1"/>
+          <p:nvPr/>
+        </p:nvSpPr>
+        <p:spPr>
+          <a:xfrm>
+            <a:off x="1506071" y="3515061"/>
+            <a:ext cx="6745045" cy="369332"/>
+          </a:xfrm>
+          <a:prstGeom prst="rect">
+            <a:avLst/>
+          </a:prstGeom>
+          <a:noFill/>
+        </p:spPr>
+        <p:txBody>
+          <a:bodyPr wrap="square" rtlCol="0">
+            <a:spAutoFit/>
+          </a:bodyPr>
+          <a:lstStyle/>
+          <a:p>
+            <a:pPr algn="ctr"/>
+            <a:r>
+              <a:rPr lang="en-US" dirty="0"/>
+              <a:t>[insert </a:t>
+            </a:r>
+            <a:r>
+              <a:rPr lang="en-US" dirty="0" err="1"/>
+              <a:t>likert</a:t>
+            </a:r>
+            <a:r>
+              <a:rPr lang="en-US" dirty="0"/>
+              <a:t> scale 1-9 with anchors 1=negative 5= neutral 9= positive]</a:t>
+            </a:r>
+          </a:p>
+        </p:txBody>
+      </p:sp>
+    </p:spTree>
+    <p:extLst>
+      <p:ext uri="{BB962C8B-B14F-4D97-AF65-F5344CB8AC3E}">
+        <p14:creationId xmlns:p14="http://schemas.microsoft.com/office/powerpoint/2010/main" val="1865332930"/>
+      </p:ext>
+    </p:extLst>
+  </p:cSld>
+  <p:clrMapOvr>
+    <a:masterClrMapping/>
+  </p:clrMapOvr>
+</p:sld>
+</file>
+
+<file path=ppt/slides/slide18.xml><?xml version="1.0" encoding="utf-8"?>
+<p:sld xmlns:a="http://schemas.openxmlformats.org/drawingml/2006/main" xmlns:r="http://schemas.openxmlformats.org/officeDocument/2006/relationships" xmlns:p="http://schemas.openxmlformats.org/presentationml/2006/main">
+  <p:cSld>
+    <p:spTree>
+      <p:nvGrpSpPr>
+        <p:cNvPr id="1" name=""/>
+        <p:cNvGrpSpPr/>
+        <p:nvPr/>
+      </p:nvGrpSpPr>
+      <p:grpSpPr>
+        <a:xfrm>
+          <a:off x="0" y="0"/>
+          <a:ext cx="0" cy="0"/>
+          <a:chOff x="0" y="0"/>
+          <a:chExt cx="0" cy="0"/>
+        </a:xfrm>
+      </p:grpSpPr>
+      <p:sp>
+        <p:nvSpPr>
+          <p:cNvPr id="4" name="Rectangle 3"/>
+          <p:cNvSpPr/>
+          <p:nvPr/>
+        </p:nvSpPr>
+        <p:spPr>
+          <a:xfrm>
             <a:off x="0" y="2041160"/>
             <a:ext cx="9143999" cy="2431435"/>
           </a:xfrm>
@@ -7684,7 +7910,7 @@
 </p:sld>
 </file>
 
-<file path=ppt/slides/slide18.xml><?xml version="1.0" encoding="utf-8"?>
+<file path=ppt/slides/slide19.xml><?xml version="1.0" encoding="utf-8"?>
 <p:sld xmlns:a="http://schemas.openxmlformats.org/drawingml/2006/main" xmlns:r="http://schemas.openxmlformats.org/officeDocument/2006/relationships" xmlns:p="http://schemas.openxmlformats.org/presentationml/2006/main">
   <p:cSld>
     <p:spTree>
@@ -7966,75 +8192,6 @@
     <p:extLst>
       <p:ext uri="{BB962C8B-B14F-4D97-AF65-F5344CB8AC3E}">
         <p14:creationId xmlns:p14="http://schemas.microsoft.com/office/powerpoint/2010/main" val="470756330"/>
-      </p:ext>
-    </p:extLst>
-  </p:cSld>
-  <p:clrMapOvr>
-    <a:masterClrMapping/>
-  </p:clrMapOvr>
-</p:sld>
-</file>
-
-<file path=ppt/slides/slide19.xml><?xml version="1.0" encoding="utf-8"?>
-<p:sld xmlns:a="http://schemas.openxmlformats.org/drawingml/2006/main" xmlns:r="http://schemas.openxmlformats.org/officeDocument/2006/relationships" xmlns:p="http://schemas.openxmlformats.org/presentationml/2006/main">
-  <p:cSld>
-    <p:spTree>
-      <p:nvGrpSpPr>
-        <p:cNvPr id="1" name=""/>
-        <p:cNvGrpSpPr/>
-        <p:nvPr/>
-      </p:nvGrpSpPr>
-      <p:grpSpPr>
-        <a:xfrm>
-          <a:off x="0" y="0"/>
-          <a:ext cx="0" cy="0"/>
-          <a:chOff x="0" y="0"/>
-          <a:chExt cx="0" cy="0"/>
-        </a:xfrm>
-      </p:grpSpPr>
-      <p:sp>
-        <p:nvSpPr>
-          <p:cNvPr id="4" name="Rectangle 3"/>
-          <p:cNvSpPr/>
-          <p:nvPr/>
-        </p:nvSpPr>
-        <p:spPr>
-          <a:xfrm>
-            <a:off x="0" y="2659455"/>
-            <a:ext cx="9143999" cy="1323439"/>
-          </a:xfrm>
-          <a:prstGeom prst="rect">
-            <a:avLst/>
-          </a:prstGeom>
-        </p:spPr>
-        <p:txBody>
-          <a:bodyPr wrap="square" lIns="91440" tIns="45720" rIns="91440" bIns="45720" anchor="t">
-            <a:spAutoFit/>
-          </a:bodyPr>
-          <a:lstStyle/>
-          <a:p>
-            <a:pPr algn="ctr"/>
-            <a:r>
-              <a:rPr lang="en-US" sz="4000" dirty="0"/>
-              <a:t>When you are ready,</a:t>
-            </a:r>
-          </a:p>
-          <a:p>
-            <a:pPr algn="ctr"/>
-            <a:r>
-              <a:rPr lang="en-US" sz="4000" dirty="0"/>
-              <a:t>Keep clicking the mouse to continue.</a:t>
-            </a:r>
-            <a:endParaRPr lang="en-US" sz="4000" dirty="0">
-              <a:cs typeface="Calibri"/>
-            </a:endParaRPr>
-          </a:p>
-        </p:txBody>
-      </p:sp>
-    </p:spTree>
-    <p:extLst>
-      <p:ext uri="{BB962C8B-B14F-4D97-AF65-F5344CB8AC3E}">
-        <p14:creationId xmlns:p14="http://schemas.microsoft.com/office/powerpoint/2010/main" val="545709490"/>
       </p:ext>
     </p:extLst>
   </p:cSld>
@@ -8276,7 +8433,7 @@
 </file>
 
 <file path=ppt/slides/slide20.xml><?xml version="1.0" encoding="utf-8"?>
-<p:sld xmlns:a="http://schemas.openxmlformats.org/drawingml/2006/main" xmlns:r="http://schemas.openxmlformats.org/officeDocument/2006/relationships" xmlns:p="http://schemas.openxmlformats.org/presentationml/2006/main" show="0">
+<p:sld xmlns:a="http://schemas.openxmlformats.org/drawingml/2006/main" xmlns:r="http://schemas.openxmlformats.org/officeDocument/2006/relationships" xmlns:p="http://schemas.openxmlformats.org/presentationml/2006/main">
   <p:cSld>
     <p:spTree>
       <p:nvGrpSpPr>
@@ -8300,90 +8457,41 @@
         </p:nvSpPr>
         <p:spPr>
           <a:xfrm>
-            <a:off x="0" y="2041160"/>
-            <a:ext cx="9143999" cy="2431435"/>
+            <a:off x="0" y="2659455"/>
+            <a:ext cx="9143999" cy="1323439"/>
           </a:xfrm>
           <a:prstGeom prst="rect">
             <a:avLst/>
           </a:prstGeom>
         </p:spPr>
         <p:txBody>
-          <a:bodyPr wrap="square" lIns="91440" tIns="45720" rIns="91440" bIns="45720" anchor="ctr">
+          <a:bodyPr wrap="square" lIns="91440" tIns="45720" rIns="91440" bIns="45720" anchor="t">
             <a:spAutoFit/>
           </a:bodyPr>
           <a:lstStyle/>
           <a:p>
             <a:pPr algn="ctr"/>
             <a:r>
-              <a:rPr lang="en-US" sz="3600" b="1" dirty="0">
-                <a:cs typeface="Calibri"/>
-              </a:rPr>
-              <a:t>Relatedness: </a:t>
-            </a:r>
-            <a:r>
-              <a:rPr lang="en-US" sz="3600" dirty="0">
-                <a:cs typeface="Calibri"/>
-              </a:rPr>
-              <a:t>Are these pictures related to your identity as a native person?</a:t>
+              <a:rPr lang="en-US" sz="4000" dirty="0"/>
+              <a:t>When you are ready,</a:t>
+            </a:r>
+          </a:p>
+          <a:p>
+            <a:pPr algn="ctr"/>
+            <a:r>
+              <a:rPr lang="en-US" sz="4000" dirty="0"/>
+              <a:t>Keep clicking the mouse to continue.</a:t>
             </a:r>
             <a:endParaRPr lang="en-US" sz="4000" dirty="0">
               <a:cs typeface="Calibri"/>
             </a:endParaRPr>
           </a:p>
-          <a:p>
-            <a:pPr algn="ctr"/>
-            <a:endParaRPr lang="en-US" sz="4000" dirty="0">
-              <a:cs typeface="Calibri"/>
-            </a:endParaRPr>
-          </a:p>
-          <a:p>
-            <a:pPr algn="ctr"/>
-            <a:endParaRPr lang="en-US" sz="4000" dirty="0">
-              <a:cs typeface="Calibri"/>
-            </a:endParaRPr>
-          </a:p>
-        </p:txBody>
-      </p:sp>
-      <p:sp>
-        <p:nvSpPr>
-          <p:cNvPr id="2" name="TextBox 1">
-            <a:extLst>
-              <a:ext uri="{FF2B5EF4-FFF2-40B4-BE49-F238E27FC236}">
-                <a16:creationId xmlns:a16="http://schemas.microsoft.com/office/drawing/2014/main" id="{8103C802-5703-104E-B339-9CAB3C745E87}"/>
-              </a:ext>
-            </a:extLst>
-          </p:cNvPr>
-          <p:cNvSpPr txBox="1"/>
-          <p:nvPr/>
-        </p:nvSpPr>
-        <p:spPr>
-          <a:xfrm>
-            <a:off x="1506071" y="3515061"/>
-            <a:ext cx="6745045" cy="369332"/>
-          </a:xfrm>
-          <a:prstGeom prst="rect">
-            <a:avLst/>
-          </a:prstGeom>
-          <a:noFill/>
-        </p:spPr>
-        <p:txBody>
-          <a:bodyPr wrap="square" rtlCol="0">
-            <a:spAutoFit/>
-          </a:bodyPr>
-          <a:lstStyle/>
-          <a:p>
-            <a:pPr algn="ctr"/>
-            <a:r>
-              <a:rPr lang="en-US" dirty="0"/>
-              <a:t>[Yes/No options controlled by mouse click]</a:t>
-            </a:r>
-          </a:p>
         </p:txBody>
       </p:sp>
     </p:spTree>
     <p:extLst>
       <p:ext uri="{BB962C8B-B14F-4D97-AF65-F5344CB8AC3E}">
-        <p14:creationId xmlns:p14="http://schemas.microsoft.com/office/powerpoint/2010/main" val="2608330240"/>
+        <p14:creationId xmlns:p14="http://schemas.microsoft.com/office/powerpoint/2010/main" val="545709490"/>
       </p:ext>
     </p:extLst>
   </p:cSld>
@@ -8418,8 +8526,8 @@
         </p:nvSpPr>
         <p:spPr>
           <a:xfrm>
-            <a:off x="0" y="1425607"/>
-            <a:ext cx="9143999" cy="3662541"/>
+            <a:off x="0" y="2041160"/>
+            <a:ext cx="9143999" cy="2431435"/>
           </a:xfrm>
           <a:prstGeom prst="rect">
             <a:avLst/>
@@ -8436,23 +8544,14 @@
               <a:rPr lang="en-US" sz="3600" b="1" dirty="0">
                 <a:cs typeface="Calibri"/>
               </a:rPr>
-              <a:t>Identity: </a:t>
+              <a:t>Relatedness: </a:t>
             </a:r>
             <a:r>
               <a:rPr lang="en-US" sz="3600" dirty="0">
                 <a:cs typeface="Calibri"/>
               </a:rPr>
-              <a:t>How much did these pictures relate to your identity as a native person? (0-100)</a:t>
-            </a:r>
-          </a:p>
-          <a:p>
-            <a:pPr algn="ctr"/>
-            <a:endParaRPr lang="en-US" sz="4000" dirty="0">
-              <a:cs typeface="Calibri"/>
-            </a:endParaRPr>
-          </a:p>
-          <a:p>
-            <a:pPr algn="ctr"/>
+              <a:t>Are these pictures related to your identity as a native person?</a:t>
+            </a:r>
             <a:endParaRPr lang="en-US" sz="4000" dirty="0">
               <a:cs typeface="Calibri"/>
             </a:endParaRPr>
@@ -8485,8 +8584,8 @@
         </p:nvSpPr>
         <p:spPr>
           <a:xfrm>
-            <a:off x="2043953" y="3256877"/>
-            <a:ext cx="5131398" cy="369332"/>
+            <a:off x="1506071" y="3515061"/>
+            <a:ext cx="6745045" cy="369332"/>
           </a:xfrm>
           <a:prstGeom prst="rect">
             <a:avLst/>
@@ -8502,7 +8601,7 @@
             <a:pPr algn="ctr"/>
             <a:r>
               <a:rPr lang="en-US" dirty="0"/>
-              <a:t>[insert number line 0-100 controlled by buttons]</a:t>
+              <a:t>[Yes/No options controlled by mouse click]</a:t>
             </a:r>
           </a:p>
         </p:txBody>
@@ -8510,7 +8609,7 @@
     </p:spTree>
     <p:extLst>
       <p:ext uri="{BB962C8B-B14F-4D97-AF65-F5344CB8AC3E}">
-        <p14:creationId xmlns:p14="http://schemas.microsoft.com/office/powerpoint/2010/main" val="164945349"/>
+        <p14:creationId xmlns:p14="http://schemas.microsoft.com/office/powerpoint/2010/main" val="2608330240"/>
       </p:ext>
     </p:extLst>
   </p:cSld>
@@ -8563,13 +8662,13 @@
               <a:rPr lang="en-US" sz="3600" b="1" dirty="0">
                 <a:cs typeface="Calibri"/>
               </a:rPr>
-              <a:t>Typicality: </a:t>
+              <a:t>Identity: </a:t>
             </a:r>
             <a:r>
               <a:rPr lang="en-US" sz="3600" dirty="0">
                 <a:cs typeface="Calibri"/>
               </a:rPr>
-              <a:t>How likely is it for a native person to see/experience scenes like this? (0-100)</a:t>
+              <a:t>How much did these pictures relate to your identity as a native person? (0-100)</a:t>
             </a:r>
           </a:p>
           <a:p>
@@ -8613,7 +8712,7 @@
         <p:spPr>
           <a:xfrm>
             <a:off x="2043953" y="3256877"/>
-            <a:ext cx="5131398" cy="646331"/>
+            <a:ext cx="5131398" cy="369332"/>
           </a:xfrm>
           <a:prstGeom prst="rect">
             <a:avLst/>
@@ -8629,7 +8728,7 @@
             <a:pPr algn="ctr"/>
             <a:r>
               <a:rPr lang="en-US" dirty="0"/>
-              <a:t>[insert number line 0-100 use a slider controlled by mouse]</a:t>
+              <a:t>[insert number line 0-100 controlled by buttons]</a:t>
             </a:r>
           </a:p>
         </p:txBody>
@@ -8637,7 +8736,7 @@
     </p:spTree>
     <p:extLst>
       <p:ext uri="{BB962C8B-B14F-4D97-AF65-F5344CB8AC3E}">
-        <p14:creationId xmlns:p14="http://schemas.microsoft.com/office/powerpoint/2010/main" val="184848489"/>
+        <p14:creationId xmlns:p14="http://schemas.microsoft.com/office/powerpoint/2010/main" val="164945349"/>
       </p:ext>
     </p:extLst>
   </p:cSld>
@@ -8672,8 +8771,8 @@
         </p:nvSpPr>
         <p:spPr>
           <a:xfrm>
-            <a:off x="0" y="1733384"/>
-            <a:ext cx="9143999" cy="3046988"/>
+            <a:off x="0" y="1425607"/>
+            <a:ext cx="9143999" cy="3662541"/>
           </a:xfrm>
           <a:prstGeom prst="rect">
             <a:avLst/>
@@ -8690,14 +8789,17 @@
               <a:rPr lang="en-US" sz="3600" b="1" dirty="0">
                 <a:cs typeface="Calibri"/>
               </a:rPr>
-              <a:t>Valence: </a:t>
+              <a:t>Typicality: </a:t>
             </a:r>
             <a:r>
               <a:rPr lang="en-US" sz="3600" dirty="0">
                 <a:cs typeface="Calibri"/>
               </a:rPr>
-              <a:t>Rate your mood in response to these pictures. </a:t>
-            </a:r>
+              <a:t>How likely is it for a native person to see/experience scenes like this? (0-100)</a:t>
+            </a:r>
+          </a:p>
+          <a:p>
+            <a:pPr algn="ctr"/>
             <a:endParaRPr lang="en-US" sz="4000" dirty="0">
               <a:cs typeface="Calibri"/>
             </a:endParaRPr>
@@ -8736,8 +8838,8 @@
         </p:nvSpPr>
         <p:spPr>
           <a:xfrm>
-            <a:off x="1506071" y="3515061"/>
-            <a:ext cx="6745045" cy="369332"/>
+            <a:off x="2043953" y="3256877"/>
+            <a:ext cx="5131398" cy="646331"/>
           </a:xfrm>
           <a:prstGeom prst="rect">
             <a:avLst/>
@@ -8753,15 +8855,7 @@
             <a:pPr algn="ctr"/>
             <a:r>
               <a:rPr lang="en-US" dirty="0"/>
-              <a:t>[insert </a:t>
-            </a:r>
-            <a:r>
-              <a:rPr lang="en-US" dirty="0" err="1"/>
-              <a:t>likert</a:t>
-            </a:r>
-            <a:r>
-              <a:rPr lang="en-US" dirty="0"/>
-              <a:t> scale 1-9 with anchors 1=negative 5= neutral 9= positive]</a:t>
+              <a:t>[insert number line 0-100 use a slider controlled by mouse]</a:t>
             </a:r>
           </a:p>
         </p:txBody>
@@ -8769,7 +8863,7 @@
     </p:spTree>
     <p:extLst>
       <p:ext uri="{BB962C8B-B14F-4D97-AF65-F5344CB8AC3E}">
-        <p14:creationId xmlns:p14="http://schemas.microsoft.com/office/powerpoint/2010/main" val="3408860111"/>
+        <p14:creationId xmlns:p14="http://schemas.microsoft.com/office/powerpoint/2010/main" val="184848489"/>
       </p:ext>
     </p:extLst>
   </p:cSld>
@@ -8804,6 +8898,138 @@
         </p:nvSpPr>
         <p:spPr>
           <a:xfrm>
+            <a:off x="0" y="1733384"/>
+            <a:ext cx="9143999" cy="3046988"/>
+          </a:xfrm>
+          <a:prstGeom prst="rect">
+            <a:avLst/>
+          </a:prstGeom>
+        </p:spPr>
+        <p:txBody>
+          <a:bodyPr wrap="square" lIns="91440" tIns="45720" rIns="91440" bIns="45720" anchor="ctr">
+            <a:spAutoFit/>
+          </a:bodyPr>
+          <a:lstStyle/>
+          <a:p>
+            <a:pPr algn="ctr"/>
+            <a:r>
+              <a:rPr lang="en-US" sz="3600" b="1" dirty="0">
+                <a:cs typeface="Calibri"/>
+              </a:rPr>
+              <a:t>Valence: </a:t>
+            </a:r>
+            <a:r>
+              <a:rPr lang="en-US" sz="3600" dirty="0">
+                <a:cs typeface="Calibri"/>
+              </a:rPr>
+              <a:t>Rate your mood in response to these pictures. </a:t>
+            </a:r>
+            <a:endParaRPr lang="en-US" sz="4000" dirty="0">
+              <a:cs typeface="Calibri"/>
+            </a:endParaRPr>
+          </a:p>
+          <a:p>
+            <a:pPr algn="ctr"/>
+            <a:endParaRPr lang="en-US" sz="4000" dirty="0">
+              <a:cs typeface="Calibri"/>
+            </a:endParaRPr>
+          </a:p>
+          <a:p>
+            <a:pPr algn="ctr"/>
+            <a:endParaRPr lang="en-US" sz="4000" dirty="0">
+              <a:cs typeface="Calibri"/>
+            </a:endParaRPr>
+          </a:p>
+          <a:p>
+            <a:pPr algn="ctr"/>
+            <a:endParaRPr lang="en-US" sz="4000" dirty="0">
+              <a:cs typeface="Calibri"/>
+            </a:endParaRPr>
+          </a:p>
+        </p:txBody>
+      </p:sp>
+      <p:sp>
+        <p:nvSpPr>
+          <p:cNvPr id="2" name="TextBox 1">
+            <a:extLst>
+              <a:ext uri="{FF2B5EF4-FFF2-40B4-BE49-F238E27FC236}">
+                <a16:creationId xmlns:a16="http://schemas.microsoft.com/office/drawing/2014/main" id="{8103C802-5703-104E-B339-9CAB3C745E87}"/>
+              </a:ext>
+            </a:extLst>
+          </p:cNvPr>
+          <p:cNvSpPr txBox="1"/>
+          <p:nvPr/>
+        </p:nvSpPr>
+        <p:spPr>
+          <a:xfrm>
+            <a:off x="1506071" y="3515061"/>
+            <a:ext cx="6745045" cy="369332"/>
+          </a:xfrm>
+          <a:prstGeom prst="rect">
+            <a:avLst/>
+          </a:prstGeom>
+          <a:noFill/>
+        </p:spPr>
+        <p:txBody>
+          <a:bodyPr wrap="square" rtlCol="0">
+            <a:spAutoFit/>
+          </a:bodyPr>
+          <a:lstStyle/>
+          <a:p>
+            <a:pPr algn="ctr"/>
+            <a:r>
+              <a:rPr lang="en-US" dirty="0"/>
+              <a:t>[insert </a:t>
+            </a:r>
+            <a:r>
+              <a:rPr lang="en-US" dirty="0" err="1"/>
+              <a:t>likert</a:t>
+            </a:r>
+            <a:r>
+              <a:rPr lang="en-US" dirty="0"/>
+              <a:t> scale 1-9 with anchors 1=negative 5= neutral 9= positive]</a:t>
+            </a:r>
+          </a:p>
+        </p:txBody>
+      </p:sp>
+    </p:spTree>
+    <p:extLst>
+      <p:ext uri="{BB962C8B-B14F-4D97-AF65-F5344CB8AC3E}">
+        <p14:creationId xmlns:p14="http://schemas.microsoft.com/office/powerpoint/2010/main" val="3408860111"/>
+      </p:ext>
+    </p:extLst>
+  </p:cSld>
+  <p:clrMapOvr>
+    <a:masterClrMapping/>
+  </p:clrMapOvr>
+</p:sld>
+</file>
+
+<file path=ppt/slides/slide25.xml><?xml version="1.0" encoding="utf-8"?>
+<p:sld xmlns:a="http://schemas.openxmlformats.org/drawingml/2006/main" xmlns:r="http://schemas.openxmlformats.org/officeDocument/2006/relationships" xmlns:p="http://schemas.openxmlformats.org/presentationml/2006/main" show="0">
+  <p:cSld>
+    <p:spTree>
+      <p:nvGrpSpPr>
+        <p:cNvPr id="1" name=""/>
+        <p:cNvGrpSpPr/>
+        <p:nvPr/>
+      </p:nvGrpSpPr>
+      <p:grpSpPr>
+        <a:xfrm>
+          <a:off x="0" y="0"/>
+          <a:ext cx="0" cy="0"/>
+          <a:chOff x="0" y="0"/>
+          <a:chExt cx="0" cy="0"/>
+        </a:xfrm>
+      </p:grpSpPr>
+      <p:sp>
+        <p:nvSpPr>
+          <p:cNvPr id="4" name="Rectangle 3"/>
+          <p:cNvSpPr/>
+          <p:nvPr/>
+        </p:nvSpPr>
+        <p:spPr>
+          <a:xfrm>
             <a:off x="0" y="2041160"/>
             <a:ext cx="9143999" cy="2431435"/>
           </a:xfrm>
@@ -8905,7 +9131,7 @@
 </p:sld>
 </file>
 
-<file path=ppt/slides/slide25.xml><?xml version="1.0" encoding="utf-8"?>
+<file path=ppt/slides/slide26.xml><?xml version="1.0" encoding="utf-8"?>
 <p:sld xmlns:a="http://schemas.openxmlformats.org/drawingml/2006/main" xmlns:r="http://schemas.openxmlformats.org/officeDocument/2006/relationships" xmlns:p="http://schemas.openxmlformats.org/presentationml/2006/main">
   <p:cSld>
     <p:spTree>
@@ -9048,7 +9274,7 @@
 </p:sld>
 </file>
 
-<file path=ppt/slides/slide26.xml><?xml version="1.0" encoding="utf-8"?>
+<file path=ppt/slides/slide27.xml><?xml version="1.0" encoding="utf-8"?>
 <p:sld xmlns:a="http://schemas.openxmlformats.org/drawingml/2006/main" xmlns:r="http://schemas.openxmlformats.org/officeDocument/2006/relationships" xmlns:p="http://schemas.openxmlformats.org/presentationml/2006/main">
   <p:cSld>
     <p:spTree>
@@ -9286,7 +9512,7 @@
 </p:sld>
 </file>
 
-<file path=ppt/slides/slide27.xml><?xml version="1.0" encoding="utf-8"?>
+<file path=ppt/slides/slide28.xml><?xml version="1.0" encoding="utf-8"?>
 <p:sld xmlns:a="http://schemas.openxmlformats.org/drawingml/2006/main" xmlns:r="http://schemas.openxmlformats.org/officeDocument/2006/relationships" xmlns:p="http://schemas.openxmlformats.org/presentationml/2006/main">
   <p:cSld>
     <p:spTree>
@@ -9524,7 +9750,7 @@
 </p:sld>
 </file>
 
-<file path=ppt/slides/slide28.xml><?xml version="1.0" encoding="utf-8"?>
+<file path=ppt/slides/slide29.xml><?xml version="1.0" encoding="utf-8"?>
 <p:sld xmlns:a="http://schemas.openxmlformats.org/drawingml/2006/main" xmlns:r="http://schemas.openxmlformats.org/officeDocument/2006/relationships" xmlns:p="http://schemas.openxmlformats.org/presentationml/2006/main">
   <p:cSld>
     <p:spTree>
@@ -9762,242 +9988,6 @@
 </p:sld>
 </file>
 
-<file path=ppt/slides/slide29.xml><?xml version="1.0" encoding="utf-8"?>
-<p:sld xmlns:a="http://schemas.openxmlformats.org/drawingml/2006/main" xmlns:r="http://schemas.openxmlformats.org/officeDocument/2006/relationships" xmlns:p="http://schemas.openxmlformats.org/presentationml/2006/main">
-  <p:cSld>
-    <p:spTree>
-      <p:nvGrpSpPr>
-        <p:cNvPr id="1" name=""/>
-        <p:cNvGrpSpPr/>
-        <p:nvPr/>
-      </p:nvGrpSpPr>
-      <p:grpSpPr>
-        <a:xfrm>
-          <a:off x="0" y="0"/>
-          <a:ext cx="0" cy="0"/>
-          <a:chOff x="0" y="0"/>
-          <a:chExt cx="0" cy="0"/>
-        </a:xfrm>
-      </p:grpSpPr>
-      <p:sp>
-        <p:nvSpPr>
-          <p:cNvPr id="3" name="Content Placeholder 2"/>
-          <p:cNvSpPr>
-            <a:spLocks noGrp="1"/>
-          </p:cNvSpPr>
-          <p:nvPr>
-            <p:ph idx="1"/>
-          </p:nvPr>
-        </p:nvSpPr>
-        <p:spPr>
-          <a:xfrm>
-            <a:off x="202799" y="176410"/>
-            <a:ext cx="8738402" cy="6024883"/>
-          </a:xfrm>
-        </p:spPr>
-        <p:txBody>
-          <a:bodyPr vert="horz" lIns="91440" tIns="45720" rIns="91440" bIns="45720" rtlCol="0" anchor="t">
-            <a:noAutofit/>
-          </a:bodyPr>
-          <a:lstStyle/>
-          <a:p>
-            <a:pPr marL="0" indent="0">
-              <a:spcAft>
-                <a:spcPts val="800"/>
-              </a:spcAft>
-              <a:buNone/>
-            </a:pPr>
-            <a:r>
-              <a:rPr lang="en-US" dirty="0"/>
-              <a:t>In this task, you will watch a series of videos. After each video, you will be asked to respond to this question:</a:t>
-            </a:r>
-          </a:p>
-          <a:p>
-            <a:pPr marL="0" indent="0">
-              <a:spcAft>
-                <a:spcPts val="600"/>
-              </a:spcAft>
-              <a:buNone/>
-            </a:pPr>
-            <a:endParaRPr lang="en-US" sz="2400" b="1" dirty="0">
-              <a:cs typeface="Calibri"/>
-            </a:endParaRPr>
-          </a:p>
-          <a:p>
-            <a:pPr marL="0" indent="0">
-              <a:spcAft>
-                <a:spcPts val="600"/>
-              </a:spcAft>
-              <a:buNone/>
-            </a:pPr>
-            <a:r>
-              <a:rPr lang="en-US" sz="2400" b="1" dirty="0">
-                <a:cs typeface="Calibri"/>
-              </a:rPr>
-              <a:t>	</a:t>
-            </a:r>
-          </a:p>
-          <a:p>
-            <a:pPr marL="0" indent="0">
-              <a:spcAft>
-                <a:spcPts val="600"/>
-              </a:spcAft>
-              <a:buNone/>
-            </a:pPr>
-            <a:endParaRPr lang="en-US" sz="2400" b="1" dirty="0">
-              <a:cs typeface="Calibri"/>
-            </a:endParaRPr>
-          </a:p>
-          <a:p>
-            <a:pPr marL="0" indent="0">
-              <a:spcAft>
-                <a:spcPts val="600"/>
-              </a:spcAft>
-              <a:buNone/>
-            </a:pPr>
-            <a:r>
-              <a:rPr lang="en-US" sz="2400" b="1" dirty="0">
-                <a:cs typeface="Calibri"/>
-              </a:rPr>
-              <a:t>	Arousal: </a:t>
-            </a:r>
-            <a:r>
-              <a:rPr lang="en-US" sz="2400" dirty="0">
-                <a:cs typeface="Calibri"/>
-              </a:rPr>
-              <a:t>Rate your arousal in response to this video.                   		 </a:t>
-            </a:r>
-            <a:r>
-              <a:rPr lang="en-US" sz="2000" dirty="0">
-                <a:cs typeface="Calibri"/>
-              </a:rPr>
-              <a:t>(1-9) 1 = calm  5 = middle  9 = excited</a:t>
-            </a:r>
-            <a:endParaRPr lang="en-US" sz="2400" dirty="0">
-              <a:cs typeface="Calibri"/>
-            </a:endParaRPr>
-          </a:p>
-        </p:txBody>
-      </p:sp>
-      <p:sp>
-        <p:nvSpPr>
-          <p:cNvPr id="6" name="Right Arrow 12">
-            <a:extLst>
-              <a:ext uri="{FF2B5EF4-FFF2-40B4-BE49-F238E27FC236}">
-                <a16:creationId xmlns:a16="http://schemas.microsoft.com/office/drawing/2014/main" id="{61AD207B-49C0-5D4C-8F58-875D2B1B3D00}"/>
-              </a:ext>
-            </a:extLst>
-          </p:cNvPr>
-          <p:cNvSpPr/>
-          <p:nvPr/>
-        </p:nvSpPr>
-        <p:spPr>
-          <a:xfrm>
-            <a:off x="8113318" y="6391826"/>
-            <a:ext cx="640200" cy="289763"/>
-          </a:xfrm>
-          <a:prstGeom prst="rightArrow">
-            <a:avLst/>
-          </a:prstGeom>
-          <a:solidFill>
-            <a:schemeClr val="tx1"/>
-          </a:solidFill>
-          <a:ln>
-            <a:noFill/>
-          </a:ln>
-        </p:spPr>
-        <p:style>
-          <a:lnRef idx="1">
-            <a:schemeClr val="accent1"/>
-          </a:lnRef>
-          <a:fillRef idx="3">
-            <a:schemeClr val="accent1"/>
-          </a:fillRef>
-          <a:effectRef idx="2">
-            <a:schemeClr val="accent1"/>
-          </a:effectRef>
-          <a:fontRef idx="minor">
-            <a:schemeClr val="lt1"/>
-          </a:fontRef>
-        </p:style>
-        <p:txBody>
-          <a:bodyPr rtlCol="0" anchor="ctr"/>
-          <a:lstStyle/>
-          <a:p>
-            <a:pPr algn="ctr"/>
-            <a:endParaRPr lang="en-US"/>
-          </a:p>
-        </p:txBody>
-      </p:sp>
-      <p:sp>
-        <p:nvSpPr>
-          <p:cNvPr id="7" name="Title 3">
-            <a:extLst>
-              <a:ext uri="{FF2B5EF4-FFF2-40B4-BE49-F238E27FC236}">
-                <a16:creationId xmlns:a16="http://schemas.microsoft.com/office/drawing/2014/main" id="{DD13525A-E8DC-B54B-BDDC-476469EBEBF2}"/>
-              </a:ext>
-            </a:extLst>
-          </p:cNvPr>
-          <p:cNvSpPr txBox="1">
-            <a:spLocks/>
-          </p:cNvSpPr>
-          <p:nvPr/>
-        </p:nvSpPr>
-        <p:spPr>
-          <a:xfrm>
-            <a:off x="18856" y="6208354"/>
-            <a:ext cx="9149174" cy="656705"/>
-          </a:xfrm>
-          <a:prstGeom prst="rect">
-            <a:avLst/>
-          </a:prstGeom>
-        </p:spPr>
-        <p:txBody>
-          <a:bodyPr vert="horz" lIns="91440" tIns="45720" rIns="91440" bIns="45720" rtlCol="0" anchor="ctr">
-            <a:normAutofit/>
-          </a:bodyPr>
-          <a:lstStyle>
-            <a:lvl1pPr algn="ctr" defTabSz="914400" rtl="0" eaLnBrk="1" latinLnBrk="0" hangingPunct="1">
-              <a:spcBef>
-                <a:spcPct val="0"/>
-              </a:spcBef>
-              <a:buNone/>
-              <a:defRPr sz="4400" kern="1200">
-                <a:solidFill>
-                  <a:schemeClr val="tx1"/>
-                </a:solidFill>
-                <a:latin typeface="+mj-lt"/>
-                <a:ea typeface="+mj-ea"/>
-                <a:cs typeface="+mj-cs"/>
-              </a:defRPr>
-            </a:lvl1pPr>
-          </a:lstStyle>
-          <a:p>
-            <a:r>
-              <a:rPr lang="en-US" sz="3000" dirty="0">
-                <a:solidFill>
-                  <a:srgbClr val="FF0000"/>
-                </a:solidFill>
-                <a:cs typeface="Calibri"/>
-              </a:rPr>
-              <a:t>CLICK THE RIGHT KEY TO CONTINUE</a:t>
-            </a:r>
-          </a:p>
-        </p:txBody>
-      </p:sp>
-    </p:spTree>
-    <p:extLst>
-      <p:ext uri="{BB962C8B-B14F-4D97-AF65-F5344CB8AC3E}">
-        <p14:creationId xmlns:p14="http://schemas.microsoft.com/office/powerpoint/2010/main" val="671214903"/>
-      </p:ext>
-    </p:extLst>
-  </p:cSld>
-  <p:clrMapOvr>
-    <a:masterClrMapping/>
-  </p:clrMapOvr>
-</p:sld>
-</file>
-
 <file path=ppt/slides/slide3.xml><?xml version="1.0" encoding="utf-8"?>
 <p:sld xmlns:a="http://schemas.openxmlformats.org/drawingml/2006/main" xmlns:r="http://schemas.openxmlformats.org/officeDocument/2006/relationships" xmlns:p="http://schemas.openxmlformats.org/presentationml/2006/main">
   <p:cSld>
@@ -10259,7 +10249,7 @@
         <p:spPr>
           <a:xfrm>
             <a:off x="202799" y="176410"/>
-            <a:ext cx="8738402" cy="6111267"/>
+            <a:ext cx="8738402" cy="6024883"/>
           </a:xfrm>
         </p:spPr>
         <p:txBody>
@@ -10270,13 +10260,13 @@
           <a:p>
             <a:pPr marL="0" indent="0">
               <a:spcAft>
-                <a:spcPts val="1200"/>
+                <a:spcPts val="800"/>
               </a:spcAft>
               <a:buNone/>
             </a:pPr>
             <a:r>
               <a:rPr lang="en-US" dirty="0"/>
-              <a:t>In this task, you will see a series of pictures. After each image, you will be asked to respond to this question:</a:t>
+              <a:t>In this task, you will watch a series of videos. After each video, you will be asked to respond to this question:</a:t>
             </a:r>
           </a:p>
           <a:p>
@@ -10297,38 +10287,44 @@
               </a:spcAft>
               <a:buNone/>
             </a:pPr>
-            <a:endParaRPr lang="en-US" sz="2400" b="1" dirty="0">
-              <a:cs typeface="Calibri"/>
-            </a:endParaRPr>
-          </a:p>
-          <a:p>
-            <a:pPr marL="0" indent="0" algn="ctr">
+            <a:r>
+              <a:rPr lang="en-US" sz="2400" b="1" dirty="0">
+                <a:cs typeface="Calibri"/>
+              </a:rPr>
+              <a:t>	</a:t>
+            </a:r>
+          </a:p>
+          <a:p>
+            <a:pPr marL="0" indent="0">
               <a:spcAft>
                 <a:spcPts val="600"/>
               </a:spcAft>
               <a:buNone/>
             </a:pPr>
-            <a:r>
-              <a:rPr lang="en-US" sz="2400" b="1" dirty="0">
-                <a:cs typeface="Calibri"/>
-              </a:rPr>
-              <a:t>Arousal: </a:t>
-            </a:r>
-            <a:r>
-              <a:rPr lang="en-US" sz="2400" dirty="0">
-                <a:cs typeface="Calibri"/>
-              </a:rPr>
-              <a:t>Rate your arousal in response to this picture.</a:t>
-            </a:r>
-          </a:p>
-          <a:p>
-            <a:pPr marL="0" indent="0" algn="ctr">
+            <a:endParaRPr lang="en-US" sz="2400" b="1" dirty="0">
+              <a:cs typeface="Calibri"/>
+            </a:endParaRPr>
+          </a:p>
+          <a:p>
+            <a:pPr marL="0" indent="0">
               <a:spcAft>
                 <a:spcPts val="600"/>
               </a:spcAft>
               <a:buNone/>
             </a:pPr>
             <a:r>
+              <a:rPr lang="en-US" sz="2400" b="1" dirty="0">
+                <a:cs typeface="Calibri"/>
+              </a:rPr>
+              <a:t>	Arousal: </a:t>
+            </a:r>
+            <a:r>
+              <a:rPr lang="en-US" sz="2400" dirty="0">
+                <a:cs typeface="Calibri"/>
+              </a:rPr>
+              <a:t>Rate your arousal in response to this video.                   		 </a:t>
+            </a:r>
+            <a:r>
               <a:rPr lang="en-US" sz="2000" dirty="0">
                 <a:cs typeface="Calibri"/>
               </a:rPr>
@@ -10342,66 +10338,10 @@
       </p:sp>
       <p:sp>
         <p:nvSpPr>
-          <p:cNvPr id="5" name="Title 3">
-            <a:extLst>
-              <a:ext uri="{FF2B5EF4-FFF2-40B4-BE49-F238E27FC236}">
-                <a16:creationId xmlns:a16="http://schemas.microsoft.com/office/drawing/2014/main" id="{53AD9BDC-D1D6-D34B-9246-0B7EC252ED38}"/>
-              </a:ext>
-            </a:extLst>
-          </p:cNvPr>
-          <p:cNvSpPr txBox="1">
-            <a:spLocks/>
-          </p:cNvSpPr>
-          <p:nvPr/>
-        </p:nvSpPr>
-        <p:spPr>
-          <a:xfrm>
-            <a:off x="18856" y="6208354"/>
-            <a:ext cx="9149174" cy="656705"/>
-          </a:xfrm>
-          <a:prstGeom prst="rect">
-            <a:avLst/>
-          </a:prstGeom>
-        </p:spPr>
-        <p:txBody>
-          <a:bodyPr vert="horz" lIns="91440" tIns="45720" rIns="91440" bIns="45720" rtlCol="0" anchor="ctr">
-            <a:normAutofit/>
-          </a:bodyPr>
-          <a:lstStyle>
-            <a:lvl1pPr algn="ctr" defTabSz="914400" rtl="0" eaLnBrk="1" latinLnBrk="0" hangingPunct="1">
-              <a:spcBef>
-                <a:spcPct val="0"/>
-              </a:spcBef>
-              <a:buNone/>
-              <a:defRPr sz="4400" kern="1200">
-                <a:solidFill>
-                  <a:schemeClr val="tx1"/>
-                </a:solidFill>
-                <a:latin typeface="+mj-lt"/>
-                <a:ea typeface="+mj-ea"/>
-                <a:cs typeface="+mj-cs"/>
-              </a:defRPr>
-            </a:lvl1pPr>
-          </a:lstStyle>
-          <a:p>
-            <a:r>
-              <a:rPr lang="en-US" sz="3000" dirty="0">
-                <a:solidFill>
-                  <a:srgbClr val="FF0000"/>
-                </a:solidFill>
-                <a:cs typeface="Calibri"/>
-              </a:rPr>
-              <a:t>CLICK THE RIGHT KEY TO CONTINUE</a:t>
-            </a:r>
-          </a:p>
-        </p:txBody>
-      </p:sp>
-      <p:sp>
-        <p:nvSpPr>
           <p:cNvPr id="6" name="Right Arrow 12">
             <a:extLst>
               <a:ext uri="{FF2B5EF4-FFF2-40B4-BE49-F238E27FC236}">
-                <a16:creationId xmlns:a16="http://schemas.microsoft.com/office/drawing/2014/main" id="{178576FF-4B5E-3A44-980F-89AE5AF4D6D7}"/>
+                <a16:creationId xmlns:a16="http://schemas.microsoft.com/office/drawing/2014/main" id="{61AD207B-49C0-5D4C-8F58-875D2B1B3D00}"/>
               </a:ext>
             </a:extLst>
           </p:cNvPr>
@@ -10446,6 +10386,292 @@
           </a:p>
         </p:txBody>
       </p:sp>
+      <p:sp>
+        <p:nvSpPr>
+          <p:cNvPr id="7" name="Title 3">
+            <a:extLst>
+              <a:ext uri="{FF2B5EF4-FFF2-40B4-BE49-F238E27FC236}">
+                <a16:creationId xmlns:a16="http://schemas.microsoft.com/office/drawing/2014/main" id="{DD13525A-E8DC-B54B-BDDC-476469EBEBF2}"/>
+              </a:ext>
+            </a:extLst>
+          </p:cNvPr>
+          <p:cNvSpPr txBox="1">
+            <a:spLocks/>
+          </p:cNvSpPr>
+          <p:nvPr/>
+        </p:nvSpPr>
+        <p:spPr>
+          <a:xfrm>
+            <a:off x="18856" y="6208354"/>
+            <a:ext cx="9149174" cy="656705"/>
+          </a:xfrm>
+          <a:prstGeom prst="rect">
+            <a:avLst/>
+          </a:prstGeom>
+        </p:spPr>
+        <p:txBody>
+          <a:bodyPr vert="horz" lIns="91440" tIns="45720" rIns="91440" bIns="45720" rtlCol="0" anchor="ctr">
+            <a:normAutofit/>
+          </a:bodyPr>
+          <a:lstStyle>
+            <a:lvl1pPr algn="ctr" defTabSz="914400" rtl="0" eaLnBrk="1" latinLnBrk="0" hangingPunct="1">
+              <a:spcBef>
+                <a:spcPct val="0"/>
+              </a:spcBef>
+              <a:buNone/>
+              <a:defRPr sz="4400" kern="1200">
+                <a:solidFill>
+                  <a:schemeClr val="tx1"/>
+                </a:solidFill>
+                <a:latin typeface="+mj-lt"/>
+                <a:ea typeface="+mj-ea"/>
+                <a:cs typeface="+mj-cs"/>
+              </a:defRPr>
+            </a:lvl1pPr>
+          </a:lstStyle>
+          <a:p>
+            <a:r>
+              <a:rPr lang="en-US" sz="3000" dirty="0">
+                <a:solidFill>
+                  <a:srgbClr val="FF0000"/>
+                </a:solidFill>
+                <a:cs typeface="Calibri"/>
+              </a:rPr>
+              <a:t>CLICK THE RIGHT KEY TO CONTINUE</a:t>
+            </a:r>
+          </a:p>
+        </p:txBody>
+      </p:sp>
+    </p:spTree>
+    <p:extLst>
+      <p:ext uri="{BB962C8B-B14F-4D97-AF65-F5344CB8AC3E}">
+        <p14:creationId xmlns:p14="http://schemas.microsoft.com/office/powerpoint/2010/main" val="671214903"/>
+      </p:ext>
+    </p:extLst>
+  </p:cSld>
+  <p:clrMapOvr>
+    <a:masterClrMapping/>
+  </p:clrMapOvr>
+</p:sld>
+</file>
+
+<file path=ppt/slides/slide31.xml><?xml version="1.0" encoding="utf-8"?>
+<p:sld xmlns:a="http://schemas.openxmlformats.org/drawingml/2006/main" xmlns:r="http://schemas.openxmlformats.org/officeDocument/2006/relationships" xmlns:p="http://schemas.openxmlformats.org/presentationml/2006/main">
+  <p:cSld>
+    <p:spTree>
+      <p:nvGrpSpPr>
+        <p:cNvPr id="1" name=""/>
+        <p:cNvGrpSpPr/>
+        <p:nvPr/>
+      </p:nvGrpSpPr>
+      <p:grpSpPr>
+        <a:xfrm>
+          <a:off x="0" y="0"/>
+          <a:ext cx="0" cy="0"/>
+          <a:chOff x="0" y="0"/>
+          <a:chExt cx="0" cy="0"/>
+        </a:xfrm>
+      </p:grpSpPr>
+      <p:sp>
+        <p:nvSpPr>
+          <p:cNvPr id="3" name="Content Placeholder 2"/>
+          <p:cNvSpPr>
+            <a:spLocks noGrp="1"/>
+          </p:cNvSpPr>
+          <p:nvPr>
+            <p:ph idx="1"/>
+          </p:nvPr>
+        </p:nvSpPr>
+        <p:spPr>
+          <a:xfrm>
+            <a:off x="202799" y="176410"/>
+            <a:ext cx="8738402" cy="6111267"/>
+          </a:xfrm>
+        </p:spPr>
+        <p:txBody>
+          <a:bodyPr vert="horz" lIns="91440" tIns="45720" rIns="91440" bIns="45720" rtlCol="0" anchor="t">
+            <a:noAutofit/>
+          </a:bodyPr>
+          <a:lstStyle/>
+          <a:p>
+            <a:pPr marL="0" indent="0">
+              <a:spcAft>
+                <a:spcPts val="1200"/>
+              </a:spcAft>
+              <a:buNone/>
+            </a:pPr>
+            <a:r>
+              <a:rPr lang="en-US" dirty="0"/>
+              <a:t>In this task, you will see a series of pictures. After each image, you will be asked to respond to this question:</a:t>
+            </a:r>
+          </a:p>
+          <a:p>
+            <a:pPr marL="0" indent="0">
+              <a:spcAft>
+                <a:spcPts val="600"/>
+              </a:spcAft>
+              <a:buNone/>
+            </a:pPr>
+            <a:endParaRPr lang="en-US" sz="2400" b="1" dirty="0">
+              <a:cs typeface="Calibri"/>
+            </a:endParaRPr>
+          </a:p>
+          <a:p>
+            <a:pPr marL="0" indent="0">
+              <a:spcAft>
+                <a:spcPts val="600"/>
+              </a:spcAft>
+              <a:buNone/>
+            </a:pPr>
+            <a:endParaRPr lang="en-US" sz="2400" b="1" dirty="0">
+              <a:cs typeface="Calibri"/>
+            </a:endParaRPr>
+          </a:p>
+          <a:p>
+            <a:pPr marL="0" indent="0" algn="ctr">
+              <a:spcAft>
+                <a:spcPts val="600"/>
+              </a:spcAft>
+              <a:buNone/>
+            </a:pPr>
+            <a:r>
+              <a:rPr lang="en-US" sz="2400" b="1" dirty="0">
+                <a:cs typeface="Calibri"/>
+              </a:rPr>
+              <a:t>Arousal: </a:t>
+            </a:r>
+            <a:r>
+              <a:rPr lang="en-US" sz="2400" dirty="0">
+                <a:cs typeface="Calibri"/>
+              </a:rPr>
+              <a:t>Rate your arousal in response to this picture.</a:t>
+            </a:r>
+          </a:p>
+          <a:p>
+            <a:pPr marL="0" indent="0" algn="ctr">
+              <a:spcAft>
+                <a:spcPts val="600"/>
+              </a:spcAft>
+              <a:buNone/>
+            </a:pPr>
+            <a:r>
+              <a:rPr lang="en-US" sz="2000" dirty="0">
+                <a:cs typeface="Calibri"/>
+              </a:rPr>
+              <a:t>(1-9) 1 = calm  5 = middle  9 = excited</a:t>
+            </a:r>
+            <a:endParaRPr lang="en-US" sz="2400" dirty="0">
+              <a:cs typeface="Calibri"/>
+            </a:endParaRPr>
+          </a:p>
+        </p:txBody>
+      </p:sp>
+      <p:sp>
+        <p:nvSpPr>
+          <p:cNvPr id="5" name="Title 3">
+            <a:extLst>
+              <a:ext uri="{FF2B5EF4-FFF2-40B4-BE49-F238E27FC236}">
+                <a16:creationId xmlns:a16="http://schemas.microsoft.com/office/drawing/2014/main" id="{53AD9BDC-D1D6-D34B-9246-0B7EC252ED38}"/>
+              </a:ext>
+            </a:extLst>
+          </p:cNvPr>
+          <p:cNvSpPr txBox="1">
+            <a:spLocks/>
+          </p:cNvSpPr>
+          <p:nvPr/>
+        </p:nvSpPr>
+        <p:spPr>
+          <a:xfrm>
+            <a:off x="18856" y="6208354"/>
+            <a:ext cx="9149174" cy="656705"/>
+          </a:xfrm>
+          <a:prstGeom prst="rect">
+            <a:avLst/>
+          </a:prstGeom>
+        </p:spPr>
+        <p:txBody>
+          <a:bodyPr vert="horz" lIns="91440" tIns="45720" rIns="91440" bIns="45720" rtlCol="0" anchor="ctr">
+            <a:normAutofit/>
+          </a:bodyPr>
+          <a:lstStyle>
+            <a:lvl1pPr algn="ctr" defTabSz="914400" rtl="0" eaLnBrk="1" latinLnBrk="0" hangingPunct="1">
+              <a:spcBef>
+                <a:spcPct val="0"/>
+              </a:spcBef>
+              <a:buNone/>
+              <a:defRPr sz="4400" kern="1200">
+                <a:solidFill>
+                  <a:schemeClr val="tx1"/>
+                </a:solidFill>
+                <a:latin typeface="+mj-lt"/>
+                <a:ea typeface="+mj-ea"/>
+                <a:cs typeface="+mj-cs"/>
+              </a:defRPr>
+            </a:lvl1pPr>
+          </a:lstStyle>
+          <a:p>
+            <a:r>
+              <a:rPr lang="en-US" sz="3000" dirty="0">
+                <a:solidFill>
+                  <a:srgbClr val="FF0000"/>
+                </a:solidFill>
+                <a:cs typeface="Calibri"/>
+              </a:rPr>
+              <a:t>CLICK THE RIGHT KEY TO CONTINUE</a:t>
+            </a:r>
+          </a:p>
+        </p:txBody>
+      </p:sp>
+      <p:sp>
+        <p:nvSpPr>
+          <p:cNvPr id="6" name="Right Arrow 12">
+            <a:extLst>
+              <a:ext uri="{FF2B5EF4-FFF2-40B4-BE49-F238E27FC236}">
+                <a16:creationId xmlns:a16="http://schemas.microsoft.com/office/drawing/2014/main" id="{178576FF-4B5E-3A44-980F-89AE5AF4D6D7}"/>
+              </a:ext>
+            </a:extLst>
+          </p:cNvPr>
+          <p:cNvSpPr/>
+          <p:nvPr/>
+        </p:nvSpPr>
+        <p:spPr>
+          <a:xfrm>
+            <a:off x="8113318" y="6391826"/>
+            <a:ext cx="640200" cy="289763"/>
+          </a:xfrm>
+          <a:prstGeom prst="rightArrow">
+            <a:avLst/>
+          </a:prstGeom>
+          <a:solidFill>
+            <a:schemeClr val="tx1"/>
+          </a:solidFill>
+          <a:ln>
+            <a:noFill/>
+          </a:ln>
+        </p:spPr>
+        <p:style>
+          <a:lnRef idx="1">
+            <a:schemeClr val="accent1"/>
+          </a:lnRef>
+          <a:fillRef idx="3">
+            <a:schemeClr val="accent1"/>
+          </a:fillRef>
+          <a:effectRef idx="2">
+            <a:schemeClr val="accent1"/>
+          </a:effectRef>
+          <a:fontRef idx="minor">
+            <a:schemeClr val="lt1"/>
+          </a:fontRef>
+        </p:style>
+        <p:txBody>
+          <a:bodyPr rtlCol="0" anchor="ctr"/>
+          <a:lstStyle/>
+          <a:p>
+            <a:pPr algn="ctr"/>
+            <a:endParaRPr lang="en-US"/>
+          </a:p>
+        </p:txBody>
+      </p:sp>
     </p:spTree>
     <p:extLst>
       <p:ext uri="{BB962C8B-B14F-4D97-AF65-F5344CB8AC3E}">
@@ -10459,7 +10685,7 @@
 </p:sld>
 </file>
 
-<file path=ppt/slides/slide31.xml><?xml version="1.0" encoding="utf-8"?>
+<file path=ppt/slides/slide32.xml><?xml version="1.0" encoding="utf-8"?>
 <p:sld xmlns:a="http://schemas.openxmlformats.org/drawingml/2006/main" xmlns:r="http://schemas.openxmlformats.org/officeDocument/2006/relationships" xmlns:p="http://schemas.openxmlformats.org/presentationml/2006/main">
   <p:cSld>
     <p:spTree>
@@ -10708,165 +10934,125 @@
       </p:grpSpPr>
       <p:sp>
         <p:nvSpPr>
-          <p:cNvPr id="3" name="Content Placeholder 2"/>
-          <p:cNvSpPr>
-            <a:spLocks noGrp="1"/>
-          </p:cNvSpPr>
-          <p:nvPr>
-            <p:ph idx="1"/>
+          <p:cNvPr id="4" name="Title 3"/>
+          <p:cNvSpPr>
+            <a:spLocks noGrp="1"/>
+          </p:cNvSpPr>
+          <p:nvPr>
+            <p:ph type="ctrTitle"/>
           </p:nvPr>
         </p:nvSpPr>
         <p:spPr>
           <a:xfrm>
-            <a:off x="202799" y="176410"/>
-            <a:ext cx="8738402" cy="6024883"/>
+            <a:off x="364343" y="2130425"/>
+            <a:ext cx="8458200" cy="1470025"/>
           </a:xfrm>
         </p:spPr>
         <p:txBody>
-          <a:bodyPr vert="horz" lIns="91440" tIns="45720" rIns="91440" bIns="45720" rtlCol="0" anchor="t">
-            <a:noAutofit/>
+          <a:bodyPr>
+            <a:normAutofit/>
           </a:bodyPr>
           <a:lstStyle/>
           <a:p>
-            <a:pPr marL="0" indent="0">
-              <a:spcAft>
-                <a:spcPts val="800"/>
-              </a:spcAft>
+            <a:r>
+              <a:rPr lang="en-US" dirty="0"/>
+              <a:t>NCAIR Remote Stimulus Task</a:t>
+            </a:r>
+          </a:p>
+        </p:txBody>
+      </p:sp>
+      <p:pic>
+        <p:nvPicPr>
+          <p:cNvPr id="9" name="Picture 8"/>
+          <p:cNvPicPr>
+            <a:picLocks noChangeAspect="1"/>
+          </p:cNvPicPr>
+          <p:nvPr/>
+        </p:nvPicPr>
+        <p:blipFill>
+          <a:blip r:embed="rId3">
+            <a:extLst>
+              <a:ext uri="{28A0092B-C50C-407E-A947-70E740481C1C}">
+                <a14:useLocalDpi xmlns:a14="http://schemas.microsoft.com/office/drawing/2010/main" val="0"/>
+              </a:ext>
+            </a:extLst>
+          </a:blip>
+          <a:stretch>
+            <a:fillRect/>
+          </a:stretch>
+        </p:blipFill>
+        <p:spPr>
+          <a:xfrm>
+            <a:off x="7061982" y="236743"/>
+            <a:ext cx="1760561" cy="333863"/>
+          </a:xfrm>
+          <a:prstGeom prst="rect">
+            <a:avLst/>
+          </a:prstGeom>
+        </p:spPr>
+      </p:pic>
+      <p:sp>
+        <p:nvSpPr>
+          <p:cNvPr id="2" name="Title 3">
+            <a:extLst>
+              <a:ext uri="{FF2B5EF4-FFF2-40B4-BE49-F238E27FC236}">
+                <a16:creationId xmlns:a16="http://schemas.microsoft.com/office/drawing/2014/main" id="{A9CEA40B-5234-42D7-930C-3D1F04A17646}"/>
+              </a:ext>
+            </a:extLst>
+          </p:cNvPr>
+          <p:cNvSpPr txBox="1">
+            <a:spLocks/>
+          </p:cNvSpPr>
+          <p:nvPr/>
+        </p:nvSpPr>
+        <p:spPr>
+          <a:xfrm>
+            <a:off x="18856" y="6208354"/>
+            <a:ext cx="9149174" cy="656705"/>
+          </a:xfrm>
+          <a:prstGeom prst="rect">
+            <a:avLst/>
+          </a:prstGeom>
+        </p:spPr>
+        <p:txBody>
+          <a:bodyPr vert="horz" lIns="91440" tIns="45720" rIns="91440" bIns="45720" rtlCol="0" anchor="ctr">
+            <a:normAutofit/>
+          </a:bodyPr>
+          <a:lstStyle>
+            <a:lvl1pPr algn="ctr" defTabSz="914400" rtl="0" eaLnBrk="1" latinLnBrk="0" hangingPunct="1">
+              <a:spcBef>
+                <a:spcPct val="0"/>
+              </a:spcBef>
               <a:buNone/>
-            </a:pPr>
-            <a:r>
-              <a:rPr lang="en-US" dirty="0"/>
-              <a:t>In this task, you will watch a series of videos. After each video, you will be asked to respond to five questions:</a:t>
-            </a:r>
-          </a:p>
-          <a:p>
-            <a:pPr marL="742950" indent="-742950">
-              <a:spcAft>
-                <a:spcPts val="600"/>
-              </a:spcAft>
-              <a:buFont typeface="+mj-lt"/>
-              <a:buAutoNum type="arabicPeriod"/>
-            </a:pPr>
-            <a:r>
-              <a:rPr lang="en-US" sz="2400" b="1" dirty="0">
+              <a:defRPr sz="4400" kern="1200">
+                <a:solidFill>
+                  <a:schemeClr val="tx1"/>
+                </a:solidFill>
+                <a:latin typeface="+mj-lt"/>
+                <a:ea typeface="+mj-ea"/>
+                <a:cs typeface="+mj-cs"/>
+              </a:defRPr>
+            </a:lvl1pPr>
+          </a:lstStyle>
+          <a:p>
+            <a:r>
+              <a:rPr lang="en-US" sz="3000" dirty="0">
+                <a:solidFill>
+                  <a:srgbClr val="FF0000"/>
+                </a:solidFill>
                 <a:cs typeface="Calibri"/>
               </a:rPr>
-              <a:t>Relatedness: </a:t>
-            </a:r>
-            <a:r>
-              <a:rPr lang="en-US" sz="2400" dirty="0">
-                <a:cs typeface="Calibri"/>
-              </a:rPr>
-              <a:t>Is this video related to your identity as a native person? (Y/N)</a:t>
-            </a:r>
-          </a:p>
-          <a:p>
-            <a:pPr marL="742950" indent="-742950">
-              <a:spcAft>
-                <a:spcPts val="600"/>
-              </a:spcAft>
-              <a:buFont typeface="+mj-lt"/>
-              <a:buAutoNum type="arabicPeriod"/>
-            </a:pPr>
-            <a:r>
-              <a:rPr lang="en-US" sz="2400" b="1" dirty="0">
-                <a:cs typeface="Calibri"/>
-              </a:rPr>
-              <a:t>Identity: </a:t>
-            </a:r>
-            <a:r>
-              <a:rPr lang="en-US" sz="2400" dirty="0">
-                <a:cs typeface="Calibri"/>
-              </a:rPr>
-              <a:t>How much did this video relate to your identity as a native person? (0-100)</a:t>
-            </a:r>
-          </a:p>
-          <a:p>
-            <a:pPr marL="742950" indent="-742950">
-              <a:spcAft>
-                <a:spcPts val="600"/>
-              </a:spcAft>
-              <a:buFont typeface="+mj-lt"/>
-              <a:buAutoNum type="arabicPeriod"/>
-            </a:pPr>
-            <a:r>
-              <a:rPr lang="en-US" sz="2400" b="1" dirty="0">
-                <a:cs typeface="Calibri"/>
-              </a:rPr>
-              <a:t>Typicality: </a:t>
-            </a:r>
-            <a:r>
-              <a:rPr lang="en-US" sz="2400" dirty="0">
-                <a:cs typeface="Calibri"/>
-              </a:rPr>
-              <a:t>How likely is it for a native person to see/experience scenes like this? (0-100)</a:t>
-            </a:r>
-          </a:p>
-          <a:p>
-            <a:pPr marL="742950" indent="-742950">
-              <a:spcAft>
-                <a:spcPts val="600"/>
-              </a:spcAft>
-              <a:buFont typeface="+mj-lt"/>
-              <a:buAutoNum type="arabicPeriod"/>
-            </a:pPr>
-            <a:r>
-              <a:rPr lang="en-US" sz="2400" b="1" dirty="0">
-                <a:cs typeface="Calibri"/>
-              </a:rPr>
-              <a:t>Valence: </a:t>
-            </a:r>
-            <a:r>
-              <a:rPr lang="en-US" sz="2400" dirty="0">
-                <a:cs typeface="Calibri"/>
-              </a:rPr>
-              <a:t>Rate your mood in response to this video.                        		 </a:t>
-            </a:r>
-            <a:r>
-              <a:rPr lang="en-US" sz="2000" dirty="0">
-                <a:cs typeface="Calibri"/>
-              </a:rPr>
-              <a:t>(1-9) 1 = negative  5 = neutral  9 = positive</a:t>
-            </a:r>
-          </a:p>
-          <a:p>
-            <a:pPr marL="742950" indent="-742950">
-              <a:spcAft>
-                <a:spcPts val="600"/>
-              </a:spcAft>
-              <a:buFont typeface="+mj-lt"/>
-              <a:buAutoNum type="arabicPeriod"/>
-            </a:pPr>
-            <a:r>
-              <a:rPr lang="en-US" sz="2400" b="1" dirty="0">
-                <a:cs typeface="Calibri"/>
-              </a:rPr>
-              <a:t>Arousal: </a:t>
-            </a:r>
-            <a:r>
-              <a:rPr lang="en-US" sz="2400" dirty="0">
-                <a:cs typeface="Calibri"/>
-              </a:rPr>
-              <a:t>Rate your arousal in response to this video.                   		 </a:t>
-            </a:r>
-            <a:r>
-              <a:rPr lang="en-US" sz="2000" dirty="0">
-                <a:cs typeface="Calibri"/>
-              </a:rPr>
-              <a:t>(1-9) 1 = calm  5 = middle  9 = excited</a:t>
-            </a:r>
-            <a:endParaRPr lang="en-US" sz="2400" dirty="0">
-              <a:cs typeface="Calibri"/>
-            </a:endParaRPr>
-          </a:p>
-        </p:txBody>
-      </p:sp>
-      <p:sp>
-        <p:nvSpPr>
-          <p:cNvPr id="6" name="Right Arrow 12">
+              <a:t>CLICK THE RIGHT KEY TO CONTINUE</a:t>
+            </a:r>
+          </a:p>
+        </p:txBody>
+      </p:sp>
+      <p:sp>
+        <p:nvSpPr>
+          <p:cNvPr id="3" name="Right Arrow 12">
             <a:extLst>
               <a:ext uri="{FF2B5EF4-FFF2-40B4-BE49-F238E27FC236}">
-                <a16:creationId xmlns:a16="http://schemas.microsoft.com/office/drawing/2014/main" id="{61AD207B-49C0-5D4C-8F58-875D2B1B3D00}"/>
+                <a16:creationId xmlns:a16="http://schemas.microsoft.com/office/drawing/2014/main" id="{B670D590-D386-4EBA-B0BF-F4CDB2DF6933}"/>
               </a:ext>
             </a:extLst>
           </p:cNvPr>
@@ -10913,56 +11099,36 @@
       </p:sp>
       <p:sp>
         <p:nvSpPr>
-          <p:cNvPr id="7" name="Title 3">
+          <p:cNvPr id="5" name="TextBox 4">
             <a:extLst>
               <a:ext uri="{FF2B5EF4-FFF2-40B4-BE49-F238E27FC236}">
-                <a16:creationId xmlns:a16="http://schemas.microsoft.com/office/drawing/2014/main" id="{DD13525A-E8DC-B54B-BDDC-476469EBEBF2}"/>
+                <a16:creationId xmlns:a16="http://schemas.microsoft.com/office/drawing/2014/main" id="{FA8803B1-4B33-004F-B3D2-AD86FEDA44F7}"/>
               </a:ext>
             </a:extLst>
           </p:cNvPr>
-          <p:cNvSpPr txBox="1">
-            <a:spLocks/>
-          </p:cNvSpPr>
+          <p:cNvSpPr txBox="1"/>
           <p:nvPr/>
         </p:nvSpPr>
         <p:spPr>
           <a:xfrm>
-            <a:off x="18856" y="6208354"/>
-            <a:ext cx="9149174" cy="656705"/>
+            <a:off x="3339790" y="5631366"/>
+            <a:ext cx="2464420" cy="461665"/>
           </a:xfrm>
           <a:prstGeom prst="rect">
             <a:avLst/>
           </a:prstGeom>
+          <a:noFill/>
         </p:spPr>
         <p:txBody>
-          <a:bodyPr vert="horz" lIns="91440" tIns="45720" rIns="91440" bIns="45720" rtlCol="0" anchor="ctr">
-            <a:normAutofit/>
+          <a:bodyPr wrap="square" rtlCol="0">
+            <a:spAutoFit/>
           </a:bodyPr>
-          <a:lstStyle>
-            <a:lvl1pPr algn="ctr" defTabSz="914400" rtl="0" eaLnBrk="1" latinLnBrk="0" hangingPunct="1">
-              <a:spcBef>
-                <a:spcPct val="0"/>
-              </a:spcBef>
-              <a:buNone/>
-              <a:defRPr sz="4400" kern="1200">
-                <a:solidFill>
-                  <a:schemeClr val="tx1"/>
-                </a:solidFill>
-                <a:latin typeface="+mj-lt"/>
-                <a:ea typeface="+mj-ea"/>
-                <a:cs typeface="+mj-cs"/>
-              </a:defRPr>
-            </a:lvl1pPr>
-          </a:lstStyle>
-          <a:p>
-            <a:r>
-              <a:rPr lang="en-US" sz="3000" dirty="0">
-                <a:solidFill>
-                  <a:srgbClr val="FF0000"/>
-                </a:solidFill>
-                <a:cs typeface="Calibri"/>
-              </a:rPr>
-              <a:t>CLICK THE RIGHT KEY TO CONTINUE</a:t>
+          <a:lstStyle/>
+          <a:p>
+            <a:pPr algn="ctr"/>
+            <a:r>
+              <a:rPr lang="en-US" sz="2400" dirty="0"/>
+              <a:t>Run X</a:t>
             </a:r>
           </a:p>
         </p:txBody>
@@ -10970,7 +11136,7 @@
     </p:spTree>
     <p:extLst>
       <p:ext uri="{BB962C8B-B14F-4D97-AF65-F5344CB8AC3E}">
-        <p14:creationId xmlns:p14="http://schemas.microsoft.com/office/powerpoint/2010/main" val="1135926029"/>
+        <p14:creationId xmlns:p14="http://schemas.microsoft.com/office/powerpoint/2010/main" val="4013400190"/>
       </p:ext>
     </p:extLst>
   </p:cSld>
@@ -10999,36 +11165,261 @@
       </p:grpSpPr>
       <p:sp>
         <p:nvSpPr>
-          <p:cNvPr id="4" name="Rectangle 3"/>
+          <p:cNvPr id="3" name="Content Placeholder 2"/>
+          <p:cNvSpPr>
+            <a:spLocks noGrp="1"/>
+          </p:cNvSpPr>
+          <p:nvPr>
+            <p:ph idx="1"/>
+          </p:nvPr>
+        </p:nvSpPr>
+        <p:spPr>
+          <a:xfrm>
+            <a:off x="202799" y="176410"/>
+            <a:ext cx="8738402" cy="6024883"/>
+          </a:xfrm>
+        </p:spPr>
+        <p:txBody>
+          <a:bodyPr vert="horz" lIns="91440" tIns="45720" rIns="91440" bIns="45720" rtlCol="0" anchor="t">
+            <a:noAutofit/>
+          </a:bodyPr>
+          <a:lstStyle/>
+          <a:p>
+            <a:pPr marL="0" indent="0">
+              <a:spcAft>
+                <a:spcPts val="800"/>
+              </a:spcAft>
+              <a:buNone/>
+            </a:pPr>
+            <a:r>
+              <a:rPr lang="en-US" dirty="0"/>
+              <a:t>In this task, you will watch a series of videos. After each video, you will be asked to respond to five questions:</a:t>
+            </a:r>
+          </a:p>
+          <a:p>
+            <a:pPr marL="742950" indent="-742950">
+              <a:spcAft>
+                <a:spcPts val="600"/>
+              </a:spcAft>
+              <a:buFont typeface="+mj-lt"/>
+              <a:buAutoNum type="arabicPeriod"/>
+            </a:pPr>
+            <a:r>
+              <a:rPr lang="en-US" sz="2400" b="1" dirty="0">
+                <a:cs typeface="Calibri"/>
+              </a:rPr>
+              <a:t>Relatedness: </a:t>
+            </a:r>
+            <a:r>
+              <a:rPr lang="en-US" sz="2400" dirty="0">
+                <a:cs typeface="Calibri"/>
+              </a:rPr>
+              <a:t>Is this video related to your identity as a native person? (Y/N)</a:t>
+            </a:r>
+          </a:p>
+          <a:p>
+            <a:pPr marL="742950" indent="-742950">
+              <a:spcAft>
+                <a:spcPts val="600"/>
+              </a:spcAft>
+              <a:buFont typeface="+mj-lt"/>
+              <a:buAutoNum type="arabicPeriod"/>
+            </a:pPr>
+            <a:r>
+              <a:rPr lang="en-US" sz="2400" b="1" dirty="0">
+                <a:cs typeface="Calibri"/>
+              </a:rPr>
+              <a:t>Identity: </a:t>
+            </a:r>
+            <a:r>
+              <a:rPr lang="en-US" sz="2400" dirty="0">
+                <a:cs typeface="Calibri"/>
+              </a:rPr>
+              <a:t>How much did this video relate to your identity as a native person? (0-100)</a:t>
+            </a:r>
+          </a:p>
+          <a:p>
+            <a:pPr marL="742950" indent="-742950">
+              <a:spcAft>
+                <a:spcPts val="600"/>
+              </a:spcAft>
+              <a:buFont typeface="+mj-lt"/>
+              <a:buAutoNum type="arabicPeriod"/>
+            </a:pPr>
+            <a:r>
+              <a:rPr lang="en-US" sz="2400" b="1" dirty="0">
+                <a:cs typeface="Calibri"/>
+              </a:rPr>
+              <a:t>Typicality: </a:t>
+            </a:r>
+            <a:r>
+              <a:rPr lang="en-US" sz="2400" dirty="0">
+                <a:cs typeface="Calibri"/>
+              </a:rPr>
+              <a:t>How likely is it for a native person to see/experience scenes like this? (0-100)</a:t>
+            </a:r>
+          </a:p>
+          <a:p>
+            <a:pPr marL="742950" indent="-742950">
+              <a:spcAft>
+                <a:spcPts val="600"/>
+              </a:spcAft>
+              <a:buFont typeface="+mj-lt"/>
+              <a:buAutoNum type="arabicPeriod"/>
+            </a:pPr>
+            <a:r>
+              <a:rPr lang="en-US" sz="2400" b="1" dirty="0">
+                <a:cs typeface="Calibri"/>
+              </a:rPr>
+              <a:t>Valence: </a:t>
+            </a:r>
+            <a:r>
+              <a:rPr lang="en-US" sz="2400" dirty="0">
+                <a:cs typeface="Calibri"/>
+              </a:rPr>
+              <a:t>Rate your mood in response to this video.                        		 </a:t>
+            </a:r>
+            <a:r>
+              <a:rPr lang="en-US" sz="2000" dirty="0">
+                <a:cs typeface="Calibri"/>
+              </a:rPr>
+              <a:t>(1-9) 1 = negative  5 = neutral  9 = positive</a:t>
+            </a:r>
+          </a:p>
+          <a:p>
+            <a:pPr marL="742950" indent="-742950">
+              <a:spcAft>
+                <a:spcPts val="600"/>
+              </a:spcAft>
+              <a:buFont typeface="+mj-lt"/>
+              <a:buAutoNum type="arabicPeriod"/>
+            </a:pPr>
+            <a:r>
+              <a:rPr lang="en-US" sz="2400" b="1" dirty="0">
+                <a:cs typeface="Calibri"/>
+              </a:rPr>
+              <a:t>Arousal: </a:t>
+            </a:r>
+            <a:r>
+              <a:rPr lang="en-US" sz="2400" dirty="0">
+                <a:cs typeface="Calibri"/>
+              </a:rPr>
+              <a:t>Rate your arousal in response to this video.                   		 </a:t>
+            </a:r>
+            <a:r>
+              <a:rPr lang="en-US" sz="2000" dirty="0">
+                <a:cs typeface="Calibri"/>
+              </a:rPr>
+              <a:t>(1-9) 1 = calm  5 = middle  9 = excited</a:t>
+            </a:r>
+            <a:endParaRPr lang="en-US" sz="2400" dirty="0">
+              <a:cs typeface="Calibri"/>
+            </a:endParaRPr>
+          </a:p>
+        </p:txBody>
+      </p:sp>
+      <p:sp>
+        <p:nvSpPr>
+          <p:cNvPr id="6" name="Right Arrow 12">
+            <a:extLst>
+              <a:ext uri="{FF2B5EF4-FFF2-40B4-BE49-F238E27FC236}">
+                <a16:creationId xmlns:a16="http://schemas.microsoft.com/office/drawing/2014/main" id="{61AD207B-49C0-5D4C-8F58-875D2B1B3D00}"/>
+              </a:ext>
+            </a:extLst>
+          </p:cNvPr>
           <p:cNvSpPr/>
           <p:nvPr/>
         </p:nvSpPr>
         <p:spPr>
           <a:xfrm>
-            <a:off x="0" y="2659455"/>
-            <a:ext cx="9143999" cy="1323439"/>
+            <a:off x="8113318" y="6391826"/>
+            <a:ext cx="640200" cy="289763"/>
+          </a:xfrm>
+          <a:prstGeom prst="rightArrow">
+            <a:avLst/>
+          </a:prstGeom>
+          <a:solidFill>
+            <a:schemeClr val="tx1"/>
+          </a:solidFill>
+          <a:ln>
+            <a:noFill/>
+          </a:ln>
+        </p:spPr>
+        <p:style>
+          <a:lnRef idx="1">
+            <a:schemeClr val="accent1"/>
+          </a:lnRef>
+          <a:fillRef idx="3">
+            <a:schemeClr val="accent1"/>
+          </a:fillRef>
+          <a:effectRef idx="2">
+            <a:schemeClr val="accent1"/>
+          </a:effectRef>
+          <a:fontRef idx="minor">
+            <a:schemeClr val="lt1"/>
+          </a:fontRef>
+        </p:style>
+        <p:txBody>
+          <a:bodyPr rtlCol="0" anchor="ctr"/>
+          <a:lstStyle/>
+          <a:p>
+            <a:pPr algn="ctr"/>
+            <a:endParaRPr lang="en-US"/>
+          </a:p>
+        </p:txBody>
+      </p:sp>
+      <p:sp>
+        <p:nvSpPr>
+          <p:cNvPr id="7" name="Title 3">
+            <a:extLst>
+              <a:ext uri="{FF2B5EF4-FFF2-40B4-BE49-F238E27FC236}">
+                <a16:creationId xmlns:a16="http://schemas.microsoft.com/office/drawing/2014/main" id="{DD13525A-E8DC-B54B-BDDC-476469EBEBF2}"/>
+              </a:ext>
+            </a:extLst>
+          </p:cNvPr>
+          <p:cNvSpPr txBox="1">
+            <a:spLocks/>
+          </p:cNvSpPr>
+          <p:nvPr/>
+        </p:nvSpPr>
+        <p:spPr>
+          <a:xfrm>
+            <a:off x="18856" y="6208354"/>
+            <a:ext cx="9149174" cy="656705"/>
           </a:xfrm>
           <a:prstGeom prst="rect">
             <a:avLst/>
           </a:prstGeom>
         </p:spPr>
         <p:txBody>
-          <a:bodyPr wrap="square" lIns="91440" tIns="45720" rIns="91440" bIns="45720" anchor="t">
-            <a:spAutoFit/>
+          <a:bodyPr vert="horz" lIns="91440" tIns="45720" rIns="91440" bIns="45720" rtlCol="0" anchor="ctr">
+            <a:normAutofit/>
           </a:bodyPr>
-          <a:lstStyle/>
-          <a:p>
-            <a:pPr algn="ctr"/>
-            <a:r>
-              <a:rPr lang="en-US" sz="4000" dirty="0"/>
-              <a:t>When you are ready,</a:t>
-            </a:r>
-          </a:p>
-          <a:p>
-            <a:pPr algn="ctr"/>
-            <a:r>
-              <a:rPr lang="en-US" sz="4000" dirty="0"/>
-              <a:t>Press the RIGHT Key to continue</a:t>
+          <a:lstStyle>
+            <a:lvl1pPr algn="ctr" defTabSz="914400" rtl="0" eaLnBrk="1" latinLnBrk="0" hangingPunct="1">
+              <a:spcBef>
+                <a:spcPct val="0"/>
+              </a:spcBef>
+              <a:buNone/>
+              <a:defRPr sz="4400" kern="1200">
+                <a:solidFill>
+                  <a:schemeClr val="tx1"/>
+                </a:solidFill>
+                <a:latin typeface="+mj-lt"/>
+                <a:ea typeface="+mj-ea"/>
+                <a:cs typeface="+mj-cs"/>
+              </a:defRPr>
+            </a:lvl1pPr>
+          </a:lstStyle>
+          <a:p>
+            <a:r>
+              <a:rPr lang="en-US" sz="3000" dirty="0">
+                <a:solidFill>
+                  <a:srgbClr val="FF0000"/>
+                </a:solidFill>
+                <a:cs typeface="Calibri"/>
+              </a:rPr>
+              <a:t>CLICK THE RIGHT KEY TO CONTINUE</a:t>
             </a:r>
           </a:p>
         </p:txBody>
@@ -11036,7 +11427,7 @@
     </p:spTree>
     <p:extLst>
       <p:ext uri="{BB962C8B-B14F-4D97-AF65-F5344CB8AC3E}">
-        <p14:creationId xmlns:p14="http://schemas.microsoft.com/office/powerpoint/2010/main" val="122476294"/>
+        <p14:creationId xmlns:p14="http://schemas.microsoft.com/office/powerpoint/2010/main" val="1135926029"/>
       </p:ext>
     </p:extLst>
   </p:cSld>
@@ -11071,82 +11462,30 @@
         </p:nvSpPr>
         <p:spPr>
           <a:xfrm>
-            <a:off x="0" y="2041160"/>
-            <a:ext cx="9143999" cy="2431435"/>
+            <a:off x="0" y="2659455"/>
+            <a:ext cx="9143999" cy="1323439"/>
           </a:xfrm>
           <a:prstGeom prst="rect">
             <a:avLst/>
           </a:prstGeom>
         </p:spPr>
         <p:txBody>
-          <a:bodyPr wrap="square" lIns="91440" tIns="45720" rIns="91440" bIns="45720" anchor="ctr">
+          <a:bodyPr wrap="square" lIns="91440" tIns="45720" rIns="91440" bIns="45720" anchor="t">
             <a:spAutoFit/>
           </a:bodyPr>
           <a:lstStyle/>
           <a:p>
             <a:pPr algn="ctr"/>
             <a:r>
-              <a:rPr lang="en-US" sz="3600" b="1" dirty="0">
-                <a:cs typeface="Calibri"/>
-              </a:rPr>
-              <a:t>Relatedness: </a:t>
-            </a:r>
-            <a:r>
-              <a:rPr lang="en-US" sz="3600" dirty="0">
-                <a:cs typeface="Calibri"/>
-              </a:rPr>
-              <a:t>Is this video related to your identity as a native person?</a:t>
-            </a:r>
-            <a:endParaRPr lang="en-US" sz="4000" dirty="0">
-              <a:cs typeface="Calibri"/>
-            </a:endParaRPr>
+              <a:rPr lang="en-US" sz="4000" dirty="0"/>
+              <a:t>When you are ready,</a:t>
+            </a:r>
           </a:p>
           <a:p>
             <a:pPr algn="ctr"/>
-            <a:endParaRPr lang="en-US" sz="4000" dirty="0">
-              <a:cs typeface="Calibri"/>
-            </a:endParaRPr>
-          </a:p>
-          <a:p>
-            <a:pPr algn="ctr"/>
-            <a:endParaRPr lang="en-US" sz="4000" dirty="0">
-              <a:cs typeface="Calibri"/>
-            </a:endParaRPr>
-          </a:p>
-        </p:txBody>
-      </p:sp>
-      <p:sp>
-        <p:nvSpPr>
-          <p:cNvPr id="2" name="TextBox 1">
-            <a:extLst>
-              <a:ext uri="{FF2B5EF4-FFF2-40B4-BE49-F238E27FC236}">
-                <a16:creationId xmlns:a16="http://schemas.microsoft.com/office/drawing/2014/main" id="{8103C802-5703-104E-B339-9CAB3C745E87}"/>
-              </a:ext>
-            </a:extLst>
-          </p:cNvPr>
-          <p:cNvSpPr txBox="1"/>
-          <p:nvPr/>
-        </p:nvSpPr>
-        <p:spPr>
-          <a:xfrm>
-            <a:off x="1506071" y="3515061"/>
-            <a:ext cx="6745045" cy="369332"/>
-          </a:xfrm>
-          <a:prstGeom prst="rect">
-            <a:avLst/>
-          </a:prstGeom>
-          <a:noFill/>
-        </p:spPr>
-        <p:txBody>
-          <a:bodyPr wrap="square" rtlCol="0">
-            <a:spAutoFit/>
-          </a:bodyPr>
-          <a:lstStyle/>
-          <a:p>
-            <a:pPr algn="ctr"/>
-            <a:r>
-              <a:rPr lang="en-US" dirty="0"/>
-              <a:t>[Yes/No options controlled by mouse click]</a:t>
+            <a:r>
+              <a:rPr lang="en-US" sz="4000" dirty="0"/>
+              <a:t>Press the RIGHT Key to continue</a:t>
             </a:r>
           </a:p>
         </p:txBody>
@@ -11154,7 +11493,7 @@
     </p:spTree>
     <p:extLst>
       <p:ext uri="{BB962C8B-B14F-4D97-AF65-F5344CB8AC3E}">
-        <p14:creationId xmlns:p14="http://schemas.microsoft.com/office/powerpoint/2010/main" val="4176457779"/>
+        <p14:creationId xmlns:p14="http://schemas.microsoft.com/office/powerpoint/2010/main" val="122476294"/>
       </p:ext>
     </p:extLst>
   </p:cSld>
@@ -11189,8 +11528,8 @@
         </p:nvSpPr>
         <p:spPr>
           <a:xfrm>
-            <a:off x="0" y="1425607"/>
-            <a:ext cx="9143999" cy="3662541"/>
+            <a:off x="0" y="2041160"/>
+            <a:ext cx="9143999" cy="2431435"/>
           </a:xfrm>
           <a:prstGeom prst="rect">
             <a:avLst/>
@@ -11207,23 +11546,14 @@
               <a:rPr lang="en-US" sz="3600" b="1" dirty="0">
                 <a:cs typeface="Calibri"/>
               </a:rPr>
-              <a:t>Identity: </a:t>
+              <a:t>Relatedness: </a:t>
             </a:r>
             <a:r>
               <a:rPr lang="en-US" sz="3600" dirty="0">
                 <a:cs typeface="Calibri"/>
               </a:rPr>
-              <a:t>How much did this video relate to your identity as a native person? (0-100)</a:t>
-            </a:r>
-          </a:p>
-          <a:p>
-            <a:pPr algn="ctr"/>
-            <a:endParaRPr lang="en-US" sz="4000" dirty="0">
-              <a:cs typeface="Calibri"/>
-            </a:endParaRPr>
-          </a:p>
-          <a:p>
-            <a:pPr algn="ctr"/>
+              <a:t>Is this video related to your identity as a native person?</a:t>
+            </a:r>
             <a:endParaRPr lang="en-US" sz="4000" dirty="0">
               <a:cs typeface="Calibri"/>
             </a:endParaRPr>
@@ -11256,8 +11586,8 @@
         </p:nvSpPr>
         <p:spPr>
           <a:xfrm>
-            <a:off x="2043953" y="3256877"/>
-            <a:ext cx="5131398" cy="646331"/>
+            <a:off x="1506071" y="3515061"/>
+            <a:ext cx="6745045" cy="369332"/>
           </a:xfrm>
           <a:prstGeom prst="rect">
             <a:avLst/>
@@ -11273,7 +11603,7 @@
             <a:pPr algn="ctr"/>
             <a:r>
               <a:rPr lang="en-US" dirty="0"/>
-              <a:t>[insert number line 0-100 use a slider controlled by mouse]</a:t>
+              <a:t>[Yes/No options controlled by mouse click]</a:t>
             </a:r>
           </a:p>
         </p:txBody>
@@ -11281,7 +11611,7 @@
     </p:spTree>
     <p:extLst>
       <p:ext uri="{BB962C8B-B14F-4D97-AF65-F5344CB8AC3E}">
-        <p14:creationId xmlns:p14="http://schemas.microsoft.com/office/powerpoint/2010/main" val="946032924"/>
+        <p14:creationId xmlns:p14="http://schemas.microsoft.com/office/powerpoint/2010/main" val="4176457779"/>
       </p:ext>
     </p:extLst>
   </p:cSld>
@@ -11334,13 +11664,13 @@
               <a:rPr lang="en-US" sz="3600" b="1" dirty="0">
                 <a:cs typeface="Calibri"/>
               </a:rPr>
-              <a:t>Typicality: </a:t>
+              <a:t>Identity: </a:t>
             </a:r>
             <a:r>
               <a:rPr lang="en-US" sz="3600" dirty="0">
                 <a:cs typeface="Calibri"/>
               </a:rPr>
-              <a:t>How likely is it for a native person to see/experience scenes like this? (0-100)</a:t>
+              <a:t>How much did this video relate to your identity as a native person? (0-100)</a:t>
             </a:r>
           </a:p>
           <a:p>
@@ -11408,7 +11738,7 @@
     </p:spTree>
     <p:extLst>
       <p:ext uri="{BB962C8B-B14F-4D97-AF65-F5344CB8AC3E}">
-        <p14:creationId xmlns:p14="http://schemas.microsoft.com/office/powerpoint/2010/main" val="628954323"/>
+        <p14:creationId xmlns:p14="http://schemas.microsoft.com/office/powerpoint/2010/main" val="946032924"/>
       </p:ext>
     </p:extLst>
   </p:cSld>
@@ -11443,8 +11773,8 @@
         </p:nvSpPr>
         <p:spPr>
           <a:xfrm>
-            <a:off x="0" y="1733384"/>
-            <a:ext cx="9143999" cy="3046988"/>
+            <a:off x="0" y="1425607"/>
+            <a:ext cx="9143999" cy="3662541"/>
           </a:xfrm>
           <a:prstGeom prst="rect">
             <a:avLst/>
@@ -11461,14 +11791,17 @@
               <a:rPr lang="en-US" sz="3600" b="1" dirty="0">
                 <a:cs typeface="Calibri"/>
               </a:rPr>
-              <a:t>Valence: </a:t>
+              <a:t>Typicality: </a:t>
             </a:r>
             <a:r>
               <a:rPr lang="en-US" sz="3600" dirty="0">
                 <a:cs typeface="Calibri"/>
               </a:rPr>
-              <a:t>Rate your mood in response to this video. </a:t>
-            </a:r>
+              <a:t>How likely is it for a native person to see/experience scenes like this? (0-100)</a:t>
+            </a:r>
+          </a:p>
+          <a:p>
+            <a:pPr algn="ctr"/>
             <a:endParaRPr lang="en-US" sz="4000" dirty="0">
               <a:cs typeface="Calibri"/>
             </a:endParaRPr>
@@ -11507,8 +11840,8 @@
         </p:nvSpPr>
         <p:spPr>
           <a:xfrm>
-            <a:off x="1506071" y="3515061"/>
-            <a:ext cx="6745045" cy="646331"/>
+            <a:off x="2043953" y="3256877"/>
+            <a:ext cx="5131398" cy="646331"/>
           </a:xfrm>
           <a:prstGeom prst="rect">
             <a:avLst/>
@@ -11524,15 +11857,7 @@
             <a:pPr algn="ctr"/>
             <a:r>
               <a:rPr lang="en-US" dirty="0"/>
-              <a:t>[insert </a:t>
-            </a:r>
-            <a:r>
-              <a:rPr lang="en-US" dirty="0" err="1"/>
-              <a:t>likert</a:t>
-            </a:r>
-            <a:r>
-              <a:rPr lang="en-US" dirty="0"/>
-              <a:t> scale 1-9 with anchors 1=negative 5= neutral 9= positive controlled by mouse click]</a:t>
+              <a:t>[insert number line 0-100 use a slider controlled by mouse]</a:t>
             </a:r>
           </a:p>
         </p:txBody>
@@ -11540,7 +11865,7 @@
     </p:spTree>
     <p:extLst>
       <p:ext uri="{BB962C8B-B14F-4D97-AF65-F5344CB8AC3E}">
-        <p14:creationId xmlns:p14="http://schemas.microsoft.com/office/powerpoint/2010/main" val="2931273767"/>
+        <p14:creationId xmlns:p14="http://schemas.microsoft.com/office/powerpoint/2010/main" val="628954323"/>
       </p:ext>
     </p:extLst>
   </p:cSld>
